--- a/SE495/Lectures/6-Launching and Marketing/Launching and Marketing.pptx
+++ b/SE495/Lectures/6-Launching and Marketing/Launching and Marketing.pptx
@@ -5,13 +5,51 @@
     <p:sldMasterId id="2147483648" r:id="rId1"/>
   </p:sldMasterIdLst>
   <p:notesMasterIdLst>
-    <p:notesMasterId r:id="rId6"/>
+    <p:notesMasterId r:id="rId44"/>
   </p:notesMasterIdLst>
   <p:sldIdLst>
     <p:sldId id="256" r:id="rId2"/>
     <p:sldId id="744" r:id="rId3"/>
     <p:sldId id="749" r:id="rId4"/>
     <p:sldId id="748" r:id="rId5"/>
+    <p:sldId id="750" r:id="rId6"/>
+    <p:sldId id="751" r:id="rId7"/>
+    <p:sldId id="752" r:id="rId8"/>
+    <p:sldId id="753" r:id="rId9"/>
+    <p:sldId id="754" r:id="rId10"/>
+    <p:sldId id="755" r:id="rId11"/>
+    <p:sldId id="756" r:id="rId12"/>
+    <p:sldId id="757" r:id="rId13"/>
+    <p:sldId id="759" r:id="rId14"/>
+    <p:sldId id="758" r:id="rId15"/>
+    <p:sldId id="760" r:id="rId16"/>
+    <p:sldId id="761" r:id="rId17"/>
+    <p:sldId id="762" r:id="rId18"/>
+    <p:sldId id="763" r:id="rId19"/>
+    <p:sldId id="764" r:id="rId20"/>
+    <p:sldId id="766" r:id="rId21"/>
+    <p:sldId id="765" r:id="rId22"/>
+    <p:sldId id="767" r:id="rId23"/>
+    <p:sldId id="768" r:id="rId24"/>
+    <p:sldId id="769" r:id="rId25"/>
+    <p:sldId id="770" r:id="rId26"/>
+    <p:sldId id="771" r:id="rId27"/>
+    <p:sldId id="772" r:id="rId28"/>
+    <p:sldId id="773" r:id="rId29"/>
+    <p:sldId id="775" r:id="rId30"/>
+    <p:sldId id="774" r:id="rId31"/>
+    <p:sldId id="778" r:id="rId32"/>
+    <p:sldId id="779" r:id="rId33"/>
+    <p:sldId id="780" r:id="rId34"/>
+    <p:sldId id="777" r:id="rId35"/>
+    <p:sldId id="781" r:id="rId36"/>
+    <p:sldId id="782" r:id="rId37"/>
+    <p:sldId id="783" r:id="rId38"/>
+    <p:sldId id="784" r:id="rId39"/>
+    <p:sldId id="785" r:id="rId40"/>
+    <p:sldId id="786" r:id="rId41"/>
+    <p:sldId id="787" r:id="rId42"/>
+    <p:sldId id="788" r:id="rId43"/>
   </p:sldIdLst>
   <p:sldSz cx="12192000" cy="6858000"/>
   <p:notesSz cx="6858000" cy="9144000"/>
@@ -147,6 +185,3391 @@
 </pc:chgInfo>
 </file>
 
+<file path=ppt/diagrams/colors1.xml><?xml version="1.0" encoding="utf-8"?>
+<dgm:colorsDef xmlns:dgm="http://schemas.openxmlformats.org/drawingml/2006/diagram" xmlns:a="http://schemas.openxmlformats.org/drawingml/2006/main" uniqueId="urn:microsoft.com/office/officeart/2005/8/colors/accent1_1">
+  <dgm:title val=""/>
+  <dgm:desc val=""/>
+  <dgm:catLst>
+    <dgm:cat type="accent1" pri="11100"/>
+  </dgm:catLst>
+  <dgm:styleLbl name="node0">
+    <dgm:fillClrLst meth="repeat">
+      <a:schemeClr val="lt1"/>
+    </dgm:fillClrLst>
+    <dgm:linClrLst meth="repeat">
+      <a:schemeClr val="accent1">
+        <a:shade val="80000"/>
+      </a:schemeClr>
+    </dgm:linClrLst>
+    <dgm:effectClrLst/>
+    <dgm:txLinClrLst/>
+    <dgm:txFillClrLst meth="repeat">
+      <a:schemeClr val="dk1"/>
+    </dgm:txFillClrLst>
+    <dgm:txEffectClrLst/>
+  </dgm:styleLbl>
+  <dgm:styleLbl name="alignNode1">
+    <dgm:fillClrLst meth="repeat">
+      <a:schemeClr val="lt1"/>
+    </dgm:fillClrLst>
+    <dgm:linClrLst meth="repeat">
+      <a:schemeClr val="accent1">
+        <a:shade val="80000"/>
+      </a:schemeClr>
+    </dgm:linClrLst>
+    <dgm:effectClrLst/>
+    <dgm:txLinClrLst/>
+    <dgm:txFillClrLst meth="repeat">
+      <a:schemeClr val="dk1"/>
+    </dgm:txFillClrLst>
+    <dgm:txEffectClrLst/>
+  </dgm:styleLbl>
+  <dgm:styleLbl name="node1">
+    <dgm:fillClrLst meth="repeat">
+      <a:schemeClr val="lt1"/>
+    </dgm:fillClrLst>
+    <dgm:linClrLst meth="repeat">
+      <a:schemeClr val="accent1">
+        <a:shade val="80000"/>
+      </a:schemeClr>
+    </dgm:linClrLst>
+    <dgm:effectClrLst/>
+    <dgm:txLinClrLst/>
+    <dgm:txFillClrLst meth="repeat">
+      <a:schemeClr val="dk1"/>
+    </dgm:txFillClrLst>
+    <dgm:txEffectClrLst/>
+  </dgm:styleLbl>
+  <dgm:styleLbl name="lnNode1">
+    <dgm:fillClrLst meth="repeat">
+      <a:schemeClr val="lt1"/>
+    </dgm:fillClrLst>
+    <dgm:linClrLst meth="repeat">
+      <a:schemeClr val="accent1">
+        <a:shade val="80000"/>
+      </a:schemeClr>
+    </dgm:linClrLst>
+    <dgm:effectClrLst/>
+    <dgm:txLinClrLst/>
+    <dgm:txFillClrLst meth="repeat">
+      <a:schemeClr val="dk1"/>
+    </dgm:txFillClrLst>
+    <dgm:txEffectClrLst/>
+  </dgm:styleLbl>
+  <dgm:styleLbl name="vennNode1">
+    <dgm:fillClrLst meth="repeat">
+      <a:schemeClr val="lt1">
+        <a:alpha val="50000"/>
+      </a:schemeClr>
+    </dgm:fillClrLst>
+    <dgm:linClrLst meth="repeat">
+      <a:schemeClr val="accent1">
+        <a:shade val="80000"/>
+      </a:schemeClr>
+    </dgm:linClrLst>
+    <dgm:effectClrLst/>
+    <dgm:txLinClrLst/>
+    <dgm:txFillClrLst/>
+    <dgm:txEffectClrLst/>
+  </dgm:styleLbl>
+  <dgm:styleLbl name="node2">
+    <dgm:fillClrLst meth="repeat">
+      <a:schemeClr val="lt1"/>
+    </dgm:fillClrLst>
+    <dgm:linClrLst meth="repeat">
+      <a:schemeClr val="accent1">
+        <a:shade val="80000"/>
+      </a:schemeClr>
+    </dgm:linClrLst>
+    <dgm:effectClrLst/>
+    <dgm:txLinClrLst/>
+    <dgm:txFillClrLst meth="repeat">
+      <a:schemeClr val="dk1"/>
+    </dgm:txFillClrLst>
+    <dgm:txEffectClrLst/>
+  </dgm:styleLbl>
+  <dgm:styleLbl name="node3">
+    <dgm:fillClrLst meth="repeat">
+      <a:schemeClr val="lt1"/>
+    </dgm:fillClrLst>
+    <dgm:linClrLst meth="repeat">
+      <a:schemeClr val="accent1">
+        <a:shade val="80000"/>
+      </a:schemeClr>
+    </dgm:linClrLst>
+    <dgm:effectClrLst/>
+    <dgm:txLinClrLst/>
+    <dgm:txFillClrLst meth="repeat">
+      <a:schemeClr val="dk1"/>
+    </dgm:txFillClrLst>
+    <dgm:txEffectClrLst/>
+  </dgm:styleLbl>
+  <dgm:styleLbl name="node4">
+    <dgm:fillClrLst meth="repeat">
+      <a:schemeClr val="lt1"/>
+    </dgm:fillClrLst>
+    <dgm:linClrLst meth="repeat">
+      <a:schemeClr val="accent1">
+        <a:shade val="80000"/>
+      </a:schemeClr>
+    </dgm:linClrLst>
+    <dgm:effectClrLst/>
+    <dgm:txLinClrLst/>
+    <dgm:txFillClrLst meth="repeat">
+      <a:schemeClr val="dk1"/>
+    </dgm:txFillClrLst>
+    <dgm:txEffectClrLst/>
+  </dgm:styleLbl>
+  <dgm:styleLbl name="fgImgPlace1">
+    <dgm:fillClrLst meth="repeat">
+      <a:schemeClr val="accent1">
+        <a:tint val="40000"/>
+      </a:schemeClr>
+    </dgm:fillClrLst>
+    <dgm:linClrLst meth="repeat">
+      <a:schemeClr val="accent1">
+        <a:shade val="80000"/>
+      </a:schemeClr>
+    </dgm:linClrLst>
+    <dgm:effectClrLst/>
+    <dgm:txLinClrLst/>
+    <dgm:txFillClrLst meth="repeat">
+      <a:schemeClr val="lt1"/>
+    </dgm:txFillClrLst>
+    <dgm:txEffectClrLst/>
+  </dgm:styleLbl>
+  <dgm:styleLbl name="alignImgPlace1">
+    <dgm:fillClrLst meth="repeat">
+      <a:schemeClr val="accent1">
+        <a:tint val="40000"/>
+      </a:schemeClr>
+    </dgm:fillClrLst>
+    <dgm:linClrLst meth="repeat">
+      <a:schemeClr val="accent1">
+        <a:shade val="80000"/>
+      </a:schemeClr>
+    </dgm:linClrLst>
+    <dgm:effectClrLst/>
+    <dgm:txLinClrLst/>
+    <dgm:txFillClrLst meth="repeat">
+      <a:schemeClr val="lt1"/>
+    </dgm:txFillClrLst>
+    <dgm:txEffectClrLst/>
+  </dgm:styleLbl>
+  <dgm:styleLbl name="bgImgPlace1">
+    <dgm:fillClrLst meth="repeat">
+      <a:schemeClr val="accent1">
+        <a:tint val="40000"/>
+      </a:schemeClr>
+    </dgm:fillClrLst>
+    <dgm:linClrLst meth="repeat">
+      <a:schemeClr val="accent1">
+        <a:shade val="80000"/>
+      </a:schemeClr>
+    </dgm:linClrLst>
+    <dgm:effectClrLst/>
+    <dgm:txLinClrLst/>
+    <dgm:txFillClrLst meth="repeat">
+      <a:schemeClr val="lt1"/>
+    </dgm:txFillClrLst>
+    <dgm:txEffectClrLst/>
+  </dgm:styleLbl>
+  <dgm:styleLbl name="sibTrans2D1">
+    <dgm:fillClrLst meth="repeat">
+      <a:schemeClr val="accent1">
+        <a:tint val="60000"/>
+      </a:schemeClr>
+    </dgm:fillClrLst>
+    <dgm:linClrLst meth="repeat">
+      <a:schemeClr val="accent1">
+        <a:tint val="60000"/>
+      </a:schemeClr>
+    </dgm:linClrLst>
+    <dgm:effectClrLst/>
+    <dgm:txLinClrLst/>
+    <dgm:txFillClrLst meth="repeat">
+      <a:schemeClr val="dk1"/>
+    </dgm:txFillClrLst>
+    <dgm:txEffectClrLst/>
+  </dgm:styleLbl>
+  <dgm:styleLbl name="fgSibTrans2D1">
+    <dgm:fillClrLst meth="repeat">
+      <a:schemeClr val="accent1">
+        <a:tint val="60000"/>
+      </a:schemeClr>
+    </dgm:fillClrLst>
+    <dgm:linClrLst meth="repeat">
+      <a:schemeClr val="accent1">
+        <a:tint val="60000"/>
+      </a:schemeClr>
+    </dgm:linClrLst>
+    <dgm:effectClrLst/>
+    <dgm:txLinClrLst/>
+    <dgm:txFillClrLst meth="repeat">
+      <a:schemeClr val="dk1"/>
+    </dgm:txFillClrLst>
+    <dgm:txEffectClrLst/>
+  </dgm:styleLbl>
+  <dgm:styleLbl name="bgSibTrans2D1">
+    <dgm:fillClrLst meth="repeat">
+      <a:schemeClr val="accent1">
+        <a:tint val="60000"/>
+      </a:schemeClr>
+    </dgm:fillClrLst>
+    <dgm:linClrLst meth="repeat">
+      <a:schemeClr val="accent1">
+        <a:tint val="60000"/>
+      </a:schemeClr>
+    </dgm:linClrLst>
+    <dgm:effectClrLst/>
+    <dgm:txLinClrLst/>
+    <dgm:txFillClrLst meth="repeat">
+      <a:schemeClr val="dk1"/>
+    </dgm:txFillClrLst>
+    <dgm:txEffectClrLst/>
+  </dgm:styleLbl>
+  <dgm:styleLbl name="sibTrans1D1">
+    <dgm:fillClrLst meth="repeat">
+      <a:schemeClr val="accent1"/>
+    </dgm:fillClrLst>
+    <dgm:linClrLst meth="repeat">
+      <a:schemeClr val="accent1"/>
+    </dgm:linClrLst>
+    <dgm:effectClrLst/>
+    <dgm:txLinClrLst/>
+    <dgm:txFillClrLst meth="repeat">
+      <a:schemeClr val="tx1"/>
+    </dgm:txFillClrLst>
+    <dgm:txEffectClrLst/>
+  </dgm:styleLbl>
+  <dgm:styleLbl name="callout">
+    <dgm:fillClrLst meth="repeat">
+      <a:schemeClr val="accent1"/>
+    </dgm:fillClrLst>
+    <dgm:linClrLst meth="repeat">
+      <a:schemeClr val="accent1"/>
+    </dgm:linClrLst>
+    <dgm:effectClrLst/>
+    <dgm:txLinClrLst/>
+    <dgm:txFillClrLst meth="repeat">
+      <a:schemeClr val="tx1"/>
+    </dgm:txFillClrLst>
+    <dgm:txEffectClrLst/>
+  </dgm:styleLbl>
+  <dgm:styleLbl name="asst0">
+    <dgm:fillClrLst meth="repeat">
+      <a:schemeClr val="lt1"/>
+    </dgm:fillClrLst>
+    <dgm:linClrLst meth="repeat">
+      <a:schemeClr val="accent1">
+        <a:shade val="80000"/>
+      </a:schemeClr>
+    </dgm:linClrLst>
+    <dgm:effectClrLst/>
+    <dgm:txLinClrLst/>
+    <dgm:txFillClrLst meth="repeat">
+      <a:schemeClr val="dk1"/>
+    </dgm:txFillClrLst>
+    <dgm:txEffectClrLst/>
+  </dgm:styleLbl>
+  <dgm:styleLbl name="asst1">
+    <dgm:fillClrLst meth="repeat">
+      <a:schemeClr val="lt1"/>
+    </dgm:fillClrLst>
+    <dgm:linClrLst meth="repeat">
+      <a:schemeClr val="accent1">
+        <a:shade val="80000"/>
+      </a:schemeClr>
+    </dgm:linClrLst>
+    <dgm:effectClrLst/>
+    <dgm:txLinClrLst/>
+    <dgm:txFillClrLst meth="repeat">
+      <a:schemeClr val="dk1"/>
+    </dgm:txFillClrLst>
+    <dgm:txEffectClrLst/>
+  </dgm:styleLbl>
+  <dgm:styleLbl name="asst2">
+    <dgm:fillClrLst meth="repeat">
+      <a:schemeClr val="lt1"/>
+    </dgm:fillClrLst>
+    <dgm:linClrLst meth="repeat">
+      <a:schemeClr val="accent1">
+        <a:shade val="80000"/>
+      </a:schemeClr>
+    </dgm:linClrLst>
+    <dgm:effectClrLst/>
+    <dgm:txLinClrLst/>
+    <dgm:txFillClrLst meth="repeat">
+      <a:schemeClr val="dk1"/>
+    </dgm:txFillClrLst>
+    <dgm:txEffectClrLst/>
+  </dgm:styleLbl>
+  <dgm:styleLbl name="asst3">
+    <dgm:fillClrLst meth="repeat">
+      <a:schemeClr val="lt1"/>
+    </dgm:fillClrLst>
+    <dgm:linClrLst meth="repeat">
+      <a:schemeClr val="accent1">
+        <a:shade val="80000"/>
+      </a:schemeClr>
+    </dgm:linClrLst>
+    <dgm:effectClrLst/>
+    <dgm:txLinClrLst/>
+    <dgm:txFillClrLst meth="repeat">
+      <a:schemeClr val="dk1"/>
+    </dgm:txFillClrLst>
+    <dgm:txEffectClrLst/>
+  </dgm:styleLbl>
+  <dgm:styleLbl name="asst4">
+    <dgm:fillClrLst meth="repeat">
+      <a:schemeClr val="lt1"/>
+    </dgm:fillClrLst>
+    <dgm:linClrLst meth="repeat">
+      <a:schemeClr val="accent1">
+        <a:shade val="80000"/>
+      </a:schemeClr>
+    </dgm:linClrLst>
+    <dgm:effectClrLst/>
+    <dgm:txLinClrLst/>
+    <dgm:txFillClrLst meth="repeat">
+      <a:schemeClr val="dk1"/>
+    </dgm:txFillClrLst>
+    <dgm:txEffectClrLst/>
+  </dgm:styleLbl>
+  <dgm:styleLbl name="parChTrans2D1">
+    <dgm:fillClrLst meth="repeat">
+      <a:schemeClr val="accent1">
+        <a:tint val="60000"/>
+      </a:schemeClr>
+    </dgm:fillClrLst>
+    <dgm:linClrLst meth="repeat">
+      <a:schemeClr val="accent1">
+        <a:tint val="60000"/>
+      </a:schemeClr>
+    </dgm:linClrLst>
+    <dgm:effectClrLst/>
+    <dgm:txLinClrLst/>
+    <dgm:txFillClrLst/>
+    <dgm:txEffectClrLst/>
+  </dgm:styleLbl>
+  <dgm:styleLbl name="parChTrans2D2">
+    <dgm:fillClrLst meth="repeat">
+      <a:schemeClr val="accent1"/>
+    </dgm:fillClrLst>
+    <dgm:linClrLst meth="repeat">
+      <a:schemeClr val="accent1"/>
+    </dgm:linClrLst>
+    <dgm:effectClrLst/>
+    <dgm:txLinClrLst/>
+    <dgm:txFillClrLst/>
+    <dgm:txEffectClrLst/>
+  </dgm:styleLbl>
+  <dgm:styleLbl name="parChTrans2D3">
+    <dgm:fillClrLst meth="repeat">
+      <a:schemeClr val="accent1"/>
+    </dgm:fillClrLst>
+    <dgm:linClrLst meth="repeat">
+      <a:schemeClr val="accent1"/>
+    </dgm:linClrLst>
+    <dgm:effectClrLst/>
+    <dgm:txLinClrLst/>
+    <dgm:txFillClrLst/>
+    <dgm:txEffectClrLst/>
+  </dgm:styleLbl>
+  <dgm:styleLbl name="parChTrans2D4">
+    <dgm:fillClrLst meth="repeat">
+      <a:schemeClr val="accent1"/>
+    </dgm:fillClrLst>
+    <dgm:linClrLst meth="repeat">
+      <a:schemeClr val="accent1"/>
+    </dgm:linClrLst>
+    <dgm:effectClrLst/>
+    <dgm:txLinClrLst/>
+    <dgm:txFillClrLst meth="repeat">
+      <a:schemeClr val="lt1"/>
+    </dgm:txFillClrLst>
+    <dgm:txEffectClrLst/>
+  </dgm:styleLbl>
+  <dgm:styleLbl name="parChTrans1D1">
+    <dgm:fillClrLst meth="repeat">
+      <a:schemeClr val="accent1"/>
+    </dgm:fillClrLst>
+    <dgm:linClrLst meth="repeat">
+      <a:schemeClr val="accent1">
+        <a:shade val="60000"/>
+      </a:schemeClr>
+    </dgm:linClrLst>
+    <dgm:effectClrLst/>
+    <dgm:txLinClrLst/>
+    <dgm:txFillClrLst meth="repeat">
+      <a:schemeClr val="tx1"/>
+    </dgm:txFillClrLst>
+    <dgm:txEffectClrLst/>
+  </dgm:styleLbl>
+  <dgm:styleLbl name="parChTrans1D2">
+    <dgm:fillClrLst meth="repeat">
+      <a:schemeClr val="accent1"/>
+    </dgm:fillClrLst>
+    <dgm:linClrLst meth="repeat">
+      <a:schemeClr val="accent1">
+        <a:shade val="60000"/>
+      </a:schemeClr>
+    </dgm:linClrLst>
+    <dgm:effectClrLst/>
+    <dgm:txLinClrLst/>
+    <dgm:txFillClrLst meth="repeat">
+      <a:schemeClr val="tx1"/>
+    </dgm:txFillClrLst>
+    <dgm:txEffectClrLst/>
+  </dgm:styleLbl>
+  <dgm:styleLbl name="parChTrans1D3">
+    <dgm:fillClrLst meth="repeat">
+      <a:schemeClr val="accent1"/>
+    </dgm:fillClrLst>
+    <dgm:linClrLst meth="repeat">
+      <a:schemeClr val="accent1">
+        <a:shade val="80000"/>
+      </a:schemeClr>
+    </dgm:linClrLst>
+    <dgm:effectClrLst/>
+    <dgm:txLinClrLst/>
+    <dgm:txFillClrLst meth="repeat">
+      <a:schemeClr val="tx1"/>
+    </dgm:txFillClrLst>
+    <dgm:txEffectClrLst/>
+  </dgm:styleLbl>
+  <dgm:styleLbl name="parChTrans1D4">
+    <dgm:fillClrLst meth="repeat">
+      <a:schemeClr val="accent1"/>
+    </dgm:fillClrLst>
+    <dgm:linClrLst meth="repeat">
+      <a:schemeClr val="accent1">
+        <a:shade val="80000"/>
+      </a:schemeClr>
+    </dgm:linClrLst>
+    <dgm:effectClrLst/>
+    <dgm:txLinClrLst/>
+    <dgm:txFillClrLst meth="repeat">
+      <a:schemeClr val="tx1"/>
+    </dgm:txFillClrLst>
+    <dgm:txEffectClrLst/>
+  </dgm:styleLbl>
+  <dgm:styleLbl name="fgAcc1">
+    <dgm:fillClrLst meth="repeat">
+      <a:schemeClr val="accent1">
+        <a:alpha val="90000"/>
+        <a:tint val="40000"/>
+      </a:schemeClr>
+    </dgm:fillClrLst>
+    <dgm:linClrLst meth="repeat">
+      <a:schemeClr val="accent1"/>
+    </dgm:linClrLst>
+    <dgm:effectClrLst/>
+    <dgm:txLinClrLst/>
+    <dgm:txFillClrLst meth="repeat">
+      <a:schemeClr val="dk1"/>
+    </dgm:txFillClrLst>
+    <dgm:txEffectClrLst/>
+  </dgm:styleLbl>
+  <dgm:styleLbl name="conFgAcc1">
+    <dgm:fillClrLst meth="repeat">
+      <a:schemeClr val="accent1">
+        <a:alpha val="90000"/>
+        <a:tint val="40000"/>
+      </a:schemeClr>
+    </dgm:fillClrLst>
+    <dgm:linClrLst meth="repeat">
+      <a:schemeClr val="accent1"/>
+    </dgm:linClrLst>
+    <dgm:effectClrLst/>
+    <dgm:txLinClrLst/>
+    <dgm:txFillClrLst meth="repeat">
+      <a:schemeClr val="dk1"/>
+    </dgm:txFillClrLst>
+    <dgm:txEffectClrLst/>
+  </dgm:styleLbl>
+  <dgm:styleLbl name="alignAcc1">
+    <dgm:fillClrLst meth="repeat">
+      <a:schemeClr val="accent1">
+        <a:alpha val="90000"/>
+        <a:tint val="40000"/>
+      </a:schemeClr>
+    </dgm:fillClrLst>
+    <dgm:linClrLst meth="repeat">
+      <a:schemeClr val="accent1"/>
+    </dgm:linClrLst>
+    <dgm:effectClrLst/>
+    <dgm:txLinClrLst/>
+    <dgm:txFillClrLst meth="repeat">
+      <a:schemeClr val="dk1"/>
+    </dgm:txFillClrLst>
+    <dgm:txEffectClrLst/>
+  </dgm:styleLbl>
+  <dgm:styleLbl name="trAlignAcc1">
+    <dgm:fillClrLst meth="repeat">
+      <a:schemeClr val="accent1">
+        <a:alpha val="40000"/>
+        <a:tint val="40000"/>
+      </a:schemeClr>
+    </dgm:fillClrLst>
+    <dgm:linClrLst meth="repeat">
+      <a:schemeClr val="accent1"/>
+    </dgm:linClrLst>
+    <dgm:effectClrLst/>
+    <dgm:txLinClrLst/>
+    <dgm:txFillClrLst meth="repeat">
+      <a:schemeClr val="dk1"/>
+    </dgm:txFillClrLst>
+    <dgm:txEffectClrLst/>
+  </dgm:styleLbl>
+  <dgm:styleLbl name="bgAcc1">
+    <dgm:fillClrLst meth="repeat">
+      <a:schemeClr val="accent1">
+        <a:alpha val="90000"/>
+        <a:tint val="40000"/>
+      </a:schemeClr>
+    </dgm:fillClrLst>
+    <dgm:linClrLst meth="repeat">
+      <a:schemeClr val="accent1"/>
+    </dgm:linClrLst>
+    <dgm:effectClrLst/>
+    <dgm:txLinClrLst/>
+    <dgm:txFillClrLst meth="repeat">
+      <a:schemeClr val="dk1"/>
+    </dgm:txFillClrLst>
+    <dgm:txEffectClrLst/>
+  </dgm:styleLbl>
+  <dgm:styleLbl name="solidFgAcc1">
+    <dgm:fillClrLst meth="repeat">
+      <a:schemeClr val="lt1"/>
+    </dgm:fillClrLst>
+    <dgm:linClrLst meth="repeat">
+      <a:schemeClr val="accent1"/>
+    </dgm:linClrLst>
+    <dgm:effectClrLst/>
+    <dgm:txLinClrLst/>
+    <dgm:txFillClrLst meth="repeat">
+      <a:schemeClr val="dk1"/>
+    </dgm:txFillClrLst>
+    <dgm:txEffectClrLst/>
+  </dgm:styleLbl>
+  <dgm:styleLbl name="solidAlignAcc1">
+    <dgm:fillClrLst meth="repeat">
+      <a:schemeClr val="lt1"/>
+    </dgm:fillClrLst>
+    <dgm:linClrLst meth="repeat">
+      <a:schemeClr val="accent1"/>
+    </dgm:linClrLst>
+    <dgm:effectClrLst/>
+    <dgm:txLinClrLst/>
+    <dgm:txFillClrLst meth="repeat">
+      <a:schemeClr val="dk1"/>
+    </dgm:txFillClrLst>
+    <dgm:txEffectClrLst/>
+  </dgm:styleLbl>
+  <dgm:styleLbl name="solidBgAcc1">
+    <dgm:fillClrLst meth="repeat">
+      <a:schemeClr val="lt1"/>
+    </dgm:fillClrLst>
+    <dgm:linClrLst meth="repeat">
+      <a:schemeClr val="accent1"/>
+    </dgm:linClrLst>
+    <dgm:effectClrLst/>
+    <dgm:txLinClrLst/>
+    <dgm:txFillClrLst meth="repeat">
+      <a:schemeClr val="dk1"/>
+    </dgm:txFillClrLst>
+    <dgm:txEffectClrLst/>
+  </dgm:styleLbl>
+  <dgm:styleLbl name="fgAccFollowNode1">
+    <dgm:fillClrLst meth="repeat">
+      <a:schemeClr val="lt1">
+        <a:alpha val="90000"/>
+        <a:tint val="40000"/>
+      </a:schemeClr>
+    </dgm:fillClrLst>
+    <dgm:linClrLst meth="repeat">
+      <a:schemeClr val="accent1">
+        <a:alpha val="90000"/>
+      </a:schemeClr>
+    </dgm:linClrLst>
+    <dgm:effectClrLst/>
+    <dgm:txLinClrLst/>
+    <dgm:txFillClrLst meth="repeat">
+      <a:schemeClr val="dk1"/>
+    </dgm:txFillClrLst>
+    <dgm:txEffectClrLst/>
+  </dgm:styleLbl>
+  <dgm:styleLbl name="alignAccFollowNode1">
+    <dgm:fillClrLst meth="repeat">
+      <a:schemeClr val="lt1">
+        <a:alpha val="90000"/>
+        <a:tint val="40000"/>
+      </a:schemeClr>
+    </dgm:fillClrLst>
+    <dgm:linClrLst meth="repeat">
+      <a:schemeClr val="accent1">
+        <a:alpha val="90000"/>
+      </a:schemeClr>
+    </dgm:linClrLst>
+    <dgm:effectClrLst/>
+    <dgm:txLinClrLst/>
+    <dgm:txFillClrLst meth="repeat">
+      <a:schemeClr val="dk1"/>
+    </dgm:txFillClrLst>
+    <dgm:txEffectClrLst/>
+  </dgm:styleLbl>
+  <dgm:styleLbl name="bgAccFollowNode1">
+    <dgm:fillClrLst meth="repeat">
+      <a:schemeClr val="lt1">
+        <a:alpha val="90000"/>
+        <a:tint val="40000"/>
+      </a:schemeClr>
+    </dgm:fillClrLst>
+    <dgm:linClrLst meth="repeat">
+      <a:schemeClr val="accent1">
+        <a:alpha val="90000"/>
+      </a:schemeClr>
+    </dgm:linClrLst>
+    <dgm:effectClrLst/>
+    <dgm:txLinClrLst/>
+    <dgm:txFillClrLst meth="repeat">
+      <a:schemeClr val="dk1"/>
+    </dgm:txFillClrLst>
+    <dgm:txEffectClrLst/>
+  </dgm:styleLbl>
+  <dgm:styleLbl name="fgAcc0">
+    <dgm:fillClrLst meth="repeat">
+      <a:schemeClr val="accent1">
+        <a:alpha val="90000"/>
+        <a:tint val="40000"/>
+      </a:schemeClr>
+    </dgm:fillClrLst>
+    <dgm:linClrLst meth="repeat">
+      <a:schemeClr val="accent1"/>
+    </dgm:linClrLst>
+    <dgm:effectClrLst/>
+    <dgm:txLinClrLst/>
+    <dgm:txFillClrLst meth="repeat">
+      <a:schemeClr val="dk1"/>
+    </dgm:txFillClrLst>
+    <dgm:txEffectClrLst/>
+  </dgm:styleLbl>
+  <dgm:styleLbl name="fgAcc2">
+    <dgm:fillClrLst meth="repeat">
+      <a:schemeClr val="accent1">
+        <a:alpha val="90000"/>
+        <a:tint val="40000"/>
+      </a:schemeClr>
+    </dgm:fillClrLst>
+    <dgm:linClrLst meth="repeat">
+      <a:schemeClr val="accent1"/>
+    </dgm:linClrLst>
+    <dgm:effectClrLst/>
+    <dgm:txLinClrLst/>
+    <dgm:txFillClrLst meth="repeat">
+      <a:schemeClr val="dk1"/>
+    </dgm:txFillClrLst>
+    <dgm:txEffectClrLst/>
+  </dgm:styleLbl>
+  <dgm:styleLbl name="fgAcc3">
+    <dgm:fillClrLst meth="repeat">
+      <a:schemeClr val="accent1">
+        <a:alpha val="90000"/>
+        <a:tint val="40000"/>
+      </a:schemeClr>
+    </dgm:fillClrLst>
+    <dgm:linClrLst meth="repeat">
+      <a:schemeClr val="accent1"/>
+    </dgm:linClrLst>
+    <dgm:effectClrLst/>
+    <dgm:txLinClrLst/>
+    <dgm:txFillClrLst meth="repeat">
+      <a:schemeClr val="dk1"/>
+    </dgm:txFillClrLst>
+    <dgm:txEffectClrLst/>
+  </dgm:styleLbl>
+  <dgm:styleLbl name="fgAcc4">
+    <dgm:fillClrLst meth="repeat">
+      <a:schemeClr val="accent1">
+        <a:alpha val="90000"/>
+        <a:tint val="40000"/>
+      </a:schemeClr>
+    </dgm:fillClrLst>
+    <dgm:linClrLst meth="repeat">
+      <a:schemeClr val="accent1"/>
+    </dgm:linClrLst>
+    <dgm:effectClrLst/>
+    <dgm:txLinClrLst/>
+    <dgm:txFillClrLst meth="repeat">
+      <a:schemeClr val="dk1"/>
+    </dgm:txFillClrLst>
+    <dgm:txEffectClrLst/>
+  </dgm:styleLbl>
+  <dgm:styleLbl name="bgShp">
+    <dgm:fillClrLst meth="repeat">
+      <a:schemeClr val="accent1">
+        <a:tint val="40000"/>
+      </a:schemeClr>
+    </dgm:fillClrLst>
+    <dgm:linClrLst meth="repeat">
+      <a:schemeClr val="accent1"/>
+    </dgm:linClrLst>
+    <dgm:effectClrLst/>
+    <dgm:txLinClrLst/>
+    <dgm:txFillClrLst meth="repeat">
+      <a:schemeClr val="dk1"/>
+    </dgm:txFillClrLst>
+    <dgm:txEffectClrLst/>
+  </dgm:styleLbl>
+  <dgm:styleLbl name="dkBgShp">
+    <dgm:fillClrLst meth="repeat">
+      <a:schemeClr val="accent1">
+        <a:shade val="80000"/>
+      </a:schemeClr>
+    </dgm:fillClrLst>
+    <dgm:linClrLst meth="repeat">
+      <a:schemeClr val="accent1"/>
+    </dgm:linClrLst>
+    <dgm:effectClrLst/>
+    <dgm:txLinClrLst/>
+    <dgm:txFillClrLst meth="repeat">
+      <a:schemeClr val="lt1"/>
+    </dgm:txFillClrLst>
+    <dgm:txEffectClrLst/>
+  </dgm:styleLbl>
+  <dgm:styleLbl name="trBgShp">
+    <dgm:fillClrLst meth="repeat">
+      <a:schemeClr val="accent1">
+        <a:tint val="50000"/>
+        <a:alpha val="40000"/>
+      </a:schemeClr>
+    </dgm:fillClrLst>
+    <dgm:linClrLst meth="repeat">
+      <a:schemeClr val="accent1"/>
+    </dgm:linClrLst>
+    <dgm:effectClrLst/>
+    <dgm:txLinClrLst/>
+    <dgm:txFillClrLst meth="repeat">
+      <a:schemeClr val="lt1"/>
+    </dgm:txFillClrLst>
+    <dgm:txEffectClrLst/>
+  </dgm:styleLbl>
+  <dgm:styleLbl name="fgShp">
+    <dgm:fillClrLst meth="repeat">
+      <a:schemeClr val="accent1">
+        <a:tint val="60000"/>
+      </a:schemeClr>
+    </dgm:fillClrLst>
+    <dgm:linClrLst meth="repeat">
+      <a:schemeClr val="lt1"/>
+    </dgm:linClrLst>
+    <dgm:effectClrLst/>
+    <dgm:txLinClrLst/>
+    <dgm:txFillClrLst meth="repeat">
+      <a:schemeClr val="dk1"/>
+    </dgm:txFillClrLst>
+    <dgm:txEffectClrLst/>
+  </dgm:styleLbl>
+  <dgm:styleLbl name="revTx">
+    <dgm:fillClrLst meth="repeat">
+      <a:schemeClr val="lt1">
+        <a:alpha val="0"/>
+      </a:schemeClr>
+    </dgm:fillClrLst>
+    <dgm:linClrLst meth="repeat">
+      <a:schemeClr val="dk1">
+        <a:alpha val="0"/>
+      </a:schemeClr>
+    </dgm:linClrLst>
+    <dgm:effectClrLst/>
+    <dgm:txLinClrLst/>
+    <dgm:txFillClrLst meth="repeat">
+      <a:schemeClr val="tx1"/>
+    </dgm:txFillClrLst>
+    <dgm:txEffectClrLst/>
+  </dgm:styleLbl>
+</dgm:colorsDef>
+</file>
+
+<file path=ppt/diagrams/data1.xml><?xml version="1.0" encoding="utf-8"?>
+<dgm:dataModel xmlns:dgm="http://schemas.openxmlformats.org/drawingml/2006/diagram" xmlns:a="http://schemas.openxmlformats.org/drawingml/2006/main">
+  <dgm:ptLst>
+    <dgm:pt modelId="{12B70C77-AFB3-4ECA-8EBB-063C4B18BADE}" type="doc">
+      <dgm:prSet loTypeId="urn:microsoft.com/office/officeart/2005/8/layout/vList5" loCatId="list" qsTypeId="urn:microsoft.com/office/officeart/2005/8/quickstyle/3d2" qsCatId="3D" csTypeId="urn:microsoft.com/office/officeart/2005/8/colors/accent1_1" csCatId="accent1" phldr="1"/>
+      <dgm:spPr/>
+      <dgm:t>
+        <a:bodyPr/>
+        <a:lstStyle/>
+        <a:p>
+          <a:endParaRPr lang="en-US"/>
+        </a:p>
+      </dgm:t>
+    </dgm:pt>
+    <dgm:pt modelId="{6AEA6409-ADA9-4247-9245-B517EC31D22A}">
+      <dgm:prSet phldrT="[Text]"/>
+      <dgm:spPr/>
+      <dgm:t>
+        <a:bodyPr/>
+        <a:lstStyle/>
+        <a:p>
+          <a:r>
+            <a:rPr lang="en-US" dirty="0" smtClean="0">
+              <a:latin typeface="Candara" panose="020E0502030303020204" pitchFamily="34" charset="0"/>
+            </a:rPr>
+            <a:t>Soft launch</a:t>
+          </a:r>
+          <a:endParaRPr lang="en-US" dirty="0">
+            <a:latin typeface="Candara" panose="020E0502030303020204" pitchFamily="34" charset="0"/>
+          </a:endParaRPr>
+        </a:p>
+      </dgm:t>
+    </dgm:pt>
+    <dgm:pt modelId="{8696FDEA-5E99-464D-97A4-AB5A50EA42C8}" type="parTrans" cxnId="{913568A5-16B0-47E6-B6D3-EFE3D45F2948}">
+      <dgm:prSet/>
+      <dgm:spPr/>
+      <dgm:t>
+        <a:bodyPr/>
+        <a:lstStyle/>
+        <a:p>
+          <a:endParaRPr lang="en-US">
+            <a:latin typeface="Candara" panose="020E0502030303020204" pitchFamily="34" charset="0"/>
+          </a:endParaRPr>
+        </a:p>
+      </dgm:t>
+    </dgm:pt>
+    <dgm:pt modelId="{CB7FA1F9-4E4D-4B07-B88D-1CFB547D4217}" type="sibTrans" cxnId="{913568A5-16B0-47E6-B6D3-EFE3D45F2948}">
+      <dgm:prSet/>
+      <dgm:spPr/>
+      <dgm:t>
+        <a:bodyPr/>
+        <a:lstStyle/>
+        <a:p>
+          <a:endParaRPr lang="en-US">
+            <a:latin typeface="Candara" panose="020E0502030303020204" pitchFamily="34" charset="0"/>
+          </a:endParaRPr>
+        </a:p>
+      </dgm:t>
+    </dgm:pt>
+    <dgm:pt modelId="{4EB99F25-FBBA-4362-8298-2284754D2F4F}">
+      <dgm:prSet phldrT="[Text]"/>
+      <dgm:spPr/>
+      <dgm:t>
+        <a:bodyPr/>
+        <a:lstStyle/>
+        <a:p>
+          <a:r>
+            <a:rPr lang="en-US" dirty="0" smtClean="0">
+              <a:latin typeface="Candara" panose="020E0502030303020204" pitchFamily="34" charset="0"/>
+            </a:rPr>
+            <a:t>Launching a product or service to a limited audience in order to get feedback and make improvements before launching to the general public.</a:t>
+          </a:r>
+          <a:endParaRPr lang="en-US" dirty="0">
+            <a:latin typeface="Candara" panose="020E0502030303020204" pitchFamily="34" charset="0"/>
+          </a:endParaRPr>
+        </a:p>
+      </dgm:t>
+    </dgm:pt>
+    <dgm:pt modelId="{0A7F1E29-D037-40BF-8BA5-6BCF82B54727}" type="parTrans" cxnId="{4AC0E5F1-C978-479F-AF75-68D223ADE512}">
+      <dgm:prSet/>
+      <dgm:spPr/>
+      <dgm:t>
+        <a:bodyPr/>
+        <a:lstStyle/>
+        <a:p>
+          <a:endParaRPr lang="en-US">
+            <a:latin typeface="Candara" panose="020E0502030303020204" pitchFamily="34" charset="0"/>
+          </a:endParaRPr>
+        </a:p>
+      </dgm:t>
+    </dgm:pt>
+    <dgm:pt modelId="{BFE4A113-F5BE-402F-B721-CC978549FAD0}" type="sibTrans" cxnId="{4AC0E5F1-C978-479F-AF75-68D223ADE512}">
+      <dgm:prSet/>
+      <dgm:spPr/>
+      <dgm:t>
+        <a:bodyPr/>
+        <a:lstStyle/>
+        <a:p>
+          <a:endParaRPr lang="en-US">
+            <a:latin typeface="Candara" panose="020E0502030303020204" pitchFamily="34" charset="0"/>
+          </a:endParaRPr>
+        </a:p>
+      </dgm:t>
+    </dgm:pt>
+    <dgm:pt modelId="{641424A0-9DC4-4A88-BBAA-26A712CF0934}">
+      <dgm:prSet phldrT="[Text]"/>
+      <dgm:spPr/>
+      <dgm:t>
+        <a:bodyPr/>
+        <a:lstStyle/>
+        <a:p>
+          <a:r>
+            <a:rPr lang="en-US" dirty="0" smtClean="0">
+              <a:latin typeface="Candara" panose="020E0502030303020204" pitchFamily="34" charset="0"/>
+            </a:rPr>
+            <a:t>Hard launch</a:t>
+          </a:r>
+          <a:endParaRPr lang="en-US" dirty="0">
+            <a:latin typeface="Candara" panose="020E0502030303020204" pitchFamily="34" charset="0"/>
+          </a:endParaRPr>
+        </a:p>
+      </dgm:t>
+    </dgm:pt>
+    <dgm:pt modelId="{E3D67A63-E99B-4CFB-8C95-F51A4F094CF4}" type="parTrans" cxnId="{77829D5B-21AF-4F16-88BE-0FCD943BCA9A}">
+      <dgm:prSet/>
+      <dgm:spPr/>
+      <dgm:t>
+        <a:bodyPr/>
+        <a:lstStyle/>
+        <a:p>
+          <a:endParaRPr lang="en-US">
+            <a:latin typeface="Candara" panose="020E0502030303020204" pitchFamily="34" charset="0"/>
+          </a:endParaRPr>
+        </a:p>
+      </dgm:t>
+    </dgm:pt>
+    <dgm:pt modelId="{736B245E-E9D4-4E21-9B74-7F49861DE90A}" type="sibTrans" cxnId="{77829D5B-21AF-4F16-88BE-0FCD943BCA9A}">
+      <dgm:prSet/>
+      <dgm:spPr/>
+      <dgm:t>
+        <a:bodyPr/>
+        <a:lstStyle/>
+        <a:p>
+          <a:endParaRPr lang="en-US">
+            <a:latin typeface="Candara" panose="020E0502030303020204" pitchFamily="34" charset="0"/>
+          </a:endParaRPr>
+        </a:p>
+      </dgm:t>
+    </dgm:pt>
+    <dgm:pt modelId="{B791DE02-33AF-4373-9EE5-8551292988C7}">
+      <dgm:prSet phldrT="[Text]"/>
+      <dgm:spPr/>
+      <dgm:t>
+        <a:bodyPr/>
+        <a:lstStyle/>
+        <a:p>
+          <a:r>
+            <a:rPr lang="en-US" dirty="0" smtClean="0">
+              <a:latin typeface="Candara" panose="020E0502030303020204" pitchFamily="34" charset="0"/>
+            </a:rPr>
+            <a:t>Launching a product or service to the general public all at once.</a:t>
+          </a:r>
+          <a:endParaRPr lang="en-US" dirty="0">
+            <a:latin typeface="Candara" panose="020E0502030303020204" pitchFamily="34" charset="0"/>
+          </a:endParaRPr>
+        </a:p>
+      </dgm:t>
+    </dgm:pt>
+    <dgm:pt modelId="{7DB64F2E-176C-4263-8C08-BEE513653055}" type="parTrans" cxnId="{C64653D0-BD3B-4B75-8BEB-7178257A483D}">
+      <dgm:prSet/>
+      <dgm:spPr/>
+      <dgm:t>
+        <a:bodyPr/>
+        <a:lstStyle/>
+        <a:p>
+          <a:endParaRPr lang="en-US">
+            <a:latin typeface="Candara" panose="020E0502030303020204" pitchFamily="34" charset="0"/>
+          </a:endParaRPr>
+        </a:p>
+      </dgm:t>
+    </dgm:pt>
+    <dgm:pt modelId="{B4AFA84F-EC13-4E87-BCE7-F64FA23A03F1}" type="sibTrans" cxnId="{C64653D0-BD3B-4B75-8BEB-7178257A483D}">
+      <dgm:prSet/>
+      <dgm:spPr/>
+      <dgm:t>
+        <a:bodyPr/>
+        <a:lstStyle/>
+        <a:p>
+          <a:endParaRPr lang="en-US">
+            <a:latin typeface="Candara" panose="020E0502030303020204" pitchFamily="34" charset="0"/>
+          </a:endParaRPr>
+        </a:p>
+      </dgm:t>
+    </dgm:pt>
+    <dgm:pt modelId="{F9FB6F29-3345-4669-97FB-268752D0DF14}">
+      <dgm:prSet phldrT="[Text]"/>
+      <dgm:spPr/>
+      <dgm:t>
+        <a:bodyPr/>
+        <a:lstStyle/>
+        <a:p>
+          <a:r>
+            <a:rPr lang="en-US" dirty="0" smtClean="0">
+              <a:latin typeface="Candara" panose="020E0502030303020204" pitchFamily="34" charset="0"/>
+            </a:rPr>
+            <a:t>Phased launch</a:t>
+          </a:r>
+          <a:endParaRPr lang="en-US" dirty="0">
+            <a:latin typeface="Candara" panose="020E0502030303020204" pitchFamily="34" charset="0"/>
+          </a:endParaRPr>
+        </a:p>
+      </dgm:t>
+    </dgm:pt>
+    <dgm:pt modelId="{41BDDE0C-277B-4726-BB4B-41ACABD19009}" type="parTrans" cxnId="{147BFE4F-9FDD-4398-9E37-1942E5FC5333}">
+      <dgm:prSet/>
+      <dgm:spPr/>
+      <dgm:t>
+        <a:bodyPr/>
+        <a:lstStyle/>
+        <a:p>
+          <a:endParaRPr lang="en-US">
+            <a:latin typeface="Candara" panose="020E0502030303020204" pitchFamily="34" charset="0"/>
+          </a:endParaRPr>
+        </a:p>
+      </dgm:t>
+    </dgm:pt>
+    <dgm:pt modelId="{B6F083B3-B776-40CB-8F32-234B58412C19}" type="sibTrans" cxnId="{147BFE4F-9FDD-4398-9E37-1942E5FC5333}">
+      <dgm:prSet/>
+      <dgm:spPr/>
+      <dgm:t>
+        <a:bodyPr/>
+        <a:lstStyle/>
+        <a:p>
+          <a:endParaRPr lang="en-US">
+            <a:latin typeface="Candara" panose="020E0502030303020204" pitchFamily="34" charset="0"/>
+          </a:endParaRPr>
+        </a:p>
+      </dgm:t>
+    </dgm:pt>
+    <dgm:pt modelId="{06ED9058-C441-4C0D-8DCD-74F067E4FF2B}">
+      <dgm:prSet phldrT="[Text]"/>
+      <dgm:spPr/>
+      <dgm:t>
+        <a:bodyPr/>
+        <a:lstStyle/>
+        <a:p>
+          <a:r>
+            <a:rPr lang="en-US" smtClean="0">
+              <a:latin typeface="Candara" panose="020E0502030303020204" pitchFamily="34" charset="0"/>
+            </a:rPr>
+            <a:t>Launching a product or service to different market segments or geographic regions over time.</a:t>
+          </a:r>
+          <a:endParaRPr lang="en-US">
+            <a:latin typeface="Candara" panose="020E0502030303020204" pitchFamily="34" charset="0"/>
+          </a:endParaRPr>
+        </a:p>
+      </dgm:t>
+    </dgm:pt>
+    <dgm:pt modelId="{FC1711AF-A172-4815-B6CC-2EE7C2576039}" type="parTrans" cxnId="{0A94BA9D-5E4D-4618-B52B-FAC45AD2C297}">
+      <dgm:prSet/>
+      <dgm:spPr/>
+      <dgm:t>
+        <a:bodyPr/>
+        <a:lstStyle/>
+        <a:p>
+          <a:endParaRPr lang="en-US">
+            <a:latin typeface="Candara" panose="020E0502030303020204" pitchFamily="34" charset="0"/>
+          </a:endParaRPr>
+        </a:p>
+      </dgm:t>
+    </dgm:pt>
+    <dgm:pt modelId="{9D00372C-0A2C-4672-95DD-921A8A32335F}" type="sibTrans" cxnId="{0A94BA9D-5E4D-4618-B52B-FAC45AD2C297}">
+      <dgm:prSet/>
+      <dgm:spPr/>
+      <dgm:t>
+        <a:bodyPr/>
+        <a:lstStyle/>
+        <a:p>
+          <a:endParaRPr lang="en-US">
+            <a:latin typeface="Candara" panose="020E0502030303020204" pitchFamily="34" charset="0"/>
+          </a:endParaRPr>
+        </a:p>
+      </dgm:t>
+    </dgm:pt>
+    <dgm:pt modelId="{9C5B82B0-7EE0-49CC-A4B0-BF0BB22DBABB}" type="pres">
+      <dgm:prSet presAssocID="{12B70C77-AFB3-4ECA-8EBB-063C4B18BADE}" presName="Name0" presStyleCnt="0">
+        <dgm:presLayoutVars>
+          <dgm:dir/>
+          <dgm:animLvl val="lvl"/>
+          <dgm:resizeHandles val="exact"/>
+        </dgm:presLayoutVars>
+      </dgm:prSet>
+      <dgm:spPr/>
+    </dgm:pt>
+    <dgm:pt modelId="{5B63A959-4BDC-41A7-BBB9-374DAFA1E4BF}" type="pres">
+      <dgm:prSet presAssocID="{6AEA6409-ADA9-4247-9245-B517EC31D22A}" presName="linNode" presStyleCnt="0"/>
+      <dgm:spPr/>
+    </dgm:pt>
+    <dgm:pt modelId="{F817C4AC-D362-4474-8F6D-4B7D41E0A0A7}" type="pres">
+      <dgm:prSet presAssocID="{6AEA6409-ADA9-4247-9245-B517EC31D22A}" presName="parentText" presStyleLbl="node1" presStyleIdx="0" presStyleCnt="3">
+        <dgm:presLayoutVars>
+          <dgm:chMax val="1"/>
+          <dgm:bulletEnabled val="1"/>
+        </dgm:presLayoutVars>
+      </dgm:prSet>
+      <dgm:spPr/>
+      <dgm:t>
+        <a:bodyPr/>
+        <a:lstStyle/>
+        <a:p>
+          <a:endParaRPr lang="en-US"/>
+        </a:p>
+      </dgm:t>
+    </dgm:pt>
+    <dgm:pt modelId="{05038D2E-9FBD-4632-B985-BA0540964C69}" type="pres">
+      <dgm:prSet presAssocID="{6AEA6409-ADA9-4247-9245-B517EC31D22A}" presName="descendantText" presStyleLbl="alignAccFollowNode1" presStyleIdx="0" presStyleCnt="3">
+        <dgm:presLayoutVars>
+          <dgm:bulletEnabled val="1"/>
+        </dgm:presLayoutVars>
+      </dgm:prSet>
+      <dgm:spPr/>
+      <dgm:t>
+        <a:bodyPr/>
+        <a:lstStyle/>
+        <a:p>
+          <a:endParaRPr lang="en-US"/>
+        </a:p>
+      </dgm:t>
+    </dgm:pt>
+    <dgm:pt modelId="{43594708-51BD-4451-9807-E9C4126CD555}" type="pres">
+      <dgm:prSet presAssocID="{CB7FA1F9-4E4D-4B07-B88D-1CFB547D4217}" presName="sp" presStyleCnt="0"/>
+      <dgm:spPr/>
+    </dgm:pt>
+    <dgm:pt modelId="{04E3E61B-AB98-49B5-9934-07227110E55E}" type="pres">
+      <dgm:prSet presAssocID="{641424A0-9DC4-4A88-BBAA-26A712CF0934}" presName="linNode" presStyleCnt="0"/>
+      <dgm:spPr/>
+    </dgm:pt>
+    <dgm:pt modelId="{BE49D0E7-413F-4240-806D-34283FF5EC67}" type="pres">
+      <dgm:prSet presAssocID="{641424A0-9DC4-4A88-BBAA-26A712CF0934}" presName="parentText" presStyleLbl="node1" presStyleIdx="1" presStyleCnt="3">
+        <dgm:presLayoutVars>
+          <dgm:chMax val="1"/>
+          <dgm:bulletEnabled val="1"/>
+        </dgm:presLayoutVars>
+      </dgm:prSet>
+      <dgm:spPr/>
+      <dgm:t>
+        <a:bodyPr/>
+        <a:lstStyle/>
+        <a:p>
+          <a:endParaRPr lang="en-US"/>
+        </a:p>
+      </dgm:t>
+    </dgm:pt>
+    <dgm:pt modelId="{DE65FB4D-CC8D-44D4-90EC-300D5105D2BD}" type="pres">
+      <dgm:prSet presAssocID="{641424A0-9DC4-4A88-BBAA-26A712CF0934}" presName="descendantText" presStyleLbl="alignAccFollowNode1" presStyleIdx="1" presStyleCnt="3">
+        <dgm:presLayoutVars>
+          <dgm:bulletEnabled val="1"/>
+        </dgm:presLayoutVars>
+      </dgm:prSet>
+      <dgm:spPr/>
+      <dgm:t>
+        <a:bodyPr/>
+        <a:lstStyle/>
+        <a:p>
+          <a:endParaRPr lang="en-US"/>
+        </a:p>
+      </dgm:t>
+    </dgm:pt>
+    <dgm:pt modelId="{6D81E8E3-25BE-4FE7-87F2-FCCAC7B6E713}" type="pres">
+      <dgm:prSet presAssocID="{736B245E-E9D4-4E21-9B74-7F49861DE90A}" presName="sp" presStyleCnt="0"/>
+      <dgm:spPr/>
+    </dgm:pt>
+    <dgm:pt modelId="{ABAAEF3B-B19D-4244-8CFF-87BB72994ABA}" type="pres">
+      <dgm:prSet presAssocID="{F9FB6F29-3345-4669-97FB-268752D0DF14}" presName="linNode" presStyleCnt="0"/>
+      <dgm:spPr/>
+    </dgm:pt>
+    <dgm:pt modelId="{A0BD178B-A294-43E0-9BAF-37E2280C15BA}" type="pres">
+      <dgm:prSet presAssocID="{F9FB6F29-3345-4669-97FB-268752D0DF14}" presName="parentText" presStyleLbl="node1" presStyleIdx="2" presStyleCnt="3">
+        <dgm:presLayoutVars>
+          <dgm:chMax val="1"/>
+          <dgm:bulletEnabled val="1"/>
+        </dgm:presLayoutVars>
+      </dgm:prSet>
+      <dgm:spPr/>
+      <dgm:t>
+        <a:bodyPr/>
+        <a:lstStyle/>
+        <a:p>
+          <a:endParaRPr lang="en-US"/>
+        </a:p>
+      </dgm:t>
+    </dgm:pt>
+    <dgm:pt modelId="{668B52BB-D385-4FAF-8096-33D634D9E38A}" type="pres">
+      <dgm:prSet presAssocID="{F9FB6F29-3345-4669-97FB-268752D0DF14}" presName="descendantText" presStyleLbl="alignAccFollowNode1" presStyleIdx="2" presStyleCnt="3">
+        <dgm:presLayoutVars>
+          <dgm:bulletEnabled val="1"/>
+        </dgm:presLayoutVars>
+      </dgm:prSet>
+      <dgm:spPr/>
+      <dgm:t>
+        <a:bodyPr/>
+        <a:lstStyle/>
+        <a:p>
+          <a:endParaRPr lang="en-US"/>
+        </a:p>
+      </dgm:t>
+    </dgm:pt>
+  </dgm:ptLst>
+  <dgm:cxnLst>
+    <dgm:cxn modelId="{913568A5-16B0-47E6-B6D3-EFE3D45F2948}" srcId="{12B70C77-AFB3-4ECA-8EBB-063C4B18BADE}" destId="{6AEA6409-ADA9-4247-9245-B517EC31D22A}" srcOrd="0" destOrd="0" parTransId="{8696FDEA-5E99-464D-97A4-AB5A50EA42C8}" sibTransId="{CB7FA1F9-4E4D-4B07-B88D-1CFB547D4217}"/>
+    <dgm:cxn modelId="{0A94BA9D-5E4D-4618-B52B-FAC45AD2C297}" srcId="{F9FB6F29-3345-4669-97FB-268752D0DF14}" destId="{06ED9058-C441-4C0D-8DCD-74F067E4FF2B}" srcOrd="0" destOrd="0" parTransId="{FC1711AF-A172-4815-B6CC-2EE7C2576039}" sibTransId="{9D00372C-0A2C-4672-95DD-921A8A32335F}"/>
+    <dgm:cxn modelId="{13809AD8-7041-4294-A42A-F9D787214015}" type="presOf" srcId="{6AEA6409-ADA9-4247-9245-B517EC31D22A}" destId="{F817C4AC-D362-4474-8F6D-4B7D41E0A0A7}" srcOrd="0" destOrd="0" presId="urn:microsoft.com/office/officeart/2005/8/layout/vList5"/>
+    <dgm:cxn modelId="{35739D07-46D5-49CE-B076-6F3711F2FCFE}" type="presOf" srcId="{12B70C77-AFB3-4ECA-8EBB-063C4B18BADE}" destId="{9C5B82B0-7EE0-49CC-A4B0-BF0BB22DBABB}" srcOrd="0" destOrd="0" presId="urn:microsoft.com/office/officeart/2005/8/layout/vList5"/>
+    <dgm:cxn modelId="{4AC0E5F1-C978-479F-AF75-68D223ADE512}" srcId="{6AEA6409-ADA9-4247-9245-B517EC31D22A}" destId="{4EB99F25-FBBA-4362-8298-2284754D2F4F}" srcOrd="0" destOrd="0" parTransId="{0A7F1E29-D037-40BF-8BA5-6BCF82B54727}" sibTransId="{BFE4A113-F5BE-402F-B721-CC978549FAD0}"/>
+    <dgm:cxn modelId="{147BFE4F-9FDD-4398-9E37-1942E5FC5333}" srcId="{12B70C77-AFB3-4ECA-8EBB-063C4B18BADE}" destId="{F9FB6F29-3345-4669-97FB-268752D0DF14}" srcOrd="2" destOrd="0" parTransId="{41BDDE0C-277B-4726-BB4B-41ACABD19009}" sibTransId="{B6F083B3-B776-40CB-8F32-234B58412C19}"/>
+    <dgm:cxn modelId="{C64653D0-BD3B-4B75-8BEB-7178257A483D}" srcId="{641424A0-9DC4-4A88-BBAA-26A712CF0934}" destId="{B791DE02-33AF-4373-9EE5-8551292988C7}" srcOrd="0" destOrd="0" parTransId="{7DB64F2E-176C-4263-8C08-BEE513653055}" sibTransId="{B4AFA84F-EC13-4E87-BCE7-F64FA23A03F1}"/>
+    <dgm:cxn modelId="{A2A01876-D67A-4F90-9F00-F80B7F256C02}" type="presOf" srcId="{4EB99F25-FBBA-4362-8298-2284754D2F4F}" destId="{05038D2E-9FBD-4632-B985-BA0540964C69}" srcOrd="0" destOrd="0" presId="urn:microsoft.com/office/officeart/2005/8/layout/vList5"/>
+    <dgm:cxn modelId="{70B04349-B1F8-4B89-8127-CA80FE3FFEFC}" type="presOf" srcId="{641424A0-9DC4-4A88-BBAA-26A712CF0934}" destId="{BE49D0E7-413F-4240-806D-34283FF5EC67}" srcOrd="0" destOrd="0" presId="urn:microsoft.com/office/officeart/2005/8/layout/vList5"/>
+    <dgm:cxn modelId="{4DD11428-020E-4607-9F8D-762E27D4DA74}" type="presOf" srcId="{06ED9058-C441-4C0D-8DCD-74F067E4FF2B}" destId="{668B52BB-D385-4FAF-8096-33D634D9E38A}" srcOrd="0" destOrd="0" presId="urn:microsoft.com/office/officeart/2005/8/layout/vList5"/>
+    <dgm:cxn modelId="{68C13FD9-B26C-4B78-A02B-CF00D5E02DD7}" type="presOf" srcId="{F9FB6F29-3345-4669-97FB-268752D0DF14}" destId="{A0BD178B-A294-43E0-9BAF-37E2280C15BA}" srcOrd="0" destOrd="0" presId="urn:microsoft.com/office/officeart/2005/8/layout/vList5"/>
+    <dgm:cxn modelId="{29DCF8C6-2F8C-4302-9F86-32235E6E441F}" type="presOf" srcId="{B791DE02-33AF-4373-9EE5-8551292988C7}" destId="{DE65FB4D-CC8D-44D4-90EC-300D5105D2BD}" srcOrd="0" destOrd="0" presId="urn:microsoft.com/office/officeart/2005/8/layout/vList5"/>
+    <dgm:cxn modelId="{77829D5B-21AF-4F16-88BE-0FCD943BCA9A}" srcId="{12B70C77-AFB3-4ECA-8EBB-063C4B18BADE}" destId="{641424A0-9DC4-4A88-BBAA-26A712CF0934}" srcOrd="1" destOrd="0" parTransId="{E3D67A63-E99B-4CFB-8C95-F51A4F094CF4}" sibTransId="{736B245E-E9D4-4E21-9B74-7F49861DE90A}"/>
+    <dgm:cxn modelId="{7180CBCC-515F-406B-8A8A-1BAD832B83E9}" type="presParOf" srcId="{9C5B82B0-7EE0-49CC-A4B0-BF0BB22DBABB}" destId="{5B63A959-4BDC-41A7-BBB9-374DAFA1E4BF}" srcOrd="0" destOrd="0" presId="urn:microsoft.com/office/officeart/2005/8/layout/vList5"/>
+    <dgm:cxn modelId="{38091236-6B94-4B52-B68E-D7E5596C99E4}" type="presParOf" srcId="{5B63A959-4BDC-41A7-BBB9-374DAFA1E4BF}" destId="{F817C4AC-D362-4474-8F6D-4B7D41E0A0A7}" srcOrd="0" destOrd="0" presId="urn:microsoft.com/office/officeart/2005/8/layout/vList5"/>
+    <dgm:cxn modelId="{E25975DC-F1EA-4241-BC23-6E9106C5D219}" type="presParOf" srcId="{5B63A959-4BDC-41A7-BBB9-374DAFA1E4BF}" destId="{05038D2E-9FBD-4632-B985-BA0540964C69}" srcOrd="1" destOrd="0" presId="urn:microsoft.com/office/officeart/2005/8/layout/vList5"/>
+    <dgm:cxn modelId="{1468BD3A-7DC9-4D08-B255-DB992A1B4B41}" type="presParOf" srcId="{9C5B82B0-7EE0-49CC-A4B0-BF0BB22DBABB}" destId="{43594708-51BD-4451-9807-E9C4126CD555}" srcOrd="1" destOrd="0" presId="urn:microsoft.com/office/officeart/2005/8/layout/vList5"/>
+    <dgm:cxn modelId="{83BDF53C-6D26-4666-96B8-07476ABEB83B}" type="presParOf" srcId="{9C5B82B0-7EE0-49CC-A4B0-BF0BB22DBABB}" destId="{04E3E61B-AB98-49B5-9934-07227110E55E}" srcOrd="2" destOrd="0" presId="urn:microsoft.com/office/officeart/2005/8/layout/vList5"/>
+    <dgm:cxn modelId="{807DAA05-6747-49D7-82A1-617C7D2B38C8}" type="presParOf" srcId="{04E3E61B-AB98-49B5-9934-07227110E55E}" destId="{BE49D0E7-413F-4240-806D-34283FF5EC67}" srcOrd="0" destOrd="0" presId="urn:microsoft.com/office/officeart/2005/8/layout/vList5"/>
+    <dgm:cxn modelId="{10609875-AF07-490E-A783-D83D4B7F3984}" type="presParOf" srcId="{04E3E61B-AB98-49B5-9934-07227110E55E}" destId="{DE65FB4D-CC8D-44D4-90EC-300D5105D2BD}" srcOrd="1" destOrd="0" presId="urn:microsoft.com/office/officeart/2005/8/layout/vList5"/>
+    <dgm:cxn modelId="{DE9255D5-FCDD-4FD6-892E-80638D11F398}" type="presParOf" srcId="{9C5B82B0-7EE0-49CC-A4B0-BF0BB22DBABB}" destId="{6D81E8E3-25BE-4FE7-87F2-FCCAC7B6E713}" srcOrd="3" destOrd="0" presId="urn:microsoft.com/office/officeart/2005/8/layout/vList5"/>
+    <dgm:cxn modelId="{9BF0C9D4-B3CC-4C7C-8958-38C17554C609}" type="presParOf" srcId="{9C5B82B0-7EE0-49CC-A4B0-BF0BB22DBABB}" destId="{ABAAEF3B-B19D-4244-8CFF-87BB72994ABA}" srcOrd="4" destOrd="0" presId="urn:microsoft.com/office/officeart/2005/8/layout/vList5"/>
+    <dgm:cxn modelId="{0B659932-1EFF-40EB-9DDA-E412BB2D4548}" type="presParOf" srcId="{ABAAEF3B-B19D-4244-8CFF-87BB72994ABA}" destId="{A0BD178B-A294-43E0-9BAF-37E2280C15BA}" srcOrd="0" destOrd="0" presId="urn:microsoft.com/office/officeart/2005/8/layout/vList5"/>
+    <dgm:cxn modelId="{1BA1E101-72D8-4B43-9C7F-F9239ABA075A}" type="presParOf" srcId="{ABAAEF3B-B19D-4244-8CFF-87BB72994ABA}" destId="{668B52BB-D385-4FAF-8096-33D634D9E38A}" srcOrd="1" destOrd="0" presId="urn:microsoft.com/office/officeart/2005/8/layout/vList5"/>
+  </dgm:cxnLst>
+  <dgm:bg/>
+  <dgm:whole/>
+  <dgm:extLst>
+    <a:ext uri="http://schemas.microsoft.com/office/drawing/2008/diagram">
+      <dsp:dataModelExt xmlns:dsp="http://schemas.microsoft.com/office/drawing/2008/diagram" relId="rId6" minVer="http://schemas.openxmlformats.org/drawingml/2006/diagram"/>
+    </a:ext>
+  </dgm:extLst>
+</dgm:dataModel>
+</file>
+
+<file path=ppt/diagrams/drawing1.xml><?xml version="1.0" encoding="utf-8"?>
+<dsp:drawing xmlns:dgm="http://schemas.openxmlformats.org/drawingml/2006/diagram" xmlns:dsp="http://schemas.microsoft.com/office/drawing/2008/diagram" xmlns:a="http://schemas.openxmlformats.org/drawingml/2006/main">
+  <dsp:spTree>
+    <dsp:nvGrpSpPr>
+      <dsp:cNvPr id="0" name=""/>
+      <dsp:cNvGrpSpPr/>
+    </dsp:nvGrpSpPr>
+    <dsp:grpSpPr/>
+    <dsp:sp modelId="{05038D2E-9FBD-4632-B985-BA0540964C69}">
+      <dsp:nvSpPr>
+        <dsp:cNvPr id="0" name=""/>
+        <dsp:cNvSpPr/>
+      </dsp:nvSpPr>
+      <dsp:spPr>
+        <a:xfrm rot="5400000">
+          <a:off x="5191888" y="-1995961"/>
+          <a:ext cx="1142187" cy="5423983"/>
+        </a:xfrm>
+        <a:prstGeom prst="round2SameRect">
+          <a:avLst/>
+        </a:prstGeom>
+        <a:solidFill>
+          <a:schemeClr val="lt1">
+            <a:alpha val="90000"/>
+            <a:tint val="40000"/>
+            <a:hueOff val="0"/>
+            <a:satOff val="0"/>
+            <a:lumOff val="0"/>
+            <a:alphaOff val="0"/>
+          </a:schemeClr>
+        </a:solidFill>
+        <a:ln w="6350" cap="flat" cmpd="sng" algn="ctr">
+          <a:solidFill>
+            <a:schemeClr val="accent1">
+              <a:alpha val="90000"/>
+              <a:hueOff val="0"/>
+              <a:satOff val="0"/>
+              <a:lumOff val="0"/>
+              <a:alphaOff val="0"/>
+            </a:schemeClr>
+          </a:solidFill>
+          <a:prstDash val="solid"/>
+          <a:miter lim="800000"/>
+        </a:ln>
+        <a:effectLst/>
+        <a:scene3d>
+          <a:camera prst="orthographicFront"/>
+          <a:lightRig rig="threePt" dir="t">
+            <a:rot lat="0" lon="0" rev="7500000"/>
+          </a:lightRig>
+        </a:scene3d>
+        <a:sp3d extrusionH="190500" prstMaterial="dkEdge">
+          <a:bevelT w="120650" h="38100" prst="relaxedInset"/>
+          <a:bevelB w="120650" h="57150" prst="relaxedInset"/>
+          <a:contourClr>
+            <a:schemeClr val="bg1"/>
+          </a:contourClr>
+        </a:sp3d>
+      </dsp:spPr>
+      <dsp:style>
+        <a:lnRef idx="1">
+          <a:scrgbClr r="0" g="0" b="0"/>
+        </a:lnRef>
+        <a:fillRef idx="1">
+          <a:scrgbClr r="0" g="0" b="0"/>
+        </a:fillRef>
+        <a:effectRef idx="2">
+          <a:scrgbClr r="0" g="0" b="0"/>
+        </a:effectRef>
+        <a:fontRef idx="minor"/>
+      </dsp:style>
+      <dsp:txBody>
+        <a:bodyPr spcFirstLastPara="0" vert="horz" wrap="square" lIns="68580" tIns="34290" rIns="68580" bIns="34290" numCol="1" spcCol="1270" anchor="ctr" anchorCtr="0">
+          <a:noAutofit/>
+        </a:bodyPr>
+        <a:lstStyle/>
+        <a:p>
+          <a:pPr marL="171450" lvl="1" indent="-171450" algn="l" defTabSz="800100">
+            <a:lnSpc>
+              <a:spcPct val="90000"/>
+            </a:lnSpc>
+            <a:spcBef>
+              <a:spcPct val="0"/>
+            </a:spcBef>
+            <a:spcAft>
+              <a:spcPct val="15000"/>
+            </a:spcAft>
+            <a:buChar char="••"/>
+          </a:pPr>
+          <a:r>
+            <a:rPr lang="en-US" sz="1800" kern="1200" dirty="0" smtClean="0">
+              <a:latin typeface="Candara" panose="020E0502030303020204" pitchFamily="34" charset="0"/>
+            </a:rPr>
+            <a:t>Launching a product or service to a limited audience in order to get feedback and make improvements before launching to the general public.</a:t>
+          </a:r>
+          <a:endParaRPr lang="en-US" sz="1800" kern="1200" dirty="0">
+            <a:latin typeface="Candara" panose="020E0502030303020204" pitchFamily="34" charset="0"/>
+          </a:endParaRPr>
+        </a:p>
+      </dsp:txBody>
+      <dsp:txXfrm rot="-5400000">
+        <a:off x="3050991" y="200693"/>
+        <a:ext cx="5368226" cy="1030673"/>
+      </dsp:txXfrm>
+    </dsp:sp>
+    <dsp:sp modelId="{F817C4AC-D362-4474-8F6D-4B7D41E0A0A7}">
+      <dsp:nvSpPr>
+        <dsp:cNvPr id="0" name=""/>
+        <dsp:cNvSpPr/>
+      </dsp:nvSpPr>
+      <dsp:spPr>
+        <a:xfrm>
+          <a:off x="0" y="2163"/>
+          <a:ext cx="3050990" cy="1427734"/>
+        </a:xfrm>
+        <a:prstGeom prst="roundRect">
+          <a:avLst/>
+        </a:prstGeom>
+        <a:gradFill rotWithShape="0">
+          <a:gsLst>
+            <a:gs pos="0">
+              <a:schemeClr val="lt1">
+                <a:hueOff val="0"/>
+                <a:satOff val="0"/>
+                <a:lumOff val="0"/>
+                <a:alphaOff val="0"/>
+                <a:satMod val="103000"/>
+                <a:lumMod val="102000"/>
+                <a:tint val="94000"/>
+              </a:schemeClr>
+            </a:gs>
+            <a:gs pos="50000">
+              <a:schemeClr val="lt1">
+                <a:hueOff val="0"/>
+                <a:satOff val="0"/>
+                <a:lumOff val="0"/>
+                <a:alphaOff val="0"/>
+                <a:satMod val="110000"/>
+                <a:lumMod val="100000"/>
+                <a:shade val="100000"/>
+              </a:schemeClr>
+            </a:gs>
+            <a:gs pos="100000">
+              <a:schemeClr val="lt1">
+                <a:hueOff val="0"/>
+                <a:satOff val="0"/>
+                <a:lumOff val="0"/>
+                <a:alphaOff val="0"/>
+                <a:lumMod val="99000"/>
+                <a:satMod val="120000"/>
+                <a:shade val="78000"/>
+              </a:schemeClr>
+            </a:gs>
+          </a:gsLst>
+          <a:lin ang="5400000" scaled="0"/>
+        </a:gradFill>
+        <a:ln>
+          <a:noFill/>
+        </a:ln>
+        <a:effectLst/>
+        <a:scene3d>
+          <a:camera prst="orthographicFront"/>
+          <a:lightRig rig="threePt" dir="t">
+            <a:rot lat="0" lon="0" rev="7500000"/>
+          </a:lightRig>
+        </a:scene3d>
+        <a:sp3d prstMaterial="plastic">
+          <a:bevelT w="127000" h="25400" prst="relaxedInset"/>
+        </a:sp3d>
+      </dsp:spPr>
+      <dsp:style>
+        <a:lnRef idx="0">
+          <a:scrgbClr r="0" g="0" b="0"/>
+        </a:lnRef>
+        <a:fillRef idx="3">
+          <a:scrgbClr r="0" g="0" b="0"/>
+        </a:fillRef>
+        <a:effectRef idx="2">
+          <a:scrgbClr r="0" g="0" b="0"/>
+        </a:effectRef>
+        <a:fontRef idx="minor">
+          <a:schemeClr val="lt1"/>
+        </a:fontRef>
+      </dsp:style>
+      <dsp:txBody>
+        <a:bodyPr spcFirstLastPara="0" vert="horz" wrap="square" lIns="152400" tIns="76200" rIns="152400" bIns="76200" numCol="1" spcCol="1270" anchor="ctr" anchorCtr="0">
+          <a:noAutofit/>
+        </a:bodyPr>
+        <a:lstStyle/>
+        <a:p>
+          <a:pPr lvl="0" algn="ctr" defTabSz="1778000">
+            <a:lnSpc>
+              <a:spcPct val="90000"/>
+            </a:lnSpc>
+            <a:spcBef>
+              <a:spcPct val="0"/>
+            </a:spcBef>
+            <a:spcAft>
+              <a:spcPct val="35000"/>
+            </a:spcAft>
+          </a:pPr>
+          <a:r>
+            <a:rPr lang="en-US" sz="4000" kern="1200" dirty="0" smtClean="0">
+              <a:latin typeface="Candara" panose="020E0502030303020204" pitchFamily="34" charset="0"/>
+            </a:rPr>
+            <a:t>Soft launch</a:t>
+          </a:r>
+          <a:endParaRPr lang="en-US" sz="4000" kern="1200" dirty="0">
+            <a:latin typeface="Candara" panose="020E0502030303020204" pitchFamily="34" charset="0"/>
+          </a:endParaRPr>
+        </a:p>
+      </dsp:txBody>
+      <dsp:txXfrm>
+        <a:off x="69696" y="71859"/>
+        <a:ext cx="2911598" cy="1288342"/>
+      </dsp:txXfrm>
+    </dsp:sp>
+    <dsp:sp modelId="{DE65FB4D-CC8D-44D4-90EC-300D5105D2BD}">
+      <dsp:nvSpPr>
+        <dsp:cNvPr id="0" name=""/>
+        <dsp:cNvSpPr/>
+      </dsp:nvSpPr>
+      <dsp:spPr>
+        <a:xfrm rot="5400000">
+          <a:off x="5191888" y="-496840"/>
+          <a:ext cx="1142187" cy="5423983"/>
+        </a:xfrm>
+        <a:prstGeom prst="round2SameRect">
+          <a:avLst/>
+        </a:prstGeom>
+        <a:solidFill>
+          <a:schemeClr val="lt1">
+            <a:alpha val="90000"/>
+            <a:tint val="40000"/>
+            <a:hueOff val="0"/>
+            <a:satOff val="0"/>
+            <a:lumOff val="0"/>
+            <a:alphaOff val="0"/>
+          </a:schemeClr>
+        </a:solidFill>
+        <a:ln w="6350" cap="flat" cmpd="sng" algn="ctr">
+          <a:solidFill>
+            <a:schemeClr val="accent1">
+              <a:alpha val="90000"/>
+              <a:hueOff val="0"/>
+              <a:satOff val="0"/>
+              <a:lumOff val="0"/>
+              <a:alphaOff val="0"/>
+            </a:schemeClr>
+          </a:solidFill>
+          <a:prstDash val="solid"/>
+          <a:miter lim="800000"/>
+        </a:ln>
+        <a:effectLst/>
+        <a:scene3d>
+          <a:camera prst="orthographicFront"/>
+          <a:lightRig rig="threePt" dir="t">
+            <a:rot lat="0" lon="0" rev="7500000"/>
+          </a:lightRig>
+        </a:scene3d>
+        <a:sp3d extrusionH="190500" prstMaterial="dkEdge">
+          <a:bevelT w="120650" h="38100" prst="relaxedInset"/>
+          <a:bevelB w="120650" h="57150" prst="relaxedInset"/>
+          <a:contourClr>
+            <a:schemeClr val="bg1"/>
+          </a:contourClr>
+        </a:sp3d>
+      </dsp:spPr>
+      <dsp:style>
+        <a:lnRef idx="1">
+          <a:scrgbClr r="0" g="0" b="0"/>
+        </a:lnRef>
+        <a:fillRef idx="1">
+          <a:scrgbClr r="0" g="0" b="0"/>
+        </a:fillRef>
+        <a:effectRef idx="2">
+          <a:scrgbClr r="0" g="0" b="0"/>
+        </a:effectRef>
+        <a:fontRef idx="minor"/>
+      </dsp:style>
+      <dsp:txBody>
+        <a:bodyPr spcFirstLastPara="0" vert="horz" wrap="square" lIns="68580" tIns="34290" rIns="68580" bIns="34290" numCol="1" spcCol="1270" anchor="ctr" anchorCtr="0">
+          <a:noAutofit/>
+        </a:bodyPr>
+        <a:lstStyle/>
+        <a:p>
+          <a:pPr marL="171450" lvl="1" indent="-171450" algn="l" defTabSz="800100">
+            <a:lnSpc>
+              <a:spcPct val="90000"/>
+            </a:lnSpc>
+            <a:spcBef>
+              <a:spcPct val="0"/>
+            </a:spcBef>
+            <a:spcAft>
+              <a:spcPct val="15000"/>
+            </a:spcAft>
+            <a:buChar char="••"/>
+          </a:pPr>
+          <a:r>
+            <a:rPr lang="en-US" sz="1800" kern="1200" dirty="0" smtClean="0">
+              <a:latin typeface="Candara" panose="020E0502030303020204" pitchFamily="34" charset="0"/>
+            </a:rPr>
+            <a:t>Launching a product or service to the general public all at once.</a:t>
+          </a:r>
+          <a:endParaRPr lang="en-US" sz="1800" kern="1200" dirty="0">
+            <a:latin typeface="Candara" panose="020E0502030303020204" pitchFamily="34" charset="0"/>
+          </a:endParaRPr>
+        </a:p>
+      </dsp:txBody>
+      <dsp:txXfrm rot="-5400000">
+        <a:off x="3050991" y="1699814"/>
+        <a:ext cx="5368226" cy="1030673"/>
+      </dsp:txXfrm>
+    </dsp:sp>
+    <dsp:sp modelId="{BE49D0E7-413F-4240-806D-34283FF5EC67}">
+      <dsp:nvSpPr>
+        <dsp:cNvPr id="0" name=""/>
+        <dsp:cNvSpPr/>
+      </dsp:nvSpPr>
+      <dsp:spPr>
+        <a:xfrm>
+          <a:off x="0" y="1501284"/>
+          <a:ext cx="3050990" cy="1427734"/>
+        </a:xfrm>
+        <a:prstGeom prst="roundRect">
+          <a:avLst/>
+        </a:prstGeom>
+        <a:gradFill rotWithShape="0">
+          <a:gsLst>
+            <a:gs pos="0">
+              <a:schemeClr val="lt1">
+                <a:hueOff val="0"/>
+                <a:satOff val="0"/>
+                <a:lumOff val="0"/>
+                <a:alphaOff val="0"/>
+                <a:satMod val="103000"/>
+                <a:lumMod val="102000"/>
+                <a:tint val="94000"/>
+              </a:schemeClr>
+            </a:gs>
+            <a:gs pos="50000">
+              <a:schemeClr val="lt1">
+                <a:hueOff val="0"/>
+                <a:satOff val="0"/>
+                <a:lumOff val="0"/>
+                <a:alphaOff val="0"/>
+                <a:satMod val="110000"/>
+                <a:lumMod val="100000"/>
+                <a:shade val="100000"/>
+              </a:schemeClr>
+            </a:gs>
+            <a:gs pos="100000">
+              <a:schemeClr val="lt1">
+                <a:hueOff val="0"/>
+                <a:satOff val="0"/>
+                <a:lumOff val="0"/>
+                <a:alphaOff val="0"/>
+                <a:lumMod val="99000"/>
+                <a:satMod val="120000"/>
+                <a:shade val="78000"/>
+              </a:schemeClr>
+            </a:gs>
+          </a:gsLst>
+          <a:lin ang="5400000" scaled="0"/>
+        </a:gradFill>
+        <a:ln>
+          <a:noFill/>
+        </a:ln>
+        <a:effectLst/>
+        <a:scene3d>
+          <a:camera prst="orthographicFront"/>
+          <a:lightRig rig="threePt" dir="t">
+            <a:rot lat="0" lon="0" rev="7500000"/>
+          </a:lightRig>
+        </a:scene3d>
+        <a:sp3d prstMaterial="plastic">
+          <a:bevelT w="127000" h="25400" prst="relaxedInset"/>
+        </a:sp3d>
+      </dsp:spPr>
+      <dsp:style>
+        <a:lnRef idx="0">
+          <a:scrgbClr r="0" g="0" b="0"/>
+        </a:lnRef>
+        <a:fillRef idx="3">
+          <a:scrgbClr r="0" g="0" b="0"/>
+        </a:fillRef>
+        <a:effectRef idx="2">
+          <a:scrgbClr r="0" g="0" b="0"/>
+        </a:effectRef>
+        <a:fontRef idx="minor">
+          <a:schemeClr val="lt1"/>
+        </a:fontRef>
+      </dsp:style>
+      <dsp:txBody>
+        <a:bodyPr spcFirstLastPara="0" vert="horz" wrap="square" lIns="152400" tIns="76200" rIns="152400" bIns="76200" numCol="1" spcCol="1270" anchor="ctr" anchorCtr="0">
+          <a:noAutofit/>
+        </a:bodyPr>
+        <a:lstStyle/>
+        <a:p>
+          <a:pPr lvl="0" algn="ctr" defTabSz="1778000">
+            <a:lnSpc>
+              <a:spcPct val="90000"/>
+            </a:lnSpc>
+            <a:spcBef>
+              <a:spcPct val="0"/>
+            </a:spcBef>
+            <a:spcAft>
+              <a:spcPct val="35000"/>
+            </a:spcAft>
+          </a:pPr>
+          <a:r>
+            <a:rPr lang="en-US" sz="4000" kern="1200" dirty="0" smtClean="0">
+              <a:latin typeface="Candara" panose="020E0502030303020204" pitchFamily="34" charset="0"/>
+            </a:rPr>
+            <a:t>Hard launch</a:t>
+          </a:r>
+          <a:endParaRPr lang="en-US" sz="4000" kern="1200" dirty="0">
+            <a:latin typeface="Candara" panose="020E0502030303020204" pitchFamily="34" charset="0"/>
+          </a:endParaRPr>
+        </a:p>
+      </dsp:txBody>
+      <dsp:txXfrm>
+        <a:off x="69696" y="1570980"/>
+        <a:ext cx="2911598" cy="1288342"/>
+      </dsp:txXfrm>
+    </dsp:sp>
+    <dsp:sp modelId="{668B52BB-D385-4FAF-8096-33D634D9E38A}">
+      <dsp:nvSpPr>
+        <dsp:cNvPr id="0" name=""/>
+        <dsp:cNvSpPr/>
+      </dsp:nvSpPr>
+      <dsp:spPr>
+        <a:xfrm rot="5400000">
+          <a:off x="5191888" y="1002280"/>
+          <a:ext cx="1142187" cy="5423983"/>
+        </a:xfrm>
+        <a:prstGeom prst="round2SameRect">
+          <a:avLst/>
+        </a:prstGeom>
+        <a:solidFill>
+          <a:schemeClr val="lt1">
+            <a:alpha val="90000"/>
+            <a:tint val="40000"/>
+            <a:hueOff val="0"/>
+            <a:satOff val="0"/>
+            <a:lumOff val="0"/>
+            <a:alphaOff val="0"/>
+          </a:schemeClr>
+        </a:solidFill>
+        <a:ln w="6350" cap="flat" cmpd="sng" algn="ctr">
+          <a:solidFill>
+            <a:schemeClr val="accent1">
+              <a:alpha val="90000"/>
+              <a:hueOff val="0"/>
+              <a:satOff val="0"/>
+              <a:lumOff val="0"/>
+              <a:alphaOff val="0"/>
+            </a:schemeClr>
+          </a:solidFill>
+          <a:prstDash val="solid"/>
+          <a:miter lim="800000"/>
+        </a:ln>
+        <a:effectLst/>
+        <a:scene3d>
+          <a:camera prst="orthographicFront"/>
+          <a:lightRig rig="threePt" dir="t">
+            <a:rot lat="0" lon="0" rev="7500000"/>
+          </a:lightRig>
+        </a:scene3d>
+        <a:sp3d extrusionH="190500" prstMaterial="dkEdge">
+          <a:bevelT w="120650" h="38100" prst="relaxedInset"/>
+          <a:bevelB w="120650" h="57150" prst="relaxedInset"/>
+          <a:contourClr>
+            <a:schemeClr val="bg1"/>
+          </a:contourClr>
+        </a:sp3d>
+      </dsp:spPr>
+      <dsp:style>
+        <a:lnRef idx="1">
+          <a:scrgbClr r="0" g="0" b="0"/>
+        </a:lnRef>
+        <a:fillRef idx="1">
+          <a:scrgbClr r="0" g="0" b="0"/>
+        </a:fillRef>
+        <a:effectRef idx="2">
+          <a:scrgbClr r="0" g="0" b="0"/>
+        </a:effectRef>
+        <a:fontRef idx="minor"/>
+      </dsp:style>
+      <dsp:txBody>
+        <a:bodyPr spcFirstLastPara="0" vert="horz" wrap="square" lIns="68580" tIns="34290" rIns="68580" bIns="34290" numCol="1" spcCol="1270" anchor="ctr" anchorCtr="0">
+          <a:noAutofit/>
+        </a:bodyPr>
+        <a:lstStyle/>
+        <a:p>
+          <a:pPr marL="171450" lvl="1" indent="-171450" algn="l" defTabSz="800100">
+            <a:lnSpc>
+              <a:spcPct val="90000"/>
+            </a:lnSpc>
+            <a:spcBef>
+              <a:spcPct val="0"/>
+            </a:spcBef>
+            <a:spcAft>
+              <a:spcPct val="15000"/>
+            </a:spcAft>
+            <a:buChar char="••"/>
+          </a:pPr>
+          <a:r>
+            <a:rPr lang="en-US" sz="1800" kern="1200" smtClean="0">
+              <a:latin typeface="Candara" panose="020E0502030303020204" pitchFamily="34" charset="0"/>
+            </a:rPr>
+            <a:t>Launching a product or service to different market segments or geographic regions over time.</a:t>
+          </a:r>
+          <a:endParaRPr lang="en-US" sz="1800" kern="1200">
+            <a:latin typeface="Candara" panose="020E0502030303020204" pitchFamily="34" charset="0"/>
+          </a:endParaRPr>
+        </a:p>
+      </dsp:txBody>
+      <dsp:txXfrm rot="-5400000">
+        <a:off x="3050991" y="3198935"/>
+        <a:ext cx="5368226" cy="1030673"/>
+      </dsp:txXfrm>
+    </dsp:sp>
+    <dsp:sp modelId="{A0BD178B-A294-43E0-9BAF-37E2280C15BA}">
+      <dsp:nvSpPr>
+        <dsp:cNvPr id="0" name=""/>
+        <dsp:cNvSpPr/>
+      </dsp:nvSpPr>
+      <dsp:spPr>
+        <a:xfrm>
+          <a:off x="0" y="3000405"/>
+          <a:ext cx="3050990" cy="1427734"/>
+        </a:xfrm>
+        <a:prstGeom prst="roundRect">
+          <a:avLst/>
+        </a:prstGeom>
+        <a:gradFill rotWithShape="0">
+          <a:gsLst>
+            <a:gs pos="0">
+              <a:schemeClr val="lt1">
+                <a:hueOff val="0"/>
+                <a:satOff val="0"/>
+                <a:lumOff val="0"/>
+                <a:alphaOff val="0"/>
+                <a:satMod val="103000"/>
+                <a:lumMod val="102000"/>
+                <a:tint val="94000"/>
+              </a:schemeClr>
+            </a:gs>
+            <a:gs pos="50000">
+              <a:schemeClr val="lt1">
+                <a:hueOff val="0"/>
+                <a:satOff val="0"/>
+                <a:lumOff val="0"/>
+                <a:alphaOff val="0"/>
+                <a:satMod val="110000"/>
+                <a:lumMod val="100000"/>
+                <a:shade val="100000"/>
+              </a:schemeClr>
+            </a:gs>
+            <a:gs pos="100000">
+              <a:schemeClr val="lt1">
+                <a:hueOff val="0"/>
+                <a:satOff val="0"/>
+                <a:lumOff val="0"/>
+                <a:alphaOff val="0"/>
+                <a:lumMod val="99000"/>
+                <a:satMod val="120000"/>
+                <a:shade val="78000"/>
+              </a:schemeClr>
+            </a:gs>
+          </a:gsLst>
+          <a:lin ang="5400000" scaled="0"/>
+        </a:gradFill>
+        <a:ln>
+          <a:noFill/>
+        </a:ln>
+        <a:effectLst/>
+        <a:scene3d>
+          <a:camera prst="orthographicFront"/>
+          <a:lightRig rig="threePt" dir="t">
+            <a:rot lat="0" lon="0" rev="7500000"/>
+          </a:lightRig>
+        </a:scene3d>
+        <a:sp3d prstMaterial="plastic">
+          <a:bevelT w="127000" h="25400" prst="relaxedInset"/>
+        </a:sp3d>
+      </dsp:spPr>
+      <dsp:style>
+        <a:lnRef idx="0">
+          <a:scrgbClr r="0" g="0" b="0"/>
+        </a:lnRef>
+        <a:fillRef idx="3">
+          <a:scrgbClr r="0" g="0" b="0"/>
+        </a:fillRef>
+        <a:effectRef idx="2">
+          <a:scrgbClr r="0" g="0" b="0"/>
+        </a:effectRef>
+        <a:fontRef idx="minor">
+          <a:schemeClr val="lt1"/>
+        </a:fontRef>
+      </dsp:style>
+      <dsp:txBody>
+        <a:bodyPr spcFirstLastPara="0" vert="horz" wrap="square" lIns="152400" tIns="76200" rIns="152400" bIns="76200" numCol="1" spcCol="1270" anchor="ctr" anchorCtr="0">
+          <a:noAutofit/>
+        </a:bodyPr>
+        <a:lstStyle/>
+        <a:p>
+          <a:pPr lvl="0" algn="ctr" defTabSz="1778000">
+            <a:lnSpc>
+              <a:spcPct val="90000"/>
+            </a:lnSpc>
+            <a:spcBef>
+              <a:spcPct val="0"/>
+            </a:spcBef>
+            <a:spcAft>
+              <a:spcPct val="35000"/>
+            </a:spcAft>
+          </a:pPr>
+          <a:r>
+            <a:rPr lang="en-US" sz="4000" kern="1200" dirty="0" smtClean="0">
+              <a:latin typeface="Candara" panose="020E0502030303020204" pitchFamily="34" charset="0"/>
+            </a:rPr>
+            <a:t>Phased launch</a:t>
+          </a:r>
+          <a:endParaRPr lang="en-US" sz="4000" kern="1200" dirty="0">
+            <a:latin typeface="Candara" panose="020E0502030303020204" pitchFamily="34" charset="0"/>
+          </a:endParaRPr>
+        </a:p>
+      </dsp:txBody>
+      <dsp:txXfrm>
+        <a:off x="69696" y="3070101"/>
+        <a:ext cx="2911598" cy="1288342"/>
+      </dsp:txXfrm>
+    </dsp:sp>
+  </dsp:spTree>
+</dsp:drawing>
+</file>
+
+<file path=ppt/diagrams/layout1.xml><?xml version="1.0" encoding="utf-8"?>
+<dgm:layoutDef xmlns:dgm="http://schemas.openxmlformats.org/drawingml/2006/diagram" xmlns:a="http://schemas.openxmlformats.org/drawingml/2006/main" uniqueId="urn:microsoft.com/office/officeart/2005/8/layout/vList5">
+  <dgm:title val=""/>
+  <dgm:desc val=""/>
+  <dgm:catLst>
+    <dgm:cat type="list" pri="15000"/>
+    <dgm:cat type="convert" pri="2000"/>
+  </dgm:catLst>
+  <dgm:sampData>
+    <dgm:dataModel>
+      <dgm:ptLst>
+        <dgm:pt modelId="0" type="doc"/>
+        <dgm:pt modelId="1">
+          <dgm:prSet phldr="1"/>
+        </dgm:pt>
+        <dgm:pt modelId="11">
+          <dgm:prSet phldr="1"/>
+        </dgm:pt>
+        <dgm:pt modelId="12">
+          <dgm:prSet phldr="1"/>
+        </dgm:pt>
+        <dgm:pt modelId="2">
+          <dgm:prSet phldr="1"/>
+        </dgm:pt>
+        <dgm:pt modelId="21">
+          <dgm:prSet phldr="1"/>
+        </dgm:pt>
+        <dgm:pt modelId="22">
+          <dgm:prSet phldr="1"/>
+        </dgm:pt>
+        <dgm:pt modelId="3">
+          <dgm:prSet phldr="1"/>
+        </dgm:pt>
+        <dgm:pt modelId="31">
+          <dgm:prSet phldr="1"/>
+        </dgm:pt>
+        <dgm:pt modelId="32">
+          <dgm:prSet phldr="1"/>
+        </dgm:pt>
+      </dgm:ptLst>
+      <dgm:cxnLst>
+        <dgm:cxn modelId="4" srcId="0" destId="1" srcOrd="0" destOrd="0"/>
+        <dgm:cxn modelId="5" srcId="0" destId="2" srcOrd="1" destOrd="0"/>
+        <dgm:cxn modelId="6" srcId="0" destId="3" srcOrd="2" destOrd="0"/>
+        <dgm:cxn modelId="13" srcId="1" destId="11" srcOrd="0" destOrd="0"/>
+        <dgm:cxn modelId="14" srcId="1" destId="12" srcOrd="1" destOrd="0"/>
+        <dgm:cxn modelId="23" srcId="2" destId="21" srcOrd="0" destOrd="0"/>
+        <dgm:cxn modelId="24" srcId="2" destId="22" srcOrd="1" destOrd="0"/>
+        <dgm:cxn modelId="33" srcId="3" destId="31" srcOrd="0" destOrd="0"/>
+        <dgm:cxn modelId="34" srcId="3" destId="32" srcOrd="1" destOrd="0"/>
+      </dgm:cxnLst>
+      <dgm:bg/>
+      <dgm:whole/>
+    </dgm:dataModel>
+  </dgm:sampData>
+  <dgm:styleData>
+    <dgm:dataModel>
+      <dgm:ptLst>
+        <dgm:pt modelId="0" type="doc"/>
+        <dgm:pt modelId="1"/>
+        <dgm:pt modelId="11"/>
+        <dgm:pt modelId="2"/>
+        <dgm:pt modelId="21"/>
+      </dgm:ptLst>
+      <dgm:cxnLst>
+        <dgm:cxn modelId="4" srcId="0" destId="1" srcOrd="0" destOrd="0"/>
+        <dgm:cxn modelId="5" srcId="0" destId="2" srcOrd="1" destOrd="0"/>
+        <dgm:cxn modelId="13" srcId="1" destId="11" srcOrd="0" destOrd="0"/>
+        <dgm:cxn modelId="23" srcId="2" destId="21" srcOrd="0" destOrd="0"/>
+      </dgm:cxnLst>
+      <dgm:bg/>
+      <dgm:whole/>
+    </dgm:dataModel>
+  </dgm:styleData>
+  <dgm:clrData>
+    <dgm:dataModel>
+      <dgm:ptLst>
+        <dgm:pt modelId="0" type="doc"/>
+        <dgm:pt modelId="1"/>
+        <dgm:pt modelId="11"/>
+        <dgm:pt modelId="2"/>
+        <dgm:pt modelId="21"/>
+        <dgm:pt modelId="3"/>
+        <dgm:pt modelId="31"/>
+        <dgm:pt modelId="4"/>
+        <dgm:pt modelId="41"/>
+      </dgm:ptLst>
+      <dgm:cxnLst>
+        <dgm:cxn modelId="5" srcId="0" destId="1" srcOrd="0" destOrd="0"/>
+        <dgm:cxn modelId="6" srcId="0" destId="2" srcOrd="1" destOrd="0"/>
+        <dgm:cxn modelId="7" srcId="0" destId="3" srcOrd="2" destOrd="0"/>
+        <dgm:cxn modelId="8" srcId="0" destId="4" srcOrd="3" destOrd="0"/>
+        <dgm:cxn modelId="13" srcId="1" destId="11" srcOrd="0" destOrd="0"/>
+        <dgm:cxn modelId="23" srcId="2" destId="21" srcOrd="0" destOrd="0"/>
+        <dgm:cxn modelId="33" srcId="3" destId="31" srcOrd="0" destOrd="0"/>
+        <dgm:cxn modelId="43" srcId="4" destId="41" srcOrd="0" destOrd="0"/>
+      </dgm:cxnLst>
+      <dgm:bg/>
+      <dgm:whole/>
+    </dgm:dataModel>
+  </dgm:clrData>
+  <dgm:layoutNode name="Name0">
+    <dgm:varLst>
+      <dgm:dir/>
+      <dgm:animLvl val="lvl"/>
+      <dgm:resizeHandles val="exact"/>
+    </dgm:varLst>
+    <dgm:choose name="Name1">
+      <dgm:if name="Name2" func="var" arg="dir" op="equ" val="norm">
+        <dgm:alg type="lin">
+          <dgm:param type="linDir" val="fromT"/>
+          <dgm:param type="nodeHorzAlign" val="l"/>
+        </dgm:alg>
+      </dgm:if>
+      <dgm:else name="Name3">
+        <dgm:alg type="lin">
+          <dgm:param type="linDir" val="fromT"/>
+          <dgm:param type="nodeHorzAlign" val="r"/>
+        </dgm:alg>
+      </dgm:else>
+    </dgm:choose>
+    <dgm:shape xmlns:r="http://schemas.openxmlformats.org/officeDocument/2006/relationships" r:blip="">
+      <dgm:adjLst/>
+    </dgm:shape>
+    <dgm:presOf/>
+    <dgm:constrLst>
+      <dgm:constr type="h" for="ch" forName="linNode" refType="h"/>
+      <dgm:constr type="w" for="ch" forName="linNode" refType="w"/>
+      <dgm:constr type="h" for="ch" forName="sp" refType="h" fact="0.05"/>
+      <dgm:constr type="primFontSz" for="des" forName="parentText" op="equ" val="65"/>
+      <dgm:constr type="secFontSz" for="des" forName="descendantText" op="equ"/>
+    </dgm:constrLst>
+    <dgm:ruleLst/>
+    <dgm:forEach name="Name4" axis="ch" ptType="node">
+      <dgm:layoutNode name="linNode">
+        <dgm:choose name="Name5">
+          <dgm:if name="Name6" func="var" arg="dir" op="equ" val="norm">
+            <dgm:alg type="lin">
+              <dgm:param type="linDir" val="fromL"/>
+            </dgm:alg>
+          </dgm:if>
+          <dgm:else name="Name7">
+            <dgm:alg type="lin">
+              <dgm:param type="linDir" val="fromR"/>
+            </dgm:alg>
+          </dgm:else>
+        </dgm:choose>
+        <dgm:shape xmlns:r="http://schemas.openxmlformats.org/officeDocument/2006/relationships" r:blip="">
+          <dgm:adjLst/>
+        </dgm:shape>
+        <dgm:presOf/>
+        <dgm:constrLst>
+          <dgm:constr type="w" for="ch" forName="parentText" refType="w" fact="0.36"/>
+          <dgm:constr type="w" for="ch" forName="descendantText" refType="w" fact="0.64"/>
+          <dgm:constr type="h" for="ch" forName="parentText" refType="h"/>
+          <dgm:constr type="h" for="ch" forName="descendantText" refType="h" refFor="ch" refForName="parentText" fact="0.8"/>
+        </dgm:constrLst>
+        <dgm:ruleLst/>
+        <dgm:layoutNode name="parentText">
+          <dgm:varLst>
+            <dgm:chMax val="1"/>
+            <dgm:bulletEnabled val="1"/>
+          </dgm:varLst>
+          <dgm:alg type="tx"/>
+          <dgm:shape xmlns:r="http://schemas.openxmlformats.org/officeDocument/2006/relationships" type="roundRect" r:blip="" zOrderOff="3">
+            <dgm:adjLst/>
+          </dgm:shape>
+          <dgm:presOf axis="self" ptType="node"/>
+          <dgm:constrLst>
+            <dgm:constr type="tMarg" refType="primFontSz" fact="0.15"/>
+            <dgm:constr type="bMarg" refType="primFontSz" fact="0.15"/>
+            <dgm:constr type="lMarg" refType="primFontSz" fact="0.3"/>
+            <dgm:constr type="rMarg" refType="primFontSz" fact="0.3"/>
+          </dgm:constrLst>
+          <dgm:ruleLst>
+            <dgm:rule type="primFontSz" val="5" fact="NaN" max="NaN"/>
+          </dgm:ruleLst>
+        </dgm:layoutNode>
+        <dgm:choose name="Name8">
+          <dgm:if name="Name9" axis="ch" ptType="node" func="cnt" op="gte" val="1">
+            <dgm:layoutNode name="descendantText" styleLbl="alignAccFollowNode1">
+              <dgm:varLst>
+                <dgm:bulletEnabled val="1"/>
+              </dgm:varLst>
+              <dgm:alg type="tx">
+                <dgm:param type="stBulletLvl" val="1"/>
+                <dgm:param type="txAnchorVertCh" val="mid"/>
+              </dgm:alg>
+              <dgm:choose name="Name10">
+                <dgm:if name="Name11" func="var" arg="dir" op="equ" val="norm">
+                  <dgm:shape xmlns:r="http://schemas.openxmlformats.org/officeDocument/2006/relationships" rot="90" type="round2SameRect" r:blip="">
+                    <dgm:adjLst/>
+                  </dgm:shape>
+                </dgm:if>
+                <dgm:else name="Name12">
+                  <dgm:shape xmlns:r="http://schemas.openxmlformats.org/officeDocument/2006/relationships" rot="-90" type="round2SameRect" r:blip="">
+                    <dgm:adjLst/>
+                  </dgm:shape>
+                </dgm:else>
+              </dgm:choose>
+              <dgm:presOf axis="des" ptType="node"/>
+              <dgm:constrLst>
+                <dgm:constr type="secFontSz" val="65"/>
+                <dgm:constr type="primFontSz" refType="secFontSz"/>
+                <dgm:constr type="lMarg" refType="secFontSz" fact="0.3"/>
+                <dgm:constr type="rMarg" refType="secFontSz" fact="0.3"/>
+                <dgm:constr type="tMarg" refType="secFontSz" fact="0.15"/>
+                <dgm:constr type="bMarg" refType="secFontSz" fact="0.15"/>
+              </dgm:constrLst>
+              <dgm:ruleLst>
+                <dgm:rule type="secFontSz" val="5" fact="NaN" max="NaN"/>
+              </dgm:ruleLst>
+            </dgm:layoutNode>
+          </dgm:if>
+          <dgm:else name="Name13"/>
+        </dgm:choose>
+      </dgm:layoutNode>
+      <dgm:forEach name="Name14" axis="followSib" ptType="sibTrans" cnt="1">
+        <dgm:layoutNode name="sp">
+          <dgm:alg type="sp"/>
+          <dgm:shape xmlns:r="http://schemas.openxmlformats.org/officeDocument/2006/relationships" r:blip="">
+            <dgm:adjLst/>
+          </dgm:shape>
+          <dgm:presOf/>
+          <dgm:constrLst/>
+          <dgm:ruleLst/>
+        </dgm:layoutNode>
+      </dgm:forEach>
+    </dgm:forEach>
+  </dgm:layoutNode>
+</dgm:layoutDef>
+</file>
+
+<file path=ppt/diagrams/quickStyle1.xml><?xml version="1.0" encoding="utf-8"?>
+<dgm:styleDef xmlns:dgm="http://schemas.openxmlformats.org/drawingml/2006/diagram" xmlns:a="http://schemas.openxmlformats.org/drawingml/2006/main" uniqueId="urn:microsoft.com/office/officeart/2005/8/quickstyle/3d2">
+  <dgm:title val=""/>
+  <dgm:desc val=""/>
+  <dgm:catLst>
+    <dgm:cat type="3D" pri="11200"/>
+  </dgm:catLst>
+  <dgm:scene3d>
+    <a:camera prst="orthographicFront"/>
+    <a:lightRig rig="threePt" dir="t"/>
+  </dgm:scene3d>
+  <dgm:styleLbl name="node0">
+    <dgm:scene3d>
+      <a:camera prst="orthographicFront"/>
+      <a:lightRig rig="threePt" dir="t">
+        <a:rot lat="0" lon="0" rev="7500000"/>
+      </a:lightRig>
+    </dgm:scene3d>
+    <dgm:sp3d prstMaterial="plastic">
+      <a:bevelT w="127000" h="25400" prst="relaxedInset"/>
+    </dgm:sp3d>
+    <dgm:txPr/>
+    <dgm:style>
+      <a:lnRef idx="0">
+        <a:scrgbClr r="0" g="0" b="0"/>
+      </a:lnRef>
+      <a:fillRef idx="3">
+        <a:scrgbClr r="0" g="0" b="0"/>
+      </a:fillRef>
+      <a:effectRef idx="2">
+        <a:scrgbClr r="0" g="0" b="0"/>
+      </a:effectRef>
+      <a:fontRef idx="minor">
+        <a:schemeClr val="lt1"/>
+      </a:fontRef>
+    </dgm:style>
+  </dgm:styleLbl>
+  <dgm:styleLbl name="lnNode1">
+    <dgm:scene3d>
+      <a:camera prst="orthographicFront"/>
+      <a:lightRig rig="threePt" dir="t">
+        <a:rot lat="0" lon="0" rev="7500000"/>
+      </a:lightRig>
+    </dgm:scene3d>
+    <dgm:sp3d prstMaterial="plastic">
+      <a:bevelT w="127000" h="25400" prst="relaxedInset"/>
+    </dgm:sp3d>
+    <dgm:txPr/>
+    <dgm:style>
+      <a:lnRef idx="1">
+        <a:scrgbClr r="0" g="0" b="0"/>
+      </a:lnRef>
+      <a:fillRef idx="3">
+        <a:scrgbClr r="0" g="0" b="0"/>
+      </a:fillRef>
+      <a:effectRef idx="2">
+        <a:scrgbClr r="0" g="0" b="0"/>
+      </a:effectRef>
+      <a:fontRef idx="minor">
+        <a:schemeClr val="lt1"/>
+      </a:fontRef>
+    </dgm:style>
+  </dgm:styleLbl>
+  <dgm:styleLbl name="vennNode1">
+    <dgm:scene3d>
+      <a:camera prst="orthographicFront"/>
+      <a:lightRig rig="threePt" dir="t">
+        <a:rot lat="0" lon="0" rev="7500000"/>
+      </a:lightRig>
+    </dgm:scene3d>
+    <dgm:sp3d prstMaterial="plastic">
+      <a:bevelT w="127000" h="25400" prst="relaxedInset"/>
+    </dgm:sp3d>
+    <dgm:txPr/>
+    <dgm:style>
+      <a:lnRef idx="0">
+        <a:scrgbClr r="0" g="0" b="0"/>
+      </a:lnRef>
+      <a:fillRef idx="3">
+        <a:scrgbClr r="0" g="0" b="0"/>
+      </a:fillRef>
+      <a:effectRef idx="2">
+        <a:scrgbClr r="0" g="0" b="0"/>
+      </a:effectRef>
+      <a:fontRef idx="minor">
+        <a:schemeClr val="tx1"/>
+      </a:fontRef>
+    </dgm:style>
+  </dgm:styleLbl>
+  <dgm:styleLbl name="alingNode1">
+    <dgm:scene3d>
+      <a:camera prst="orthographicFront"/>
+      <a:lightRig rig="threePt" dir="t">
+        <a:rot lat="0" lon="0" rev="7500000"/>
+      </a:lightRig>
+    </dgm:scene3d>
+    <dgm:sp3d prstMaterial="plastic">
+      <a:bevelT w="127000" h="25400" prst="relaxedInset"/>
+    </dgm:sp3d>
+    <dgm:txPr/>
+    <dgm:style>
+      <a:lnRef idx="0">
+        <a:scrgbClr r="0" g="0" b="0"/>
+      </a:lnRef>
+      <a:fillRef idx="3">
+        <a:scrgbClr r="0" g="0" b="0"/>
+      </a:fillRef>
+      <a:effectRef idx="2">
+        <a:scrgbClr r="0" g="0" b="0"/>
+      </a:effectRef>
+      <a:fontRef idx="minor">
+        <a:schemeClr val="lt1"/>
+      </a:fontRef>
+    </dgm:style>
+  </dgm:styleLbl>
+  <dgm:styleLbl name="node1">
+    <dgm:scene3d>
+      <a:camera prst="orthographicFront"/>
+      <a:lightRig rig="threePt" dir="t">
+        <a:rot lat="0" lon="0" rev="7500000"/>
+      </a:lightRig>
+    </dgm:scene3d>
+    <dgm:sp3d prstMaterial="plastic">
+      <a:bevelT w="127000" h="25400" prst="relaxedInset"/>
+    </dgm:sp3d>
+    <dgm:txPr/>
+    <dgm:style>
+      <a:lnRef idx="0">
+        <a:scrgbClr r="0" g="0" b="0"/>
+      </a:lnRef>
+      <a:fillRef idx="3">
+        <a:scrgbClr r="0" g="0" b="0"/>
+      </a:fillRef>
+      <a:effectRef idx="2">
+        <a:scrgbClr r="0" g="0" b="0"/>
+      </a:effectRef>
+      <a:fontRef idx="minor">
+        <a:schemeClr val="lt1"/>
+      </a:fontRef>
+    </dgm:style>
+  </dgm:styleLbl>
+  <dgm:styleLbl name="node2">
+    <dgm:scene3d>
+      <a:camera prst="orthographicFront"/>
+      <a:lightRig rig="threePt" dir="t">
+        <a:rot lat="0" lon="0" rev="7500000"/>
+      </a:lightRig>
+    </dgm:scene3d>
+    <dgm:sp3d prstMaterial="plastic">
+      <a:bevelT w="127000" h="25400" prst="relaxedInset"/>
+    </dgm:sp3d>
+    <dgm:txPr/>
+    <dgm:style>
+      <a:lnRef idx="0">
+        <a:scrgbClr r="0" g="0" b="0"/>
+      </a:lnRef>
+      <a:fillRef idx="3">
+        <a:scrgbClr r="0" g="0" b="0"/>
+      </a:fillRef>
+      <a:effectRef idx="2">
+        <a:scrgbClr r="0" g="0" b="0"/>
+      </a:effectRef>
+      <a:fontRef idx="minor">
+        <a:schemeClr val="lt1"/>
+      </a:fontRef>
+    </dgm:style>
+  </dgm:styleLbl>
+  <dgm:styleLbl name="node3">
+    <dgm:scene3d>
+      <a:camera prst="orthographicFront"/>
+      <a:lightRig rig="threePt" dir="t">
+        <a:rot lat="0" lon="0" rev="7500000"/>
+      </a:lightRig>
+    </dgm:scene3d>
+    <dgm:sp3d prstMaterial="plastic">
+      <a:bevelT w="127000" h="25400" prst="relaxedInset"/>
+    </dgm:sp3d>
+    <dgm:txPr/>
+    <dgm:style>
+      <a:lnRef idx="0">
+        <a:scrgbClr r="0" g="0" b="0"/>
+      </a:lnRef>
+      <a:fillRef idx="3">
+        <a:scrgbClr r="0" g="0" b="0"/>
+      </a:fillRef>
+      <a:effectRef idx="2">
+        <a:scrgbClr r="0" g="0" b="0"/>
+      </a:effectRef>
+      <a:fontRef idx="minor">
+        <a:schemeClr val="lt1"/>
+      </a:fontRef>
+    </dgm:style>
+  </dgm:styleLbl>
+  <dgm:styleLbl name="node4">
+    <dgm:scene3d>
+      <a:camera prst="orthographicFront"/>
+      <a:lightRig rig="threePt" dir="t">
+        <a:rot lat="0" lon="0" rev="7500000"/>
+      </a:lightRig>
+    </dgm:scene3d>
+    <dgm:sp3d prstMaterial="plastic">
+      <a:bevelT w="127000" h="25400" prst="relaxedInset"/>
+    </dgm:sp3d>
+    <dgm:txPr/>
+    <dgm:style>
+      <a:lnRef idx="0">
+        <a:scrgbClr r="0" g="0" b="0"/>
+      </a:lnRef>
+      <a:fillRef idx="3">
+        <a:scrgbClr r="0" g="0" b="0"/>
+      </a:fillRef>
+      <a:effectRef idx="2">
+        <a:scrgbClr r="0" g="0" b="0"/>
+      </a:effectRef>
+      <a:fontRef idx="minor">
+        <a:schemeClr val="lt1"/>
+      </a:fontRef>
+    </dgm:style>
+  </dgm:styleLbl>
+  <dgm:styleLbl name="fgImgPlace1">
+    <dgm:scene3d>
+      <a:camera prst="orthographicFront"/>
+      <a:lightRig rig="threePt" dir="t">
+        <a:rot lat="0" lon="0" rev="7500000"/>
+      </a:lightRig>
+    </dgm:scene3d>
+    <dgm:sp3d z="152400" extrusionH="63500" prstMaterial="matte">
+      <a:bevelT w="50800" h="19050" prst="relaxedInset"/>
+      <a:contourClr>
+        <a:schemeClr val="bg1"/>
+      </a:contourClr>
+    </dgm:sp3d>
+    <dgm:txPr/>
+    <dgm:style>
+      <a:lnRef idx="0">
+        <a:scrgbClr r="0" g="0" b="0"/>
+      </a:lnRef>
+      <a:fillRef idx="1">
+        <a:scrgbClr r="0" g="0" b="0"/>
+      </a:fillRef>
+      <a:effectRef idx="0">
+        <a:scrgbClr r="0" g="0" b="0"/>
+      </a:effectRef>
+      <a:fontRef idx="minor"/>
+    </dgm:style>
+  </dgm:styleLbl>
+  <dgm:styleLbl name="alignImgPlace1">
+    <dgm:scene3d>
+      <a:camera prst="orthographicFront"/>
+      <a:lightRig rig="threePt" dir="t">
+        <a:rot lat="0" lon="0" rev="7500000"/>
+      </a:lightRig>
+    </dgm:scene3d>
+    <dgm:sp3d z="254000" extrusionH="63500" contourW="12700" prstMaterial="matte">
+      <a:contourClr>
+        <a:schemeClr val="lt1"/>
+      </a:contourClr>
+    </dgm:sp3d>
+    <dgm:txPr/>
+    <dgm:style>
+      <a:lnRef idx="0">
+        <a:scrgbClr r="0" g="0" b="0"/>
+      </a:lnRef>
+      <a:fillRef idx="1">
+        <a:scrgbClr r="0" g="0" b="0"/>
+      </a:fillRef>
+      <a:effectRef idx="0">
+        <a:scrgbClr r="0" g="0" b="0"/>
+      </a:effectRef>
+      <a:fontRef idx="minor"/>
+    </dgm:style>
+  </dgm:styleLbl>
+  <dgm:styleLbl name="bgImgPlace1">
+    <dgm:scene3d>
+      <a:camera prst="orthographicFront"/>
+      <a:lightRig rig="threePt" dir="t">
+        <a:rot lat="0" lon="0" rev="7500000"/>
+      </a:lightRig>
+    </dgm:scene3d>
+    <dgm:sp3d z="-152400" extrusionH="63500" contourW="12700" prstMaterial="matte">
+      <a:contourClr>
+        <a:schemeClr val="lt1"/>
+      </a:contourClr>
+    </dgm:sp3d>
+    <dgm:txPr/>
+    <dgm:style>
+      <a:lnRef idx="0">
+        <a:scrgbClr r="0" g="0" b="0"/>
+      </a:lnRef>
+      <a:fillRef idx="1">
+        <a:scrgbClr r="0" g="0" b="0"/>
+      </a:fillRef>
+      <a:effectRef idx="0">
+        <a:scrgbClr r="0" g="0" b="0"/>
+      </a:effectRef>
+      <a:fontRef idx="minor"/>
+    </dgm:style>
+  </dgm:styleLbl>
+  <dgm:styleLbl name="sibTrans2D1">
+    <dgm:scene3d>
+      <a:camera prst="orthographicFront"/>
+      <a:lightRig rig="threePt" dir="t">
+        <a:rot lat="0" lon="0" rev="7500000"/>
+      </a:lightRig>
+    </dgm:scene3d>
+    <dgm:sp3d z="-70000" extrusionH="63500" prstMaterial="matte">
+      <a:bevelT w="25400" h="6350" prst="relaxedInset"/>
+      <a:contourClr>
+        <a:schemeClr val="bg1"/>
+      </a:contourClr>
+    </dgm:sp3d>
+    <dgm:txPr/>
+    <dgm:style>
+      <a:lnRef idx="0">
+        <a:scrgbClr r="0" g="0" b="0"/>
+      </a:lnRef>
+      <a:fillRef idx="1">
+        <a:scrgbClr r="0" g="0" b="0"/>
+      </a:fillRef>
+      <a:effectRef idx="2">
+        <a:scrgbClr r="0" g="0" b="0"/>
+      </a:effectRef>
+      <a:fontRef idx="minor">
+        <a:schemeClr val="lt1"/>
+      </a:fontRef>
+    </dgm:style>
+  </dgm:styleLbl>
+  <dgm:styleLbl name="fgSibTrans2D1">
+    <dgm:scene3d>
+      <a:camera prst="orthographicFront"/>
+      <a:lightRig rig="threePt" dir="t">
+        <a:rot lat="0" lon="0" rev="7500000"/>
+      </a:lightRig>
+    </dgm:scene3d>
+    <dgm:sp3d z="152400" extrusionH="63500" prstMaterial="matte">
+      <a:bevelT w="25400" h="6350" prst="relaxedInset"/>
+      <a:contourClr>
+        <a:schemeClr val="bg1"/>
+      </a:contourClr>
+    </dgm:sp3d>
+    <dgm:txPr/>
+    <dgm:style>
+      <a:lnRef idx="0">
+        <a:scrgbClr r="0" g="0" b="0"/>
+      </a:lnRef>
+      <a:fillRef idx="1">
+        <a:scrgbClr r="0" g="0" b="0"/>
+      </a:fillRef>
+      <a:effectRef idx="2">
+        <a:scrgbClr r="0" g="0" b="0"/>
+      </a:effectRef>
+      <a:fontRef idx="minor">
+        <a:schemeClr val="lt1"/>
+      </a:fontRef>
+    </dgm:style>
+  </dgm:styleLbl>
+  <dgm:styleLbl name="bgSibTrans2D1">
+    <dgm:scene3d>
+      <a:camera prst="orthographicFront"/>
+      <a:lightRig rig="threePt" dir="t">
+        <a:rot lat="0" lon="0" rev="7500000"/>
+      </a:lightRig>
+    </dgm:scene3d>
+    <dgm:sp3d z="-152400" extrusionH="63500" prstMaterial="matte">
+      <a:bevelT w="25400" h="6350" prst="relaxedInset"/>
+      <a:contourClr>
+        <a:schemeClr val="bg1"/>
+      </a:contourClr>
+    </dgm:sp3d>
+    <dgm:txPr/>
+    <dgm:style>
+      <a:lnRef idx="0">
+        <a:scrgbClr r="0" g="0" b="0"/>
+      </a:lnRef>
+      <a:fillRef idx="1">
+        <a:scrgbClr r="0" g="0" b="0"/>
+      </a:fillRef>
+      <a:effectRef idx="2">
+        <a:scrgbClr r="0" g="0" b="0"/>
+      </a:effectRef>
+      <a:fontRef idx="minor">
+        <a:schemeClr val="lt1"/>
+      </a:fontRef>
+    </dgm:style>
+  </dgm:styleLbl>
+  <dgm:styleLbl name="sibTrans1D1">
+    <dgm:scene3d>
+      <a:camera prst="orthographicFront"/>
+      <a:lightRig rig="threePt" dir="t">
+        <a:rot lat="0" lon="0" rev="7500000"/>
+      </a:lightRig>
+    </dgm:scene3d>
+    <dgm:sp3d z="-40000" prstMaterial="matte"/>
+    <dgm:txPr/>
+    <dgm:style>
+      <a:lnRef idx="1">
+        <a:scrgbClr r="0" g="0" b="0"/>
+      </a:lnRef>
+      <a:fillRef idx="0">
+        <a:scrgbClr r="0" g="0" b="0"/>
+      </a:fillRef>
+      <a:effectRef idx="0">
+        <a:scrgbClr r="0" g="0" b="0"/>
+      </a:effectRef>
+      <a:fontRef idx="minor"/>
+    </dgm:style>
+  </dgm:styleLbl>
+  <dgm:styleLbl name="callout">
+    <dgm:scene3d>
+      <a:camera prst="orthographicFront"/>
+      <a:lightRig rig="threePt" dir="t">
+        <a:rot lat="0" lon="0" rev="7500000"/>
+      </a:lightRig>
+    </dgm:scene3d>
+    <dgm:sp3d z="127000" prstMaterial="matte"/>
+    <dgm:txPr/>
+    <dgm:style>
+      <a:lnRef idx="2">
+        <a:scrgbClr r="0" g="0" b="0"/>
+      </a:lnRef>
+      <a:fillRef idx="1">
+        <a:scrgbClr r="0" g="0" b="0"/>
+      </a:fillRef>
+      <a:effectRef idx="0">
+        <a:scrgbClr r="0" g="0" b="0"/>
+      </a:effectRef>
+      <a:fontRef idx="minor"/>
+    </dgm:style>
+  </dgm:styleLbl>
+  <dgm:styleLbl name="asst0">
+    <dgm:scene3d>
+      <a:camera prst="orthographicFront"/>
+      <a:lightRig rig="threePt" dir="t">
+        <a:rot lat="0" lon="0" rev="7500000"/>
+      </a:lightRig>
+    </dgm:scene3d>
+    <dgm:sp3d prstMaterial="plastic">
+      <a:bevelT w="127000" h="25400" prst="relaxedInset"/>
+    </dgm:sp3d>
+    <dgm:txPr/>
+    <dgm:style>
+      <a:lnRef idx="0">
+        <a:scrgbClr r="0" g="0" b="0"/>
+      </a:lnRef>
+      <a:fillRef idx="3">
+        <a:scrgbClr r="0" g="0" b="0"/>
+      </a:fillRef>
+      <a:effectRef idx="2">
+        <a:scrgbClr r="0" g="0" b="0"/>
+      </a:effectRef>
+      <a:fontRef idx="minor">
+        <a:schemeClr val="lt1"/>
+      </a:fontRef>
+    </dgm:style>
+  </dgm:styleLbl>
+  <dgm:styleLbl name="asst1">
+    <dgm:scene3d>
+      <a:camera prst="orthographicFront"/>
+      <a:lightRig rig="threePt" dir="t">
+        <a:rot lat="0" lon="0" rev="7500000"/>
+      </a:lightRig>
+    </dgm:scene3d>
+    <dgm:sp3d prstMaterial="plastic">
+      <a:bevelT w="127000" h="25400" prst="relaxedInset"/>
+    </dgm:sp3d>
+    <dgm:txPr/>
+    <dgm:style>
+      <a:lnRef idx="0">
+        <a:scrgbClr r="0" g="0" b="0"/>
+      </a:lnRef>
+      <a:fillRef idx="3">
+        <a:scrgbClr r="0" g="0" b="0"/>
+      </a:fillRef>
+      <a:effectRef idx="2">
+        <a:scrgbClr r="0" g="0" b="0"/>
+      </a:effectRef>
+      <a:fontRef idx="minor">
+        <a:schemeClr val="lt1"/>
+      </a:fontRef>
+    </dgm:style>
+  </dgm:styleLbl>
+  <dgm:styleLbl name="asst2">
+    <dgm:scene3d>
+      <a:camera prst="orthographicFront"/>
+      <a:lightRig rig="threePt" dir="t">
+        <a:rot lat="0" lon="0" rev="7500000"/>
+      </a:lightRig>
+    </dgm:scene3d>
+    <dgm:sp3d prstMaterial="plastic">
+      <a:bevelT w="127000" h="25400" prst="relaxedInset"/>
+    </dgm:sp3d>
+    <dgm:txPr/>
+    <dgm:style>
+      <a:lnRef idx="0">
+        <a:scrgbClr r="0" g="0" b="0"/>
+      </a:lnRef>
+      <a:fillRef idx="3">
+        <a:scrgbClr r="0" g="0" b="0"/>
+      </a:fillRef>
+      <a:effectRef idx="2">
+        <a:scrgbClr r="0" g="0" b="0"/>
+      </a:effectRef>
+      <a:fontRef idx="minor">
+        <a:schemeClr val="lt1"/>
+      </a:fontRef>
+    </dgm:style>
+  </dgm:styleLbl>
+  <dgm:styleLbl name="asst3">
+    <dgm:scene3d>
+      <a:camera prst="orthographicFront"/>
+      <a:lightRig rig="threePt" dir="t">
+        <a:rot lat="0" lon="0" rev="7500000"/>
+      </a:lightRig>
+    </dgm:scene3d>
+    <dgm:sp3d prstMaterial="plastic">
+      <a:bevelT w="127000" h="25400" prst="relaxedInset"/>
+    </dgm:sp3d>
+    <dgm:txPr/>
+    <dgm:style>
+      <a:lnRef idx="0">
+        <a:scrgbClr r="0" g="0" b="0"/>
+      </a:lnRef>
+      <a:fillRef idx="3">
+        <a:scrgbClr r="0" g="0" b="0"/>
+      </a:fillRef>
+      <a:effectRef idx="2">
+        <a:scrgbClr r="0" g="0" b="0"/>
+      </a:effectRef>
+      <a:fontRef idx="minor">
+        <a:schemeClr val="lt1"/>
+      </a:fontRef>
+    </dgm:style>
+  </dgm:styleLbl>
+  <dgm:styleLbl name="parChTrans2D1">
+    <dgm:scene3d>
+      <a:camera prst="orthographicFront"/>
+      <a:lightRig rig="threePt" dir="t">
+        <a:rot lat="0" lon="0" rev="7500000"/>
+      </a:lightRig>
+    </dgm:scene3d>
+    <dgm:sp3d extrusionH="63500" prstMaterial="matte">
+      <a:bevelT w="50800" h="19050" prst="relaxedInset"/>
+      <a:contourClr>
+        <a:schemeClr val="bg1"/>
+      </a:contourClr>
+    </dgm:sp3d>
+    <dgm:txPr/>
+    <dgm:style>
+      <a:lnRef idx="0">
+        <a:scrgbClr r="0" g="0" b="0"/>
+      </a:lnRef>
+      <a:fillRef idx="1">
+        <a:scrgbClr r="0" g="0" b="0"/>
+      </a:fillRef>
+      <a:effectRef idx="2">
+        <a:scrgbClr r="0" g="0" b="0"/>
+      </a:effectRef>
+      <a:fontRef idx="minor">
+        <a:schemeClr val="lt1"/>
+      </a:fontRef>
+    </dgm:style>
+  </dgm:styleLbl>
+  <dgm:styleLbl name="parChTrans2D2">
+    <dgm:scene3d>
+      <a:camera prst="orthographicFront"/>
+      <a:lightRig rig="threePt" dir="t">
+        <a:rot lat="0" lon="0" rev="7500000"/>
+      </a:lightRig>
+    </dgm:scene3d>
+    <dgm:sp3d extrusionH="63500" prstMaterial="matte">
+      <a:bevelT w="50800" h="19050" prst="relaxedInset"/>
+      <a:contourClr>
+        <a:schemeClr val="bg1"/>
+      </a:contourClr>
+    </dgm:sp3d>
+    <dgm:txPr/>
+    <dgm:style>
+      <a:lnRef idx="0">
+        <a:scrgbClr r="0" g="0" b="0"/>
+      </a:lnRef>
+      <a:fillRef idx="1">
+        <a:scrgbClr r="0" g="0" b="0"/>
+      </a:fillRef>
+      <a:effectRef idx="0">
+        <a:scrgbClr r="0" g="0" b="0"/>
+      </a:effectRef>
+      <a:fontRef idx="minor">
+        <a:schemeClr val="lt1"/>
+      </a:fontRef>
+    </dgm:style>
+  </dgm:styleLbl>
+  <dgm:styleLbl name="parChTrans2D3">
+    <dgm:scene3d>
+      <a:camera prst="orthographicFront"/>
+      <a:lightRig rig="threePt" dir="t">
+        <a:rot lat="0" lon="0" rev="7500000"/>
+      </a:lightRig>
+    </dgm:scene3d>
+    <dgm:sp3d z="60000" prstMaterial="flat">
+      <a:bevelT w="120900" h="88900"/>
+    </dgm:sp3d>
+    <dgm:txPr/>
+    <dgm:style>
+      <a:lnRef idx="0">
+        <a:scrgbClr r="0" g="0" b="0"/>
+      </a:lnRef>
+      <a:fillRef idx="3">
+        <a:scrgbClr r="0" g="0" b="0"/>
+      </a:fillRef>
+      <a:effectRef idx="1">
+        <a:scrgbClr r="0" g="0" b="0"/>
+      </a:effectRef>
+      <a:fontRef idx="minor">
+        <a:schemeClr val="lt1"/>
+      </a:fontRef>
+    </dgm:style>
+  </dgm:styleLbl>
+  <dgm:styleLbl name="parChTrans2D4">
+    <dgm:scene3d>
+      <a:camera prst="orthographicFront"/>
+      <a:lightRig rig="threePt" dir="t">
+        <a:rot lat="0" lon="0" rev="7500000"/>
+      </a:lightRig>
+    </dgm:scene3d>
+    <dgm:sp3d z="60000" prstMaterial="flat">
+      <a:bevelT w="120900" h="88900"/>
+    </dgm:sp3d>
+    <dgm:txPr/>
+    <dgm:style>
+      <a:lnRef idx="0">
+        <a:scrgbClr r="0" g="0" b="0"/>
+      </a:lnRef>
+      <a:fillRef idx="3">
+        <a:scrgbClr r="0" g="0" b="0"/>
+      </a:fillRef>
+      <a:effectRef idx="1">
+        <a:scrgbClr r="0" g="0" b="0"/>
+      </a:effectRef>
+      <a:fontRef idx="minor">
+        <a:schemeClr val="lt1"/>
+      </a:fontRef>
+    </dgm:style>
+  </dgm:styleLbl>
+  <dgm:styleLbl name="parChTrans1D1">
+    <dgm:scene3d>
+      <a:camera prst="orthographicFront"/>
+      <a:lightRig rig="threePt" dir="t">
+        <a:rot lat="0" lon="0" rev="7500000"/>
+      </a:lightRig>
+    </dgm:scene3d>
+    <dgm:sp3d z="-40000" prstMaterial="matte"/>
+    <dgm:txPr/>
+    <dgm:style>
+      <a:lnRef idx="2">
+        <a:scrgbClr r="0" g="0" b="0"/>
+      </a:lnRef>
+      <a:fillRef idx="0">
+        <a:scrgbClr r="0" g="0" b="0"/>
+      </a:fillRef>
+      <a:effectRef idx="0">
+        <a:scrgbClr r="0" g="0" b="0"/>
+      </a:effectRef>
+      <a:fontRef idx="minor"/>
+    </dgm:style>
+  </dgm:styleLbl>
+  <dgm:styleLbl name="parChTrans1D2">
+    <dgm:scene3d>
+      <a:camera prst="orthographicFront"/>
+      <a:lightRig rig="threePt" dir="t">
+        <a:rot lat="0" lon="0" rev="7500000"/>
+      </a:lightRig>
+    </dgm:scene3d>
+    <dgm:sp3d z="-40000" prstMaterial="matte"/>
+    <dgm:txPr/>
+    <dgm:style>
+      <a:lnRef idx="2">
+        <a:scrgbClr r="0" g="0" b="0"/>
+      </a:lnRef>
+      <a:fillRef idx="0">
+        <a:scrgbClr r="0" g="0" b="0"/>
+      </a:fillRef>
+      <a:effectRef idx="0">
+        <a:scrgbClr r="0" g="0" b="0"/>
+      </a:effectRef>
+      <a:fontRef idx="minor"/>
+    </dgm:style>
+  </dgm:styleLbl>
+  <dgm:styleLbl name="parChTrans1D3">
+    <dgm:scene3d>
+      <a:camera prst="orthographicFront"/>
+      <a:lightRig rig="threePt" dir="t">
+        <a:rot lat="0" lon="0" rev="7500000"/>
+      </a:lightRig>
+    </dgm:scene3d>
+    <dgm:sp3d z="-40000" prstMaterial="matte"/>
+    <dgm:txPr/>
+    <dgm:style>
+      <a:lnRef idx="2">
+        <a:scrgbClr r="0" g="0" b="0"/>
+      </a:lnRef>
+      <a:fillRef idx="0">
+        <a:scrgbClr r="0" g="0" b="0"/>
+      </a:fillRef>
+      <a:effectRef idx="0">
+        <a:scrgbClr r="0" g="0" b="0"/>
+      </a:effectRef>
+      <a:fontRef idx="minor"/>
+    </dgm:style>
+  </dgm:styleLbl>
+  <dgm:styleLbl name="parChTrans1D4">
+    <dgm:scene3d>
+      <a:camera prst="orthographicFront"/>
+      <a:lightRig rig="threePt" dir="t">
+        <a:rot lat="0" lon="0" rev="7500000"/>
+      </a:lightRig>
+    </dgm:scene3d>
+    <dgm:sp3d z="-40000" prstMaterial="matte"/>
+    <dgm:txPr/>
+    <dgm:style>
+      <a:lnRef idx="2">
+        <a:scrgbClr r="0" g="0" b="0"/>
+      </a:lnRef>
+      <a:fillRef idx="0">
+        <a:scrgbClr r="0" g="0" b="0"/>
+      </a:fillRef>
+      <a:effectRef idx="0">
+        <a:scrgbClr r="0" g="0" b="0"/>
+      </a:effectRef>
+      <a:fontRef idx="minor"/>
+    </dgm:style>
+  </dgm:styleLbl>
+  <dgm:styleLbl name="fgAcc1">
+    <dgm:scene3d>
+      <a:camera prst="orthographicFront"/>
+      <a:lightRig rig="threePt" dir="t">
+        <a:rot lat="0" lon="0" rev="7500000"/>
+      </a:lightRig>
+    </dgm:scene3d>
+    <dgm:sp3d z="152400" extrusionH="63500" prstMaterial="dkEdge">
+      <a:bevelT w="135400" h="16350" prst="relaxedInset"/>
+      <a:contourClr>
+        <a:schemeClr val="bg1"/>
+      </a:contourClr>
+    </dgm:sp3d>
+    <dgm:txPr/>
+    <dgm:style>
+      <a:lnRef idx="1">
+        <a:scrgbClr r="0" g="0" b="0"/>
+      </a:lnRef>
+      <a:fillRef idx="1">
+        <a:scrgbClr r="0" g="0" b="0"/>
+      </a:fillRef>
+      <a:effectRef idx="2">
+        <a:scrgbClr r="0" g="0" b="0"/>
+      </a:effectRef>
+      <a:fontRef idx="minor"/>
+    </dgm:style>
+  </dgm:styleLbl>
+  <dgm:styleLbl name="conFgAcc1">
+    <dgm:scene3d>
+      <a:camera prst="orthographicFront"/>
+      <a:lightRig rig="threePt" dir="t">
+        <a:rot lat="0" lon="0" rev="7500000"/>
+      </a:lightRig>
+    </dgm:scene3d>
+    <dgm:sp3d z="152400" extrusionH="63500" prstMaterial="dkEdge">
+      <a:bevelT w="135400" h="16350" prst="relaxedInset"/>
+      <a:contourClr>
+        <a:schemeClr val="bg1"/>
+      </a:contourClr>
+    </dgm:sp3d>
+    <dgm:txPr/>
+    <dgm:style>
+      <a:lnRef idx="1">
+        <a:scrgbClr r="0" g="0" b="0"/>
+      </a:lnRef>
+      <a:fillRef idx="1">
+        <a:scrgbClr r="0" g="0" b="0"/>
+      </a:fillRef>
+      <a:effectRef idx="2">
+        <a:scrgbClr r="0" g="0" b="0"/>
+      </a:effectRef>
+      <a:fontRef idx="minor"/>
+    </dgm:style>
+  </dgm:styleLbl>
+  <dgm:styleLbl name="alignAcc1">
+    <dgm:scene3d>
+      <a:camera prst="orthographicFront"/>
+      <a:lightRig rig="threePt" dir="t">
+        <a:rot lat="0" lon="0" rev="7500000"/>
+      </a:lightRig>
+    </dgm:scene3d>
+    <dgm:sp3d extrusionH="190500" prstMaterial="dkEdge">
+      <a:bevelT w="135400" h="16350" prst="relaxedInset"/>
+      <a:contourClr>
+        <a:schemeClr val="bg1"/>
+      </a:contourClr>
+    </dgm:sp3d>
+    <dgm:txPr/>
+    <dgm:style>
+      <a:lnRef idx="1">
+        <a:scrgbClr r="0" g="0" b="0"/>
+      </a:lnRef>
+      <a:fillRef idx="1">
+        <a:scrgbClr r="0" g="0" b="0"/>
+      </a:fillRef>
+      <a:effectRef idx="2">
+        <a:scrgbClr r="0" g="0" b="0"/>
+      </a:effectRef>
+      <a:fontRef idx="minor"/>
+    </dgm:style>
+  </dgm:styleLbl>
+  <dgm:styleLbl name="trAlignAcc1">
+    <dgm:scene3d>
+      <a:camera prst="orthographicFront"/>
+      <a:lightRig rig="threePt" dir="t">
+        <a:rot lat="0" lon="0" rev="7500000"/>
+      </a:lightRig>
+    </dgm:scene3d>
+    <dgm:sp3d prstMaterial="plastic">
+      <a:bevelT w="127000" h="35400"/>
+    </dgm:sp3d>
+    <dgm:txPr/>
+    <dgm:style>
+      <a:lnRef idx="1">
+        <a:scrgbClr r="0" g="0" b="0"/>
+      </a:lnRef>
+      <a:fillRef idx="1">
+        <a:scrgbClr r="0" g="0" b="0"/>
+      </a:fillRef>
+      <a:effectRef idx="2">
+        <a:scrgbClr r="0" g="0" b="0"/>
+      </a:effectRef>
+      <a:fontRef idx="minor">
+        <a:schemeClr val="lt1"/>
+      </a:fontRef>
+    </dgm:style>
+  </dgm:styleLbl>
+  <dgm:styleLbl name="bgAcc1">
+    <dgm:scene3d>
+      <a:camera prst="orthographicFront"/>
+      <a:lightRig rig="threePt" dir="t">
+        <a:rot lat="0" lon="0" rev="7500000"/>
+      </a:lightRig>
+    </dgm:scene3d>
+    <dgm:sp3d z="-152400" extrusionH="63500" prstMaterial="dkEdge">
+      <a:bevelT w="124450" h="16350" prst="relaxedInset"/>
+      <a:contourClr>
+        <a:schemeClr val="bg1"/>
+      </a:contourClr>
+    </dgm:sp3d>
+    <dgm:txPr/>
+    <dgm:style>
+      <a:lnRef idx="1">
+        <a:scrgbClr r="0" g="0" b="0"/>
+      </a:lnRef>
+      <a:fillRef idx="1">
+        <a:scrgbClr r="0" g="0" b="0"/>
+      </a:fillRef>
+      <a:effectRef idx="0">
+        <a:scrgbClr r="0" g="0" b="0"/>
+      </a:effectRef>
+      <a:fontRef idx="minor"/>
+    </dgm:style>
+  </dgm:styleLbl>
+  <dgm:styleLbl name="solidFgAcc1">
+    <dgm:scene3d>
+      <a:camera prst="orthographicFront"/>
+      <a:lightRig rig="threePt" dir="t">
+        <a:rot lat="0" lon="0" rev="7500000"/>
+      </a:lightRig>
+    </dgm:scene3d>
+    <dgm:sp3d z="152400" extrusionH="63500" prstMaterial="dkEdge">
+      <a:bevelT w="120800" h="19050" prst="relaxedInset"/>
+      <a:contourClr>
+        <a:schemeClr val="bg1"/>
+      </a:contourClr>
+    </dgm:sp3d>
+    <dgm:txPr/>
+    <dgm:style>
+      <a:lnRef idx="1">
+        <a:scrgbClr r="0" g="0" b="0"/>
+      </a:lnRef>
+      <a:fillRef idx="1">
+        <a:scrgbClr r="0" g="0" b="0"/>
+      </a:fillRef>
+      <a:effectRef idx="2">
+        <a:scrgbClr r="0" g="0" b="0"/>
+      </a:effectRef>
+      <a:fontRef idx="minor"/>
+    </dgm:style>
+  </dgm:styleLbl>
+  <dgm:styleLbl name="solidAlignAcc1">
+    <dgm:scene3d>
+      <a:camera prst="orthographicFront"/>
+      <a:lightRig rig="threePt" dir="t">
+        <a:rot lat="0" lon="0" rev="7500000"/>
+      </a:lightRig>
+    </dgm:scene3d>
+    <dgm:sp3d extrusionH="190500" prstMaterial="dkEdge">
+      <a:bevelT w="120650" h="38100" prst="relaxedInset"/>
+      <a:contourClr>
+        <a:schemeClr val="bg1"/>
+      </a:contourClr>
+    </dgm:sp3d>
+    <dgm:txPr/>
+    <dgm:style>
+      <a:lnRef idx="1">
+        <a:scrgbClr r="0" g="0" b="0"/>
+      </a:lnRef>
+      <a:fillRef idx="1">
+        <a:scrgbClr r="0" g="0" b="0"/>
+      </a:fillRef>
+      <a:effectRef idx="2">
+        <a:scrgbClr r="0" g="0" b="0"/>
+      </a:effectRef>
+      <a:fontRef idx="minor"/>
+    </dgm:style>
+  </dgm:styleLbl>
+  <dgm:styleLbl name="solidBgAcc1">
+    <dgm:scene3d>
+      <a:camera prst="orthographicFront"/>
+      <a:lightRig rig="threePt" dir="t">
+        <a:rot lat="0" lon="0" rev="7500000"/>
+      </a:lightRig>
+    </dgm:scene3d>
+    <dgm:sp3d z="-152400" extrusionH="63500" prstMaterial="dkEdge">
+      <a:bevelT w="144450" h="36350" prst="relaxedInset"/>
+      <a:contourClr>
+        <a:schemeClr val="bg1"/>
+      </a:contourClr>
+    </dgm:sp3d>
+    <dgm:txPr/>
+    <dgm:style>
+      <a:lnRef idx="1">
+        <a:scrgbClr r="0" g="0" b="0"/>
+      </a:lnRef>
+      <a:fillRef idx="1">
+        <a:scrgbClr r="0" g="0" b="0"/>
+      </a:fillRef>
+      <a:effectRef idx="0">
+        <a:scrgbClr r="0" g="0" b="0"/>
+      </a:effectRef>
+      <a:fontRef idx="minor"/>
+    </dgm:style>
+  </dgm:styleLbl>
+  <dgm:styleLbl name="fgAccFollowNode1">
+    <dgm:scene3d>
+      <a:camera prst="orthographicFront"/>
+      <a:lightRig rig="threePt" dir="t">
+        <a:rot lat="0" lon="0" rev="7500000"/>
+      </a:lightRig>
+    </dgm:scene3d>
+    <dgm:sp3d z="152400" extrusionH="63500" prstMaterial="dkEdge">
+      <a:bevelT w="125400" h="36350" prst="relaxedInset"/>
+      <a:contourClr>
+        <a:schemeClr val="bg1"/>
+      </a:contourClr>
+    </dgm:sp3d>
+    <dgm:txPr/>
+    <dgm:style>
+      <a:lnRef idx="1">
+        <a:scrgbClr r="0" g="0" b="0"/>
+      </a:lnRef>
+      <a:fillRef idx="1">
+        <a:scrgbClr r="0" g="0" b="0"/>
+      </a:fillRef>
+      <a:effectRef idx="0">
+        <a:scrgbClr r="0" g="0" b="0"/>
+      </a:effectRef>
+      <a:fontRef idx="minor"/>
+    </dgm:style>
+  </dgm:styleLbl>
+  <dgm:styleLbl name="alignAccFollowNode1">
+    <dgm:scene3d>
+      <a:camera prst="orthographicFront"/>
+      <a:lightRig rig="threePt" dir="t">
+        <a:rot lat="0" lon="0" rev="7500000"/>
+      </a:lightRig>
+    </dgm:scene3d>
+    <dgm:sp3d extrusionH="190500" prstMaterial="dkEdge">
+      <a:bevelT w="120650" h="38100" prst="relaxedInset"/>
+      <a:bevelB w="120650" h="57150" prst="relaxedInset"/>
+      <a:contourClr>
+        <a:schemeClr val="bg1"/>
+      </a:contourClr>
+    </dgm:sp3d>
+    <dgm:txPr/>
+    <dgm:style>
+      <a:lnRef idx="1">
+        <a:scrgbClr r="0" g="0" b="0"/>
+      </a:lnRef>
+      <a:fillRef idx="1">
+        <a:scrgbClr r="0" g="0" b="0"/>
+      </a:fillRef>
+      <a:effectRef idx="2">
+        <a:scrgbClr r="0" g="0" b="0"/>
+      </a:effectRef>
+      <a:fontRef idx="minor"/>
+    </dgm:style>
+  </dgm:styleLbl>
+  <dgm:styleLbl name="bgAccFollowNode1">
+    <dgm:scene3d>
+      <a:camera prst="orthographicFront"/>
+      <a:lightRig rig="threePt" dir="t">
+        <a:rot lat="0" lon="0" rev="7500000"/>
+      </a:lightRig>
+    </dgm:scene3d>
+    <dgm:sp3d z="-152400" extrusionH="63500" prstMaterial="dkEdge">
+      <a:bevelT w="144450" h="36350" prst="relaxedInset"/>
+      <a:contourClr>
+        <a:schemeClr val="bg1"/>
+      </a:contourClr>
+    </dgm:sp3d>
+    <dgm:txPr/>
+    <dgm:style>
+      <a:lnRef idx="1">
+        <a:scrgbClr r="0" g="0" b="0"/>
+      </a:lnRef>
+      <a:fillRef idx="1">
+        <a:scrgbClr r="0" g="0" b="0"/>
+      </a:fillRef>
+      <a:effectRef idx="2">
+        <a:scrgbClr r="0" g="0" b="0"/>
+      </a:effectRef>
+      <a:fontRef idx="minor"/>
+    </dgm:style>
+  </dgm:styleLbl>
+  <dgm:styleLbl name="fgAcc0">
+    <dgm:scene3d>
+      <a:camera prst="orthographicFront"/>
+      <a:lightRig rig="threePt" dir="t">
+        <a:rot lat="0" lon="0" rev="7500000"/>
+      </a:lightRig>
+    </dgm:scene3d>
+    <dgm:sp3d z="152400" extrusionH="63500" prstMaterial="dkEdge">
+      <a:bevelT w="125400" h="36350" prst="relaxedInset"/>
+      <a:contourClr>
+        <a:schemeClr val="bg1"/>
+      </a:contourClr>
+    </dgm:sp3d>
+    <dgm:txPr/>
+    <dgm:style>
+      <a:lnRef idx="1">
+        <a:scrgbClr r="0" g="0" b="0"/>
+      </a:lnRef>
+      <a:fillRef idx="1">
+        <a:scrgbClr r="0" g="0" b="0"/>
+      </a:fillRef>
+      <a:effectRef idx="2">
+        <a:scrgbClr r="0" g="0" b="0"/>
+      </a:effectRef>
+      <a:fontRef idx="minor"/>
+    </dgm:style>
+  </dgm:styleLbl>
+  <dgm:styleLbl name="fgAcc2">
+    <dgm:scene3d>
+      <a:camera prst="orthographicFront"/>
+      <a:lightRig rig="threePt" dir="t">
+        <a:rot lat="0" lon="0" rev="7500000"/>
+      </a:lightRig>
+    </dgm:scene3d>
+    <dgm:sp3d z="152400" extrusionH="63500" prstMaterial="dkEdge">
+      <a:bevelT w="125400" h="36350" prst="relaxedInset"/>
+      <a:contourClr>
+        <a:schemeClr val="bg1"/>
+      </a:contourClr>
+    </dgm:sp3d>
+    <dgm:txPr/>
+    <dgm:style>
+      <a:lnRef idx="1">
+        <a:scrgbClr r="0" g="0" b="0"/>
+      </a:lnRef>
+      <a:fillRef idx="1">
+        <a:scrgbClr r="0" g="0" b="0"/>
+      </a:fillRef>
+      <a:effectRef idx="2">
+        <a:scrgbClr r="0" g="0" b="0"/>
+      </a:effectRef>
+      <a:fontRef idx="minor"/>
+    </dgm:style>
+  </dgm:styleLbl>
+  <dgm:styleLbl name="fgAcc3">
+    <dgm:scene3d>
+      <a:camera prst="orthographicFront"/>
+      <a:lightRig rig="threePt" dir="t">
+        <a:rot lat="0" lon="0" rev="7500000"/>
+      </a:lightRig>
+    </dgm:scene3d>
+    <dgm:sp3d z="152400" extrusionH="63500" prstMaterial="dkEdge">
+      <a:bevelT w="125400" h="36350" prst="relaxedInset"/>
+      <a:contourClr>
+        <a:schemeClr val="bg1"/>
+      </a:contourClr>
+    </dgm:sp3d>
+    <dgm:txPr/>
+    <dgm:style>
+      <a:lnRef idx="1">
+        <a:scrgbClr r="0" g="0" b="0"/>
+      </a:lnRef>
+      <a:fillRef idx="1">
+        <a:scrgbClr r="0" g="0" b="0"/>
+      </a:fillRef>
+      <a:effectRef idx="2">
+        <a:scrgbClr r="0" g="0" b="0"/>
+      </a:effectRef>
+      <a:fontRef idx="minor"/>
+    </dgm:style>
+  </dgm:styleLbl>
+  <dgm:styleLbl name="fgAcc4">
+    <dgm:scene3d>
+      <a:camera prst="orthographicFront"/>
+      <a:lightRig rig="threePt" dir="t">
+        <a:rot lat="0" lon="0" rev="7500000"/>
+      </a:lightRig>
+    </dgm:scene3d>
+    <dgm:sp3d z="152400" extrusionH="63500" prstMaterial="dkEdge">
+      <a:bevelT w="125400" h="36350" prst="relaxedInset"/>
+      <a:contourClr>
+        <a:schemeClr val="bg1"/>
+      </a:contourClr>
+    </dgm:sp3d>
+    <dgm:txPr/>
+    <dgm:style>
+      <a:lnRef idx="1">
+        <a:scrgbClr r="0" g="0" b="0"/>
+      </a:lnRef>
+      <a:fillRef idx="1">
+        <a:scrgbClr r="0" g="0" b="0"/>
+      </a:fillRef>
+      <a:effectRef idx="2">
+        <a:scrgbClr r="0" g="0" b="0"/>
+      </a:effectRef>
+      <a:fontRef idx="minor"/>
+    </dgm:style>
+  </dgm:styleLbl>
+  <dgm:styleLbl name="bgShp">
+    <dgm:scene3d>
+      <a:camera prst="orthographicFront"/>
+      <a:lightRig rig="threePt" dir="t">
+        <a:rot lat="0" lon="0" rev="7500000"/>
+      </a:lightRig>
+    </dgm:scene3d>
+    <dgm:sp3d z="-152400" extrusionH="63500" prstMaterial="matte">
+      <a:bevelT w="144450" h="6350" prst="relaxedInset"/>
+      <a:contourClr>
+        <a:schemeClr val="bg1"/>
+      </a:contourClr>
+    </dgm:sp3d>
+    <dgm:txPr/>
+    <dgm:style>
+      <a:lnRef idx="0">
+        <a:scrgbClr r="0" g="0" b="0"/>
+      </a:lnRef>
+      <a:fillRef idx="3">
+        <a:scrgbClr r="0" g="0" b="0"/>
+      </a:fillRef>
+      <a:effectRef idx="0">
+        <a:scrgbClr r="0" g="0" b="0"/>
+      </a:effectRef>
+      <a:fontRef idx="minor"/>
+    </dgm:style>
+  </dgm:styleLbl>
+  <dgm:styleLbl name="dkBgShp">
+    <dgm:scene3d>
+      <a:camera prst="orthographicFront"/>
+      <a:lightRig rig="threePt" dir="t">
+        <a:rot lat="0" lon="0" rev="7500000"/>
+      </a:lightRig>
+    </dgm:scene3d>
+    <dgm:sp3d prstMaterial="plastic">
+      <a:bevelT w="127000" h="25400" prst="relaxedInset"/>
+      <a:bevelB w="88900" h="121750" prst="angle"/>
+    </dgm:sp3d>
+    <dgm:txPr/>
+    <dgm:style>
+      <a:lnRef idx="0">
+        <a:scrgbClr r="0" g="0" b="0"/>
+      </a:lnRef>
+      <a:fillRef idx="1">
+        <a:scrgbClr r="0" g="0" b="0"/>
+      </a:fillRef>
+      <a:effectRef idx="2">
+        <a:scrgbClr r="0" g="0" b="0"/>
+      </a:effectRef>
+      <a:fontRef idx="minor">
+        <a:schemeClr val="lt1"/>
+      </a:fontRef>
+    </dgm:style>
+  </dgm:styleLbl>
+  <dgm:styleLbl name="trBgShp">
+    <dgm:scene3d>
+      <a:camera prst="orthographicFront"/>
+      <a:lightRig rig="threePt" dir="t"/>
+    </dgm:scene3d>
+    <dgm:sp3d z="-152400" prstMaterial="matte"/>
+    <dgm:txPr/>
+    <dgm:style>
+      <a:lnRef idx="0">
+        <a:scrgbClr r="0" g="0" b="0"/>
+      </a:lnRef>
+      <a:fillRef idx="1">
+        <a:scrgbClr r="0" g="0" b="0"/>
+      </a:fillRef>
+      <a:effectRef idx="0">
+        <a:scrgbClr r="0" g="0" b="0"/>
+      </a:effectRef>
+      <a:fontRef idx="minor"/>
+    </dgm:style>
+  </dgm:styleLbl>
+  <dgm:styleLbl name="fgShp">
+    <dgm:scene3d>
+      <a:camera prst="orthographicFront"/>
+      <a:lightRig rig="threePt" dir="t">
+        <a:rot lat="0" lon="0" rev="7500000"/>
+      </a:lightRig>
+    </dgm:scene3d>
+    <dgm:sp3d z="152400" extrusionH="63500" prstMaterial="matte">
+      <a:bevelT w="50800" h="19050" prst="relaxedInset"/>
+      <a:contourClr>
+        <a:schemeClr val="bg1"/>
+      </a:contourClr>
+    </dgm:sp3d>
+    <dgm:txPr/>
+    <dgm:style>
+      <a:lnRef idx="0">
+        <a:scrgbClr r="0" g="0" b="0"/>
+      </a:lnRef>
+      <a:fillRef idx="1">
+        <a:scrgbClr r="0" g="0" b="0"/>
+      </a:fillRef>
+      <a:effectRef idx="2">
+        <a:scrgbClr r="0" g="0" b="0"/>
+      </a:effectRef>
+      <a:fontRef idx="minor">
+        <a:schemeClr val="lt1"/>
+      </a:fontRef>
+    </dgm:style>
+  </dgm:styleLbl>
+  <dgm:styleLbl name="revTx">
+    <dgm:scene3d>
+      <a:camera prst="orthographicFront"/>
+      <a:lightRig rig="threePt" dir="t"/>
+    </dgm:scene3d>
+    <dgm:sp3d/>
+    <dgm:txPr/>
+    <dgm:style>
+      <a:lnRef idx="0">
+        <a:scrgbClr r="0" g="0" b="0"/>
+      </a:lnRef>
+      <a:fillRef idx="0">
+        <a:scrgbClr r="0" g="0" b="0"/>
+      </a:fillRef>
+      <a:effectRef idx="0">
+        <a:scrgbClr r="0" g="0" b="0"/>
+      </a:effectRef>
+      <a:fontRef idx="minor"/>
+    </dgm:style>
+  </dgm:styleLbl>
+</dgm:styleDef>
+</file>
+
 <file path=ppt/notesMasters/notesMaster1.xml><?xml version="1.0" encoding="utf-8"?>
 <p:notesMaster xmlns:a="http://schemas.openxmlformats.org/drawingml/2006/main" xmlns:r="http://schemas.openxmlformats.org/officeDocument/2006/relationships" xmlns:p="http://schemas.openxmlformats.org/presentationml/2006/main">
   <p:cSld>
@@ -229,7 +3652,7 @@
           <a:p>
             <a:fld id="{41DA9887-9249-49FD-809A-BACB264048C3}" type="datetimeFigureOut">
               <a:rPr lang="en-US" smtClean="0"/>
-              <a:t>11/13/2023</a:t>
+              <a:t>11/14/2023</a:t>
             </a:fld>
             <a:endParaRPr lang="en-US"/>
           </a:p>
@@ -631,7 +4054,7 @@
           <a:p>
             <a:fld id="{EF213E56-3C1A-435A-851B-5B1F221C2038}" type="datetime1">
               <a:rPr lang="en-US" smtClean="0"/>
-              <a:t>11/13/2023</a:t>
+              <a:t>11/14/2023</a:t>
             </a:fld>
             <a:endParaRPr lang="en-US"/>
           </a:p>
@@ -932,7 +4355,7 @@
           <a:p>
             <a:fld id="{B4696837-4851-4AA6-8AED-554226C981D1}" type="datetime1">
               <a:rPr lang="en-US" smtClean="0"/>
-              <a:t>11/13/2023</a:t>
+              <a:t>11/14/2023</a:t>
             </a:fld>
             <a:endParaRPr lang="en-US"/>
           </a:p>
@@ -1110,7 +4533,7 @@
           <a:p>
             <a:fld id="{BADD32E1-BB70-4827-BA33-FF5AFC435BE9}" type="datetime1">
               <a:rPr lang="en-US" smtClean="0"/>
-              <a:t>11/13/2023</a:t>
+              <a:t>11/14/2023</a:t>
             </a:fld>
             <a:endParaRPr lang="en-US"/>
           </a:p>
@@ -1353,7 +4776,7 @@
             </a:pPr>
             <a:fld id="{40B9EAF6-54F2-4DF5-9C6B-3F6F95B86356}" type="datetime1">
               <a:rPr lang="en-US" smtClean="0"/>
-              <a:t>11/13/2023</a:t>
+              <a:t>11/14/2023</a:t>
             </a:fld>
             <a:endParaRPr lang="en-US"/>
           </a:p>
@@ -1533,7 +4956,7 @@
             </a:pPr>
             <a:fld id="{D3D64A56-6FF4-479A-8655-719A18A98C4B}" type="datetime1">
               <a:rPr lang="en-US" smtClean="0"/>
-              <a:t>11/13/2023</a:t>
+              <a:t>11/14/2023</a:t>
             </a:fld>
             <a:endParaRPr lang="en-US"/>
           </a:p>
@@ -1814,7 +5237,7 @@
           <a:p>
             <a:fld id="{BB961044-FC46-4CBC-9061-59528F4899F3}" type="datetime1">
               <a:rPr lang="en-US" smtClean="0"/>
-              <a:t>11/13/2023</a:t>
+              <a:t>11/14/2023</a:t>
             </a:fld>
             <a:endParaRPr lang="en-US"/>
           </a:p>
@@ -2164,7 +5587,7 @@
           <a:p>
             <a:fld id="{4466A08C-77F3-471E-A5C4-1D2068144BAC}" type="datetime1">
               <a:rPr lang="en-US" smtClean="0"/>
-              <a:t>11/13/2023</a:t>
+              <a:t>11/14/2023</a:t>
             </a:fld>
             <a:endParaRPr lang="en-US"/>
           </a:p>
@@ -2393,7 +5816,7 @@
           <a:p>
             <a:fld id="{B90A7AD1-16F4-44C3-AE32-24C59A599E9D}" type="datetime1">
               <a:rPr lang="en-US" smtClean="0"/>
-              <a:t>11/13/2023</a:t>
+              <a:t>11/14/2023</a:t>
             </a:fld>
             <a:endParaRPr lang="en-US"/>
           </a:p>
@@ -2757,7 +6180,7 @@
           <a:p>
             <a:fld id="{B583DB4F-4316-4DF5-A229-BC1D787C82A0}" type="datetime1">
               <a:rPr lang="en-US" smtClean="0"/>
-              <a:t>11/13/2023</a:t>
+              <a:t>11/14/2023</a:t>
             </a:fld>
             <a:endParaRPr lang="en-US"/>
           </a:p>
@@ -2852,7 +6275,7 @@
           <a:p>
             <a:fld id="{AE6064B7-7A9F-432D-B7B9-6824267AA574}" type="datetime1">
               <a:rPr lang="en-US" smtClean="0"/>
-              <a:t>11/13/2023</a:t>
+              <a:t>11/14/2023</a:t>
             </a:fld>
             <a:endParaRPr lang="en-US"/>
           </a:p>
@@ -3077,7 +6500,7 @@
             <a:fld id="{B2F5E2FA-C428-4CE7-95B0-168D3259A5BB}" type="datetimeFigureOut">
               <a:rPr lang="en-US" smtClean="0"/>
               <a:pPr/>
-              <a:t>11/13/2023</a:t>
+              <a:t>11/14/2023</a:t>
             </a:fld>
             <a:endParaRPr lang="en-US"/>
           </a:p>
@@ -3254,7 +6677,7 @@
           <a:p>
             <a:fld id="{4E1C93A2-B712-486A-8AB5-D41B95D547BE}" type="datetime1">
               <a:rPr lang="en-US" smtClean="0"/>
-              <a:t>11/13/2023</a:t>
+              <a:t>11/14/2023</a:t>
             </a:fld>
             <a:endParaRPr lang="en-US"/>
           </a:p>
@@ -3529,7 +6952,7 @@
           <a:p>
             <a:fld id="{CAB2F318-F19F-4608-B7EF-F7FB8A482213}" type="datetime1">
               <a:rPr lang="en-US" smtClean="0"/>
-              <a:t>11/13/2023</a:t>
+              <a:t>11/14/2023</a:t>
             </a:fld>
             <a:endParaRPr lang="en-US"/>
           </a:p>
@@ -3781,7 +7204,7 @@
           <a:p>
             <a:fld id="{BB9CEF8C-69D6-4C3E-B892-F682F307A7B6}" type="datetime1">
               <a:rPr lang="en-US" smtClean="0"/>
-              <a:t>11/13/2023</a:t>
+              <a:t>11/14/2023</a:t>
             </a:fld>
             <a:endParaRPr lang="en-US"/>
           </a:p>
@@ -3992,7 +7415,7 @@
           <a:p>
             <a:fld id="{FB737C73-4A31-4C17-AFB7-7B8470027787}" type="datetime1">
               <a:rPr lang="en-US" smtClean="0"/>
-              <a:t>11/13/2023</a:t>
+              <a:t>11/14/2023</a:t>
             </a:fld>
             <a:endParaRPr lang="en-US"/>
           </a:p>
@@ -4424,7 +7847,6 @@
               <a:rPr lang="en-US" dirty="0"/>
               <a:t>Launching and Marketing</a:t>
             </a:r>
-            <a:endParaRPr lang="en-US" dirty="0"/>
           </a:p>
         </p:txBody>
       </p:sp>
@@ -4484,6 +7906,1510 @@
     <p:extLst>
       <p:ext uri="{BB962C8B-B14F-4D97-AF65-F5344CB8AC3E}">
         <p14:creationId xmlns:p14="http://schemas.microsoft.com/office/powerpoint/2010/main" val="890379064"/>
+      </p:ext>
+    </p:extLst>
+  </p:cSld>
+  <p:clrMapOvr>
+    <a:masterClrMapping/>
+  </p:clrMapOvr>
+</p:sld>
+</file>
+
+<file path=ppt/slides/slide10.xml><?xml version="1.0" encoding="utf-8"?>
+<p:sld xmlns:a="http://schemas.openxmlformats.org/drawingml/2006/main" xmlns:r="http://schemas.openxmlformats.org/officeDocument/2006/relationships" xmlns:p="http://schemas.openxmlformats.org/presentationml/2006/main">
+  <p:cSld>
+    <p:spTree>
+      <p:nvGrpSpPr>
+        <p:cNvPr id="1" name=""/>
+        <p:cNvGrpSpPr/>
+        <p:nvPr/>
+      </p:nvGrpSpPr>
+      <p:grpSpPr>
+        <a:xfrm>
+          <a:off x="0" y="0"/>
+          <a:ext cx="0" cy="0"/>
+          <a:chOff x="0" y="0"/>
+          <a:chExt cx="0" cy="0"/>
+        </a:xfrm>
+      </p:grpSpPr>
+      <p:sp>
+        <p:nvSpPr>
+          <p:cNvPr id="2" name="Title 1"/>
+          <p:cNvSpPr>
+            <a:spLocks noGrp="1"/>
+          </p:cNvSpPr>
+          <p:nvPr>
+            <p:ph type="title"/>
+          </p:nvPr>
+        </p:nvSpPr>
+        <p:spPr/>
+        <p:txBody>
+          <a:bodyPr/>
+          <a:lstStyle/>
+          <a:p>
+            <a:r>
+              <a:rPr lang="en-US" dirty="0"/>
+              <a:t>Producing Promotional Materials</a:t>
+            </a:r>
+          </a:p>
+        </p:txBody>
+      </p:sp>
+      <p:sp>
+        <p:nvSpPr>
+          <p:cNvPr id="3" name="Content Placeholder 2"/>
+          <p:cNvSpPr>
+            <a:spLocks noGrp="1"/>
+          </p:cNvSpPr>
+          <p:nvPr>
+            <p:ph idx="1"/>
+          </p:nvPr>
+        </p:nvSpPr>
+        <p:spPr/>
+        <p:txBody>
+          <a:bodyPr/>
+          <a:lstStyle/>
+          <a:p>
+            <a:r>
+              <a:rPr lang="en-US" dirty="0" smtClean="0"/>
+              <a:t>Different </a:t>
+            </a:r>
+            <a:r>
+              <a:rPr lang="en-US" dirty="0"/>
+              <a:t>promotional materials (e.g. videos, demos, tutorials)</a:t>
+            </a:r>
+          </a:p>
+          <a:p>
+            <a:r>
+              <a:rPr lang="en-US" dirty="0"/>
+              <a:t>Factors to consider when creating promotional materials (e.g. target audience, message, production quality)</a:t>
+            </a:r>
+          </a:p>
+          <a:p>
+            <a:r>
+              <a:rPr lang="en-US" dirty="0"/>
+              <a:t>Best practices for creating effective promotional materials</a:t>
+            </a:r>
+          </a:p>
+        </p:txBody>
+      </p:sp>
+      <p:sp>
+        <p:nvSpPr>
+          <p:cNvPr id="4" name="Slide Number Placeholder 3"/>
+          <p:cNvSpPr>
+            <a:spLocks noGrp="1"/>
+          </p:cNvSpPr>
+          <p:nvPr>
+            <p:ph type="sldNum" sz="quarter" idx="12"/>
+          </p:nvPr>
+        </p:nvSpPr>
+        <p:spPr/>
+        <p:txBody>
+          <a:bodyPr/>
+          <a:lstStyle/>
+          <a:p>
+            <a:fld id="{B8DACC02-A2BD-4578-8E03-6D891060A695}" type="slidenum">
+              <a:rPr lang="en-US" smtClean="0"/>
+              <a:pPr/>
+              <a:t>10</a:t>
+            </a:fld>
+            <a:endParaRPr lang="en-US" dirty="0"/>
+          </a:p>
+        </p:txBody>
+      </p:sp>
+      <p:pic>
+        <p:nvPicPr>
+          <p:cNvPr id="7170" name="Picture 2" descr="Marketing Materials | Steps for Creating the best Materials for Marketing |  Marketing91"/>
+          <p:cNvPicPr>
+            <a:picLocks noChangeAspect="1" noChangeArrowheads="1"/>
+          </p:cNvPicPr>
+          <p:nvPr/>
+        </p:nvPicPr>
+        <p:blipFill>
+          <a:blip r:embed="rId2" cstate="print">
+            <a:duotone>
+              <a:schemeClr val="accent5">
+                <a:shade val="45000"/>
+                <a:satMod val="135000"/>
+              </a:schemeClr>
+              <a:prstClr val="white"/>
+            </a:duotone>
+            <a:extLst>
+              <a:ext uri="{28A0092B-C50C-407E-A947-70E740481C1C}">
+                <a14:useLocalDpi xmlns:a14="http://schemas.microsoft.com/office/drawing/2010/main" val="0"/>
+              </a:ext>
+            </a:extLst>
+          </a:blip>
+          <a:srcRect/>
+          <a:stretch>
+            <a:fillRect/>
+          </a:stretch>
+        </p:blipFill>
+        <p:spPr bwMode="auto">
+          <a:xfrm>
+            <a:off x="6927310" y="3779925"/>
+            <a:ext cx="4337279" cy="2439720"/>
+          </a:xfrm>
+          <a:prstGeom prst="rect">
+            <a:avLst/>
+          </a:prstGeom>
+          <a:noFill/>
+          <a:extLst>
+            <a:ext uri="{909E8E84-426E-40DD-AFC4-6F175D3DCCD1}">
+              <a14:hiddenFill xmlns:a14="http://schemas.microsoft.com/office/drawing/2010/main">
+                <a:solidFill>
+                  <a:srgbClr val="FFFFFF"/>
+                </a:solidFill>
+              </a14:hiddenFill>
+            </a:ext>
+          </a:extLst>
+        </p:spPr>
+      </p:pic>
+    </p:spTree>
+    <p:extLst>
+      <p:ext uri="{BB962C8B-B14F-4D97-AF65-F5344CB8AC3E}">
+        <p14:creationId xmlns:p14="http://schemas.microsoft.com/office/powerpoint/2010/main" val="1354933456"/>
+      </p:ext>
+    </p:extLst>
+  </p:cSld>
+  <p:clrMapOvr>
+    <a:masterClrMapping/>
+  </p:clrMapOvr>
+</p:sld>
+</file>
+
+<file path=ppt/slides/slide11.xml><?xml version="1.0" encoding="utf-8"?>
+<p:sld xmlns:a="http://schemas.openxmlformats.org/drawingml/2006/main" xmlns:r="http://schemas.openxmlformats.org/officeDocument/2006/relationships" xmlns:p="http://schemas.openxmlformats.org/presentationml/2006/main">
+  <p:cSld>
+    <p:spTree>
+      <p:nvGrpSpPr>
+        <p:cNvPr id="1" name=""/>
+        <p:cNvGrpSpPr/>
+        <p:nvPr/>
+      </p:nvGrpSpPr>
+      <p:grpSpPr>
+        <a:xfrm>
+          <a:off x="0" y="0"/>
+          <a:ext cx="0" cy="0"/>
+          <a:chOff x="0" y="0"/>
+          <a:chExt cx="0" cy="0"/>
+        </a:xfrm>
+      </p:grpSpPr>
+      <p:sp>
+        <p:nvSpPr>
+          <p:cNvPr id="2" name="Title 1"/>
+          <p:cNvSpPr>
+            <a:spLocks noGrp="1"/>
+          </p:cNvSpPr>
+          <p:nvPr>
+            <p:ph type="title"/>
+          </p:nvPr>
+        </p:nvSpPr>
+        <p:spPr/>
+        <p:txBody>
+          <a:bodyPr/>
+          <a:lstStyle/>
+          <a:p>
+            <a:r>
+              <a:rPr lang="en-US" dirty="0"/>
+              <a:t>Measuring Launch Success</a:t>
+            </a:r>
+          </a:p>
+        </p:txBody>
+      </p:sp>
+      <p:sp>
+        <p:nvSpPr>
+          <p:cNvPr id="3" name="Content Placeholder 2"/>
+          <p:cNvSpPr>
+            <a:spLocks noGrp="1"/>
+          </p:cNvSpPr>
+          <p:nvPr>
+            <p:ph idx="1"/>
+          </p:nvPr>
+        </p:nvSpPr>
+        <p:spPr/>
+        <p:txBody>
+          <a:bodyPr/>
+          <a:lstStyle/>
+          <a:p>
+            <a:r>
+              <a:rPr lang="en-US" dirty="0"/>
+              <a:t>Defining success metrics for your </a:t>
+            </a:r>
+            <a:r>
+              <a:rPr lang="en-US" dirty="0" smtClean="0"/>
+              <a:t>launch</a:t>
+            </a:r>
+          </a:p>
+          <a:p>
+            <a:pPr lvl="1"/>
+            <a:r>
+              <a:rPr lang="en-US" dirty="0" smtClean="0"/>
+              <a:t>revenue</a:t>
+            </a:r>
+            <a:r>
+              <a:rPr lang="en-US" dirty="0"/>
+              <a:t>, user acquisition, customer </a:t>
+            </a:r>
+            <a:r>
+              <a:rPr lang="en-US" dirty="0" smtClean="0"/>
+              <a:t>satisfaction</a:t>
+            </a:r>
+            <a:endParaRPr lang="en-US" dirty="0"/>
+          </a:p>
+          <a:p>
+            <a:r>
+              <a:rPr lang="en-US" dirty="0" smtClean="0"/>
+              <a:t>Analytics </a:t>
+            </a:r>
+            <a:r>
+              <a:rPr lang="en-US" dirty="0"/>
+              <a:t>and tracking systems to measure success</a:t>
+            </a:r>
+          </a:p>
+          <a:p>
+            <a:r>
+              <a:rPr lang="en-US" dirty="0"/>
+              <a:t>Strategies for iterating and </a:t>
+            </a:r>
+            <a:r>
+              <a:rPr lang="en-US" dirty="0" smtClean="0"/>
+              <a:t>improving</a:t>
+            </a:r>
+            <a:endParaRPr lang="en-US" dirty="0"/>
+          </a:p>
+        </p:txBody>
+      </p:sp>
+      <p:sp>
+        <p:nvSpPr>
+          <p:cNvPr id="4" name="Slide Number Placeholder 3"/>
+          <p:cNvSpPr>
+            <a:spLocks noGrp="1"/>
+          </p:cNvSpPr>
+          <p:nvPr>
+            <p:ph type="sldNum" sz="quarter" idx="12"/>
+          </p:nvPr>
+        </p:nvSpPr>
+        <p:spPr/>
+        <p:txBody>
+          <a:bodyPr/>
+          <a:lstStyle/>
+          <a:p>
+            <a:fld id="{B8DACC02-A2BD-4578-8E03-6D891060A695}" type="slidenum">
+              <a:rPr lang="en-US" smtClean="0"/>
+              <a:pPr/>
+              <a:t>11</a:t>
+            </a:fld>
+            <a:endParaRPr lang="en-US" dirty="0"/>
+          </a:p>
+        </p:txBody>
+      </p:sp>
+      <p:pic>
+        <p:nvPicPr>
+          <p:cNvPr id="8194" name="Picture 2" descr="PPC Strategies for Launching a New Product"/>
+          <p:cNvPicPr>
+            <a:picLocks noChangeAspect="1" noChangeArrowheads="1"/>
+          </p:cNvPicPr>
+          <p:nvPr/>
+        </p:nvPicPr>
+        <p:blipFill rotWithShape="1">
+          <a:blip r:embed="rId2">
+            <a:extLst>
+              <a:ext uri="{28A0092B-C50C-407E-A947-70E740481C1C}">
+                <a14:useLocalDpi xmlns:a14="http://schemas.microsoft.com/office/drawing/2010/main" val="0"/>
+              </a:ext>
+            </a:extLst>
+          </a:blip>
+          <a:srcRect l="4295" t="17715" r="4015" b="5200"/>
+          <a:stretch/>
+        </p:blipFill>
+        <p:spPr bwMode="auto">
+          <a:xfrm>
+            <a:off x="7153409" y="2929926"/>
+            <a:ext cx="4844882" cy="3392997"/>
+          </a:xfrm>
+          <a:prstGeom prst="rect">
+            <a:avLst/>
+          </a:prstGeom>
+          <a:noFill/>
+          <a:extLst>
+            <a:ext uri="{909E8E84-426E-40DD-AFC4-6F175D3DCCD1}">
+              <a14:hiddenFill xmlns:a14="http://schemas.microsoft.com/office/drawing/2010/main">
+                <a:solidFill>
+                  <a:srgbClr val="FFFFFF"/>
+                </a:solidFill>
+              </a14:hiddenFill>
+            </a:ext>
+          </a:extLst>
+        </p:spPr>
+      </p:pic>
+    </p:spTree>
+    <p:extLst>
+      <p:ext uri="{BB962C8B-B14F-4D97-AF65-F5344CB8AC3E}">
+        <p14:creationId xmlns:p14="http://schemas.microsoft.com/office/powerpoint/2010/main" val="383127386"/>
+      </p:ext>
+    </p:extLst>
+  </p:cSld>
+  <p:clrMapOvr>
+    <a:masterClrMapping/>
+  </p:clrMapOvr>
+</p:sld>
+</file>
+
+<file path=ppt/slides/slide12.xml><?xml version="1.0" encoding="utf-8"?>
+<p:sld xmlns:a="http://schemas.openxmlformats.org/drawingml/2006/main" xmlns:r="http://schemas.openxmlformats.org/officeDocument/2006/relationships" xmlns:p="http://schemas.openxmlformats.org/presentationml/2006/main">
+  <p:cSld>
+    <p:spTree>
+      <p:nvGrpSpPr>
+        <p:cNvPr id="1" name=""/>
+        <p:cNvGrpSpPr/>
+        <p:nvPr/>
+      </p:nvGrpSpPr>
+      <p:grpSpPr>
+        <a:xfrm>
+          <a:off x="0" y="0"/>
+          <a:ext cx="0" cy="0"/>
+          <a:chOff x="0" y="0"/>
+          <a:chExt cx="0" cy="0"/>
+        </a:xfrm>
+      </p:grpSpPr>
+      <p:sp>
+        <p:nvSpPr>
+          <p:cNvPr id="2" name="Title 1"/>
+          <p:cNvSpPr>
+            <a:spLocks noGrp="1"/>
+          </p:cNvSpPr>
+          <p:nvPr>
+            <p:ph type="title"/>
+          </p:nvPr>
+        </p:nvSpPr>
+        <p:spPr/>
+        <p:txBody>
+          <a:bodyPr/>
+          <a:lstStyle/>
+          <a:p>
+            <a:r>
+              <a:rPr lang="en-US" dirty="0"/>
+              <a:t>Post-Launch Activities</a:t>
+            </a:r>
+          </a:p>
+        </p:txBody>
+      </p:sp>
+      <p:sp>
+        <p:nvSpPr>
+          <p:cNvPr id="3" name="Content Placeholder 2"/>
+          <p:cNvSpPr>
+            <a:spLocks noGrp="1"/>
+          </p:cNvSpPr>
+          <p:nvPr>
+            <p:ph idx="1"/>
+          </p:nvPr>
+        </p:nvSpPr>
+        <p:spPr/>
+        <p:txBody>
+          <a:bodyPr/>
+          <a:lstStyle/>
+          <a:p>
+            <a:r>
+              <a:rPr lang="en-US" dirty="0" smtClean="0"/>
+              <a:t>Customer onboarding</a:t>
+            </a:r>
+          </a:p>
+          <a:p>
+            <a:r>
+              <a:rPr lang="en-US" dirty="0" smtClean="0"/>
+              <a:t>Feedback collection</a:t>
+            </a:r>
+          </a:p>
+          <a:p>
+            <a:r>
+              <a:rPr lang="en-US" dirty="0" smtClean="0"/>
+              <a:t>Upselling/cross-selling</a:t>
+            </a:r>
+            <a:endParaRPr lang="en-US" dirty="0"/>
+          </a:p>
+          <a:p>
+            <a:r>
+              <a:rPr lang="en-US" dirty="0"/>
+              <a:t>Strategies for maximizing customer lifetime value</a:t>
+            </a:r>
+          </a:p>
+          <a:p>
+            <a:r>
+              <a:rPr lang="en-US" dirty="0"/>
+              <a:t>Planning for future product development and enhancements</a:t>
+            </a:r>
+          </a:p>
+        </p:txBody>
+      </p:sp>
+      <p:sp>
+        <p:nvSpPr>
+          <p:cNvPr id="4" name="Slide Number Placeholder 3"/>
+          <p:cNvSpPr>
+            <a:spLocks noGrp="1"/>
+          </p:cNvSpPr>
+          <p:nvPr>
+            <p:ph type="sldNum" sz="quarter" idx="12"/>
+          </p:nvPr>
+        </p:nvSpPr>
+        <p:spPr/>
+        <p:txBody>
+          <a:bodyPr/>
+          <a:lstStyle/>
+          <a:p>
+            <a:fld id="{B8DACC02-A2BD-4578-8E03-6D891060A695}" type="slidenum">
+              <a:rPr lang="en-US" smtClean="0"/>
+              <a:pPr/>
+              <a:t>12</a:t>
+            </a:fld>
+            <a:endParaRPr lang="en-US" dirty="0"/>
+          </a:p>
+        </p:txBody>
+      </p:sp>
+      <p:pic>
+        <p:nvPicPr>
+          <p:cNvPr id="9218" name="Picture 2" descr="Customer Onboarding Framework for B2B SaaS - CustomerSuccessBox"/>
+          <p:cNvPicPr>
+            <a:picLocks noChangeAspect="1" noChangeArrowheads="1"/>
+          </p:cNvPicPr>
+          <p:nvPr/>
+        </p:nvPicPr>
+        <p:blipFill rotWithShape="1">
+          <a:blip r:embed="rId2">
+            <a:extLst>
+              <a:ext uri="{28A0092B-C50C-407E-A947-70E740481C1C}">
+                <a14:useLocalDpi xmlns:a14="http://schemas.microsoft.com/office/drawing/2010/main" val="0"/>
+              </a:ext>
+            </a:extLst>
+          </a:blip>
+          <a:srcRect t="3590" b="7731"/>
+          <a:stretch/>
+        </p:blipFill>
+        <p:spPr bwMode="auto">
+          <a:xfrm>
+            <a:off x="5007608" y="4051600"/>
+            <a:ext cx="6469392" cy="2441275"/>
+          </a:xfrm>
+          <a:prstGeom prst="rect">
+            <a:avLst/>
+          </a:prstGeom>
+          <a:noFill/>
+          <a:extLst>
+            <a:ext uri="{909E8E84-426E-40DD-AFC4-6F175D3DCCD1}">
+              <a14:hiddenFill xmlns:a14="http://schemas.microsoft.com/office/drawing/2010/main">
+                <a:solidFill>
+                  <a:srgbClr val="FFFFFF"/>
+                </a:solidFill>
+              </a14:hiddenFill>
+            </a:ext>
+          </a:extLst>
+        </p:spPr>
+      </p:pic>
+    </p:spTree>
+    <p:extLst>
+      <p:ext uri="{BB962C8B-B14F-4D97-AF65-F5344CB8AC3E}">
+        <p14:creationId xmlns:p14="http://schemas.microsoft.com/office/powerpoint/2010/main" val="4090086188"/>
+      </p:ext>
+    </p:extLst>
+  </p:cSld>
+  <p:clrMapOvr>
+    <a:masterClrMapping/>
+  </p:clrMapOvr>
+</p:sld>
+</file>
+
+<file path=ppt/slides/slide13.xml><?xml version="1.0" encoding="utf-8"?>
+<p:sld xmlns:a="http://schemas.openxmlformats.org/drawingml/2006/main" xmlns:r="http://schemas.openxmlformats.org/officeDocument/2006/relationships" xmlns:p="http://schemas.openxmlformats.org/presentationml/2006/main">
+  <p:cSld>
+    <p:spTree>
+      <p:nvGrpSpPr>
+        <p:cNvPr id="1" name=""/>
+        <p:cNvGrpSpPr/>
+        <p:nvPr/>
+      </p:nvGrpSpPr>
+      <p:grpSpPr>
+        <a:xfrm>
+          <a:off x="0" y="0"/>
+          <a:ext cx="0" cy="0"/>
+          <a:chOff x="0" y="0"/>
+          <a:chExt cx="0" cy="0"/>
+        </a:xfrm>
+      </p:grpSpPr>
+      <p:sp>
+        <p:nvSpPr>
+          <p:cNvPr id="5" name="Title 4"/>
+          <p:cNvSpPr>
+            <a:spLocks noGrp="1"/>
+          </p:cNvSpPr>
+          <p:nvPr>
+            <p:ph type="title"/>
+          </p:nvPr>
+        </p:nvSpPr>
+        <p:spPr/>
+        <p:txBody>
+          <a:bodyPr/>
+          <a:lstStyle/>
+          <a:p>
+            <a:r>
+              <a:rPr lang="en-US" dirty="0"/>
+              <a:t>Growing your first customer base</a:t>
+            </a:r>
+          </a:p>
+        </p:txBody>
+      </p:sp>
+      <p:sp>
+        <p:nvSpPr>
+          <p:cNvPr id="6" name="Text Placeholder 5"/>
+          <p:cNvSpPr>
+            <a:spLocks noGrp="1"/>
+          </p:cNvSpPr>
+          <p:nvPr>
+            <p:ph type="body" idx="1"/>
+          </p:nvPr>
+        </p:nvSpPr>
+        <p:spPr/>
+        <p:txBody>
+          <a:bodyPr/>
+          <a:lstStyle/>
+          <a:p>
+            <a:endParaRPr lang="en-US"/>
+          </a:p>
+        </p:txBody>
+      </p:sp>
+      <p:sp>
+        <p:nvSpPr>
+          <p:cNvPr id="4" name="Slide Number Placeholder 3"/>
+          <p:cNvSpPr>
+            <a:spLocks noGrp="1"/>
+          </p:cNvSpPr>
+          <p:nvPr>
+            <p:ph type="sldNum" sz="quarter" idx="12"/>
+          </p:nvPr>
+        </p:nvSpPr>
+        <p:spPr/>
+        <p:txBody>
+          <a:bodyPr/>
+          <a:lstStyle/>
+          <a:p>
+            <a:fld id="{B8DACC02-A2BD-4578-8E03-6D891060A695}" type="slidenum">
+              <a:rPr lang="en-US" smtClean="0"/>
+              <a:pPr/>
+              <a:t>13</a:t>
+            </a:fld>
+            <a:endParaRPr lang="en-US" dirty="0"/>
+          </a:p>
+        </p:txBody>
+      </p:sp>
+    </p:spTree>
+    <p:extLst>
+      <p:ext uri="{BB962C8B-B14F-4D97-AF65-F5344CB8AC3E}">
+        <p14:creationId xmlns:p14="http://schemas.microsoft.com/office/powerpoint/2010/main" val="2148918905"/>
+      </p:ext>
+    </p:extLst>
+  </p:cSld>
+  <p:clrMapOvr>
+    <a:masterClrMapping/>
+  </p:clrMapOvr>
+</p:sld>
+</file>
+
+<file path=ppt/slides/slide14.xml><?xml version="1.0" encoding="utf-8"?>
+<p:sld xmlns:a="http://schemas.openxmlformats.org/drawingml/2006/main" xmlns:r="http://schemas.openxmlformats.org/officeDocument/2006/relationships" xmlns:p="http://schemas.openxmlformats.org/presentationml/2006/main">
+  <p:cSld>
+    <p:spTree>
+      <p:nvGrpSpPr>
+        <p:cNvPr id="1" name=""/>
+        <p:cNvGrpSpPr/>
+        <p:nvPr/>
+      </p:nvGrpSpPr>
+      <p:grpSpPr>
+        <a:xfrm>
+          <a:off x="0" y="0"/>
+          <a:ext cx="0" cy="0"/>
+          <a:chOff x="0" y="0"/>
+          <a:chExt cx="0" cy="0"/>
+        </a:xfrm>
+      </p:grpSpPr>
+      <p:sp>
+        <p:nvSpPr>
+          <p:cNvPr id="2" name="Title 1"/>
+          <p:cNvSpPr>
+            <a:spLocks noGrp="1"/>
+          </p:cNvSpPr>
+          <p:nvPr>
+            <p:ph type="title"/>
+          </p:nvPr>
+        </p:nvSpPr>
+        <p:spPr/>
+        <p:txBody>
+          <a:bodyPr/>
+          <a:lstStyle/>
+          <a:p>
+            <a:r>
+              <a:rPr lang="en-US" dirty="0" smtClean="0"/>
+              <a:t>Digital </a:t>
+            </a:r>
+            <a:r>
+              <a:rPr lang="en-US" dirty="0"/>
+              <a:t>Marketing Tactics</a:t>
+            </a:r>
+          </a:p>
+        </p:txBody>
+      </p:sp>
+      <p:sp>
+        <p:nvSpPr>
+          <p:cNvPr id="3" name="Content Placeholder 2"/>
+          <p:cNvSpPr>
+            <a:spLocks noGrp="1"/>
+          </p:cNvSpPr>
+          <p:nvPr>
+            <p:ph idx="1"/>
+          </p:nvPr>
+        </p:nvSpPr>
+        <p:spPr/>
+        <p:txBody>
+          <a:bodyPr/>
+          <a:lstStyle/>
+          <a:p>
+            <a:endParaRPr lang="en-US"/>
+          </a:p>
+        </p:txBody>
+      </p:sp>
+      <p:sp>
+        <p:nvSpPr>
+          <p:cNvPr id="4" name="Slide Number Placeholder 3"/>
+          <p:cNvSpPr>
+            <a:spLocks noGrp="1"/>
+          </p:cNvSpPr>
+          <p:nvPr>
+            <p:ph type="sldNum" sz="quarter" idx="12"/>
+          </p:nvPr>
+        </p:nvSpPr>
+        <p:spPr/>
+        <p:txBody>
+          <a:bodyPr/>
+          <a:lstStyle/>
+          <a:p>
+            <a:fld id="{B8DACC02-A2BD-4578-8E03-6D891060A695}" type="slidenum">
+              <a:rPr lang="en-US" smtClean="0"/>
+              <a:pPr/>
+              <a:t>14</a:t>
+            </a:fld>
+            <a:endParaRPr lang="en-US" dirty="0"/>
+          </a:p>
+        </p:txBody>
+      </p:sp>
+      <p:pic>
+        <p:nvPicPr>
+          <p:cNvPr id="10242" name="Picture 2" descr="Website Marketing – The Complete Strategy Guide (Updated)"/>
+          <p:cNvPicPr>
+            <a:picLocks noChangeAspect="1" noChangeArrowheads="1"/>
+          </p:cNvPicPr>
+          <p:nvPr/>
+        </p:nvPicPr>
+        <p:blipFill rotWithShape="1">
+          <a:blip r:embed="rId2" cstate="print">
+            <a:duotone>
+              <a:schemeClr val="accent5">
+                <a:shade val="45000"/>
+                <a:satMod val="135000"/>
+              </a:schemeClr>
+              <a:prstClr val="white"/>
+            </a:duotone>
+            <a:extLst>
+              <a:ext uri="{28A0092B-C50C-407E-A947-70E740481C1C}">
+                <a14:useLocalDpi xmlns:a14="http://schemas.microsoft.com/office/drawing/2010/main" val="0"/>
+              </a:ext>
+            </a:extLst>
+          </a:blip>
+          <a:srcRect l="5006" t="4958" r="3199" b="5655"/>
+          <a:stretch/>
+        </p:blipFill>
+        <p:spPr bwMode="auto">
+          <a:xfrm>
+            <a:off x="2191109" y="1303334"/>
+            <a:ext cx="6901132" cy="5189541"/>
+          </a:xfrm>
+          <a:prstGeom prst="rect">
+            <a:avLst/>
+          </a:prstGeom>
+          <a:noFill/>
+          <a:extLst>
+            <a:ext uri="{909E8E84-426E-40DD-AFC4-6F175D3DCCD1}">
+              <a14:hiddenFill xmlns:a14="http://schemas.microsoft.com/office/drawing/2010/main">
+                <a:solidFill>
+                  <a:srgbClr val="FFFFFF"/>
+                </a:solidFill>
+              </a14:hiddenFill>
+            </a:ext>
+          </a:extLst>
+        </p:spPr>
+      </p:pic>
+    </p:spTree>
+    <p:extLst>
+      <p:ext uri="{BB962C8B-B14F-4D97-AF65-F5344CB8AC3E}">
+        <p14:creationId xmlns:p14="http://schemas.microsoft.com/office/powerpoint/2010/main" val="2861651650"/>
+      </p:ext>
+    </p:extLst>
+  </p:cSld>
+  <p:clrMapOvr>
+    <a:masterClrMapping/>
+  </p:clrMapOvr>
+</p:sld>
+</file>
+
+<file path=ppt/slides/slide15.xml><?xml version="1.0" encoding="utf-8"?>
+<p:sld xmlns:a="http://schemas.openxmlformats.org/drawingml/2006/main" xmlns:r="http://schemas.openxmlformats.org/officeDocument/2006/relationships" xmlns:p="http://schemas.openxmlformats.org/presentationml/2006/main">
+  <p:cSld>
+    <p:spTree>
+      <p:nvGrpSpPr>
+        <p:cNvPr id="1" name=""/>
+        <p:cNvGrpSpPr/>
+        <p:nvPr/>
+      </p:nvGrpSpPr>
+      <p:grpSpPr>
+        <a:xfrm>
+          <a:off x="0" y="0"/>
+          <a:ext cx="0" cy="0"/>
+          <a:chOff x="0" y="0"/>
+          <a:chExt cx="0" cy="0"/>
+        </a:xfrm>
+      </p:grpSpPr>
+      <p:sp>
+        <p:nvSpPr>
+          <p:cNvPr id="2" name="Title 1"/>
+          <p:cNvSpPr>
+            <a:spLocks noGrp="1"/>
+          </p:cNvSpPr>
+          <p:nvPr>
+            <p:ph type="title"/>
+          </p:nvPr>
+        </p:nvSpPr>
+        <p:spPr/>
+        <p:txBody>
+          <a:bodyPr/>
+          <a:lstStyle/>
+          <a:p>
+            <a:r>
+              <a:rPr lang="en-US" dirty="0"/>
+              <a:t>Content Marketing and Blogging</a:t>
+            </a:r>
+          </a:p>
+        </p:txBody>
+      </p:sp>
+      <p:sp>
+        <p:nvSpPr>
+          <p:cNvPr id="3" name="Content Placeholder 2"/>
+          <p:cNvSpPr>
+            <a:spLocks noGrp="1"/>
+          </p:cNvSpPr>
+          <p:nvPr>
+            <p:ph idx="1"/>
+          </p:nvPr>
+        </p:nvSpPr>
+        <p:spPr>
+          <a:xfrm>
+            <a:off x="347527" y="1406880"/>
+            <a:ext cx="6017716" cy="4746091"/>
+          </a:xfrm>
+        </p:spPr>
+        <p:txBody>
+          <a:bodyPr/>
+          <a:lstStyle/>
+          <a:p>
+            <a:r>
+              <a:rPr lang="en-US" dirty="0" smtClean="0"/>
+              <a:t>Attracting </a:t>
+            </a:r>
+            <a:r>
+              <a:rPr lang="en-US" dirty="0"/>
+              <a:t>and engaging potential customers</a:t>
+            </a:r>
+          </a:p>
+          <a:p>
+            <a:r>
+              <a:rPr lang="en-US" dirty="0" smtClean="0"/>
+              <a:t>Create </a:t>
+            </a:r>
+            <a:r>
+              <a:rPr lang="en-US" dirty="0"/>
+              <a:t>a content marketing strategy that aligns with your business goals</a:t>
+            </a:r>
+          </a:p>
+          <a:p>
+            <a:r>
+              <a:rPr lang="en-US" dirty="0"/>
+              <a:t>Tips for creating high-quality, engaging blog posts that resonate with your target audience</a:t>
+            </a:r>
+          </a:p>
+        </p:txBody>
+      </p:sp>
+      <p:sp>
+        <p:nvSpPr>
+          <p:cNvPr id="4" name="Slide Number Placeholder 3"/>
+          <p:cNvSpPr>
+            <a:spLocks noGrp="1"/>
+          </p:cNvSpPr>
+          <p:nvPr>
+            <p:ph type="sldNum" sz="quarter" idx="12"/>
+          </p:nvPr>
+        </p:nvSpPr>
+        <p:spPr/>
+        <p:txBody>
+          <a:bodyPr/>
+          <a:lstStyle/>
+          <a:p>
+            <a:fld id="{B8DACC02-A2BD-4578-8E03-6D891060A695}" type="slidenum">
+              <a:rPr lang="en-US" smtClean="0"/>
+              <a:pPr/>
+              <a:t>15</a:t>
+            </a:fld>
+            <a:endParaRPr lang="en-US" dirty="0"/>
+          </a:p>
+        </p:txBody>
+      </p:sp>
+      <p:pic>
+        <p:nvPicPr>
+          <p:cNvPr id="11266" name="Picture 2" descr="Blogging and Content Marketing: a Winning Combination! – Blog &amp; Resources"/>
+          <p:cNvPicPr>
+            <a:picLocks noChangeAspect="1" noChangeArrowheads="1"/>
+          </p:cNvPicPr>
+          <p:nvPr/>
+        </p:nvPicPr>
+        <p:blipFill rotWithShape="1">
+          <a:blip r:embed="rId2">
+            <a:extLst>
+              <a:ext uri="{28A0092B-C50C-407E-A947-70E740481C1C}">
+                <a14:useLocalDpi xmlns:a14="http://schemas.microsoft.com/office/drawing/2010/main" val="0"/>
+              </a:ext>
+            </a:extLst>
+          </a:blip>
+          <a:srcRect l="2743" t="6400" r="2283" b="4008"/>
+          <a:stretch/>
+        </p:blipFill>
+        <p:spPr bwMode="auto">
+          <a:xfrm>
+            <a:off x="6365242" y="1406880"/>
+            <a:ext cx="5633049" cy="3985404"/>
+          </a:xfrm>
+          <a:prstGeom prst="rect">
+            <a:avLst/>
+          </a:prstGeom>
+          <a:noFill/>
+          <a:extLst>
+            <a:ext uri="{909E8E84-426E-40DD-AFC4-6F175D3DCCD1}">
+              <a14:hiddenFill xmlns:a14="http://schemas.microsoft.com/office/drawing/2010/main">
+                <a:solidFill>
+                  <a:srgbClr val="FFFFFF"/>
+                </a:solidFill>
+              </a14:hiddenFill>
+            </a:ext>
+          </a:extLst>
+        </p:spPr>
+      </p:pic>
+    </p:spTree>
+    <p:extLst>
+      <p:ext uri="{BB962C8B-B14F-4D97-AF65-F5344CB8AC3E}">
+        <p14:creationId xmlns:p14="http://schemas.microsoft.com/office/powerpoint/2010/main" val="3499585175"/>
+      </p:ext>
+    </p:extLst>
+  </p:cSld>
+  <p:clrMapOvr>
+    <a:masterClrMapping/>
+  </p:clrMapOvr>
+</p:sld>
+</file>
+
+<file path=ppt/slides/slide16.xml><?xml version="1.0" encoding="utf-8"?>
+<p:sld xmlns:a="http://schemas.openxmlformats.org/drawingml/2006/main" xmlns:r="http://schemas.openxmlformats.org/officeDocument/2006/relationships" xmlns:p="http://schemas.openxmlformats.org/presentationml/2006/main">
+  <p:cSld>
+    <p:spTree>
+      <p:nvGrpSpPr>
+        <p:cNvPr id="1" name=""/>
+        <p:cNvGrpSpPr/>
+        <p:nvPr/>
+      </p:nvGrpSpPr>
+      <p:grpSpPr>
+        <a:xfrm>
+          <a:off x="0" y="0"/>
+          <a:ext cx="0" cy="0"/>
+          <a:chOff x="0" y="0"/>
+          <a:chExt cx="0" cy="0"/>
+        </a:xfrm>
+      </p:grpSpPr>
+      <p:sp>
+        <p:nvSpPr>
+          <p:cNvPr id="2" name="Title 1"/>
+          <p:cNvSpPr>
+            <a:spLocks noGrp="1"/>
+          </p:cNvSpPr>
+          <p:nvPr>
+            <p:ph type="title"/>
+          </p:nvPr>
+        </p:nvSpPr>
+        <p:spPr/>
+        <p:txBody>
+          <a:bodyPr/>
+          <a:lstStyle/>
+          <a:p>
+            <a:r>
+              <a:rPr lang="en-US" dirty="0"/>
+              <a:t>Email Marketing Campaigns</a:t>
+            </a:r>
+          </a:p>
+        </p:txBody>
+      </p:sp>
+      <p:sp>
+        <p:nvSpPr>
+          <p:cNvPr id="3" name="Content Placeholder 2"/>
+          <p:cNvSpPr>
+            <a:spLocks noGrp="1"/>
+          </p:cNvSpPr>
+          <p:nvPr>
+            <p:ph idx="1"/>
+          </p:nvPr>
+        </p:nvSpPr>
+        <p:spPr/>
+        <p:txBody>
+          <a:bodyPr/>
+          <a:lstStyle/>
+          <a:p>
+            <a:r>
+              <a:rPr lang="en-US" dirty="0" smtClean="0"/>
+              <a:t>Building </a:t>
+            </a:r>
+            <a:r>
+              <a:rPr lang="en-US" dirty="0"/>
+              <a:t>an email list and how to do it effectively</a:t>
+            </a:r>
+          </a:p>
+          <a:p>
+            <a:r>
+              <a:rPr lang="en-US" dirty="0"/>
+              <a:t>Strategies for creating successful email marketing campaigns that drive conversions</a:t>
+            </a:r>
+          </a:p>
+          <a:p>
+            <a:r>
+              <a:rPr lang="en-US" dirty="0"/>
+              <a:t>Tips for personalizing and segmenting your email campaigns to improve engagement</a:t>
+            </a:r>
+          </a:p>
+        </p:txBody>
+      </p:sp>
+      <p:sp>
+        <p:nvSpPr>
+          <p:cNvPr id="4" name="Slide Number Placeholder 3"/>
+          <p:cNvSpPr>
+            <a:spLocks noGrp="1"/>
+          </p:cNvSpPr>
+          <p:nvPr>
+            <p:ph type="sldNum" sz="quarter" idx="12"/>
+          </p:nvPr>
+        </p:nvSpPr>
+        <p:spPr/>
+        <p:txBody>
+          <a:bodyPr/>
+          <a:lstStyle/>
+          <a:p>
+            <a:fld id="{B8DACC02-A2BD-4578-8E03-6D891060A695}" type="slidenum">
+              <a:rPr lang="en-US" smtClean="0"/>
+              <a:pPr/>
+              <a:t>16</a:t>
+            </a:fld>
+            <a:endParaRPr lang="en-US" dirty="0"/>
+          </a:p>
+        </p:txBody>
+      </p:sp>
+      <p:pic>
+        <p:nvPicPr>
+          <p:cNvPr id="12290" name="Picture 2" descr="How to Boost your Email Marketing Campaigns using Video Content -  IntelligentHQ"/>
+          <p:cNvPicPr>
+            <a:picLocks noChangeAspect="1" noChangeArrowheads="1"/>
+          </p:cNvPicPr>
+          <p:nvPr/>
+        </p:nvPicPr>
+        <p:blipFill>
+          <a:blip r:embed="rId2" cstate="print">
+            <a:extLst>
+              <a:ext uri="{28A0092B-C50C-407E-A947-70E740481C1C}">
+                <a14:useLocalDpi xmlns:a14="http://schemas.microsoft.com/office/drawing/2010/main" val="0"/>
+              </a:ext>
+            </a:extLst>
+          </a:blip>
+          <a:srcRect/>
+          <a:stretch>
+            <a:fillRect/>
+          </a:stretch>
+        </p:blipFill>
+        <p:spPr bwMode="auto">
+          <a:xfrm>
+            <a:off x="7557078" y="3364302"/>
+            <a:ext cx="4634922" cy="3128573"/>
+          </a:xfrm>
+          <a:prstGeom prst="rect">
+            <a:avLst/>
+          </a:prstGeom>
+          <a:noFill/>
+          <a:extLst>
+            <a:ext uri="{909E8E84-426E-40DD-AFC4-6F175D3DCCD1}">
+              <a14:hiddenFill xmlns:a14="http://schemas.microsoft.com/office/drawing/2010/main">
+                <a:solidFill>
+                  <a:srgbClr val="FFFFFF"/>
+                </a:solidFill>
+              </a14:hiddenFill>
+            </a:ext>
+          </a:extLst>
+        </p:spPr>
+      </p:pic>
+    </p:spTree>
+    <p:extLst>
+      <p:ext uri="{BB962C8B-B14F-4D97-AF65-F5344CB8AC3E}">
+        <p14:creationId xmlns:p14="http://schemas.microsoft.com/office/powerpoint/2010/main" val="2866991180"/>
+      </p:ext>
+    </p:extLst>
+  </p:cSld>
+  <p:clrMapOvr>
+    <a:masterClrMapping/>
+  </p:clrMapOvr>
+</p:sld>
+</file>
+
+<file path=ppt/slides/slide17.xml><?xml version="1.0" encoding="utf-8"?>
+<p:sld xmlns:a="http://schemas.openxmlformats.org/drawingml/2006/main" xmlns:r="http://schemas.openxmlformats.org/officeDocument/2006/relationships" xmlns:p="http://schemas.openxmlformats.org/presentationml/2006/main">
+  <p:cSld>
+    <p:spTree>
+      <p:nvGrpSpPr>
+        <p:cNvPr id="1" name=""/>
+        <p:cNvGrpSpPr/>
+        <p:nvPr/>
+      </p:nvGrpSpPr>
+      <p:grpSpPr>
+        <a:xfrm>
+          <a:off x="0" y="0"/>
+          <a:ext cx="0" cy="0"/>
+          <a:chOff x="0" y="0"/>
+          <a:chExt cx="0" cy="0"/>
+        </a:xfrm>
+      </p:grpSpPr>
+      <p:sp>
+        <p:nvSpPr>
+          <p:cNvPr id="2" name="Title 1"/>
+          <p:cNvSpPr>
+            <a:spLocks noGrp="1"/>
+          </p:cNvSpPr>
+          <p:nvPr>
+            <p:ph type="title"/>
+          </p:nvPr>
+        </p:nvSpPr>
+        <p:spPr/>
+        <p:txBody>
+          <a:bodyPr/>
+          <a:lstStyle/>
+          <a:p>
+            <a:r>
+              <a:rPr lang="en-US" dirty="0"/>
+              <a:t>PR and Influencer Outreach</a:t>
+            </a:r>
+          </a:p>
+        </p:txBody>
+      </p:sp>
+      <p:sp>
+        <p:nvSpPr>
+          <p:cNvPr id="3" name="Content Placeholder 2"/>
+          <p:cNvSpPr>
+            <a:spLocks noGrp="1"/>
+          </p:cNvSpPr>
+          <p:nvPr>
+            <p:ph idx="1"/>
+          </p:nvPr>
+        </p:nvSpPr>
+        <p:spPr/>
+        <p:txBody>
+          <a:bodyPr/>
+          <a:lstStyle/>
+          <a:p>
+            <a:r>
+              <a:rPr lang="en-US" dirty="0" smtClean="0"/>
+              <a:t>Public </a:t>
+            </a:r>
+            <a:r>
+              <a:rPr lang="en-US" dirty="0"/>
+              <a:t>relations (PR) and its role in growing your customer base</a:t>
+            </a:r>
+          </a:p>
+          <a:p>
+            <a:r>
+              <a:rPr lang="en-US" dirty="0"/>
+              <a:t>Strategies for identifying and leveraging influencers in your industry to reach new audiences</a:t>
+            </a:r>
+          </a:p>
+          <a:p>
+            <a:r>
+              <a:rPr lang="en-US" dirty="0"/>
+              <a:t>Tips for crafting effective press releases and pitches that get noticed by media outlets</a:t>
+            </a:r>
+          </a:p>
+        </p:txBody>
+      </p:sp>
+      <p:sp>
+        <p:nvSpPr>
+          <p:cNvPr id="4" name="Slide Number Placeholder 3"/>
+          <p:cNvSpPr>
+            <a:spLocks noGrp="1"/>
+          </p:cNvSpPr>
+          <p:nvPr>
+            <p:ph type="sldNum" sz="quarter" idx="12"/>
+          </p:nvPr>
+        </p:nvSpPr>
+        <p:spPr/>
+        <p:txBody>
+          <a:bodyPr/>
+          <a:lstStyle/>
+          <a:p>
+            <a:fld id="{B8DACC02-A2BD-4578-8E03-6D891060A695}" type="slidenum">
+              <a:rPr lang="en-US" smtClean="0"/>
+              <a:pPr/>
+              <a:t>17</a:t>
+            </a:fld>
+            <a:endParaRPr lang="en-US" dirty="0"/>
+          </a:p>
+        </p:txBody>
+      </p:sp>
+      <p:pic>
+        <p:nvPicPr>
+          <p:cNvPr id="13314" name="Picture 2" descr="Influencer Management Agency Sydney | by OZY Digital | Medium"/>
+          <p:cNvPicPr>
+            <a:picLocks noChangeAspect="1" noChangeArrowheads="1"/>
+          </p:cNvPicPr>
+          <p:nvPr/>
+        </p:nvPicPr>
+        <p:blipFill>
+          <a:blip r:embed="rId2">
+            <a:extLst>
+              <a:ext uri="{28A0092B-C50C-407E-A947-70E740481C1C}">
+                <a14:useLocalDpi xmlns:a14="http://schemas.microsoft.com/office/drawing/2010/main" val="0"/>
+              </a:ext>
+            </a:extLst>
+          </a:blip>
+          <a:srcRect/>
+          <a:stretch>
+            <a:fillRect/>
+          </a:stretch>
+        </p:blipFill>
+        <p:spPr bwMode="auto">
+          <a:xfrm>
+            <a:off x="7139174" y="3381555"/>
+            <a:ext cx="3402306" cy="3111320"/>
+          </a:xfrm>
+          <a:prstGeom prst="rect">
+            <a:avLst/>
+          </a:prstGeom>
+          <a:noFill/>
+          <a:extLst>
+            <a:ext uri="{909E8E84-426E-40DD-AFC4-6F175D3DCCD1}">
+              <a14:hiddenFill xmlns:a14="http://schemas.microsoft.com/office/drawing/2010/main">
+                <a:solidFill>
+                  <a:srgbClr val="FFFFFF"/>
+                </a:solidFill>
+              </a14:hiddenFill>
+            </a:ext>
+          </a:extLst>
+        </p:spPr>
+      </p:pic>
+    </p:spTree>
+    <p:extLst>
+      <p:ext uri="{BB962C8B-B14F-4D97-AF65-F5344CB8AC3E}">
+        <p14:creationId xmlns:p14="http://schemas.microsoft.com/office/powerpoint/2010/main" val="1761253748"/>
+      </p:ext>
+    </p:extLst>
+  </p:cSld>
+  <p:clrMapOvr>
+    <a:masterClrMapping/>
+  </p:clrMapOvr>
+</p:sld>
+</file>
+
+<file path=ppt/slides/slide18.xml><?xml version="1.0" encoding="utf-8"?>
+<p:sld xmlns:a="http://schemas.openxmlformats.org/drawingml/2006/main" xmlns:r="http://schemas.openxmlformats.org/officeDocument/2006/relationships" xmlns:p="http://schemas.openxmlformats.org/presentationml/2006/main">
+  <p:cSld>
+    <p:spTree>
+      <p:nvGrpSpPr>
+        <p:cNvPr id="1" name=""/>
+        <p:cNvGrpSpPr/>
+        <p:nvPr/>
+      </p:nvGrpSpPr>
+      <p:grpSpPr>
+        <a:xfrm>
+          <a:off x="0" y="0"/>
+          <a:ext cx="0" cy="0"/>
+          <a:chOff x="0" y="0"/>
+          <a:chExt cx="0" cy="0"/>
+        </a:xfrm>
+      </p:grpSpPr>
+      <p:sp>
+        <p:nvSpPr>
+          <p:cNvPr id="2" name="Title 1"/>
+          <p:cNvSpPr>
+            <a:spLocks noGrp="1"/>
+          </p:cNvSpPr>
+          <p:nvPr>
+            <p:ph type="title"/>
+          </p:nvPr>
+        </p:nvSpPr>
+        <p:spPr/>
+        <p:txBody>
+          <a:bodyPr/>
+          <a:lstStyle/>
+          <a:p>
+            <a:r>
+              <a:rPr lang="en-US" dirty="0"/>
+              <a:t>Paid Advertising</a:t>
+            </a:r>
+          </a:p>
+        </p:txBody>
+      </p:sp>
+      <p:sp>
+        <p:nvSpPr>
+          <p:cNvPr id="3" name="Content Placeholder 2"/>
+          <p:cNvSpPr>
+            <a:spLocks noGrp="1"/>
+          </p:cNvSpPr>
+          <p:nvPr>
+            <p:ph idx="1"/>
+          </p:nvPr>
+        </p:nvSpPr>
+        <p:spPr/>
+        <p:txBody>
+          <a:bodyPr/>
+          <a:lstStyle/>
+          <a:p>
+            <a:endParaRPr lang="en-US"/>
+          </a:p>
+        </p:txBody>
+      </p:sp>
+      <p:sp>
+        <p:nvSpPr>
+          <p:cNvPr id="4" name="Slide Number Placeholder 3"/>
+          <p:cNvSpPr>
+            <a:spLocks noGrp="1"/>
+          </p:cNvSpPr>
+          <p:nvPr>
+            <p:ph type="sldNum" sz="quarter" idx="12"/>
+          </p:nvPr>
+        </p:nvSpPr>
+        <p:spPr/>
+        <p:txBody>
+          <a:bodyPr/>
+          <a:lstStyle/>
+          <a:p>
+            <a:fld id="{B8DACC02-A2BD-4578-8E03-6D891060A695}" type="slidenum">
+              <a:rPr lang="en-US" smtClean="0"/>
+              <a:pPr/>
+              <a:t>18</a:t>
+            </a:fld>
+            <a:endParaRPr lang="en-US" dirty="0"/>
+          </a:p>
+        </p:txBody>
+      </p:sp>
+      <p:pic>
+        <p:nvPicPr>
+          <p:cNvPr id="14338" name="Picture 2" descr="Paid Digital Advertising | Dot Marketing and Web Design | RC, SD"/>
+          <p:cNvPicPr>
+            <a:picLocks noChangeAspect="1" noChangeArrowheads="1"/>
+          </p:cNvPicPr>
+          <p:nvPr/>
+        </p:nvPicPr>
+        <p:blipFill>
+          <a:blip r:embed="rId2">
+            <a:extLst>
+              <a:ext uri="{28A0092B-C50C-407E-A947-70E740481C1C}">
+                <a14:useLocalDpi xmlns:a14="http://schemas.microsoft.com/office/drawing/2010/main" val="0"/>
+              </a:ext>
+            </a:extLst>
+          </a:blip>
+          <a:srcRect/>
+          <a:stretch>
+            <a:fillRect/>
+          </a:stretch>
+        </p:blipFill>
+        <p:spPr bwMode="auto">
+          <a:xfrm>
+            <a:off x="-105042" y="987677"/>
+            <a:ext cx="11942640" cy="5724821"/>
+          </a:xfrm>
+          <a:prstGeom prst="rect">
+            <a:avLst/>
+          </a:prstGeom>
+          <a:noFill/>
+          <a:extLst>
+            <a:ext uri="{909E8E84-426E-40DD-AFC4-6F175D3DCCD1}">
+              <a14:hiddenFill xmlns:a14="http://schemas.microsoft.com/office/drawing/2010/main">
+                <a:solidFill>
+                  <a:srgbClr val="FFFFFF"/>
+                </a:solidFill>
+              </a14:hiddenFill>
+            </a:ext>
+          </a:extLst>
+        </p:spPr>
+      </p:pic>
+    </p:spTree>
+    <p:extLst>
+      <p:ext uri="{BB962C8B-B14F-4D97-AF65-F5344CB8AC3E}">
+        <p14:creationId xmlns:p14="http://schemas.microsoft.com/office/powerpoint/2010/main" val="1604230221"/>
+      </p:ext>
+    </p:extLst>
+  </p:cSld>
+  <p:clrMapOvr>
+    <a:masterClrMapping/>
+  </p:clrMapOvr>
+</p:sld>
+</file>
+
+<file path=ppt/slides/slide19.xml><?xml version="1.0" encoding="utf-8"?>
+<p:sld xmlns:a="http://schemas.openxmlformats.org/drawingml/2006/main" xmlns:r="http://schemas.openxmlformats.org/officeDocument/2006/relationships" xmlns:p="http://schemas.openxmlformats.org/presentationml/2006/main">
+  <p:cSld>
+    <p:spTree>
+      <p:nvGrpSpPr>
+        <p:cNvPr id="1" name=""/>
+        <p:cNvGrpSpPr/>
+        <p:nvPr/>
+      </p:nvGrpSpPr>
+      <p:grpSpPr>
+        <a:xfrm>
+          <a:off x="0" y="0"/>
+          <a:ext cx="0" cy="0"/>
+          <a:chOff x="0" y="0"/>
+          <a:chExt cx="0" cy="0"/>
+        </a:xfrm>
+      </p:grpSpPr>
+      <p:sp>
+        <p:nvSpPr>
+          <p:cNvPr id="2" name="Title 1"/>
+          <p:cNvSpPr>
+            <a:spLocks noGrp="1"/>
+          </p:cNvSpPr>
+          <p:nvPr>
+            <p:ph type="title"/>
+          </p:nvPr>
+        </p:nvSpPr>
+        <p:spPr/>
+        <p:txBody>
+          <a:bodyPr/>
+          <a:lstStyle/>
+          <a:p>
+            <a:r>
+              <a:rPr lang="en-US" dirty="0"/>
+              <a:t>Partnerships and Affiliate Programs</a:t>
+            </a:r>
+          </a:p>
+        </p:txBody>
+      </p:sp>
+      <p:sp>
+        <p:nvSpPr>
+          <p:cNvPr id="3" name="Content Placeholder 2"/>
+          <p:cNvSpPr>
+            <a:spLocks noGrp="1"/>
+          </p:cNvSpPr>
+          <p:nvPr>
+            <p:ph idx="1"/>
+          </p:nvPr>
+        </p:nvSpPr>
+        <p:spPr>
+          <a:xfrm>
+            <a:off x="347527" y="1406880"/>
+            <a:ext cx="7683666" cy="4746091"/>
+          </a:xfrm>
+        </p:spPr>
+        <p:txBody>
+          <a:bodyPr/>
+          <a:lstStyle/>
+          <a:p>
+            <a:r>
+              <a:rPr lang="en-US" dirty="0" smtClean="0"/>
+              <a:t>Partnerships </a:t>
+            </a:r>
+            <a:r>
+              <a:rPr lang="en-US" dirty="0"/>
+              <a:t>and affiliate programs as a means of expanding your customer base</a:t>
+            </a:r>
+          </a:p>
+          <a:p>
+            <a:r>
+              <a:rPr lang="en-US" dirty="0"/>
+              <a:t>Strategies for identifying and leveraging potential partnerships and affiliate opportunities</a:t>
+            </a:r>
+          </a:p>
+        </p:txBody>
+      </p:sp>
+      <p:sp>
+        <p:nvSpPr>
+          <p:cNvPr id="4" name="Slide Number Placeholder 3"/>
+          <p:cNvSpPr>
+            <a:spLocks noGrp="1"/>
+          </p:cNvSpPr>
+          <p:nvPr>
+            <p:ph type="sldNum" sz="quarter" idx="12"/>
+          </p:nvPr>
+        </p:nvSpPr>
+        <p:spPr/>
+        <p:txBody>
+          <a:bodyPr/>
+          <a:lstStyle/>
+          <a:p>
+            <a:fld id="{B8DACC02-A2BD-4578-8E03-6D891060A695}" type="slidenum">
+              <a:rPr lang="en-US" smtClean="0"/>
+              <a:pPr/>
+              <a:t>19</a:t>
+            </a:fld>
+            <a:endParaRPr lang="en-US" dirty="0"/>
+          </a:p>
+        </p:txBody>
+      </p:sp>
+      <p:pic>
+        <p:nvPicPr>
+          <p:cNvPr id="15362" name="Picture 2" descr="Affiliate Marketing 101: What Is It and Why Use It? | Bloom"/>
+          <p:cNvPicPr>
+            <a:picLocks noChangeAspect="1" noChangeArrowheads="1"/>
+          </p:cNvPicPr>
+          <p:nvPr/>
+        </p:nvPicPr>
+        <p:blipFill>
+          <a:blip r:embed="rId2">
+            <a:extLst>
+              <a:ext uri="{28A0092B-C50C-407E-A947-70E740481C1C}">
+                <a14:useLocalDpi xmlns:a14="http://schemas.microsoft.com/office/drawing/2010/main" val="0"/>
+              </a:ext>
+            </a:extLst>
+          </a:blip>
+          <a:srcRect/>
+          <a:stretch>
+            <a:fillRect/>
+          </a:stretch>
+        </p:blipFill>
+        <p:spPr bwMode="auto">
+          <a:xfrm>
+            <a:off x="7711830" y="1476289"/>
+            <a:ext cx="4606455" cy="4876262"/>
+          </a:xfrm>
+          <a:prstGeom prst="rect">
+            <a:avLst/>
+          </a:prstGeom>
+          <a:noFill/>
+          <a:extLst>
+            <a:ext uri="{909E8E84-426E-40DD-AFC4-6F175D3DCCD1}">
+              <a14:hiddenFill xmlns:a14="http://schemas.microsoft.com/office/drawing/2010/main">
+                <a:solidFill>
+                  <a:srgbClr val="FFFFFF"/>
+                </a:solidFill>
+              </a14:hiddenFill>
+            </a:ext>
+          </a:extLst>
+        </p:spPr>
+      </p:pic>
+    </p:spTree>
+    <p:extLst>
+      <p:ext uri="{BB962C8B-B14F-4D97-AF65-F5344CB8AC3E}">
+        <p14:creationId xmlns:p14="http://schemas.microsoft.com/office/powerpoint/2010/main" val="2988889911"/>
       </p:ext>
     </p:extLst>
   </p:cSld>
@@ -4549,59 +9475,49 @@
           <a:lstStyle/>
           <a:p>
             <a:r>
+              <a:rPr lang="en-US" dirty="0"/>
+              <a:t>Launching your software </a:t>
+            </a:r>
+            <a:r>
               <a:rPr lang="en-US" dirty="0" smtClean="0"/>
-              <a:t>Overview</a:t>
+              <a:t>product</a:t>
             </a:r>
           </a:p>
           <a:p>
             <a:r>
               <a:rPr lang="en-US" dirty="0"/>
-              <a:t>Crafting a Compelling </a:t>
+              <a:t>Growing your first customer </a:t>
             </a:r>
             <a:r>
               <a:rPr lang="en-US" dirty="0" smtClean="0"/>
-              <a:t>Pitch</a:t>
+              <a:t>base</a:t>
             </a:r>
           </a:p>
           <a:p>
             <a:r>
               <a:rPr lang="en-US" dirty="0"/>
-              <a:t>Investor Perspectives and </a:t>
+              <a:t>Onboarding and retaining </a:t>
             </a:r>
             <a:r>
               <a:rPr lang="en-US" dirty="0" smtClean="0"/>
-              <a:t>Expectations</a:t>
-            </a:r>
-          </a:p>
-          <a:p>
+              <a:t>customers</a:t>
+            </a:r>
+          </a:p>
+          <a:p>
+            <a:r>
+              <a:rPr lang="en-US" dirty="0"/>
+              <a:t>Scaling your </a:t>
+            </a:r>
             <a:r>
               <a:rPr lang="en-US" dirty="0" smtClean="0"/>
-              <a:t>Due </a:t>
-            </a:r>
+              <a:t>business</a:t>
+            </a:r>
+          </a:p>
+          <a:p>
             <a:r>
               <a:rPr lang="en-US" dirty="0"/>
-              <a:t>Diligence and </a:t>
-            </a:r>
-            <a:r>
-              <a:rPr lang="en-US" dirty="0" smtClean="0"/>
-              <a:t>Valuation</a:t>
-            </a:r>
-          </a:p>
-          <a:p>
-            <a:r>
-              <a:rPr lang="en-US" dirty="0" smtClean="0"/>
-              <a:t>Incubators </a:t>
-            </a:r>
-            <a:r>
-              <a:rPr lang="en-US" dirty="0"/>
-              <a:t>and </a:t>
-            </a:r>
-            <a:r>
-              <a:rPr lang="en-US" dirty="0" smtClean="0"/>
-              <a:t>Accelerators</a:t>
-            </a:r>
-          </a:p>
-          <a:p>
+              <a:t>Common challenges and lessons learned</a:t>
+            </a:r>
             <a:endParaRPr lang="en-US" dirty="0"/>
           </a:p>
         </p:txBody>
@@ -4634,6 +9550,1592 @@
     <p:extLst>
       <p:ext uri="{BB962C8B-B14F-4D97-AF65-F5344CB8AC3E}">
         <p14:creationId xmlns:p14="http://schemas.microsoft.com/office/powerpoint/2010/main" val="4056791088"/>
+      </p:ext>
+    </p:extLst>
+  </p:cSld>
+  <p:clrMapOvr>
+    <a:masterClrMapping/>
+  </p:clrMapOvr>
+</p:sld>
+</file>
+
+<file path=ppt/slides/slide20.xml><?xml version="1.0" encoding="utf-8"?>
+<p:sld xmlns:a="http://schemas.openxmlformats.org/drawingml/2006/main" xmlns:r="http://schemas.openxmlformats.org/officeDocument/2006/relationships" xmlns:p="http://schemas.openxmlformats.org/presentationml/2006/main">
+  <p:cSld>
+    <p:spTree>
+      <p:nvGrpSpPr>
+        <p:cNvPr id="1" name=""/>
+        <p:cNvGrpSpPr/>
+        <p:nvPr/>
+      </p:nvGrpSpPr>
+      <p:grpSpPr>
+        <a:xfrm>
+          <a:off x="0" y="0"/>
+          <a:ext cx="0" cy="0"/>
+          <a:chOff x="0" y="0"/>
+          <a:chExt cx="0" cy="0"/>
+        </a:xfrm>
+      </p:grpSpPr>
+      <p:sp>
+        <p:nvSpPr>
+          <p:cNvPr id="5" name="Title 4"/>
+          <p:cNvSpPr>
+            <a:spLocks noGrp="1"/>
+          </p:cNvSpPr>
+          <p:nvPr>
+            <p:ph type="title"/>
+          </p:nvPr>
+        </p:nvSpPr>
+        <p:spPr/>
+        <p:txBody>
+          <a:bodyPr/>
+          <a:lstStyle/>
+          <a:p>
+            <a:r>
+              <a:rPr lang="en-US" dirty="0"/>
+              <a:t>Onboarding and retaining customers</a:t>
+            </a:r>
+          </a:p>
+        </p:txBody>
+      </p:sp>
+      <p:sp>
+        <p:nvSpPr>
+          <p:cNvPr id="6" name="Text Placeholder 5"/>
+          <p:cNvSpPr>
+            <a:spLocks noGrp="1"/>
+          </p:cNvSpPr>
+          <p:nvPr>
+            <p:ph type="body" idx="1"/>
+          </p:nvPr>
+        </p:nvSpPr>
+        <p:spPr/>
+        <p:txBody>
+          <a:bodyPr/>
+          <a:lstStyle/>
+          <a:p>
+            <a:endParaRPr lang="en-US"/>
+          </a:p>
+        </p:txBody>
+      </p:sp>
+      <p:sp>
+        <p:nvSpPr>
+          <p:cNvPr id="4" name="Slide Number Placeholder 3"/>
+          <p:cNvSpPr>
+            <a:spLocks noGrp="1"/>
+          </p:cNvSpPr>
+          <p:nvPr>
+            <p:ph type="sldNum" sz="quarter" idx="12"/>
+          </p:nvPr>
+        </p:nvSpPr>
+        <p:spPr/>
+        <p:txBody>
+          <a:bodyPr/>
+          <a:lstStyle/>
+          <a:p>
+            <a:fld id="{B8DACC02-A2BD-4578-8E03-6D891060A695}" type="slidenum">
+              <a:rPr lang="en-US" smtClean="0"/>
+              <a:pPr/>
+              <a:t>20</a:t>
+            </a:fld>
+            <a:endParaRPr lang="en-US" dirty="0"/>
+          </a:p>
+        </p:txBody>
+      </p:sp>
+    </p:spTree>
+    <p:extLst>
+      <p:ext uri="{BB962C8B-B14F-4D97-AF65-F5344CB8AC3E}">
+        <p14:creationId xmlns:p14="http://schemas.microsoft.com/office/powerpoint/2010/main" val="827805348"/>
+      </p:ext>
+    </p:extLst>
+  </p:cSld>
+  <p:clrMapOvr>
+    <a:masterClrMapping/>
+  </p:clrMapOvr>
+</p:sld>
+</file>
+
+<file path=ppt/slides/slide21.xml><?xml version="1.0" encoding="utf-8"?>
+<p:sld xmlns:a="http://schemas.openxmlformats.org/drawingml/2006/main" xmlns:r="http://schemas.openxmlformats.org/officeDocument/2006/relationships" xmlns:p="http://schemas.openxmlformats.org/presentationml/2006/main">
+  <p:cSld>
+    <p:spTree>
+      <p:nvGrpSpPr>
+        <p:cNvPr id="1" name=""/>
+        <p:cNvGrpSpPr/>
+        <p:nvPr/>
+      </p:nvGrpSpPr>
+      <p:grpSpPr>
+        <a:xfrm>
+          <a:off x="0" y="0"/>
+          <a:ext cx="0" cy="0"/>
+          <a:chOff x="0" y="0"/>
+          <a:chExt cx="0" cy="0"/>
+        </a:xfrm>
+      </p:grpSpPr>
+      <p:sp>
+        <p:nvSpPr>
+          <p:cNvPr id="2" name="Title 1"/>
+          <p:cNvSpPr>
+            <a:spLocks noGrp="1"/>
+          </p:cNvSpPr>
+          <p:nvPr>
+            <p:ph type="title"/>
+          </p:nvPr>
+        </p:nvSpPr>
+        <p:spPr/>
+        <p:txBody>
+          <a:bodyPr/>
+          <a:lstStyle/>
+          <a:p>
+            <a:r>
+              <a:rPr lang="en-US" dirty="0"/>
+              <a:t>Customer Support Strategies</a:t>
+            </a:r>
+          </a:p>
+        </p:txBody>
+      </p:sp>
+      <p:sp>
+        <p:nvSpPr>
+          <p:cNvPr id="3" name="Content Placeholder 2"/>
+          <p:cNvSpPr>
+            <a:spLocks noGrp="1"/>
+          </p:cNvSpPr>
+          <p:nvPr>
+            <p:ph idx="1"/>
+          </p:nvPr>
+        </p:nvSpPr>
+        <p:spPr/>
+        <p:txBody>
+          <a:bodyPr>
+            <a:normAutofit/>
+          </a:bodyPr>
+          <a:lstStyle/>
+          <a:p>
+            <a:r>
+              <a:rPr lang="en-US" dirty="0"/>
+              <a:t>Customer support is crucial for retaining customers as it directly impacts their </a:t>
+            </a:r>
+            <a:r>
+              <a:rPr lang="en-US" dirty="0" smtClean="0"/>
+              <a:t>satisfaction </a:t>
+            </a:r>
+            <a:r>
+              <a:rPr lang="en-US" dirty="0"/>
+              <a:t>and loyalty towards a company. </a:t>
+            </a:r>
+            <a:endParaRPr lang="en-US" dirty="0" smtClean="0"/>
+          </a:p>
+          <a:p>
+            <a:pPr lvl="1"/>
+            <a:r>
+              <a:rPr lang="en-US" dirty="0" smtClean="0"/>
+              <a:t>Email Support</a:t>
+            </a:r>
+          </a:p>
+          <a:p>
+            <a:pPr lvl="1"/>
+            <a:r>
+              <a:rPr lang="en-US" dirty="0" smtClean="0"/>
+              <a:t>Phone Support</a:t>
+            </a:r>
+          </a:p>
+          <a:p>
+            <a:pPr lvl="1"/>
+            <a:r>
+              <a:rPr lang="en-US" dirty="0" smtClean="0"/>
+              <a:t>Chat Support</a:t>
+            </a:r>
+          </a:p>
+          <a:p>
+            <a:pPr lvl="1"/>
+            <a:r>
+              <a:rPr lang="en-US" dirty="0" smtClean="0"/>
+              <a:t>FAQs </a:t>
+            </a:r>
+            <a:r>
+              <a:rPr lang="en-US" dirty="0"/>
+              <a:t>and Knowledge </a:t>
+            </a:r>
+            <a:r>
+              <a:rPr lang="en-US" dirty="0" smtClean="0"/>
+              <a:t>Base</a:t>
+            </a:r>
+            <a:endParaRPr lang="en-US" dirty="0"/>
+          </a:p>
+        </p:txBody>
+      </p:sp>
+      <p:sp>
+        <p:nvSpPr>
+          <p:cNvPr id="4" name="Slide Number Placeholder 3"/>
+          <p:cNvSpPr>
+            <a:spLocks noGrp="1"/>
+          </p:cNvSpPr>
+          <p:nvPr>
+            <p:ph type="sldNum" sz="quarter" idx="12"/>
+          </p:nvPr>
+        </p:nvSpPr>
+        <p:spPr/>
+        <p:txBody>
+          <a:bodyPr/>
+          <a:lstStyle/>
+          <a:p>
+            <a:fld id="{B8DACC02-A2BD-4578-8E03-6D891060A695}" type="slidenum">
+              <a:rPr lang="en-US" smtClean="0"/>
+              <a:pPr/>
+              <a:t>21</a:t>
+            </a:fld>
+            <a:endParaRPr lang="en-US" dirty="0"/>
+          </a:p>
+        </p:txBody>
+      </p:sp>
+      <p:pic>
+        <p:nvPicPr>
+          <p:cNvPr id="16388" name="Picture 4" descr="Customer Service Best Practices: The Top 8 Strategies"/>
+          <p:cNvPicPr>
+            <a:picLocks noChangeAspect="1" noChangeArrowheads="1"/>
+          </p:cNvPicPr>
+          <p:nvPr/>
+        </p:nvPicPr>
+        <p:blipFill rotWithShape="1">
+          <a:blip r:embed="rId2">
+            <a:extLst>
+              <a:ext uri="{28A0092B-C50C-407E-A947-70E740481C1C}">
+                <a14:useLocalDpi xmlns:a14="http://schemas.microsoft.com/office/drawing/2010/main" val="0"/>
+              </a:ext>
+            </a:extLst>
+          </a:blip>
+          <a:srcRect l="20751" t="2561" r="23601"/>
+          <a:stretch/>
+        </p:blipFill>
+        <p:spPr bwMode="auto">
+          <a:xfrm>
+            <a:off x="8423031" y="2963007"/>
+            <a:ext cx="3710354" cy="3712429"/>
+          </a:xfrm>
+          <a:prstGeom prst="rect">
+            <a:avLst/>
+          </a:prstGeom>
+          <a:noFill/>
+          <a:extLst>
+            <a:ext uri="{909E8E84-426E-40DD-AFC4-6F175D3DCCD1}">
+              <a14:hiddenFill xmlns:a14="http://schemas.microsoft.com/office/drawing/2010/main">
+                <a:solidFill>
+                  <a:srgbClr val="FFFFFF"/>
+                </a:solidFill>
+              </a14:hiddenFill>
+            </a:ext>
+          </a:extLst>
+        </p:spPr>
+      </p:pic>
+    </p:spTree>
+    <p:extLst>
+      <p:ext uri="{BB962C8B-B14F-4D97-AF65-F5344CB8AC3E}">
+        <p14:creationId xmlns:p14="http://schemas.microsoft.com/office/powerpoint/2010/main" val="2236872359"/>
+      </p:ext>
+    </p:extLst>
+  </p:cSld>
+  <p:clrMapOvr>
+    <a:masterClrMapping/>
+  </p:clrMapOvr>
+</p:sld>
+</file>
+
+<file path=ppt/slides/slide22.xml><?xml version="1.0" encoding="utf-8"?>
+<p:sld xmlns:a="http://schemas.openxmlformats.org/drawingml/2006/main" xmlns:r="http://schemas.openxmlformats.org/officeDocument/2006/relationships" xmlns:p="http://schemas.openxmlformats.org/presentationml/2006/main">
+  <p:cSld>
+    <p:spTree>
+      <p:nvGrpSpPr>
+        <p:cNvPr id="1" name=""/>
+        <p:cNvGrpSpPr/>
+        <p:nvPr/>
+      </p:nvGrpSpPr>
+      <p:grpSpPr>
+        <a:xfrm>
+          <a:off x="0" y="0"/>
+          <a:ext cx="0" cy="0"/>
+          <a:chOff x="0" y="0"/>
+          <a:chExt cx="0" cy="0"/>
+        </a:xfrm>
+      </p:grpSpPr>
+      <p:sp>
+        <p:nvSpPr>
+          <p:cNvPr id="2" name="Title 1"/>
+          <p:cNvSpPr>
+            <a:spLocks noGrp="1"/>
+          </p:cNvSpPr>
+          <p:nvPr>
+            <p:ph type="title"/>
+          </p:nvPr>
+        </p:nvSpPr>
+        <p:spPr/>
+        <p:txBody>
+          <a:bodyPr/>
+          <a:lstStyle/>
+          <a:p>
+            <a:r>
+              <a:rPr lang="en-US" dirty="0"/>
+              <a:t>Customer Support Strategies</a:t>
+            </a:r>
+          </a:p>
+        </p:txBody>
+      </p:sp>
+      <p:sp>
+        <p:nvSpPr>
+          <p:cNvPr id="3" name="Content Placeholder 2"/>
+          <p:cNvSpPr>
+            <a:spLocks noGrp="1"/>
+          </p:cNvSpPr>
+          <p:nvPr>
+            <p:ph idx="1"/>
+          </p:nvPr>
+        </p:nvSpPr>
+        <p:spPr/>
+        <p:txBody>
+          <a:bodyPr>
+            <a:normAutofit/>
+          </a:bodyPr>
+          <a:lstStyle/>
+          <a:p>
+            <a:r>
+              <a:rPr lang="en-US" dirty="0"/>
+              <a:t>Strategies for providing effective customer support:</a:t>
+            </a:r>
+          </a:p>
+          <a:p>
+            <a:pPr lvl="1"/>
+            <a:r>
+              <a:rPr lang="en-US" dirty="0" smtClean="0"/>
+              <a:t>Prompt </a:t>
+            </a:r>
+            <a:r>
+              <a:rPr lang="en-US" dirty="0"/>
+              <a:t>Response </a:t>
+            </a:r>
+            <a:r>
+              <a:rPr lang="en-US" dirty="0" smtClean="0"/>
+              <a:t>Times</a:t>
+            </a:r>
+          </a:p>
+          <a:p>
+            <a:pPr lvl="1"/>
+            <a:r>
+              <a:rPr lang="en-US" dirty="0" smtClean="0"/>
+              <a:t>Personalized Support</a:t>
+            </a:r>
+          </a:p>
+          <a:p>
+            <a:pPr lvl="1"/>
+            <a:r>
+              <a:rPr lang="en-US" dirty="0" smtClean="0"/>
+              <a:t>Empowering </a:t>
+            </a:r>
+            <a:r>
+              <a:rPr lang="en-US" dirty="0"/>
+              <a:t>Customers with Self-Service </a:t>
+            </a:r>
+            <a:r>
+              <a:rPr lang="en-US" dirty="0" smtClean="0"/>
+              <a:t>Tools</a:t>
+            </a:r>
+          </a:p>
+          <a:p>
+            <a:pPr lvl="1"/>
+            <a:r>
+              <a:rPr lang="en-US" dirty="0" smtClean="0"/>
+              <a:t>Continuous </a:t>
+            </a:r>
+            <a:r>
+              <a:rPr lang="en-US" dirty="0"/>
+              <a:t>Training for Support </a:t>
+            </a:r>
+            <a:r>
+              <a:rPr lang="en-US" dirty="0" smtClean="0"/>
+              <a:t>Agents</a:t>
+            </a:r>
+          </a:p>
+          <a:p>
+            <a:pPr lvl="1"/>
+            <a:r>
+              <a:rPr lang="en-US" dirty="0" smtClean="0"/>
+              <a:t>Gathering </a:t>
+            </a:r>
+            <a:r>
+              <a:rPr lang="en-US" dirty="0"/>
+              <a:t>and Utilizing Customer </a:t>
+            </a:r>
+            <a:r>
+              <a:rPr lang="en-US" dirty="0" smtClean="0"/>
+              <a:t>Feedback</a:t>
+            </a:r>
+            <a:endParaRPr lang="en-US" dirty="0"/>
+          </a:p>
+        </p:txBody>
+      </p:sp>
+      <p:sp>
+        <p:nvSpPr>
+          <p:cNvPr id="4" name="Slide Number Placeholder 3"/>
+          <p:cNvSpPr>
+            <a:spLocks noGrp="1"/>
+          </p:cNvSpPr>
+          <p:nvPr>
+            <p:ph type="sldNum" sz="quarter" idx="12"/>
+          </p:nvPr>
+        </p:nvSpPr>
+        <p:spPr/>
+        <p:txBody>
+          <a:bodyPr/>
+          <a:lstStyle/>
+          <a:p>
+            <a:fld id="{B8DACC02-A2BD-4578-8E03-6D891060A695}" type="slidenum">
+              <a:rPr lang="en-US" smtClean="0"/>
+              <a:pPr/>
+              <a:t>22</a:t>
+            </a:fld>
+            <a:endParaRPr lang="en-US" dirty="0"/>
+          </a:p>
+        </p:txBody>
+      </p:sp>
+      <p:pic>
+        <p:nvPicPr>
+          <p:cNvPr id="16388" name="Picture 4" descr="Customer Service Best Practices: The Top 8 Strategies"/>
+          <p:cNvPicPr>
+            <a:picLocks noChangeAspect="1" noChangeArrowheads="1"/>
+          </p:cNvPicPr>
+          <p:nvPr/>
+        </p:nvPicPr>
+        <p:blipFill rotWithShape="1">
+          <a:blip r:embed="rId2">
+            <a:extLst>
+              <a:ext uri="{28A0092B-C50C-407E-A947-70E740481C1C}">
+                <a14:useLocalDpi xmlns:a14="http://schemas.microsoft.com/office/drawing/2010/main" val="0"/>
+              </a:ext>
+            </a:extLst>
+          </a:blip>
+          <a:srcRect l="20751" t="2561" r="23601"/>
+          <a:stretch/>
+        </p:blipFill>
+        <p:spPr bwMode="auto">
+          <a:xfrm>
+            <a:off x="8423031" y="2963007"/>
+            <a:ext cx="3710354" cy="3712429"/>
+          </a:xfrm>
+          <a:prstGeom prst="rect">
+            <a:avLst/>
+          </a:prstGeom>
+          <a:noFill/>
+          <a:extLst>
+            <a:ext uri="{909E8E84-426E-40DD-AFC4-6F175D3DCCD1}">
+              <a14:hiddenFill xmlns:a14="http://schemas.microsoft.com/office/drawing/2010/main">
+                <a:solidFill>
+                  <a:srgbClr val="FFFFFF"/>
+                </a:solidFill>
+              </a14:hiddenFill>
+            </a:ext>
+          </a:extLst>
+        </p:spPr>
+      </p:pic>
+    </p:spTree>
+    <p:extLst>
+      <p:ext uri="{BB962C8B-B14F-4D97-AF65-F5344CB8AC3E}">
+        <p14:creationId xmlns:p14="http://schemas.microsoft.com/office/powerpoint/2010/main" val="2601559400"/>
+      </p:ext>
+    </p:extLst>
+  </p:cSld>
+  <p:clrMapOvr>
+    <a:masterClrMapping/>
+  </p:clrMapOvr>
+</p:sld>
+</file>
+
+<file path=ppt/slides/slide23.xml><?xml version="1.0" encoding="utf-8"?>
+<p:sld xmlns:a="http://schemas.openxmlformats.org/drawingml/2006/main" xmlns:r="http://schemas.openxmlformats.org/officeDocument/2006/relationships" xmlns:p="http://schemas.openxmlformats.org/presentationml/2006/main">
+  <p:cSld>
+    <p:spTree>
+      <p:nvGrpSpPr>
+        <p:cNvPr id="1" name=""/>
+        <p:cNvGrpSpPr/>
+        <p:nvPr/>
+      </p:nvGrpSpPr>
+      <p:grpSpPr>
+        <a:xfrm>
+          <a:off x="0" y="0"/>
+          <a:ext cx="0" cy="0"/>
+          <a:chOff x="0" y="0"/>
+          <a:chExt cx="0" cy="0"/>
+        </a:xfrm>
+      </p:grpSpPr>
+      <p:sp>
+        <p:nvSpPr>
+          <p:cNvPr id="2" name="Title 1"/>
+          <p:cNvSpPr>
+            <a:spLocks noGrp="1"/>
+          </p:cNvSpPr>
+          <p:nvPr>
+            <p:ph type="title"/>
+          </p:nvPr>
+        </p:nvSpPr>
+        <p:spPr/>
+        <p:txBody>
+          <a:bodyPr/>
+          <a:lstStyle/>
+          <a:p>
+            <a:r>
+              <a:rPr lang="en-US" dirty="0"/>
+              <a:t>Post-Sales Onboarding Flow</a:t>
+            </a:r>
+          </a:p>
+        </p:txBody>
+      </p:sp>
+      <p:sp>
+        <p:nvSpPr>
+          <p:cNvPr id="3" name="Content Placeholder 2"/>
+          <p:cNvSpPr>
+            <a:spLocks noGrp="1"/>
+          </p:cNvSpPr>
+          <p:nvPr>
+            <p:ph idx="1"/>
+          </p:nvPr>
+        </p:nvSpPr>
+        <p:spPr/>
+        <p:txBody>
+          <a:bodyPr>
+            <a:normAutofit/>
+          </a:bodyPr>
+          <a:lstStyle/>
+          <a:p>
+            <a:r>
+              <a:rPr lang="en-US" dirty="0"/>
+              <a:t>Importance of onboarding customers after purchase:</a:t>
+            </a:r>
+          </a:p>
+          <a:p>
+            <a:pPr lvl="1"/>
+            <a:r>
+              <a:rPr lang="en-US" dirty="0" smtClean="0"/>
+              <a:t>Maximizing </a:t>
+            </a:r>
+            <a:r>
+              <a:rPr lang="en-US" dirty="0"/>
+              <a:t>Product/Service </a:t>
+            </a:r>
+            <a:r>
+              <a:rPr lang="en-US" dirty="0" smtClean="0"/>
+              <a:t>Value</a:t>
+            </a:r>
+          </a:p>
+          <a:p>
+            <a:pPr lvl="1"/>
+            <a:r>
+              <a:rPr lang="en-US" dirty="0" smtClean="0"/>
+              <a:t>Minimizing Churn</a:t>
+            </a:r>
+          </a:p>
+          <a:p>
+            <a:pPr lvl="1"/>
+            <a:r>
+              <a:rPr lang="en-US" dirty="0" smtClean="0"/>
+              <a:t>Building </a:t>
+            </a:r>
+            <a:r>
+              <a:rPr lang="en-US" dirty="0"/>
+              <a:t>Customer </a:t>
+            </a:r>
+            <a:r>
+              <a:rPr lang="en-US" dirty="0" smtClean="0"/>
+              <a:t>Loyalty</a:t>
+            </a:r>
+            <a:endParaRPr lang="en-US" dirty="0"/>
+          </a:p>
+        </p:txBody>
+      </p:sp>
+      <p:sp>
+        <p:nvSpPr>
+          <p:cNvPr id="4" name="Slide Number Placeholder 3"/>
+          <p:cNvSpPr>
+            <a:spLocks noGrp="1"/>
+          </p:cNvSpPr>
+          <p:nvPr>
+            <p:ph type="sldNum" sz="quarter" idx="12"/>
+          </p:nvPr>
+        </p:nvSpPr>
+        <p:spPr/>
+        <p:txBody>
+          <a:bodyPr/>
+          <a:lstStyle/>
+          <a:p>
+            <a:fld id="{B8DACC02-A2BD-4578-8E03-6D891060A695}" type="slidenum">
+              <a:rPr lang="en-US" smtClean="0"/>
+              <a:pPr/>
+              <a:t>23</a:t>
+            </a:fld>
+            <a:endParaRPr lang="en-US" dirty="0"/>
+          </a:p>
+        </p:txBody>
+      </p:sp>
+      <p:pic>
+        <p:nvPicPr>
+          <p:cNvPr id="17410" name="Picture 2" descr="The Five Stages of Customer Onboarding | TaskRay"/>
+          <p:cNvPicPr>
+            <a:picLocks noChangeAspect="1" noChangeArrowheads="1"/>
+          </p:cNvPicPr>
+          <p:nvPr/>
+        </p:nvPicPr>
+        <p:blipFill>
+          <a:blip r:embed="rId2">
+            <a:extLst>
+              <a:ext uri="{28A0092B-C50C-407E-A947-70E740481C1C}">
+                <a14:useLocalDpi xmlns:a14="http://schemas.microsoft.com/office/drawing/2010/main" val="0"/>
+              </a:ext>
+            </a:extLst>
+          </a:blip>
+          <a:srcRect/>
+          <a:stretch>
+            <a:fillRect/>
+          </a:stretch>
+        </p:blipFill>
+        <p:spPr bwMode="auto">
+          <a:xfrm>
+            <a:off x="6021236" y="2670091"/>
+            <a:ext cx="5977055" cy="3756350"/>
+          </a:xfrm>
+          <a:prstGeom prst="rect">
+            <a:avLst/>
+          </a:prstGeom>
+          <a:noFill/>
+          <a:extLst>
+            <a:ext uri="{909E8E84-426E-40DD-AFC4-6F175D3DCCD1}">
+              <a14:hiddenFill xmlns:a14="http://schemas.microsoft.com/office/drawing/2010/main">
+                <a:solidFill>
+                  <a:srgbClr val="FFFFFF"/>
+                </a:solidFill>
+              </a14:hiddenFill>
+            </a:ext>
+          </a:extLst>
+        </p:spPr>
+      </p:pic>
+    </p:spTree>
+    <p:extLst>
+      <p:ext uri="{BB962C8B-B14F-4D97-AF65-F5344CB8AC3E}">
+        <p14:creationId xmlns:p14="http://schemas.microsoft.com/office/powerpoint/2010/main" val="3412547145"/>
+      </p:ext>
+    </p:extLst>
+  </p:cSld>
+  <p:clrMapOvr>
+    <a:masterClrMapping/>
+  </p:clrMapOvr>
+</p:sld>
+</file>
+
+<file path=ppt/slides/slide24.xml><?xml version="1.0" encoding="utf-8"?>
+<p:sld xmlns:a="http://schemas.openxmlformats.org/drawingml/2006/main" xmlns:r="http://schemas.openxmlformats.org/officeDocument/2006/relationships" xmlns:p="http://schemas.openxmlformats.org/presentationml/2006/main">
+  <p:cSld>
+    <p:spTree>
+      <p:nvGrpSpPr>
+        <p:cNvPr id="1" name=""/>
+        <p:cNvGrpSpPr/>
+        <p:nvPr/>
+      </p:nvGrpSpPr>
+      <p:grpSpPr>
+        <a:xfrm>
+          <a:off x="0" y="0"/>
+          <a:ext cx="0" cy="0"/>
+          <a:chOff x="0" y="0"/>
+          <a:chExt cx="0" cy="0"/>
+        </a:xfrm>
+      </p:grpSpPr>
+      <p:sp>
+        <p:nvSpPr>
+          <p:cNvPr id="2" name="Title 1"/>
+          <p:cNvSpPr>
+            <a:spLocks noGrp="1"/>
+          </p:cNvSpPr>
+          <p:nvPr>
+            <p:ph type="title"/>
+          </p:nvPr>
+        </p:nvSpPr>
+        <p:spPr/>
+        <p:txBody>
+          <a:bodyPr/>
+          <a:lstStyle/>
+          <a:p>
+            <a:r>
+              <a:rPr lang="en-US" dirty="0"/>
+              <a:t>Post-Sales Onboarding Flow</a:t>
+            </a:r>
+          </a:p>
+        </p:txBody>
+      </p:sp>
+      <p:sp>
+        <p:nvSpPr>
+          <p:cNvPr id="3" name="Content Placeholder 2"/>
+          <p:cNvSpPr>
+            <a:spLocks noGrp="1"/>
+          </p:cNvSpPr>
+          <p:nvPr>
+            <p:ph idx="1"/>
+          </p:nvPr>
+        </p:nvSpPr>
+        <p:spPr/>
+        <p:txBody>
+          <a:bodyPr>
+            <a:normAutofit/>
+          </a:bodyPr>
+          <a:lstStyle/>
+          <a:p>
+            <a:r>
+              <a:rPr lang="en-US" dirty="0"/>
+              <a:t>Tips for ensuring customers are successfully </a:t>
+            </a:r>
+            <a:r>
+              <a:rPr lang="en-US" dirty="0" err="1"/>
+              <a:t>onboarded</a:t>
+            </a:r>
+            <a:r>
+              <a:rPr lang="en-US" dirty="0"/>
+              <a:t>:</a:t>
+            </a:r>
+          </a:p>
+          <a:p>
+            <a:pPr lvl="1"/>
+            <a:r>
+              <a:rPr lang="en-US" dirty="0" smtClean="0"/>
+              <a:t>Clear Communication</a:t>
+            </a:r>
+          </a:p>
+          <a:p>
+            <a:pPr lvl="1"/>
+            <a:r>
+              <a:rPr lang="en-US" dirty="0" smtClean="0"/>
+              <a:t>Timely Follow-ups</a:t>
+            </a:r>
+          </a:p>
+          <a:p>
+            <a:pPr lvl="1"/>
+            <a:r>
+              <a:rPr lang="en-US" dirty="0" smtClean="0"/>
+              <a:t>Personalized Assistance</a:t>
+            </a:r>
+          </a:p>
+          <a:p>
+            <a:pPr lvl="1"/>
+            <a:r>
+              <a:rPr lang="en-US" dirty="0" smtClean="0"/>
+              <a:t>Continuous Education</a:t>
+            </a:r>
+          </a:p>
+          <a:p>
+            <a:pPr lvl="1"/>
+            <a:r>
+              <a:rPr lang="en-US" dirty="0" smtClean="0"/>
+              <a:t>Monitor </a:t>
+            </a:r>
+            <a:r>
+              <a:rPr lang="en-US" dirty="0"/>
+              <a:t>Customer Progress and </a:t>
+            </a:r>
+            <a:r>
+              <a:rPr lang="en-US" dirty="0" smtClean="0"/>
+              <a:t>Satisfaction</a:t>
+            </a:r>
+            <a:endParaRPr lang="en-US" dirty="0"/>
+          </a:p>
+        </p:txBody>
+      </p:sp>
+      <p:sp>
+        <p:nvSpPr>
+          <p:cNvPr id="4" name="Slide Number Placeholder 3"/>
+          <p:cNvSpPr>
+            <a:spLocks noGrp="1"/>
+          </p:cNvSpPr>
+          <p:nvPr>
+            <p:ph type="sldNum" sz="quarter" idx="12"/>
+          </p:nvPr>
+        </p:nvSpPr>
+        <p:spPr/>
+        <p:txBody>
+          <a:bodyPr/>
+          <a:lstStyle/>
+          <a:p>
+            <a:fld id="{B8DACC02-A2BD-4578-8E03-6D891060A695}" type="slidenum">
+              <a:rPr lang="en-US" smtClean="0"/>
+              <a:pPr/>
+              <a:t>24</a:t>
+            </a:fld>
+            <a:endParaRPr lang="en-US" dirty="0"/>
+          </a:p>
+        </p:txBody>
+      </p:sp>
+      <p:pic>
+        <p:nvPicPr>
+          <p:cNvPr id="17410" name="Picture 2" descr="The Five Stages of Customer Onboarding | TaskRay"/>
+          <p:cNvPicPr>
+            <a:picLocks noChangeAspect="1" noChangeArrowheads="1"/>
+          </p:cNvPicPr>
+          <p:nvPr/>
+        </p:nvPicPr>
+        <p:blipFill>
+          <a:blip r:embed="rId2">
+            <a:extLst>
+              <a:ext uri="{28A0092B-C50C-407E-A947-70E740481C1C}">
+                <a14:useLocalDpi xmlns:a14="http://schemas.microsoft.com/office/drawing/2010/main" val="0"/>
+              </a:ext>
+            </a:extLst>
+          </a:blip>
+          <a:srcRect/>
+          <a:stretch>
+            <a:fillRect/>
+          </a:stretch>
+        </p:blipFill>
+        <p:spPr bwMode="auto">
+          <a:xfrm>
+            <a:off x="6021236" y="2670091"/>
+            <a:ext cx="5977055" cy="3756350"/>
+          </a:xfrm>
+          <a:prstGeom prst="rect">
+            <a:avLst/>
+          </a:prstGeom>
+          <a:noFill/>
+          <a:extLst>
+            <a:ext uri="{909E8E84-426E-40DD-AFC4-6F175D3DCCD1}">
+              <a14:hiddenFill xmlns:a14="http://schemas.microsoft.com/office/drawing/2010/main">
+                <a:solidFill>
+                  <a:srgbClr val="FFFFFF"/>
+                </a:solidFill>
+              </a14:hiddenFill>
+            </a:ext>
+          </a:extLst>
+        </p:spPr>
+      </p:pic>
+    </p:spTree>
+    <p:extLst>
+      <p:ext uri="{BB962C8B-B14F-4D97-AF65-F5344CB8AC3E}">
+        <p14:creationId xmlns:p14="http://schemas.microsoft.com/office/powerpoint/2010/main" val="1965252212"/>
+      </p:ext>
+    </p:extLst>
+  </p:cSld>
+  <p:clrMapOvr>
+    <a:masterClrMapping/>
+  </p:clrMapOvr>
+</p:sld>
+</file>
+
+<file path=ppt/slides/slide25.xml><?xml version="1.0" encoding="utf-8"?>
+<p:sld xmlns:a="http://schemas.openxmlformats.org/drawingml/2006/main" xmlns:r="http://schemas.openxmlformats.org/officeDocument/2006/relationships" xmlns:p="http://schemas.openxmlformats.org/presentationml/2006/main">
+  <p:cSld>
+    <p:spTree>
+      <p:nvGrpSpPr>
+        <p:cNvPr id="1" name=""/>
+        <p:cNvGrpSpPr/>
+        <p:nvPr/>
+      </p:nvGrpSpPr>
+      <p:grpSpPr>
+        <a:xfrm>
+          <a:off x="0" y="0"/>
+          <a:ext cx="0" cy="0"/>
+          <a:chOff x="0" y="0"/>
+          <a:chExt cx="0" cy="0"/>
+        </a:xfrm>
+      </p:grpSpPr>
+      <p:sp>
+        <p:nvSpPr>
+          <p:cNvPr id="2" name="Title 1"/>
+          <p:cNvSpPr>
+            <a:spLocks noGrp="1"/>
+          </p:cNvSpPr>
+          <p:nvPr>
+            <p:ph type="title"/>
+          </p:nvPr>
+        </p:nvSpPr>
+        <p:spPr/>
+        <p:txBody>
+          <a:bodyPr/>
+          <a:lstStyle/>
+          <a:p>
+            <a:r>
+              <a:rPr lang="en-US" dirty="0"/>
+              <a:t>Implementing Upgrades/Updates</a:t>
+            </a:r>
+          </a:p>
+        </p:txBody>
+      </p:sp>
+      <p:sp>
+        <p:nvSpPr>
+          <p:cNvPr id="3" name="Content Placeholder 2"/>
+          <p:cNvSpPr>
+            <a:spLocks noGrp="1"/>
+          </p:cNvSpPr>
+          <p:nvPr>
+            <p:ph idx="1"/>
+          </p:nvPr>
+        </p:nvSpPr>
+        <p:spPr/>
+        <p:txBody>
+          <a:bodyPr>
+            <a:normAutofit/>
+          </a:bodyPr>
+          <a:lstStyle/>
+          <a:p>
+            <a:r>
+              <a:rPr lang="en-US" dirty="0"/>
+              <a:t>Importance of keeping your product up-to-date and relevant:</a:t>
+            </a:r>
+          </a:p>
+          <a:p>
+            <a:pPr lvl="1"/>
+            <a:r>
+              <a:rPr lang="en-US" dirty="0" smtClean="0"/>
+              <a:t>Competitive Advantage</a:t>
+            </a:r>
+          </a:p>
+          <a:p>
+            <a:pPr lvl="1"/>
+            <a:r>
+              <a:rPr lang="en-US" dirty="0" smtClean="0"/>
+              <a:t>Customer Satisfaction</a:t>
+            </a:r>
+          </a:p>
+          <a:p>
+            <a:pPr lvl="1"/>
+            <a:r>
+              <a:rPr lang="en-US" dirty="0" smtClean="0"/>
+              <a:t>Security </a:t>
+            </a:r>
+            <a:r>
+              <a:rPr lang="en-US" dirty="0"/>
+              <a:t>and </a:t>
+            </a:r>
+            <a:r>
+              <a:rPr lang="en-US" dirty="0" smtClean="0"/>
+              <a:t>Stability</a:t>
+            </a:r>
+            <a:endParaRPr lang="en-US" dirty="0"/>
+          </a:p>
+        </p:txBody>
+      </p:sp>
+      <p:sp>
+        <p:nvSpPr>
+          <p:cNvPr id="4" name="Slide Number Placeholder 3"/>
+          <p:cNvSpPr>
+            <a:spLocks noGrp="1"/>
+          </p:cNvSpPr>
+          <p:nvPr>
+            <p:ph type="sldNum" sz="quarter" idx="12"/>
+          </p:nvPr>
+        </p:nvSpPr>
+        <p:spPr/>
+        <p:txBody>
+          <a:bodyPr/>
+          <a:lstStyle/>
+          <a:p>
+            <a:fld id="{B8DACC02-A2BD-4578-8E03-6D891060A695}" type="slidenum">
+              <a:rPr lang="en-US" smtClean="0"/>
+              <a:pPr/>
+              <a:t>25</a:t>
+            </a:fld>
+            <a:endParaRPr lang="en-US" dirty="0"/>
+          </a:p>
+        </p:txBody>
+      </p:sp>
+      <p:pic>
+        <p:nvPicPr>
+          <p:cNvPr id="19458" name="Picture 2" descr="Upgrading the ServiceNow Instance – Blog"/>
+          <p:cNvPicPr>
+            <a:picLocks noChangeAspect="1" noChangeArrowheads="1"/>
+          </p:cNvPicPr>
+          <p:nvPr/>
+        </p:nvPicPr>
+        <p:blipFill>
+          <a:blip r:embed="rId2">
+            <a:duotone>
+              <a:schemeClr val="accent5">
+                <a:shade val="45000"/>
+                <a:satMod val="135000"/>
+              </a:schemeClr>
+              <a:prstClr val="white"/>
+            </a:duotone>
+            <a:extLst>
+              <a:ext uri="{28A0092B-C50C-407E-A947-70E740481C1C}">
+                <a14:useLocalDpi xmlns:a14="http://schemas.microsoft.com/office/drawing/2010/main" val="0"/>
+              </a:ext>
+            </a:extLst>
+          </a:blip>
+          <a:srcRect/>
+          <a:stretch>
+            <a:fillRect/>
+          </a:stretch>
+        </p:blipFill>
+        <p:spPr bwMode="auto">
+          <a:xfrm>
+            <a:off x="6759541" y="4397374"/>
+            <a:ext cx="5238750" cy="2095501"/>
+          </a:xfrm>
+          <a:prstGeom prst="rect">
+            <a:avLst/>
+          </a:prstGeom>
+          <a:noFill/>
+          <a:extLst>
+            <a:ext uri="{909E8E84-426E-40DD-AFC4-6F175D3DCCD1}">
+              <a14:hiddenFill xmlns:a14="http://schemas.microsoft.com/office/drawing/2010/main">
+                <a:solidFill>
+                  <a:srgbClr val="FFFFFF"/>
+                </a:solidFill>
+              </a14:hiddenFill>
+            </a:ext>
+          </a:extLst>
+        </p:spPr>
+      </p:pic>
+    </p:spTree>
+    <p:extLst>
+      <p:ext uri="{BB962C8B-B14F-4D97-AF65-F5344CB8AC3E}">
+        <p14:creationId xmlns:p14="http://schemas.microsoft.com/office/powerpoint/2010/main" val="2166809017"/>
+      </p:ext>
+    </p:extLst>
+  </p:cSld>
+  <p:clrMapOvr>
+    <a:masterClrMapping/>
+  </p:clrMapOvr>
+</p:sld>
+</file>
+
+<file path=ppt/slides/slide26.xml><?xml version="1.0" encoding="utf-8"?>
+<p:sld xmlns:a="http://schemas.openxmlformats.org/drawingml/2006/main" xmlns:r="http://schemas.openxmlformats.org/officeDocument/2006/relationships" xmlns:p="http://schemas.openxmlformats.org/presentationml/2006/main">
+  <p:cSld>
+    <p:spTree>
+      <p:nvGrpSpPr>
+        <p:cNvPr id="1" name=""/>
+        <p:cNvGrpSpPr/>
+        <p:nvPr/>
+      </p:nvGrpSpPr>
+      <p:grpSpPr>
+        <a:xfrm>
+          <a:off x="0" y="0"/>
+          <a:ext cx="0" cy="0"/>
+          <a:chOff x="0" y="0"/>
+          <a:chExt cx="0" cy="0"/>
+        </a:xfrm>
+      </p:grpSpPr>
+      <p:sp>
+        <p:nvSpPr>
+          <p:cNvPr id="2" name="Title 1"/>
+          <p:cNvSpPr>
+            <a:spLocks noGrp="1"/>
+          </p:cNvSpPr>
+          <p:nvPr>
+            <p:ph type="title"/>
+          </p:nvPr>
+        </p:nvSpPr>
+        <p:spPr/>
+        <p:txBody>
+          <a:bodyPr/>
+          <a:lstStyle/>
+          <a:p>
+            <a:r>
+              <a:rPr lang="en-US" dirty="0"/>
+              <a:t>Implementing Upgrades/Updates</a:t>
+            </a:r>
+          </a:p>
+        </p:txBody>
+      </p:sp>
+      <p:sp>
+        <p:nvSpPr>
+          <p:cNvPr id="3" name="Content Placeholder 2"/>
+          <p:cNvSpPr>
+            <a:spLocks noGrp="1"/>
+          </p:cNvSpPr>
+          <p:nvPr>
+            <p:ph idx="1"/>
+          </p:nvPr>
+        </p:nvSpPr>
+        <p:spPr/>
+        <p:txBody>
+          <a:bodyPr>
+            <a:normAutofit/>
+          </a:bodyPr>
+          <a:lstStyle/>
+          <a:p>
+            <a:r>
+              <a:rPr lang="en-US" dirty="0"/>
+              <a:t>Tips for communicating upgrades and updates to customers:</a:t>
+            </a:r>
+          </a:p>
+          <a:p>
+            <a:pPr lvl="1"/>
+            <a:r>
+              <a:rPr lang="en-US" dirty="0" smtClean="0"/>
+              <a:t>Clear Messaging</a:t>
+            </a:r>
+          </a:p>
+          <a:p>
+            <a:pPr lvl="1"/>
+            <a:r>
+              <a:rPr lang="en-US" dirty="0" smtClean="0"/>
+              <a:t>Advance Notice</a:t>
+            </a:r>
+          </a:p>
+          <a:p>
+            <a:pPr lvl="1"/>
+            <a:r>
+              <a:rPr lang="en-US" dirty="0" smtClean="0"/>
+              <a:t>Training Resources</a:t>
+            </a:r>
+          </a:p>
+          <a:p>
+            <a:pPr lvl="1"/>
+            <a:r>
+              <a:rPr lang="en-US" dirty="0" smtClean="0"/>
+              <a:t>Release Notes</a:t>
+            </a:r>
+          </a:p>
+          <a:p>
+            <a:pPr lvl="1"/>
+            <a:r>
+              <a:rPr lang="en-US" dirty="0" smtClean="0"/>
+              <a:t>Two-Way Communication</a:t>
+            </a:r>
+            <a:endParaRPr lang="en-US" dirty="0"/>
+          </a:p>
+        </p:txBody>
+      </p:sp>
+      <p:sp>
+        <p:nvSpPr>
+          <p:cNvPr id="4" name="Slide Number Placeholder 3"/>
+          <p:cNvSpPr>
+            <a:spLocks noGrp="1"/>
+          </p:cNvSpPr>
+          <p:nvPr>
+            <p:ph type="sldNum" sz="quarter" idx="12"/>
+          </p:nvPr>
+        </p:nvSpPr>
+        <p:spPr/>
+        <p:txBody>
+          <a:bodyPr/>
+          <a:lstStyle/>
+          <a:p>
+            <a:fld id="{B8DACC02-A2BD-4578-8E03-6D891060A695}" type="slidenum">
+              <a:rPr lang="en-US" smtClean="0"/>
+              <a:pPr/>
+              <a:t>26</a:t>
+            </a:fld>
+            <a:endParaRPr lang="en-US" dirty="0"/>
+          </a:p>
+        </p:txBody>
+      </p:sp>
+      <p:pic>
+        <p:nvPicPr>
+          <p:cNvPr id="21506" name="Picture 2" descr="Customer feedback loop - what it is and why it's important?"/>
+          <p:cNvPicPr>
+            <a:picLocks noChangeAspect="1" noChangeArrowheads="1"/>
+          </p:cNvPicPr>
+          <p:nvPr/>
+        </p:nvPicPr>
+        <p:blipFill>
+          <a:blip r:embed="rId2" cstate="print">
+            <a:extLst>
+              <a:ext uri="{28A0092B-C50C-407E-A947-70E740481C1C}">
+                <a14:useLocalDpi xmlns:a14="http://schemas.microsoft.com/office/drawing/2010/main" val="0"/>
+              </a:ext>
+            </a:extLst>
+          </a:blip>
+          <a:srcRect/>
+          <a:stretch>
+            <a:fillRect/>
+          </a:stretch>
+        </p:blipFill>
+        <p:spPr bwMode="auto">
+          <a:xfrm>
+            <a:off x="5849009" y="3088056"/>
+            <a:ext cx="6055444" cy="3408317"/>
+          </a:xfrm>
+          <a:prstGeom prst="rect">
+            <a:avLst/>
+          </a:prstGeom>
+          <a:noFill/>
+          <a:extLst>
+            <a:ext uri="{909E8E84-426E-40DD-AFC4-6F175D3DCCD1}">
+              <a14:hiddenFill xmlns:a14="http://schemas.microsoft.com/office/drawing/2010/main">
+                <a:solidFill>
+                  <a:srgbClr val="FFFFFF"/>
+                </a:solidFill>
+              </a14:hiddenFill>
+            </a:ext>
+          </a:extLst>
+        </p:spPr>
+      </p:pic>
+    </p:spTree>
+    <p:extLst>
+      <p:ext uri="{BB962C8B-B14F-4D97-AF65-F5344CB8AC3E}">
+        <p14:creationId xmlns:p14="http://schemas.microsoft.com/office/powerpoint/2010/main" val="2216813987"/>
+      </p:ext>
+    </p:extLst>
+  </p:cSld>
+  <p:clrMapOvr>
+    <a:masterClrMapping/>
+  </p:clrMapOvr>
+</p:sld>
+</file>
+
+<file path=ppt/slides/slide27.xml><?xml version="1.0" encoding="utf-8"?>
+<p:sld xmlns:a="http://schemas.openxmlformats.org/drawingml/2006/main" xmlns:r="http://schemas.openxmlformats.org/officeDocument/2006/relationships" xmlns:p="http://schemas.openxmlformats.org/presentationml/2006/main">
+  <p:cSld>
+    <p:spTree>
+      <p:nvGrpSpPr>
+        <p:cNvPr id="1" name=""/>
+        <p:cNvGrpSpPr/>
+        <p:nvPr/>
+      </p:nvGrpSpPr>
+      <p:grpSpPr>
+        <a:xfrm>
+          <a:off x="0" y="0"/>
+          <a:ext cx="0" cy="0"/>
+          <a:chOff x="0" y="0"/>
+          <a:chExt cx="0" cy="0"/>
+        </a:xfrm>
+      </p:grpSpPr>
+      <p:sp>
+        <p:nvSpPr>
+          <p:cNvPr id="2" name="Title 1"/>
+          <p:cNvSpPr>
+            <a:spLocks noGrp="1"/>
+          </p:cNvSpPr>
+          <p:nvPr>
+            <p:ph type="title"/>
+          </p:nvPr>
+        </p:nvSpPr>
+        <p:spPr/>
+        <p:txBody>
+          <a:bodyPr/>
+          <a:lstStyle/>
+          <a:p>
+            <a:r>
+              <a:rPr lang="en-US" dirty="0"/>
+              <a:t>Building Loyalty Programs</a:t>
+            </a:r>
+          </a:p>
+        </p:txBody>
+      </p:sp>
+      <p:sp>
+        <p:nvSpPr>
+          <p:cNvPr id="3" name="Content Placeholder 2"/>
+          <p:cNvSpPr>
+            <a:spLocks noGrp="1"/>
+          </p:cNvSpPr>
+          <p:nvPr>
+            <p:ph idx="1"/>
+          </p:nvPr>
+        </p:nvSpPr>
+        <p:spPr/>
+        <p:txBody>
+          <a:bodyPr/>
+          <a:lstStyle/>
+          <a:p>
+            <a:r>
+              <a:rPr lang="en-US" dirty="0"/>
+              <a:t>Importance of building customer loyalty</a:t>
+            </a:r>
+          </a:p>
+          <a:p>
+            <a:r>
+              <a:rPr lang="en-US" dirty="0"/>
+              <a:t>Strategies for creating effective loyalty programs (e.g. rewards, discounts, exclusive access)</a:t>
+            </a:r>
+          </a:p>
+          <a:p>
+            <a:r>
+              <a:rPr lang="en-US" dirty="0"/>
+              <a:t>Tips for making loyalty programs work for your business (e.g. personalized offers, tiered rewards, recognition of customer milestones)</a:t>
+            </a:r>
+          </a:p>
+        </p:txBody>
+      </p:sp>
+      <p:sp>
+        <p:nvSpPr>
+          <p:cNvPr id="4" name="Slide Number Placeholder 3"/>
+          <p:cNvSpPr>
+            <a:spLocks noGrp="1"/>
+          </p:cNvSpPr>
+          <p:nvPr>
+            <p:ph type="sldNum" sz="quarter" idx="12"/>
+          </p:nvPr>
+        </p:nvSpPr>
+        <p:spPr/>
+        <p:txBody>
+          <a:bodyPr/>
+          <a:lstStyle/>
+          <a:p>
+            <a:fld id="{B8DACC02-A2BD-4578-8E03-6D891060A695}" type="slidenum">
+              <a:rPr lang="en-US" smtClean="0"/>
+              <a:pPr/>
+              <a:t>27</a:t>
+            </a:fld>
+            <a:endParaRPr lang="en-US" dirty="0"/>
+          </a:p>
+        </p:txBody>
+      </p:sp>
+    </p:spTree>
+    <p:extLst>
+      <p:ext uri="{BB962C8B-B14F-4D97-AF65-F5344CB8AC3E}">
+        <p14:creationId xmlns:p14="http://schemas.microsoft.com/office/powerpoint/2010/main" val="2318346410"/>
+      </p:ext>
+    </p:extLst>
+  </p:cSld>
+  <p:clrMapOvr>
+    <a:masterClrMapping/>
+  </p:clrMapOvr>
+</p:sld>
+</file>
+
+<file path=ppt/slides/slide28.xml><?xml version="1.0" encoding="utf-8"?>
+<p:sld xmlns:a="http://schemas.openxmlformats.org/drawingml/2006/main" xmlns:r="http://schemas.openxmlformats.org/officeDocument/2006/relationships" xmlns:p="http://schemas.openxmlformats.org/presentationml/2006/main">
+  <p:cSld>
+    <p:spTree>
+      <p:nvGrpSpPr>
+        <p:cNvPr id="1" name=""/>
+        <p:cNvGrpSpPr/>
+        <p:nvPr/>
+      </p:nvGrpSpPr>
+      <p:grpSpPr>
+        <a:xfrm>
+          <a:off x="0" y="0"/>
+          <a:ext cx="0" cy="0"/>
+          <a:chOff x="0" y="0"/>
+          <a:chExt cx="0" cy="0"/>
+        </a:xfrm>
+      </p:grpSpPr>
+      <p:sp>
+        <p:nvSpPr>
+          <p:cNvPr id="2" name="Title 1"/>
+          <p:cNvSpPr>
+            <a:spLocks noGrp="1"/>
+          </p:cNvSpPr>
+          <p:nvPr>
+            <p:ph type="title"/>
+          </p:nvPr>
+        </p:nvSpPr>
+        <p:spPr/>
+        <p:txBody>
+          <a:bodyPr/>
+          <a:lstStyle/>
+          <a:p>
+            <a:r>
+              <a:rPr lang="en-US" dirty="0"/>
+              <a:t>Customer Retention Metrics</a:t>
+            </a:r>
+          </a:p>
+        </p:txBody>
+      </p:sp>
+      <p:sp>
+        <p:nvSpPr>
+          <p:cNvPr id="3" name="Content Placeholder 2"/>
+          <p:cNvSpPr>
+            <a:spLocks noGrp="1"/>
+          </p:cNvSpPr>
+          <p:nvPr>
+            <p:ph idx="1"/>
+          </p:nvPr>
+        </p:nvSpPr>
+        <p:spPr>
+          <a:xfrm>
+            <a:off x="347526" y="1406880"/>
+            <a:ext cx="8805101" cy="4746091"/>
+          </a:xfrm>
+        </p:spPr>
+        <p:txBody>
+          <a:bodyPr/>
+          <a:lstStyle/>
+          <a:p>
+            <a:r>
+              <a:rPr lang="en-US" dirty="0"/>
+              <a:t>Importance of tracking customer retention metrics</a:t>
+            </a:r>
+          </a:p>
+          <a:p>
+            <a:pPr lvl="1"/>
+            <a:r>
+              <a:rPr lang="en-US" dirty="0" smtClean="0"/>
+              <a:t>Business Sustainability</a:t>
+            </a:r>
+          </a:p>
+          <a:p>
+            <a:pPr lvl="1"/>
+            <a:r>
+              <a:rPr lang="en-US" dirty="0"/>
+              <a:t>Customer Satisfaction and </a:t>
+            </a:r>
+            <a:r>
+              <a:rPr lang="en-US" dirty="0" smtClean="0"/>
+              <a:t>Loyalty</a:t>
+            </a:r>
+          </a:p>
+          <a:p>
+            <a:pPr lvl="1"/>
+            <a:r>
+              <a:rPr lang="en-US" dirty="0"/>
+              <a:t>Revenue Growth</a:t>
+            </a:r>
+          </a:p>
+        </p:txBody>
+      </p:sp>
+      <p:sp>
+        <p:nvSpPr>
+          <p:cNvPr id="4" name="Slide Number Placeholder 3"/>
+          <p:cNvSpPr>
+            <a:spLocks noGrp="1"/>
+          </p:cNvSpPr>
+          <p:nvPr>
+            <p:ph type="sldNum" sz="quarter" idx="12"/>
+          </p:nvPr>
+        </p:nvSpPr>
+        <p:spPr/>
+        <p:txBody>
+          <a:bodyPr/>
+          <a:lstStyle/>
+          <a:p>
+            <a:fld id="{B8DACC02-A2BD-4578-8E03-6D891060A695}" type="slidenum">
+              <a:rPr lang="en-US" smtClean="0"/>
+              <a:pPr/>
+              <a:t>28</a:t>
+            </a:fld>
+            <a:endParaRPr lang="en-US" dirty="0"/>
+          </a:p>
+        </p:txBody>
+      </p:sp>
+      <p:pic>
+        <p:nvPicPr>
+          <p:cNvPr id="22530" name="Picture 2" descr="6 Customer Retention Metrics for eCommerce Stores to Track - ReturnGO"/>
+          <p:cNvPicPr>
+            <a:picLocks noChangeAspect="1" noChangeArrowheads="1"/>
+          </p:cNvPicPr>
+          <p:nvPr/>
+        </p:nvPicPr>
+        <p:blipFill rotWithShape="1">
+          <a:blip r:embed="rId2">
+            <a:extLst>
+              <a:ext uri="{28A0092B-C50C-407E-A947-70E740481C1C}">
+                <a14:useLocalDpi xmlns:a14="http://schemas.microsoft.com/office/drawing/2010/main" val="0"/>
+              </a:ext>
+            </a:extLst>
+          </a:blip>
+          <a:srcRect l="51748" t="10888" r="11508" b="10574"/>
+          <a:stretch/>
+        </p:blipFill>
+        <p:spPr bwMode="auto">
+          <a:xfrm>
+            <a:off x="9152627" y="2182483"/>
+            <a:ext cx="2449902" cy="2872597"/>
+          </a:xfrm>
+          <a:prstGeom prst="rect">
+            <a:avLst/>
+          </a:prstGeom>
+          <a:noFill/>
+          <a:extLst>
+            <a:ext uri="{909E8E84-426E-40DD-AFC4-6F175D3DCCD1}">
+              <a14:hiddenFill xmlns:a14="http://schemas.microsoft.com/office/drawing/2010/main">
+                <a:solidFill>
+                  <a:srgbClr val="FFFFFF"/>
+                </a:solidFill>
+              </a14:hiddenFill>
+            </a:ext>
+          </a:extLst>
+        </p:spPr>
+      </p:pic>
+    </p:spTree>
+    <p:extLst>
+      <p:ext uri="{BB962C8B-B14F-4D97-AF65-F5344CB8AC3E}">
+        <p14:creationId xmlns:p14="http://schemas.microsoft.com/office/powerpoint/2010/main" val="2972231651"/>
+      </p:ext>
+    </p:extLst>
+  </p:cSld>
+  <p:clrMapOvr>
+    <a:masterClrMapping/>
+  </p:clrMapOvr>
+</p:sld>
+</file>
+
+<file path=ppt/slides/slide29.xml><?xml version="1.0" encoding="utf-8"?>
+<p:sld xmlns:a="http://schemas.openxmlformats.org/drawingml/2006/main" xmlns:r="http://schemas.openxmlformats.org/officeDocument/2006/relationships" xmlns:p="http://schemas.openxmlformats.org/presentationml/2006/main">
+  <p:cSld>
+    <p:spTree>
+      <p:nvGrpSpPr>
+        <p:cNvPr id="1" name=""/>
+        <p:cNvGrpSpPr/>
+        <p:nvPr/>
+      </p:nvGrpSpPr>
+      <p:grpSpPr>
+        <a:xfrm>
+          <a:off x="0" y="0"/>
+          <a:ext cx="0" cy="0"/>
+          <a:chOff x="0" y="0"/>
+          <a:chExt cx="0" cy="0"/>
+        </a:xfrm>
+      </p:grpSpPr>
+      <p:sp>
+        <p:nvSpPr>
+          <p:cNvPr id="5" name="Title 4"/>
+          <p:cNvSpPr>
+            <a:spLocks noGrp="1"/>
+          </p:cNvSpPr>
+          <p:nvPr>
+            <p:ph type="title"/>
+          </p:nvPr>
+        </p:nvSpPr>
+        <p:spPr/>
+        <p:txBody>
+          <a:bodyPr/>
+          <a:lstStyle/>
+          <a:p>
+            <a:r>
+              <a:rPr lang="en-US" dirty="0"/>
+              <a:t>Scaling your business</a:t>
+            </a:r>
+          </a:p>
+        </p:txBody>
+      </p:sp>
+      <p:sp>
+        <p:nvSpPr>
+          <p:cNvPr id="6" name="Text Placeholder 5"/>
+          <p:cNvSpPr>
+            <a:spLocks noGrp="1"/>
+          </p:cNvSpPr>
+          <p:nvPr>
+            <p:ph type="body" idx="1"/>
+          </p:nvPr>
+        </p:nvSpPr>
+        <p:spPr/>
+        <p:txBody>
+          <a:bodyPr/>
+          <a:lstStyle/>
+          <a:p>
+            <a:endParaRPr lang="en-US"/>
+          </a:p>
+        </p:txBody>
+      </p:sp>
+      <p:sp>
+        <p:nvSpPr>
+          <p:cNvPr id="4" name="Slide Number Placeholder 3"/>
+          <p:cNvSpPr>
+            <a:spLocks noGrp="1"/>
+          </p:cNvSpPr>
+          <p:nvPr>
+            <p:ph type="sldNum" sz="quarter" idx="12"/>
+          </p:nvPr>
+        </p:nvSpPr>
+        <p:spPr/>
+        <p:txBody>
+          <a:bodyPr/>
+          <a:lstStyle/>
+          <a:p>
+            <a:fld id="{B8DACC02-A2BD-4578-8E03-6D891060A695}" type="slidenum">
+              <a:rPr lang="en-US" smtClean="0"/>
+              <a:pPr/>
+              <a:t>29</a:t>
+            </a:fld>
+            <a:endParaRPr lang="en-US" dirty="0"/>
+          </a:p>
+        </p:txBody>
+      </p:sp>
+    </p:spTree>
+    <p:extLst>
+      <p:ext uri="{BB962C8B-B14F-4D97-AF65-F5344CB8AC3E}">
+        <p14:creationId xmlns:p14="http://schemas.microsoft.com/office/powerpoint/2010/main" val="2775334104"/>
       </p:ext>
     </p:extLst>
   </p:cSld>
@@ -4676,8 +11178,8 @@
           <a:lstStyle/>
           <a:p>
             <a:r>
-              <a:rPr lang="en-US" dirty="0" smtClean="0"/>
-              <a:t>Overview</a:t>
+              <a:rPr lang="en-US" dirty="0"/>
+              <a:t>Launching your software product</a:t>
             </a:r>
             <a:endParaRPr lang="en-US" dirty="0"/>
           </a:p>
@@ -4746,7 +11248,7 @@
 </p:sld>
 </file>
 
-<file path=ppt/slides/slide4.xml><?xml version="1.0" encoding="utf-8"?>
+<file path=ppt/slides/slide30.xml><?xml version="1.0" encoding="utf-8"?>
 <p:sld xmlns:a="http://schemas.openxmlformats.org/drawingml/2006/main" xmlns:r="http://schemas.openxmlformats.org/officeDocument/2006/relationships" xmlns:p="http://schemas.openxmlformats.org/presentationml/2006/main">
   <p:cSld>
     <p:spTree>
@@ -4775,12 +11277,14 @@
         </p:nvSpPr>
         <p:spPr/>
         <p:txBody>
-          <a:bodyPr/>
+          <a:bodyPr>
+            <a:normAutofit fontScale="90000"/>
+          </a:bodyPr>
           <a:lstStyle/>
           <a:p>
             <a:r>
               <a:rPr lang="en-US" dirty="0"/>
-              <a:t>Introduction to Pitching and Securing Funding</a:t>
+              <a:t>Analyzing Metrics and Key Performance Indicators</a:t>
             </a:r>
           </a:p>
         </p:txBody>
@@ -4797,26 +11301,43 @@
         </p:nvSpPr>
         <p:spPr/>
         <p:txBody>
-          <a:bodyPr/>
+          <a:bodyPr>
+            <a:normAutofit/>
+          </a:bodyPr>
           <a:lstStyle/>
           <a:p>
             <a:r>
               <a:rPr lang="en-US" dirty="0"/>
-              <a:t>Pitching is the process of presenting a business idea or plan to potential investors or stakeholders to secure funding.</a:t>
-            </a:r>
-          </a:p>
-          <a:p>
+              <a:t>Importance of tracking and analyzing metrics for business growth:</a:t>
+            </a:r>
+          </a:p>
+          <a:p>
+            <a:pPr lvl="1"/>
             <a:r>
               <a:rPr lang="en-US" dirty="0" smtClean="0"/>
-              <a:t>Pitching </a:t>
+              <a:t>Data-Driven </a:t>
             </a:r>
             <a:r>
               <a:rPr lang="en-US" dirty="0"/>
-              <a:t>is crucial for securing funding, as it allows entrepreneurs to showcase their idea, team, and vision to investors, and convince them to invest in their business</a:t>
+              <a:t>Decision </a:t>
             </a:r>
             <a:r>
               <a:rPr lang="en-US" dirty="0" smtClean="0"/>
-              <a:t>.</a:t>
+              <a:t>Making</a:t>
+            </a:r>
+          </a:p>
+          <a:p>
+            <a:pPr lvl="1"/>
+            <a:r>
+              <a:rPr lang="en-US" dirty="0" smtClean="0"/>
+              <a:t>Performance Evaluation</a:t>
+            </a:r>
+          </a:p>
+          <a:p>
+            <a:pPr lvl="1"/>
+            <a:r>
+              <a:rPr lang="en-US" dirty="0" smtClean="0"/>
+              <a:t>Optimization Opportunities</a:t>
             </a:r>
             <a:endParaRPr lang="en-US" dirty="0"/>
           </a:p>
@@ -4840,7 +11361,7 @@
             <a:fld id="{B8DACC02-A2BD-4578-8E03-6D891060A695}" type="slidenum">
               <a:rPr lang="en-US" smtClean="0"/>
               <a:pPr/>
-              <a:t>4</a:t>
+              <a:t>30</a:t>
             </a:fld>
             <a:endParaRPr lang="en-US" dirty="0"/>
           </a:p>
@@ -4848,7 +11369,180 @@
       </p:sp>
       <p:pic>
         <p:nvPicPr>
-          <p:cNvPr id="1026" name="Picture 2" descr="5 Steps To Craft A Memorable, Attention-Grabbing Sales Pitch"/>
+          <p:cNvPr id="23554" name="Picture 2" descr="HOW TO DEVELOP KPIS / PERFORMANCE MEASURES - KPI.org"/>
+          <p:cNvPicPr>
+            <a:picLocks noChangeAspect="1" noChangeArrowheads="1"/>
+          </p:cNvPicPr>
+          <p:nvPr/>
+        </p:nvPicPr>
+        <p:blipFill>
+          <a:blip r:embed="rId2" cstate="print">
+            <a:extLst>
+              <a:ext uri="{28A0092B-C50C-407E-A947-70E740481C1C}">
+                <a14:useLocalDpi xmlns:a14="http://schemas.microsoft.com/office/drawing/2010/main" val="0"/>
+              </a:ext>
+            </a:extLst>
+          </a:blip>
+          <a:srcRect/>
+          <a:stretch>
+            <a:fillRect/>
+          </a:stretch>
+        </p:blipFill>
+        <p:spPr bwMode="auto">
+          <a:xfrm>
+            <a:off x="4889338" y="3133544"/>
+            <a:ext cx="7302662" cy="3462847"/>
+          </a:xfrm>
+          <a:prstGeom prst="rect">
+            <a:avLst/>
+          </a:prstGeom>
+          <a:noFill/>
+          <a:extLst>
+            <a:ext uri="{909E8E84-426E-40DD-AFC4-6F175D3DCCD1}">
+              <a14:hiddenFill xmlns:a14="http://schemas.microsoft.com/office/drawing/2010/main">
+                <a:solidFill>
+                  <a:srgbClr val="FFFFFF"/>
+                </a:solidFill>
+              </a14:hiddenFill>
+            </a:ext>
+          </a:extLst>
+        </p:spPr>
+      </p:pic>
+    </p:spTree>
+    <p:extLst>
+      <p:ext uri="{BB962C8B-B14F-4D97-AF65-F5344CB8AC3E}">
+        <p14:creationId xmlns:p14="http://schemas.microsoft.com/office/powerpoint/2010/main" val="2045533587"/>
+      </p:ext>
+    </p:extLst>
+  </p:cSld>
+  <p:clrMapOvr>
+    <a:masterClrMapping/>
+  </p:clrMapOvr>
+</p:sld>
+</file>
+
+<file path=ppt/slides/slide31.xml><?xml version="1.0" encoding="utf-8"?>
+<p:sld xmlns:a="http://schemas.openxmlformats.org/drawingml/2006/main" xmlns:r="http://schemas.openxmlformats.org/officeDocument/2006/relationships" xmlns:p="http://schemas.openxmlformats.org/presentationml/2006/main">
+  <p:cSld>
+    <p:spTree>
+      <p:nvGrpSpPr>
+        <p:cNvPr id="1" name=""/>
+        <p:cNvGrpSpPr/>
+        <p:nvPr/>
+      </p:nvGrpSpPr>
+      <p:grpSpPr>
+        <a:xfrm>
+          <a:off x="0" y="0"/>
+          <a:ext cx="0" cy="0"/>
+          <a:chOff x="0" y="0"/>
+          <a:chExt cx="0" cy="0"/>
+        </a:xfrm>
+      </p:grpSpPr>
+      <p:sp>
+        <p:nvSpPr>
+          <p:cNvPr id="2" name="Title 1"/>
+          <p:cNvSpPr>
+            <a:spLocks noGrp="1"/>
+          </p:cNvSpPr>
+          <p:nvPr>
+            <p:ph type="title"/>
+          </p:nvPr>
+        </p:nvSpPr>
+        <p:spPr/>
+        <p:txBody>
+          <a:bodyPr/>
+          <a:lstStyle/>
+          <a:p>
+            <a:r>
+              <a:rPr lang="en-US" dirty="0"/>
+              <a:t>Expanding Product Offerings</a:t>
+            </a:r>
+          </a:p>
+        </p:txBody>
+      </p:sp>
+      <p:sp>
+        <p:nvSpPr>
+          <p:cNvPr id="3" name="Content Placeholder 2"/>
+          <p:cNvSpPr>
+            <a:spLocks noGrp="1"/>
+          </p:cNvSpPr>
+          <p:nvPr>
+            <p:ph idx="1"/>
+          </p:nvPr>
+        </p:nvSpPr>
+        <p:spPr/>
+        <p:txBody>
+          <a:bodyPr>
+            <a:normAutofit/>
+          </a:bodyPr>
+          <a:lstStyle/>
+          <a:p>
+            <a:r>
+              <a:rPr lang="en-US" dirty="0"/>
+              <a:t>Importance of expanding product offerings to grow the business:</a:t>
+            </a:r>
+          </a:p>
+          <a:p>
+            <a:pPr lvl="1"/>
+            <a:r>
+              <a:rPr lang="en-US" dirty="0" smtClean="0"/>
+              <a:t>Market Expansion</a:t>
+            </a:r>
+          </a:p>
+          <a:p>
+            <a:pPr lvl="1"/>
+            <a:r>
+              <a:rPr lang="en-US" dirty="0" smtClean="0"/>
+              <a:t>Competitive Advantage</a:t>
+            </a:r>
+          </a:p>
+          <a:p>
+            <a:pPr lvl="1"/>
+            <a:r>
+              <a:rPr lang="en-US" dirty="0" smtClean="0"/>
+              <a:t>Customer </a:t>
+            </a:r>
+            <a:r>
+              <a:rPr lang="en-US" dirty="0"/>
+              <a:t>Retention and </a:t>
+            </a:r>
+            <a:r>
+              <a:rPr lang="en-US" dirty="0" smtClean="0"/>
+              <a:t>Upselling</a:t>
+            </a:r>
+          </a:p>
+          <a:p>
+            <a:endParaRPr lang="en-US" dirty="0"/>
+          </a:p>
+        </p:txBody>
+      </p:sp>
+      <p:sp>
+        <p:nvSpPr>
+          <p:cNvPr id="4" name="Slide Number Placeholder 3"/>
+          <p:cNvSpPr>
+            <a:spLocks noGrp="1"/>
+          </p:cNvSpPr>
+          <p:nvPr>
+            <p:ph type="sldNum" sz="quarter" idx="12"/>
+          </p:nvPr>
+        </p:nvSpPr>
+        <p:spPr/>
+        <p:txBody>
+          <a:bodyPr/>
+          <a:lstStyle/>
+          <a:p>
+            <a:fld id="{B8DACC02-A2BD-4578-8E03-6D891060A695}" type="slidenum">
+              <a:rPr lang="en-US" smtClean="0"/>
+              <a:pPr/>
+              <a:t>31</a:t>
+            </a:fld>
+            <a:endParaRPr lang="en-US" dirty="0"/>
+          </a:p>
+        </p:txBody>
+      </p:sp>
+      <p:pic>
+        <p:nvPicPr>
+          <p:cNvPr id="24578" name="Picture 2" descr="Advantages of Expanding Your Product Range | Pimberly"/>
           <p:cNvPicPr>
             <a:picLocks noChangeAspect="1" noChangeArrowheads="1"/>
           </p:cNvPicPr>
@@ -4869,8 +11563,1501 @@
         </p:blipFill>
         <p:spPr bwMode="auto">
           <a:xfrm>
-            <a:off x="5469960" y="3233773"/>
-            <a:ext cx="5023007" cy="3089150"/>
+            <a:off x="6029864" y="4787610"/>
+            <a:ext cx="5968427" cy="1705265"/>
+          </a:xfrm>
+          <a:prstGeom prst="rect">
+            <a:avLst/>
+          </a:prstGeom>
+          <a:noFill/>
+          <a:extLst>
+            <a:ext uri="{909E8E84-426E-40DD-AFC4-6F175D3DCCD1}">
+              <a14:hiddenFill xmlns:a14="http://schemas.microsoft.com/office/drawing/2010/main">
+                <a:solidFill>
+                  <a:srgbClr val="FFFFFF"/>
+                </a:solidFill>
+              </a14:hiddenFill>
+            </a:ext>
+          </a:extLst>
+        </p:spPr>
+      </p:pic>
+    </p:spTree>
+    <p:extLst>
+      <p:ext uri="{BB962C8B-B14F-4D97-AF65-F5344CB8AC3E}">
+        <p14:creationId xmlns:p14="http://schemas.microsoft.com/office/powerpoint/2010/main" val="126399886"/>
+      </p:ext>
+    </p:extLst>
+  </p:cSld>
+  <p:clrMapOvr>
+    <a:masterClrMapping/>
+  </p:clrMapOvr>
+</p:sld>
+</file>
+
+<file path=ppt/slides/slide32.xml><?xml version="1.0" encoding="utf-8"?>
+<p:sld xmlns:a="http://schemas.openxmlformats.org/drawingml/2006/main" xmlns:r="http://schemas.openxmlformats.org/officeDocument/2006/relationships" xmlns:p="http://schemas.openxmlformats.org/presentationml/2006/main">
+  <p:cSld>
+    <p:spTree>
+      <p:nvGrpSpPr>
+        <p:cNvPr id="1" name=""/>
+        <p:cNvGrpSpPr/>
+        <p:nvPr/>
+      </p:nvGrpSpPr>
+      <p:grpSpPr>
+        <a:xfrm>
+          <a:off x="0" y="0"/>
+          <a:ext cx="0" cy="0"/>
+          <a:chOff x="0" y="0"/>
+          <a:chExt cx="0" cy="0"/>
+        </a:xfrm>
+      </p:grpSpPr>
+      <p:sp>
+        <p:nvSpPr>
+          <p:cNvPr id="2" name="Title 1"/>
+          <p:cNvSpPr>
+            <a:spLocks noGrp="1"/>
+          </p:cNvSpPr>
+          <p:nvPr>
+            <p:ph type="title"/>
+          </p:nvPr>
+        </p:nvSpPr>
+        <p:spPr/>
+        <p:txBody>
+          <a:bodyPr/>
+          <a:lstStyle/>
+          <a:p>
+            <a:r>
+              <a:rPr lang="en-US" dirty="0"/>
+              <a:t>Expanding Product Offerings</a:t>
+            </a:r>
+          </a:p>
+        </p:txBody>
+      </p:sp>
+      <p:sp>
+        <p:nvSpPr>
+          <p:cNvPr id="3" name="Content Placeholder 2"/>
+          <p:cNvSpPr>
+            <a:spLocks noGrp="1"/>
+          </p:cNvSpPr>
+          <p:nvPr>
+            <p:ph idx="1"/>
+          </p:nvPr>
+        </p:nvSpPr>
+        <p:spPr/>
+        <p:txBody>
+          <a:bodyPr>
+            <a:normAutofit/>
+          </a:bodyPr>
+          <a:lstStyle/>
+          <a:p>
+            <a:r>
+              <a:rPr lang="en-US" dirty="0"/>
+              <a:t>Strategies for identifying new product opportunities:</a:t>
+            </a:r>
+          </a:p>
+          <a:p>
+            <a:pPr lvl="1"/>
+            <a:r>
+              <a:rPr lang="en-US" dirty="0" smtClean="0"/>
+              <a:t>Customer Feedback</a:t>
+            </a:r>
+          </a:p>
+          <a:p>
+            <a:pPr lvl="1"/>
+            <a:r>
+              <a:rPr lang="en-US" dirty="0" smtClean="0"/>
+              <a:t>Market Research</a:t>
+            </a:r>
+          </a:p>
+          <a:p>
+            <a:pPr lvl="1"/>
+            <a:r>
+              <a:rPr lang="en-US" dirty="0" smtClean="0"/>
+              <a:t>Industry </a:t>
+            </a:r>
+            <a:r>
+              <a:rPr lang="en-US" dirty="0"/>
+              <a:t>Experts and </a:t>
+            </a:r>
+            <a:r>
+              <a:rPr lang="en-US" dirty="0" smtClean="0"/>
+              <a:t>Partnerships</a:t>
+            </a:r>
+            <a:endParaRPr lang="en-US" dirty="0"/>
+          </a:p>
+        </p:txBody>
+      </p:sp>
+      <p:sp>
+        <p:nvSpPr>
+          <p:cNvPr id="4" name="Slide Number Placeholder 3"/>
+          <p:cNvSpPr>
+            <a:spLocks noGrp="1"/>
+          </p:cNvSpPr>
+          <p:nvPr>
+            <p:ph type="sldNum" sz="quarter" idx="12"/>
+          </p:nvPr>
+        </p:nvSpPr>
+        <p:spPr/>
+        <p:txBody>
+          <a:bodyPr/>
+          <a:lstStyle/>
+          <a:p>
+            <a:fld id="{B8DACC02-A2BD-4578-8E03-6D891060A695}" type="slidenum">
+              <a:rPr lang="en-US" smtClean="0"/>
+              <a:pPr/>
+              <a:t>32</a:t>
+            </a:fld>
+            <a:endParaRPr lang="en-US" dirty="0"/>
+          </a:p>
+        </p:txBody>
+      </p:sp>
+      <p:pic>
+        <p:nvPicPr>
+          <p:cNvPr id="24578" name="Picture 2" descr="Advantages of Expanding Your Product Range | Pimberly"/>
+          <p:cNvPicPr>
+            <a:picLocks noChangeAspect="1" noChangeArrowheads="1"/>
+          </p:cNvPicPr>
+          <p:nvPr/>
+        </p:nvPicPr>
+        <p:blipFill>
+          <a:blip r:embed="rId2">
+            <a:extLst>
+              <a:ext uri="{28A0092B-C50C-407E-A947-70E740481C1C}">
+                <a14:useLocalDpi xmlns:a14="http://schemas.microsoft.com/office/drawing/2010/main" val="0"/>
+              </a:ext>
+            </a:extLst>
+          </a:blip>
+          <a:srcRect/>
+          <a:stretch>
+            <a:fillRect/>
+          </a:stretch>
+        </p:blipFill>
+        <p:spPr bwMode="auto">
+          <a:xfrm>
+            <a:off x="6029864" y="4787610"/>
+            <a:ext cx="5968427" cy="1705265"/>
+          </a:xfrm>
+          <a:prstGeom prst="rect">
+            <a:avLst/>
+          </a:prstGeom>
+          <a:noFill/>
+          <a:extLst>
+            <a:ext uri="{909E8E84-426E-40DD-AFC4-6F175D3DCCD1}">
+              <a14:hiddenFill xmlns:a14="http://schemas.microsoft.com/office/drawing/2010/main">
+                <a:solidFill>
+                  <a:srgbClr val="FFFFFF"/>
+                </a:solidFill>
+              </a14:hiddenFill>
+            </a:ext>
+          </a:extLst>
+        </p:spPr>
+      </p:pic>
+    </p:spTree>
+    <p:extLst>
+      <p:ext uri="{BB962C8B-B14F-4D97-AF65-F5344CB8AC3E}">
+        <p14:creationId xmlns:p14="http://schemas.microsoft.com/office/powerpoint/2010/main" val="2999568151"/>
+      </p:ext>
+    </p:extLst>
+  </p:cSld>
+  <p:clrMapOvr>
+    <a:masterClrMapping/>
+  </p:clrMapOvr>
+</p:sld>
+</file>
+
+<file path=ppt/slides/slide33.xml><?xml version="1.0" encoding="utf-8"?>
+<p:sld xmlns:a="http://schemas.openxmlformats.org/drawingml/2006/main" xmlns:r="http://schemas.openxmlformats.org/officeDocument/2006/relationships" xmlns:p="http://schemas.openxmlformats.org/presentationml/2006/main">
+  <p:cSld>
+    <p:spTree>
+      <p:nvGrpSpPr>
+        <p:cNvPr id="1" name=""/>
+        <p:cNvGrpSpPr/>
+        <p:nvPr/>
+      </p:nvGrpSpPr>
+      <p:grpSpPr>
+        <a:xfrm>
+          <a:off x="0" y="0"/>
+          <a:ext cx="0" cy="0"/>
+          <a:chOff x="0" y="0"/>
+          <a:chExt cx="0" cy="0"/>
+        </a:xfrm>
+      </p:grpSpPr>
+      <p:sp>
+        <p:nvSpPr>
+          <p:cNvPr id="2" name="Title 1"/>
+          <p:cNvSpPr>
+            <a:spLocks noGrp="1"/>
+          </p:cNvSpPr>
+          <p:nvPr>
+            <p:ph type="title"/>
+          </p:nvPr>
+        </p:nvSpPr>
+        <p:spPr/>
+        <p:txBody>
+          <a:bodyPr/>
+          <a:lstStyle/>
+          <a:p>
+            <a:r>
+              <a:rPr lang="en-US" dirty="0"/>
+              <a:t>Growth Hacking Techniques</a:t>
+            </a:r>
+          </a:p>
+        </p:txBody>
+      </p:sp>
+      <p:sp>
+        <p:nvSpPr>
+          <p:cNvPr id="3" name="Content Placeholder 2"/>
+          <p:cNvSpPr>
+            <a:spLocks noGrp="1"/>
+          </p:cNvSpPr>
+          <p:nvPr>
+            <p:ph idx="1"/>
+          </p:nvPr>
+        </p:nvSpPr>
+        <p:spPr/>
+        <p:txBody>
+          <a:bodyPr/>
+          <a:lstStyle/>
+          <a:p>
+            <a:r>
+              <a:rPr lang="en-US" dirty="0" smtClean="0"/>
+              <a:t>Growth </a:t>
+            </a:r>
+            <a:r>
+              <a:rPr lang="en-US" dirty="0"/>
+              <a:t>hacking is particularly important in software entrepreneurship due to the digital nature of the business and the need for rapid user adoption. </a:t>
+            </a:r>
+            <a:endParaRPr lang="en-US" dirty="0" smtClean="0"/>
+          </a:p>
+          <a:p>
+            <a:r>
+              <a:rPr lang="en-US" dirty="0" smtClean="0"/>
+              <a:t>Startups </a:t>
+            </a:r>
+            <a:r>
+              <a:rPr lang="en-US" dirty="0"/>
+              <a:t>can leverage growth hacking techniques to gain initial traction, build a user base, and achieve exponential growth, even with limited resources.</a:t>
+            </a:r>
+          </a:p>
+        </p:txBody>
+      </p:sp>
+      <p:sp>
+        <p:nvSpPr>
+          <p:cNvPr id="4" name="Slide Number Placeholder 3"/>
+          <p:cNvSpPr>
+            <a:spLocks noGrp="1"/>
+          </p:cNvSpPr>
+          <p:nvPr>
+            <p:ph type="sldNum" sz="quarter" idx="12"/>
+          </p:nvPr>
+        </p:nvSpPr>
+        <p:spPr/>
+        <p:txBody>
+          <a:bodyPr/>
+          <a:lstStyle/>
+          <a:p>
+            <a:fld id="{B8DACC02-A2BD-4578-8E03-6D891060A695}" type="slidenum">
+              <a:rPr lang="en-US" smtClean="0"/>
+              <a:pPr/>
+              <a:t>33</a:t>
+            </a:fld>
+            <a:endParaRPr lang="en-US" dirty="0"/>
+          </a:p>
+        </p:txBody>
+      </p:sp>
+      <p:pic>
+        <p:nvPicPr>
+          <p:cNvPr id="25604" name="Picture 4" descr="Growth Hacking: What is it and how you can do it"/>
+          <p:cNvPicPr>
+            <a:picLocks noChangeAspect="1" noChangeArrowheads="1"/>
+          </p:cNvPicPr>
+          <p:nvPr/>
+        </p:nvPicPr>
+        <p:blipFill rotWithShape="1">
+          <a:blip r:embed="rId2" cstate="print">
+            <a:extLst>
+              <a:ext uri="{28A0092B-C50C-407E-A947-70E740481C1C}">
+                <a14:useLocalDpi xmlns:a14="http://schemas.microsoft.com/office/drawing/2010/main" val="0"/>
+              </a:ext>
+            </a:extLst>
+          </a:blip>
+          <a:srcRect l="5817" t="9669" r="6820" b="9406"/>
+          <a:stretch/>
+        </p:blipFill>
+        <p:spPr bwMode="auto">
+          <a:xfrm>
+            <a:off x="5564037" y="3278697"/>
+            <a:ext cx="5753819" cy="3323097"/>
+          </a:xfrm>
+          <a:prstGeom prst="rect">
+            <a:avLst/>
+          </a:prstGeom>
+          <a:noFill/>
+          <a:extLst>
+            <a:ext uri="{909E8E84-426E-40DD-AFC4-6F175D3DCCD1}">
+              <a14:hiddenFill xmlns:a14="http://schemas.microsoft.com/office/drawing/2010/main">
+                <a:solidFill>
+                  <a:srgbClr val="FFFFFF"/>
+                </a:solidFill>
+              </a14:hiddenFill>
+            </a:ext>
+          </a:extLst>
+        </p:spPr>
+      </p:pic>
+    </p:spTree>
+    <p:extLst>
+      <p:ext uri="{BB962C8B-B14F-4D97-AF65-F5344CB8AC3E}">
+        <p14:creationId xmlns:p14="http://schemas.microsoft.com/office/powerpoint/2010/main" val="4262561961"/>
+      </p:ext>
+    </p:extLst>
+  </p:cSld>
+  <p:clrMapOvr>
+    <a:masterClrMapping/>
+  </p:clrMapOvr>
+  <p:timing>
+    <p:tnLst>
+      <p:par>
+        <p:cTn id="1" dur="indefinite" restart="never" nodeType="tmRoot"/>
+      </p:par>
+    </p:tnLst>
+  </p:timing>
+</p:sld>
+</file>
+
+<file path=ppt/slides/slide34.xml><?xml version="1.0" encoding="utf-8"?>
+<p:sld xmlns:a="http://schemas.openxmlformats.org/drawingml/2006/main" xmlns:r="http://schemas.openxmlformats.org/officeDocument/2006/relationships" xmlns:p="http://schemas.openxmlformats.org/presentationml/2006/main">
+  <p:cSld>
+    <p:spTree>
+      <p:nvGrpSpPr>
+        <p:cNvPr id="1" name=""/>
+        <p:cNvGrpSpPr/>
+        <p:nvPr/>
+      </p:nvGrpSpPr>
+      <p:grpSpPr>
+        <a:xfrm>
+          <a:off x="0" y="0"/>
+          <a:ext cx="0" cy="0"/>
+          <a:chOff x="0" y="0"/>
+          <a:chExt cx="0" cy="0"/>
+        </a:xfrm>
+      </p:grpSpPr>
+      <p:sp>
+        <p:nvSpPr>
+          <p:cNvPr id="5" name="Title 4"/>
+          <p:cNvSpPr>
+            <a:spLocks noGrp="1"/>
+          </p:cNvSpPr>
+          <p:nvPr>
+            <p:ph type="title"/>
+          </p:nvPr>
+        </p:nvSpPr>
+        <p:spPr/>
+        <p:txBody>
+          <a:bodyPr/>
+          <a:lstStyle/>
+          <a:p>
+            <a:r>
+              <a:rPr lang="en-US" dirty="0"/>
+              <a:t>Common challenges and lessons learned</a:t>
+            </a:r>
+          </a:p>
+        </p:txBody>
+      </p:sp>
+      <p:sp>
+        <p:nvSpPr>
+          <p:cNvPr id="6" name="Text Placeholder 5"/>
+          <p:cNvSpPr>
+            <a:spLocks noGrp="1"/>
+          </p:cNvSpPr>
+          <p:nvPr>
+            <p:ph type="body" idx="1"/>
+          </p:nvPr>
+        </p:nvSpPr>
+        <p:spPr/>
+        <p:txBody>
+          <a:bodyPr/>
+          <a:lstStyle/>
+          <a:p>
+            <a:endParaRPr lang="en-US"/>
+          </a:p>
+        </p:txBody>
+      </p:sp>
+      <p:sp>
+        <p:nvSpPr>
+          <p:cNvPr id="4" name="Slide Number Placeholder 3"/>
+          <p:cNvSpPr>
+            <a:spLocks noGrp="1"/>
+          </p:cNvSpPr>
+          <p:nvPr>
+            <p:ph type="sldNum" sz="quarter" idx="12"/>
+          </p:nvPr>
+        </p:nvSpPr>
+        <p:spPr/>
+        <p:txBody>
+          <a:bodyPr/>
+          <a:lstStyle/>
+          <a:p>
+            <a:fld id="{B8DACC02-A2BD-4578-8E03-6D891060A695}" type="slidenum">
+              <a:rPr lang="en-US" smtClean="0"/>
+              <a:pPr/>
+              <a:t>34</a:t>
+            </a:fld>
+            <a:endParaRPr lang="en-US" dirty="0"/>
+          </a:p>
+        </p:txBody>
+      </p:sp>
+    </p:spTree>
+    <p:extLst>
+      <p:ext uri="{BB962C8B-B14F-4D97-AF65-F5344CB8AC3E}">
+        <p14:creationId xmlns:p14="http://schemas.microsoft.com/office/powerpoint/2010/main" val="3702127407"/>
+      </p:ext>
+    </p:extLst>
+  </p:cSld>
+  <p:clrMapOvr>
+    <a:masterClrMapping/>
+  </p:clrMapOvr>
+  <p:timing>
+    <p:tnLst>
+      <p:par>
+        <p:cTn id="1" dur="indefinite" restart="never" nodeType="tmRoot"/>
+      </p:par>
+    </p:tnLst>
+  </p:timing>
+</p:sld>
+</file>
+
+<file path=ppt/slides/slide35.xml><?xml version="1.0" encoding="utf-8"?>
+<p:sld xmlns:a="http://schemas.openxmlformats.org/drawingml/2006/main" xmlns:r="http://schemas.openxmlformats.org/officeDocument/2006/relationships" xmlns:p="http://schemas.openxmlformats.org/presentationml/2006/main">
+  <p:cSld>
+    <p:spTree>
+      <p:nvGrpSpPr>
+        <p:cNvPr id="1" name=""/>
+        <p:cNvGrpSpPr/>
+        <p:nvPr/>
+      </p:nvGrpSpPr>
+      <p:grpSpPr>
+        <a:xfrm>
+          <a:off x="0" y="0"/>
+          <a:ext cx="0" cy="0"/>
+          <a:chOff x="0" y="0"/>
+          <a:chExt cx="0" cy="0"/>
+        </a:xfrm>
+      </p:grpSpPr>
+      <p:sp>
+        <p:nvSpPr>
+          <p:cNvPr id="2" name="Title 1"/>
+          <p:cNvSpPr>
+            <a:spLocks noGrp="1"/>
+          </p:cNvSpPr>
+          <p:nvPr>
+            <p:ph type="title"/>
+          </p:nvPr>
+        </p:nvSpPr>
+        <p:spPr/>
+        <p:txBody>
+          <a:bodyPr/>
+          <a:lstStyle/>
+          <a:p>
+            <a:r>
+              <a:rPr lang="en-US" dirty="0"/>
+              <a:t>Handling Failures and Pivoting When Needed</a:t>
+            </a:r>
+          </a:p>
+        </p:txBody>
+      </p:sp>
+      <p:sp>
+        <p:nvSpPr>
+          <p:cNvPr id="3" name="Content Placeholder 2"/>
+          <p:cNvSpPr>
+            <a:spLocks noGrp="1"/>
+          </p:cNvSpPr>
+          <p:nvPr>
+            <p:ph idx="1"/>
+          </p:nvPr>
+        </p:nvSpPr>
+        <p:spPr/>
+        <p:txBody>
+          <a:bodyPr>
+            <a:normAutofit/>
+          </a:bodyPr>
+          <a:lstStyle/>
+          <a:p>
+            <a:r>
+              <a:rPr lang="en-US" dirty="0"/>
+              <a:t>Importance of embracing failure as a learning opportunity:</a:t>
+            </a:r>
+          </a:p>
+          <a:p>
+            <a:pPr lvl="1"/>
+            <a:r>
+              <a:rPr lang="en-US" dirty="0" smtClean="0"/>
+              <a:t>Growth </a:t>
+            </a:r>
+            <a:r>
+              <a:rPr lang="en-US" dirty="0"/>
+              <a:t>and </a:t>
+            </a:r>
+            <a:r>
+              <a:rPr lang="en-US" dirty="0" smtClean="0"/>
+              <a:t>Innovation</a:t>
+            </a:r>
+          </a:p>
+          <a:p>
+            <a:pPr lvl="1"/>
+            <a:r>
+              <a:rPr lang="en-US" dirty="0" smtClean="0"/>
+              <a:t>Resilience </a:t>
+            </a:r>
+            <a:r>
+              <a:rPr lang="en-US" dirty="0"/>
+              <a:t>and </a:t>
+            </a:r>
+            <a:r>
+              <a:rPr lang="en-US" dirty="0" smtClean="0"/>
+              <a:t>Adaptability</a:t>
+            </a:r>
+          </a:p>
+          <a:p>
+            <a:pPr lvl="1"/>
+            <a:r>
+              <a:rPr lang="en-US" dirty="0" smtClean="0"/>
+              <a:t>Continuous Improvement</a:t>
+            </a:r>
+            <a:endParaRPr lang="en-US" dirty="0"/>
+          </a:p>
+        </p:txBody>
+      </p:sp>
+      <p:sp>
+        <p:nvSpPr>
+          <p:cNvPr id="4" name="Slide Number Placeholder 3"/>
+          <p:cNvSpPr>
+            <a:spLocks noGrp="1"/>
+          </p:cNvSpPr>
+          <p:nvPr>
+            <p:ph type="sldNum" sz="quarter" idx="12"/>
+          </p:nvPr>
+        </p:nvSpPr>
+        <p:spPr/>
+        <p:txBody>
+          <a:bodyPr/>
+          <a:lstStyle/>
+          <a:p>
+            <a:fld id="{B8DACC02-A2BD-4578-8E03-6D891060A695}" type="slidenum">
+              <a:rPr lang="en-US" smtClean="0"/>
+              <a:pPr/>
+              <a:t>35</a:t>
+            </a:fld>
+            <a:endParaRPr lang="en-US" dirty="0"/>
+          </a:p>
+        </p:txBody>
+      </p:sp>
+      <p:pic>
+        <p:nvPicPr>
+          <p:cNvPr id="27650" name="Picture 2" descr="How to manage failure in times of uncertainty"/>
+          <p:cNvPicPr>
+            <a:picLocks noChangeAspect="1" noChangeArrowheads="1"/>
+          </p:cNvPicPr>
+          <p:nvPr/>
+        </p:nvPicPr>
+        <p:blipFill rotWithShape="1">
+          <a:blip r:embed="rId2">
+            <a:extLst>
+              <a:ext uri="{28A0092B-C50C-407E-A947-70E740481C1C}">
+                <a14:useLocalDpi xmlns:a14="http://schemas.microsoft.com/office/drawing/2010/main" val="0"/>
+              </a:ext>
+            </a:extLst>
+          </a:blip>
+          <a:srcRect l="19734" t="10427" r="20865" b="3201"/>
+          <a:stretch/>
+        </p:blipFill>
+        <p:spPr bwMode="auto">
+          <a:xfrm>
+            <a:off x="7447757" y="3019244"/>
+            <a:ext cx="4151167" cy="3398809"/>
+          </a:xfrm>
+          <a:prstGeom prst="rect">
+            <a:avLst/>
+          </a:prstGeom>
+          <a:noFill/>
+          <a:extLst>
+            <a:ext uri="{909E8E84-426E-40DD-AFC4-6F175D3DCCD1}">
+              <a14:hiddenFill xmlns:a14="http://schemas.microsoft.com/office/drawing/2010/main">
+                <a:solidFill>
+                  <a:srgbClr val="FFFFFF"/>
+                </a:solidFill>
+              </a14:hiddenFill>
+            </a:ext>
+          </a:extLst>
+        </p:spPr>
+      </p:pic>
+    </p:spTree>
+    <p:extLst>
+      <p:ext uri="{BB962C8B-B14F-4D97-AF65-F5344CB8AC3E}">
+        <p14:creationId xmlns:p14="http://schemas.microsoft.com/office/powerpoint/2010/main" val="1700686582"/>
+      </p:ext>
+    </p:extLst>
+  </p:cSld>
+  <p:clrMapOvr>
+    <a:masterClrMapping/>
+  </p:clrMapOvr>
+  <p:timing>
+    <p:tnLst>
+      <p:par>
+        <p:cTn id="1" dur="indefinite" restart="never" nodeType="tmRoot"/>
+      </p:par>
+    </p:tnLst>
+  </p:timing>
+</p:sld>
+</file>
+
+<file path=ppt/slides/slide36.xml><?xml version="1.0" encoding="utf-8"?>
+<p:sld xmlns:a="http://schemas.openxmlformats.org/drawingml/2006/main" xmlns:r="http://schemas.openxmlformats.org/officeDocument/2006/relationships" xmlns:p="http://schemas.openxmlformats.org/presentationml/2006/main">
+  <p:cSld>
+    <p:spTree>
+      <p:nvGrpSpPr>
+        <p:cNvPr id="1" name=""/>
+        <p:cNvGrpSpPr/>
+        <p:nvPr/>
+      </p:nvGrpSpPr>
+      <p:grpSpPr>
+        <a:xfrm>
+          <a:off x="0" y="0"/>
+          <a:ext cx="0" cy="0"/>
+          <a:chOff x="0" y="0"/>
+          <a:chExt cx="0" cy="0"/>
+        </a:xfrm>
+      </p:grpSpPr>
+      <p:sp>
+        <p:nvSpPr>
+          <p:cNvPr id="2" name="Title 1"/>
+          <p:cNvSpPr>
+            <a:spLocks noGrp="1"/>
+          </p:cNvSpPr>
+          <p:nvPr>
+            <p:ph type="title"/>
+          </p:nvPr>
+        </p:nvSpPr>
+        <p:spPr/>
+        <p:txBody>
+          <a:bodyPr/>
+          <a:lstStyle/>
+          <a:p>
+            <a:r>
+              <a:rPr lang="en-US" dirty="0"/>
+              <a:t>Handling Failures and Pivoting When Needed</a:t>
+            </a:r>
+          </a:p>
+        </p:txBody>
+      </p:sp>
+      <p:sp>
+        <p:nvSpPr>
+          <p:cNvPr id="3" name="Content Placeholder 2"/>
+          <p:cNvSpPr>
+            <a:spLocks noGrp="1"/>
+          </p:cNvSpPr>
+          <p:nvPr>
+            <p:ph idx="1"/>
+          </p:nvPr>
+        </p:nvSpPr>
+        <p:spPr/>
+        <p:txBody>
+          <a:bodyPr>
+            <a:normAutofit/>
+          </a:bodyPr>
+          <a:lstStyle/>
+          <a:p>
+            <a:r>
+              <a:rPr lang="en-US" dirty="0"/>
+              <a:t>Strategies for handling failures and learning from them:</a:t>
+            </a:r>
+          </a:p>
+          <a:p>
+            <a:pPr lvl="1"/>
+            <a:r>
+              <a:rPr lang="en-US" dirty="0" smtClean="0"/>
+              <a:t>Post-Mortem Analysis</a:t>
+            </a:r>
+          </a:p>
+          <a:p>
+            <a:pPr lvl="1"/>
+            <a:r>
+              <a:rPr lang="en-US" dirty="0" smtClean="0"/>
+              <a:t>Iterative Design</a:t>
+            </a:r>
+          </a:p>
+          <a:p>
+            <a:pPr lvl="1"/>
+            <a:r>
+              <a:rPr lang="en-US" dirty="0" smtClean="0"/>
+              <a:t>Feedback </a:t>
+            </a:r>
+            <a:r>
+              <a:rPr lang="en-US" dirty="0"/>
+              <a:t>and </a:t>
+            </a:r>
+            <a:r>
+              <a:rPr lang="en-US" dirty="0" smtClean="0"/>
+              <a:t>Reflection</a:t>
+            </a:r>
+          </a:p>
+          <a:p>
+            <a:pPr lvl="1"/>
+            <a:r>
+              <a:rPr lang="en-US" dirty="0" smtClean="0"/>
+              <a:t>Growth Mindset</a:t>
+            </a:r>
+            <a:endParaRPr lang="en-US" dirty="0"/>
+          </a:p>
+        </p:txBody>
+      </p:sp>
+      <p:sp>
+        <p:nvSpPr>
+          <p:cNvPr id="4" name="Slide Number Placeholder 3"/>
+          <p:cNvSpPr>
+            <a:spLocks noGrp="1"/>
+          </p:cNvSpPr>
+          <p:nvPr>
+            <p:ph type="sldNum" sz="quarter" idx="12"/>
+          </p:nvPr>
+        </p:nvSpPr>
+        <p:spPr/>
+        <p:txBody>
+          <a:bodyPr/>
+          <a:lstStyle/>
+          <a:p>
+            <a:fld id="{B8DACC02-A2BD-4578-8E03-6D891060A695}" type="slidenum">
+              <a:rPr lang="en-US" smtClean="0"/>
+              <a:pPr/>
+              <a:t>36</a:t>
+            </a:fld>
+            <a:endParaRPr lang="en-US" dirty="0"/>
+          </a:p>
+        </p:txBody>
+      </p:sp>
+      <p:pic>
+        <p:nvPicPr>
+          <p:cNvPr id="28676" name="Picture 4" descr="Lessons Learned in Project Management - Ongoing Process Improvement"/>
+          <p:cNvPicPr>
+            <a:picLocks noChangeAspect="1" noChangeArrowheads="1"/>
+          </p:cNvPicPr>
+          <p:nvPr/>
+        </p:nvPicPr>
+        <p:blipFill>
+          <a:blip r:embed="rId2">
+            <a:duotone>
+              <a:schemeClr val="accent5">
+                <a:shade val="45000"/>
+                <a:satMod val="135000"/>
+              </a:schemeClr>
+              <a:prstClr val="white"/>
+            </a:duotone>
+            <a:extLst>
+              <a:ext uri="{28A0092B-C50C-407E-A947-70E740481C1C}">
+                <a14:useLocalDpi xmlns:a14="http://schemas.microsoft.com/office/drawing/2010/main" val="0"/>
+              </a:ext>
+            </a:extLst>
+          </a:blip>
+          <a:srcRect/>
+          <a:stretch>
+            <a:fillRect/>
+          </a:stretch>
+        </p:blipFill>
+        <p:spPr bwMode="auto">
+          <a:xfrm>
+            <a:off x="4527493" y="4097636"/>
+            <a:ext cx="6949507" cy="1845964"/>
+          </a:xfrm>
+          <a:prstGeom prst="rect">
+            <a:avLst/>
+          </a:prstGeom>
+          <a:noFill/>
+          <a:extLst>
+            <a:ext uri="{909E8E84-426E-40DD-AFC4-6F175D3DCCD1}">
+              <a14:hiddenFill xmlns:a14="http://schemas.microsoft.com/office/drawing/2010/main">
+                <a:solidFill>
+                  <a:srgbClr val="FFFFFF"/>
+                </a:solidFill>
+              </a14:hiddenFill>
+            </a:ext>
+          </a:extLst>
+        </p:spPr>
+      </p:pic>
+    </p:spTree>
+    <p:extLst>
+      <p:ext uri="{BB962C8B-B14F-4D97-AF65-F5344CB8AC3E}">
+        <p14:creationId xmlns:p14="http://schemas.microsoft.com/office/powerpoint/2010/main" val="2752265544"/>
+      </p:ext>
+    </p:extLst>
+  </p:cSld>
+  <p:clrMapOvr>
+    <a:masterClrMapping/>
+  </p:clrMapOvr>
+</p:sld>
+</file>
+
+<file path=ppt/slides/slide37.xml><?xml version="1.0" encoding="utf-8"?>
+<p:sld xmlns:a="http://schemas.openxmlformats.org/drawingml/2006/main" xmlns:r="http://schemas.openxmlformats.org/officeDocument/2006/relationships" xmlns:p="http://schemas.openxmlformats.org/presentationml/2006/main">
+  <p:cSld>
+    <p:spTree>
+      <p:nvGrpSpPr>
+        <p:cNvPr id="1" name=""/>
+        <p:cNvGrpSpPr/>
+        <p:nvPr/>
+      </p:nvGrpSpPr>
+      <p:grpSpPr>
+        <a:xfrm>
+          <a:off x="0" y="0"/>
+          <a:ext cx="0" cy="0"/>
+          <a:chOff x="0" y="0"/>
+          <a:chExt cx="0" cy="0"/>
+        </a:xfrm>
+      </p:grpSpPr>
+      <p:sp>
+        <p:nvSpPr>
+          <p:cNvPr id="2" name="Title 1"/>
+          <p:cNvSpPr>
+            <a:spLocks noGrp="1"/>
+          </p:cNvSpPr>
+          <p:nvPr>
+            <p:ph type="title"/>
+          </p:nvPr>
+        </p:nvSpPr>
+        <p:spPr/>
+        <p:txBody>
+          <a:bodyPr/>
+          <a:lstStyle/>
+          <a:p>
+            <a:r>
+              <a:rPr lang="en-US" dirty="0" smtClean="0"/>
+              <a:t>Successful </a:t>
+            </a:r>
+            <a:r>
+              <a:rPr lang="en-US" dirty="0"/>
+              <a:t>pivots in software entrepreneurship</a:t>
+            </a:r>
+          </a:p>
+        </p:txBody>
+      </p:sp>
+      <p:sp>
+        <p:nvSpPr>
+          <p:cNvPr id="3" name="Content Placeholder 2"/>
+          <p:cNvSpPr>
+            <a:spLocks noGrp="1"/>
+          </p:cNvSpPr>
+          <p:nvPr>
+            <p:ph idx="1"/>
+          </p:nvPr>
+        </p:nvSpPr>
+        <p:spPr/>
+        <p:txBody>
+          <a:bodyPr>
+            <a:normAutofit/>
+          </a:bodyPr>
+          <a:lstStyle/>
+          <a:p>
+            <a:r>
+              <a:rPr lang="en-US" dirty="0" smtClean="0"/>
+              <a:t>Twitter</a:t>
+            </a:r>
+          </a:p>
+          <a:p>
+            <a:pPr lvl="1"/>
+            <a:r>
+              <a:rPr lang="en-US" dirty="0" smtClean="0"/>
+              <a:t>Twitter </a:t>
+            </a:r>
+            <a:r>
+              <a:rPr lang="en-US" dirty="0"/>
+              <a:t>initially started as a podcast platform called </a:t>
+            </a:r>
+            <a:r>
+              <a:rPr lang="en-US" dirty="0" err="1"/>
+              <a:t>Odeo</a:t>
+            </a:r>
+            <a:r>
+              <a:rPr lang="en-US" dirty="0"/>
+              <a:t>. </a:t>
+            </a:r>
+            <a:endParaRPr lang="en-US" dirty="0" smtClean="0"/>
+          </a:p>
+          <a:p>
+            <a:pPr lvl="1"/>
+            <a:r>
+              <a:rPr lang="en-US" dirty="0" smtClean="0"/>
+              <a:t>However</a:t>
+            </a:r>
+            <a:r>
+              <a:rPr lang="en-US" dirty="0"/>
+              <a:t>, when Apple announced iTunes, which dominated the podcasting market, </a:t>
+            </a:r>
+            <a:r>
+              <a:rPr lang="en-US" dirty="0" err="1"/>
+              <a:t>Odeo</a:t>
+            </a:r>
+            <a:r>
+              <a:rPr lang="en-US" dirty="0"/>
+              <a:t> faced a significant challenge. </a:t>
+            </a:r>
+            <a:endParaRPr lang="en-US" dirty="0" smtClean="0"/>
+          </a:p>
+          <a:p>
+            <a:pPr lvl="1"/>
+            <a:r>
+              <a:rPr lang="en-US" dirty="0" smtClean="0"/>
+              <a:t>The </a:t>
+            </a:r>
+            <a:r>
+              <a:rPr lang="en-US" dirty="0"/>
+              <a:t>team decided to pivot and focus on a new idea within the company, which eventually became Twitter. </a:t>
+            </a:r>
+            <a:endParaRPr lang="en-US" dirty="0" smtClean="0"/>
+          </a:p>
+          <a:p>
+            <a:pPr lvl="1"/>
+            <a:r>
+              <a:rPr lang="en-US" dirty="0" smtClean="0"/>
+              <a:t>This </a:t>
+            </a:r>
+            <a:r>
+              <a:rPr lang="en-US" dirty="0"/>
+              <a:t>pivot led to tremendous success, transforming Twitter into one of the most popular social media platforms</a:t>
+            </a:r>
+            <a:r>
+              <a:rPr lang="en-US" dirty="0" smtClean="0"/>
+              <a:t>.</a:t>
+            </a:r>
+            <a:endParaRPr lang="en-US" dirty="0"/>
+          </a:p>
+        </p:txBody>
+      </p:sp>
+      <p:sp>
+        <p:nvSpPr>
+          <p:cNvPr id="4" name="Slide Number Placeholder 3"/>
+          <p:cNvSpPr>
+            <a:spLocks noGrp="1"/>
+          </p:cNvSpPr>
+          <p:nvPr>
+            <p:ph type="sldNum" sz="quarter" idx="12"/>
+          </p:nvPr>
+        </p:nvSpPr>
+        <p:spPr/>
+        <p:txBody>
+          <a:bodyPr/>
+          <a:lstStyle/>
+          <a:p>
+            <a:fld id="{B8DACC02-A2BD-4578-8E03-6D891060A695}" type="slidenum">
+              <a:rPr lang="en-US" smtClean="0"/>
+              <a:pPr/>
+              <a:t>37</a:t>
+            </a:fld>
+            <a:endParaRPr lang="en-US" dirty="0"/>
+          </a:p>
+        </p:txBody>
+      </p:sp>
+    </p:spTree>
+    <p:extLst>
+      <p:ext uri="{BB962C8B-B14F-4D97-AF65-F5344CB8AC3E}">
+        <p14:creationId xmlns:p14="http://schemas.microsoft.com/office/powerpoint/2010/main" val="2020931100"/>
+      </p:ext>
+    </p:extLst>
+  </p:cSld>
+  <p:clrMapOvr>
+    <a:masterClrMapping/>
+  </p:clrMapOvr>
+</p:sld>
+</file>
+
+<file path=ppt/slides/slide38.xml><?xml version="1.0" encoding="utf-8"?>
+<p:sld xmlns:a="http://schemas.openxmlformats.org/drawingml/2006/main" xmlns:r="http://schemas.openxmlformats.org/officeDocument/2006/relationships" xmlns:p="http://schemas.openxmlformats.org/presentationml/2006/main">
+  <p:cSld>
+    <p:spTree>
+      <p:nvGrpSpPr>
+        <p:cNvPr id="1" name=""/>
+        <p:cNvGrpSpPr/>
+        <p:nvPr/>
+      </p:nvGrpSpPr>
+      <p:grpSpPr>
+        <a:xfrm>
+          <a:off x="0" y="0"/>
+          <a:ext cx="0" cy="0"/>
+          <a:chOff x="0" y="0"/>
+          <a:chExt cx="0" cy="0"/>
+        </a:xfrm>
+      </p:grpSpPr>
+      <p:sp>
+        <p:nvSpPr>
+          <p:cNvPr id="2" name="Title 1"/>
+          <p:cNvSpPr>
+            <a:spLocks noGrp="1"/>
+          </p:cNvSpPr>
+          <p:nvPr>
+            <p:ph type="title"/>
+          </p:nvPr>
+        </p:nvSpPr>
+        <p:spPr/>
+        <p:txBody>
+          <a:bodyPr/>
+          <a:lstStyle/>
+          <a:p>
+            <a:r>
+              <a:rPr lang="en-US" dirty="0" smtClean="0"/>
+              <a:t>Successful </a:t>
+            </a:r>
+            <a:r>
+              <a:rPr lang="en-US" dirty="0"/>
+              <a:t>pivots in software entrepreneurship</a:t>
+            </a:r>
+          </a:p>
+        </p:txBody>
+      </p:sp>
+      <p:sp>
+        <p:nvSpPr>
+          <p:cNvPr id="3" name="Content Placeholder 2"/>
+          <p:cNvSpPr>
+            <a:spLocks noGrp="1"/>
+          </p:cNvSpPr>
+          <p:nvPr>
+            <p:ph idx="1"/>
+          </p:nvPr>
+        </p:nvSpPr>
+        <p:spPr/>
+        <p:txBody>
+          <a:bodyPr>
+            <a:normAutofit/>
+          </a:bodyPr>
+          <a:lstStyle/>
+          <a:p>
+            <a:r>
+              <a:rPr lang="en-US" dirty="0" smtClean="0"/>
+              <a:t>Instagram</a:t>
+            </a:r>
+          </a:p>
+          <a:p>
+            <a:pPr lvl="1"/>
+            <a:r>
+              <a:rPr lang="en-US" dirty="0" smtClean="0"/>
+              <a:t>Instagram </a:t>
+            </a:r>
+            <a:r>
+              <a:rPr lang="en-US" dirty="0"/>
+              <a:t>began as a location-based social network called </a:t>
+            </a:r>
+            <a:r>
+              <a:rPr lang="en-US" dirty="0" err="1"/>
+              <a:t>Burbn</a:t>
+            </a:r>
+            <a:r>
+              <a:rPr lang="en-US" dirty="0"/>
+              <a:t>. </a:t>
+            </a:r>
+            <a:endParaRPr lang="en-US" dirty="0" smtClean="0"/>
+          </a:p>
+          <a:p>
+            <a:pPr lvl="1"/>
+            <a:r>
+              <a:rPr lang="en-US" dirty="0" smtClean="0"/>
+              <a:t>However</a:t>
+            </a:r>
+            <a:r>
+              <a:rPr lang="en-US" dirty="0"/>
+              <a:t>, the founders noticed that the photo-sharing feature of </a:t>
+            </a:r>
+            <a:r>
+              <a:rPr lang="en-US" dirty="0" err="1"/>
+              <a:t>Burbn</a:t>
+            </a:r>
+            <a:r>
+              <a:rPr lang="en-US" dirty="0"/>
+              <a:t> was gaining more traction and engagement from users. </a:t>
+            </a:r>
+            <a:endParaRPr lang="en-US" dirty="0" smtClean="0"/>
+          </a:p>
+          <a:p>
+            <a:pPr lvl="1"/>
+            <a:r>
+              <a:rPr lang="en-US" dirty="0" smtClean="0"/>
+              <a:t>They </a:t>
+            </a:r>
+            <a:r>
+              <a:rPr lang="en-US" dirty="0"/>
+              <a:t>decided to pivot and focus solely on photo-sharing, rebranding the platform as Instagram. </a:t>
+            </a:r>
+            <a:endParaRPr lang="en-US" dirty="0" smtClean="0"/>
+          </a:p>
+          <a:p>
+            <a:pPr lvl="1"/>
+            <a:r>
+              <a:rPr lang="en-US" dirty="0" smtClean="0"/>
+              <a:t>This </a:t>
+            </a:r>
+            <a:r>
+              <a:rPr lang="en-US" dirty="0"/>
+              <a:t>pivot proved to be a game-changer, and Instagram became a leading photo and video-sharing app</a:t>
+            </a:r>
+            <a:r>
+              <a:rPr lang="en-US" dirty="0" smtClean="0"/>
+              <a:t>.</a:t>
+            </a:r>
+            <a:endParaRPr lang="en-US" dirty="0"/>
+          </a:p>
+        </p:txBody>
+      </p:sp>
+      <p:sp>
+        <p:nvSpPr>
+          <p:cNvPr id="4" name="Slide Number Placeholder 3"/>
+          <p:cNvSpPr>
+            <a:spLocks noGrp="1"/>
+          </p:cNvSpPr>
+          <p:nvPr>
+            <p:ph type="sldNum" sz="quarter" idx="12"/>
+          </p:nvPr>
+        </p:nvSpPr>
+        <p:spPr/>
+        <p:txBody>
+          <a:bodyPr/>
+          <a:lstStyle/>
+          <a:p>
+            <a:fld id="{B8DACC02-A2BD-4578-8E03-6D891060A695}" type="slidenum">
+              <a:rPr lang="en-US" smtClean="0"/>
+              <a:pPr/>
+              <a:t>38</a:t>
+            </a:fld>
+            <a:endParaRPr lang="en-US" dirty="0"/>
+          </a:p>
+        </p:txBody>
+      </p:sp>
+    </p:spTree>
+    <p:extLst>
+      <p:ext uri="{BB962C8B-B14F-4D97-AF65-F5344CB8AC3E}">
+        <p14:creationId xmlns:p14="http://schemas.microsoft.com/office/powerpoint/2010/main" val="505764957"/>
+      </p:ext>
+    </p:extLst>
+  </p:cSld>
+  <p:clrMapOvr>
+    <a:masterClrMapping/>
+  </p:clrMapOvr>
+</p:sld>
+</file>
+
+<file path=ppt/slides/slide39.xml><?xml version="1.0" encoding="utf-8"?>
+<p:sld xmlns:a="http://schemas.openxmlformats.org/drawingml/2006/main" xmlns:r="http://schemas.openxmlformats.org/officeDocument/2006/relationships" xmlns:p="http://schemas.openxmlformats.org/presentationml/2006/main">
+  <p:cSld>
+    <p:spTree>
+      <p:nvGrpSpPr>
+        <p:cNvPr id="1" name=""/>
+        <p:cNvGrpSpPr/>
+        <p:nvPr/>
+      </p:nvGrpSpPr>
+      <p:grpSpPr>
+        <a:xfrm>
+          <a:off x="0" y="0"/>
+          <a:ext cx="0" cy="0"/>
+          <a:chOff x="0" y="0"/>
+          <a:chExt cx="0" cy="0"/>
+        </a:xfrm>
+      </p:grpSpPr>
+      <p:sp>
+        <p:nvSpPr>
+          <p:cNvPr id="2" name="Title 1"/>
+          <p:cNvSpPr>
+            <a:spLocks noGrp="1"/>
+          </p:cNvSpPr>
+          <p:nvPr>
+            <p:ph type="title"/>
+          </p:nvPr>
+        </p:nvSpPr>
+        <p:spPr/>
+        <p:txBody>
+          <a:bodyPr/>
+          <a:lstStyle/>
+          <a:p>
+            <a:r>
+              <a:rPr lang="en-US" dirty="0" smtClean="0"/>
+              <a:t>Successful </a:t>
+            </a:r>
+            <a:r>
+              <a:rPr lang="en-US" dirty="0"/>
+              <a:t>pivots in software entrepreneurship</a:t>
+            </a:r>
+          </a:p>
+        </p:txBody>
+      </p:sp>
+      <p:sp>
+        <p:nvSpPr>
+          <p:cNvPr id="3" name="Content Placeholder 2"/>
+          <p:cNvSpPr>
+            <a:spLocks noGrp="1"/>
+          </p:cNvSpPr>
+          <p:nvPr>
+            <p:ph idx="1"/>
+          </p:nvPr>
+        </p:nvSpPr>
+        <p:spPr/>
+        <p:txBody>
+          <a:bodyPr>
+            <a:normAutofit/>
+          </a:bodyPr>
+          <a:lstStyle/>
+          <a:p>
+            <a:r>
+              <a:rPr lang="en-US" dirty="0" smtClean="0"/>
+              <a:t>Slack</a:t>
+            </a:r>
+          </a:p>
+          <a:p>
+            <a:pPr lvl="1"/>
+            <a:r>
+              <a:rPr lang="en-US" dirty="0" smtClean="0"/>
+              <a:t>Slack </a:t>
+            </a:r>
+            <a:r>
+              <a:rPr lang="en-US" dirty="0"/>
+              <a:t>initially started as a gaming company called Tiny Speck. </a:t>
+            </a:r>
+            <a:endParaRPr lang="en-US" dirty="0" smtClean="0"/>
+          </a:p>
+          <a:p>
+            <a:pPr lvl="1"/>
+            <a:r>
+              <a:rPr lang="en-US" dirty="0" smtClean="0"/>
+              <a:t>However</a:t>
+            </a:r>
+            <a:r>
+              <a:rPr lang="en-US" dirty="0"/>
+              <a:t>, the company's game did not perform as expected. </a:t>
+            </a:r>
+            <a:endParaRPr lang="en-US" dirty="0" smtClean="0"/>
+          </a:p>
+          <a:p>
+            <a:pPr lvl="1"/>
+            <a:r>
+              <a:rPr lang="en-US" dirty="0" smtClean="0"/>
+              <a:t>The </a:t>
+            </a:r>
+            <a:r>
+              <a:rPr lang="en-US" dirty="0"/>
+              <a:t>team shifted their focus and built a communication tool for internal use. </a:t>
+            </a:r>
+            <a:endParaRPr lang="en-US" dirty="0" smtClean="0"/>
+          </a:p>
+          <a:p>
+            <a:pPr lvl="1"/>
+            <a:r>
+              <a:rPr lang="en-US" dirty="0" smtClean="0"/>
+              <a:t>Recognizing </a:t>
+            </a:r>
+            <a:r>
+              <a:rPr lang="en-US" dirty="0"/>
+              <a:t>its potential, they pivoted and rebranded as Slack, which eventually became a widely adopted team collaboration platform.</a:t>
+            </a:r>
+          </a:p>
+          <a:p>
+            <a:endParaRPr lang="en-US" dirty="0"/>
+          </a:p>
+        </p:txBody>
+      </p:sp>
+      <p:sp>
+        <p:nvSpPr>
+          <p:cNvPr id="4" name="Slide Number Placeholder 3"/>
+          <p:cNvSpPr>
+            <a:spLocks noGrp="1"/>
+          </p:cNvSpPr>
+          <p:nvPr>
+            <p:ph type="sldNum" sz="quarter" idx="12"/>
+          </p:nvPr>
+        </p:nvSpPr>
+        <p:spPr/>
+        <p:txBody>
+          <a:bodyPr/>
+          <a:lstStyle/>
+          <a:p>
+            <a:fld id="{B8DACC02-A2BD-4578-8E03-6D891060A695}" type="slidenum">
+              <a:rPr lang="en-US" smtClean="0"/>
+              <a:pPr/>
+              <a:t>39</a:t>
+            </a:fld>
+            <a:endParaRPr lang="en-US" dirty="0"/>
+          </a:p>
+        </p:txBody>
+      </p:sp>
+    </p:spTree>
+    <p:extLst>
+      <p:ext uri="{BB962C8B-B14F-4D97-AF65-F5344CB8AC3E}">
+        <p14:creationId xmlns:p14="http://schemas.microsoft.com/office/powerpoint/2010/main" val="1467913106"/>
+      </p:ext>
+    </p:extLst>
+  </p:cSld>
+  <p:clrMapOvr>
+    <a:masterClrMapping/>
+  </p:clrMapOvr>
+</p:sld>
+</file>
+
+<file path=ppt/slides/slide4.xml><?xml version="1.0" encoding="utf-8"?>
+<p:sld xmlns:a="http://schemas.openxmlformats.org/drawingml/2006/main" xmlns:r="http://schemas.openxmlformats.org/officeDocument/2006/relationships" xmlns:p="http://schemas.openxmlformats.org/presentationml/2006/main">
+  <p:cSld>
+    <p:spTree>
+      <p:nvGrpSpPr>
+        <p:cNvPr id="1" name=""/>
+        <p:cNvGrpSpPr/>
+        <p:nvPr/>
+      </p:nvGrpSpPr>
+      <p:grpSpPr>
+        <a:xfrm>
+          <a:off x="0" y="0"/>
+          <a:ext cx="0" cy="0"/>
+          <a:chOff x="0" y="0"/>
+          <a:chExt cx="0" cy="0"/>
+        </a:xfrm>
+      </p:grpSpPr>
+      <p:sp>
+        <p:nvSpPr>
+          <p:cNvPr id="2" name="Title 1"/>
+          <p:cNvSpPr>
+            <a:spLocks noGrp="1"/>
+          </p:cNvSpPr>
+          <p:nvPr>
+            <p:ph type="title"/>
+          </p:nvPr>
+        </p:nvSpPr>
+        <p:spPr/>
+        <p:txBody>
+          <a:bodyPr/>
+          <a:lstStyle/>
+          <a:p>
+            <a:r>
+              <a:rPr lang="en-US" dirty="0"/>
+              <a:t>Understanding Your Target Market</a:t>
+            </a:r>
+            <a:endParaRPr lang="en-US" dirty="0"/>
+          </a:p>
+        </p:txBody>
+      </p:sp>
+      <p:sp>
+        <p:nvSpPr>
+          <p:cNvPr id="3" name="Content Placeholder 2"/>
+          <p:cNvSpPr>
+            <a:spLocks noGrp="1"/>
+          </p:cNvSpPr>
+          <p:nvPr>
+            <p:ph idx="1"/>
+          </p:nvPr>
+        </p:nvSpPr>
+        <p:spPr/>
+        <p:txBody>
+          <a:bodyPr/>
+          <a:lstStyle/>
+          <a:p>
+            <a:r>
+              <a:rPr lang="en-US" dirty="0"/>
+              <a:t>Identifying your ideal customer</a:t>
+            </a:r>
+          </a:p>
+          <a:p>
+            <a:r>
+              <a:rPr lang="en-US" dirty="0"/>
+              <a:t>Understanding their needs, pain points, and motivations</a:t>
+            </a:r>
+          </a:p>
+          <a:p>
+            <a:r>
+              <a:rPr lang="en-US" dirty="0"/>
+              <a:t>Validating your product-market fit</a:t>
+            </a:r>
+            <a:endParaRPr lang="en-US" dirty="0"/>
+          </a:p>
+        </p:txBody>
+      </p:sp>
+      <p:sp>
+        <p:nvSpPr>
+          <p:cNvPr id="4" name="Slide Number Placeholder 3"/>
+          <p:cNvSpPr>
+            <a:spLocks noGrp="1"/>
+          </p:cNvSpPr>
+          <p:nvPr>
+            <p:ph type="sldNum" sz="quarter" idx="12"/>
+          </p:nvPr>
+        </p:nvSpPr>
+        <p:spPr/>
+        <p:txBody>
+          <a:bodyPr/>
+          <a:lstStyle/>
+          <a:p>
+            <a:fld id="{B8DACC02-A2BD-4578-8E03-6D891060A695}" type="slidenum">
+              <a:rPr lang="en-US" smtClean="0"/>
+              <a:pPr/>
+              <a:t>4</a:t>
+            </a:fld>
+            <a:endParaRPr lang="en-US" dirty="0"/>
+          </a:p>
+        </p:txBody>
+      </p:sp>
+      <p:pic>
+        <p:nvPicPr>
+          <p:cNvPr id="5" name="Picture 2" descr="Defining a target audience for your marketing campaigns"/>
+          <p:cNvPicPr>
+            <a:picLocks noChangeAspect="1" noChangeArrowheads="1"/>
+          </p:cNvPicPr>
+          <p:nvPr/>
+        </p:nvPicPr>
+        <p:blipFill>
+          <a:blip r:embed="rId2">
+            <a:extLst>
+              <a:ext uri="{28A0092B-C50C-407E-A947-70E740481C1C}">
+                <a14:useLocalDpi xmlns:a14="http://schemas.microsoft.com/office/drawing/2010/main" val="0"/>
+              </a:ext>
+            </a:extLst>
+          </a:blip>
+          <a:srcRect/>
+          <a:stretch>
+            <a:fillRect/>
+          </a:stretch>
+        </p:blipFill>
+        <p:spPr bwMode="auto">
+          <a:xfrm>
+            <a:off x="7795372" y="2733164"/>
+            <a:ext cx="3942273" cy="3942273"/>
+          </a:xfrm>
+          <a:prstGeom prst="rect">
+            <a:avLst/>
+          </a:prstGeom>
+          <a:noFill/>
+          <a:extLst>
+            <a:ext uri="{909E8E84-426E-40DD-AFC4-6F175D3DCCD1}">
+              <a14:hiddenFill xmlns:a14="http://schemas.microsoft.com/office/drawing/2010/main">
+                <a:solidFill>
+                  <a:srgbClr val="FFFFFF"/>
+                </a:solidFill>
+              </a14:hiddenFill>
+            </a:ext>
+          </a:extLst>
+        </p:spPr>
+      </p:pic>
+      <p:pic>
+        <p:nvPicPr>
+          <p:cNvPr id="1028" name="Picture 4" descr="Target Market and Audiences – Foundations in Digital Marketing"/>
+          <p:cNvPicPr>
+            <a:picLocks noChangeAspect="1" noChangeArrowheads="1"/>
+          </p:cNvPicPr>
+          <p:nvPr/>
+        </p:nvPicPr>
+        <p:blipFill>
+          <a:blip r:embed="rId3" cstate="print">
+            <a:extLst>
+              <a:ext uri="{28A0092B-C50C-407E-A947-70E740481C1C}">
+                <a14:useLocalDpi xmlns:a14="http://schemas.microsoft.com/office/drawing/2010/main" val="0"/>
+              </a:ext>
+            </a:extLst>
+          </a:blip>
+          <a:srcRect/>
+          <a:stretch>
+            <a:fillRect/>
+          </a:stretch>
+        </p:blipFill>
+        <p:spPr bwMode="auto">
+          <a:xfrm>
+            <a:off x="1630693" y="3059083"/>
+            <a:ext cx="5003021" cy="3433792"/>
           </a:xfrm>
           <a:prstGeom prst="rect">
             <a:avLst/>
@@ -4904,6 +13091,1134 @@
       </p:par>
     </p:tnLst>
   </p:timing>
+</p:sld>
+</file>
+
+<file path=ppt/slides/slide40.xml><?xml version="1.0" encoding="utf-8"?>
+<p:sld xmlns:a="http://schemas.openxmlformats.org/drawingml/2006/main" xmlns:r="http://schemas.openxmlformats.org/officeDocument/2006/relationships" xmlns:p="http://schemas.openxmlformats.org/presentationml/2006/main">
+  <p:cSld>
+    <p:spTree>
+      <p:nvGrpSpPr>
+        <p:cNvPr id="1" name=""/>
+        <p:cNvGrpSpPr/>
+        <p:nvPr/>
+      </p:nvGrpSpPr>
+      <p:grpSpPr>
+        <a:xfrm>
+          <a:off x="0" y="0"/>
+          <a:ext cx="0" cy="0"/>
+          <a:chOff x="0" y="0"/>
+          <a:chExt cx="0" cy="0"/>
+        </a:xfrm>
+      </p:grpSpPr>
+      <p:sp>
+        <p:nvSpPr>
+          <p:cNvPr id="2" name="Title 1"/>
+          <p:cNvSpPr>
+            <a:spLocks noGrp="1"/>
+          </p:cNvSpPr>
+          <p:nvPr>
+            <p:ph type="title"/>
+          </p:nvPr>
+        </p:nvSpPr>
+        <p:spPr/>
+        <p:txBody>
+          <a:bodyPr/>
+          <a:lstStyle/>
+          <a:p>
+            <a:r>
+              <a:rPr lang="en-US" dirty="0"/>
+              <a:t>Legal and Compliance Considerations</a:t>
+            </a:r>
+          </a:p>
+        </p:txBody>
+      </p:sp>
+      <p:sp>
+        <p:nvSpPr>
+          <p:cNvPr id="3" name="Content Placeholder 2"/>
+          <p:cNvSpPr>
+            <a:spLocks noGrp="1"/>
+          </p:cNvSpPr>
+          <p:nvPr>
+            <p:ph idx="1"/>
+          </p:nvPr>
+        </p:nvSpPr>
+        <p:spPr/>
+        <p:txBody>
+          <a:bodyPr/>
+          <a:lstStyle/>
+          <a:p>
+            <a:r>
+              <a:rPr lang="en-US" dirty="0"/>
+              <a:t>Importance of understanding legal and compliance requirements for software startups</a:t>
+            </a:r>
+          </a:p>
+          <a:p>
+            <a:r>
+              <a:rPr lang="en-US" dirty="0"/>
+              <a:t>Common legal and compliance challenges faced by software entrepreneurs (e.g. intellectual property protection, data privacy)</a:t>
+            </a:r>
+          </a:p>
+          <a:p>
+            <a:r>
+              <a:rPr lang="en-US" dirty="0"/>
+              <a:t>Strategies for addressing these challenges (e.g. seeking legal advice, implementing compliance measures)</a:t>
+            </a:r>
+          </a:p>
+        </p:txBody>
+      </p:sp>
+      <p:sp>
+        <p:nvSpPr>
+          <p:cNvPr id="4" name="Slide Number Placeholder 3"/>
+          <p:cNvSpPr>
+            <a:spLocks noGrp="1"/>
+          </p:cNvSpPr>
+          <p:nvPr>
+            <p:ph type="sldNum" sz="quarter" idx="12"/>
+          </p:nvPr>
+        </p:nvSpPr>
+        <p:spPr/>
+        <p:txBody>
+          <a:bodyPr/>
+          <a:lstStyle/>
+          <a:p>
+            <a:fld id="{B8DACC02-A2BD-4578-8E03-6D891060A695}" type="slidenum">
+              <a:rPr lang="en-US" smtClean="0"/>
+              <a:pPr/>
+              <a:t>40</a:t>
+            </a:fld>
+            <a:endParaRPr lang="en-US" dirty="0"/>
+          </a:p>
+        </p:txBody>
+      </p:sp>
+    </p:spTree>
+    <p:extLst>
+      <p:ext uri="{BB962C8B-B14F-4D97-AF65-F5344CB8AC3E}">
+        <p14:creationId xmlns:p14="http://schemas.microsoft.com/office/powerpoint/2010/main" val="2407787849"/>
+      </p:ext>
+    </p:extLst>
+  </p:cSld>
+  <p:clrMapOvr>
+    <a:masterClrMapping/>
+  </p:clrMapOvr>
+</p:sld>
+</file>
+
+<file path=ppt/slides/slide41.xml><?xml version="1.0" encoding="utf-8"?>
+<p:sld xmlns:a="http://schemas.openxmlformats.org/drawingml/2006/main" xmlns:r="http://schemas.openxmlformats.org/officeDocument/2006/relationships" xmlns:p="http://schemas.openxmlformats.org/presentationml/2006/main">
+  <p:cSld>
+    <p:spTree>
+      <p:nvGrpSpPr>
+        <p:cNvPr id="1" name=""/>
+        <p:cNvGrpSpPr/>
+        <p:nvPr/>
+      </p:nvGrpSpPr>
+      <p:grpSpPr>
+        <a:xfrm>
+          <a:off x="0" y="0"/>
+          <a:ext cx="0" cy="0"/>
+          <a:chOff x="0" y="0"/>
+          <a:chExt cx="0" cy="0"/>
+        </a:xfrm>
+      </p:grpSpPr>
+      <p:sp>
+        <p:nvSpPr>
+          <p:cNvPr id="2" name="Title 1"/>
+          <p:cNvSpPr>
+            <a:spLocks noGrp="1"/>
+          </p:cNvSpPr>
+          <p:nvPr>
+            <p:ph type="title"/>
+          </p:nvPr>
+        </p:nvSpPr>
+        <p:spPr/>
+        <p:txBody>
+          <a:bodyPr/>
+          <a:lstStyle/>
+          <a:p>
+            <a:r>
+              <a:rPr lang="en-US" dirty="0"/>
+              <a:t>Competitive Analysis and Threats</a:t>
+            </a:r>
+          </a:p>
+        </p:txBody>
+      </p:sp>
+      <p:sp>
+        <p:nvSpPr>
+          <p:cNvPr id="3" name="Content Placeholder 2"/>
+          <p:cNvSpPr>
+            <a:spLocks noGrp="1"/>
+          </p:cNvSpPr>
+          <p:nvPr>
+            <p:ph idx="1"/>
+          </p:nvPr>
+        </p:nvSpPr>
+        <p:spPr/>
+        <p:txBody>
+          <a:bodyPr/>
+          <a:lstStyle/>
+          <a:p>
+            <a:r>
+              <a:rPr lang="en-US" dirty="0"/>
+              <a:t>Importance of conducting competitive analysis in software entrepreneurship</a:t>
+            </a:r>
+          </a:p>
+          <a:p>
+            <a:r>
+              <a:rPr lang="en-US" dirty="0"/>
+              <a:t>Strategies for identifying and analyzing competitors (e.g. market research, customer feedback)</a:t>
+            </a:r>
+          </a:p>
+          <a:p>
+            <a:r>
+              <a:rPr lang="en-US" dirty="0"/>
+              <a:t>How to respond to competitive threats (e.g. differentiating your product, improving customer service)</a:t>
+            </a:r>
+          </a:p>
+        </p:txBody>
+      </p:sp>
+      <p:sp>
+        <p:nvSpPr>
+          <p:cNvPr id="4" name="Slide Number Placeholder 3"/>
+          <p:cNvSpPr>
+            <a:spLocks noGrp="1"/>
+          </p:cNvSpPr>
+          <p:nvPr>
+            <p:ph type="sldNum" sz="quarter" idx="12"/>
+          </p:nvPr>
+        </p:nvSpPr>
+        <p:spPr/>
+        <p:txBody>
+          <a:bodyPr/>
+          <a:lstStyle/>
+          <a:p>
+            <a:fld id="{B8DACC02-A2BD-4578-8E03-6D891060A695}" type="slidenum">
+              <a:rPr lang="en-US" smtClean="0"/>
+              <a:pPr/>
+              <a:t>41</a:t>
+            </a:fld>
+            <a:endParaRPr lang="en-US" dirty="0"/>
+          </a:p>
+        </p:txBody>
+      </p:sp>
+    </p:spTree>
+    <p:extLst>
+      <p:ext uri="{BB962C8B-B14F-4D97-AF65-F5344CB8AC3E}">
+        <p14:creationId xmlns:p14="http://schemas.microsoft.com/office/powerpoint/2010/main" val="2193631162"/>
+      </p:ext>
+    </p:extLst>
+  </p:cSld>
+  <p:clrMapOvr>
+    <a:masterClrMapping/>
+  </p:clrMapOvr>
+</p:sld>
+</file>
+
+<file path=ppt/slides/slide42.xml><?xml version="1.0" encoding="utf-8"?>
+<p:sld xmlns:a="http://schemas.openxmlformats.org/drawingml/2006/main" xmlns:r="http://schemas.openxmlformats.org/officeDocument/2006/relationships" xmlns:p="http://schemas.openxmlformats.org/presentationml/2006/main">
+  <p:cSld>
+    <p:spTree>
+      <p:nvGrpSpPr>
+        <p:cNvPr id="1" name=""/>
+        <p:cNvGrpSpPr/>
+        <p:nvPr/>
+      </p:nvGrpSpPr>
+      <p:grpSpPr>
+        <a:xfrm>
+          <a:off x="0" y="0"/>
+          <a:ext cx="0" cy="0"/>
+          <a:chOff x="0" y="0"/>
+          <a:chExt cx="0" cy="0"/>
+        </a:xfrm>
+      </p:grpSpPr>
+      <p:sp>
+        <p:nvSpPr>
+          <p:cNvPr id="2" name="Title 1"/>
+          <p:cNvSpPr>
+            <a:spLocks noGrp="1"/>
+          </p:cNvSpPr>
+          <p:nvPr>
+            <p:ph type="title"/>
+          </p:nvPr>
+        </p:nvSpPr>
+        <p:spPr/>
+        <p:txBody>
+          <a:bodyPr/>
+          <a:lstStyle/>
+          <a:p>
+            <a:r>
+              <a:rPr lang="en-US" dirty="0"/>
+              <a:t>Potential Growth Barriers and Solutions</a:t>
+            </a:r>
+          </a:p>
+        </p:txBody>
+      </p:sp>
+      <p:sp>
+        <p:nvSpPr>
+          <p:cNvPr id="3" name="Content Placeholder 2"/>
+          <p:cNvSpPr>
+            <a:spLocks noGrp="1"/>
+          </p:cNvSpPr>
+          <p:nvPr>
+            <p:ph idx="1"/>
+          </p:nvPr>
+        </p:nvSpPr>
+        <p:spPr/>
+        <p:txBody>
+          <a:bodyPr/>
+          <a:lstStyle/>
+          <a:p>
+            <a:r>
+              <a:rPr lang="en-US" dirty="0"/>
+              <a:t>Common growth barriers faced by software startups (e.g. scalability, funding, talent acquisition)</a:t>
+            </a:r>
+          </a:p>
+          <a:p>
+            <a:r>
+              <a:rPr lang="en-US" dirty="0"/>
+              <a:t>Strategies for overcoming these barriers (e.g. leveraging cloud computing, seeking funding from venture capitalists, building a strong team culture)</a:t>
+            </a:r>
+          </a:p>
+        </p:txBody>
+      </p:sp>
+      <p:sp>
+        <p:nvSpPr>
+          <p:cNvPr id="4" name="Slide Number Placeholder 3"/>
+          <p:cNvSpPr>
+            <a:spLocks noGrp="1"/>
+          </p:cNvSpPr>
+          <p:nvPr>
+            <p:ph type="sldNum" sz="quarter" idx="12"/>
+          </p:nvPr>
+        </p:nvSpPr>
+        <p:spPr/>
+        <p:txBody>
+          <a:bodyPr/>
+          <a:lstStyle/>
+          <a:p>
+            <a:fld id="{B8DACC02-A2BD-4578-8E03-6D891060A695}" type="slidenum">
+              <a:rPr lang="en-US" smtClean="0"/>
+              <a:pPr/>
+              <a:t>42</a:t>
+            </a:fld>
+            <a:endParaRPr lang="en-US" dirty="0"/>
+          </a:p>
+        </p:txBody>
+      </p:sp>
+    </p:spTree>
+    <p:extLst>
+      <p:ext uri="{BB962C8B-B14F-4D97-AF65-F5344CB8AC3E}">
+        <p14:creationId xmlns:p14="http://schemas.microsoft.com/office/powerpoint/2010/main" val="2938457771"/>
+      </p:ext>
+    </p:extLst>
+  </p:cSld>
+  <p:clrMapOvr>
+    <a:masterClrMapping/>
+  </p:clrMapOvr>
+</p:sld>
+</file>
+
+<file path=ppt/slides/slide5.xml><?xml version="1.0" encoding="utf-8"?>
+<p:sld xmlns:a="http://schemas.openxmlformats.org/drawingml/2006/main" xmlns:r="http://schemas.openxmlformats.org/officeDocument/2006/relationships" xmlns:p="http://schemas.openxmlformats.org/presentationml/2006/main">
+  <p:cSld>
+    <p:spTree>
+      <p:nvGrpSpPr>
+        <p:cNvPr id="1" name=""/>
+        <p:cNvGrpSpPr/>
+        <p:nvPr/>
+      </p:nvGrpSpPr>
+      <p:grpSpPr>
+        <a:xfrm>
+          <a:off x="0" y="0"/>
+          <a:ext cx="0" cy="0"/>
+          <a:chOff x="0" y="0"/>
+          <a:chExt cx="0" cy="0"/>
+        </a:xfrm>
+      </p:grpSpPr>
+      <p:sp>
+        <p:nvSpPr>
+          <p:cNvPr id="2" name="Title 1"/>
+          <p:cNvSpPr>
+            <a:spLocks noGrp="1"/>
+          </p:cNvSpPr>
+          <p:nvPr>
+            <p:ph type="title"/>
+          </p:nvPr>
+        </p:nvSpPr>
+        <p:spPr/>
+        <p:txBody>
+          <a:bodyPr/>
+          <a:lstStyle/>
+          <a:p>
+            <a:r>
+              <a:rPr lang="en-US" dirty="0"/>
+              <a:t>Defining Your Launch Strategy</a:t>
+            </a:r>
+          </a:p>
+        </p:txBody>
+      </p:sp>
+      <p:sp>
+        <p:nvSpPr>
+          <p:cNvPr id="3" name="Content Placeholder 2"/>
+          <p:cNvSpPr>
+            <a:spLocks noGrp="1"/>
+          </p:cNvSpPr>
+          <p:nvPr>
+            <p:ph idx="1"/>
+          </p:nvPr>
+        </p:nvSpPr>
+        <p:spPr/>
+        <p:txBody>
+          <a:bodyPr/>
+          <a:lstStyle/>
+          <a:p>
+            <a:r>
+              <a:rPr lang="en-US" dirty="0" smtClean="0"/>
+              <a:t>Different </a:t>
+            </a:r>
+            <a:r>
+              <a:rPr lang="en-US" dirty="0"/>
+              <a:t>launch </a:t>
+            </a:r>
+            <a:r>
+              <a:rPr lang="en-US" dirty="0" smtClean="0"/>
+              <a:t>strategies</a:t>
+            </a:r>
+          </a:p>
+        </p:txBody>
+      </p:sp>
+      <p:sp>
+        <p:nvSpPr>
+          <p:cNvPr id="4" name="Slide Number Placeholder 3"/>
+          <p:cNvSpPr>
+            <a:spLocks noGrp="1"/>
+          </p:cNvSpPr>
+          <p:nvPr>
+            <p:ph type="sldNum" sz="quarter" idx="12"/>
+          </p:nvPr>
+        </p:nvSpPr>
+        <p:spPr/>
+        <p:txBody>
+          <a:bodyPr/>
+          <a:lstStyle/>
+          <a:p>
+            <a:fld id="{B8DACC02-A2BD-4578-8E03-6D891060A695}" type="slidenum">
+              <a:rPr lang="en-US" smtClean="0"/>
+              <a:pPr/>
+              <a:t>5</a:t>
+            </a:fld>
+            <a:endParaRPr lang="en-US" dirty="0"/>
+          </a:p>
+        </p:txBody>
+      </p:sp>
+      <p:graphicFrame>
+        <p:nvGraphicFramePr>
+          <p:cNvPr id="5" name="Diagram 4"/>
+          <p:cNvGraphicFramePr/>
+          <p:nvPr>
+            <p:extLst>
+              <p:ext uri="{D42A27DB-BD31-4B8C-83A1-F6EECF244321}">
+                <p14:modId xmlns:p14="http://schemas.microsoft.com/office/powerpoint/2010/main" val="2550977452"/>
+              </p:ext>
+            </p:extLst>
+          </p:nvPr>
+        </p:nvGraphicFramePr>
+        <p:xfrm>
+          <a:off x="1402272" y="1922248"/>
+          <a:ext cx="8474974" cy="4430303"/>
+        </p:xfrm>
+        <a:graphic>
+          <a:graphicData uri="http://schemas.openxmlformats.org/drawingml/2006/diagram">
+            <dgm:relIds xmlns:dgm="http://schemas.openxmlformats.org/drawingml/2006/diagram" xmlns:r="http://schemas.openxmlformats.org/officeDocument/2006/relationships" r:dm="rId2" r:lo="rId3" r:qs="rId4" r:cs="rId5"/>
+          </a:graphicData>
+        </a:graphic>
+      </p:graphicFrame>
+    </p:spTree>
+    <p:extLst>
+      <p:ext uri="{BB962C8B-B14F-4D97-AF65-F5344CB8AC3E}">
+        <p14:creationId xmlns:p14="http://schemas.microsoft.com/office/powerpoint/2010/main" val="3856247084"/>
+      </p:ext>
+    </p:extLst>
+  </p:cSld>
+  <p:clrMapOvr>
+    <a:masterClrMapping/>
+  </p:clrMapOvr>
+</p:sld>
+</file>
+
+<file path=ppt/slides/slide6.xml><?xml version="1.0" encoding="utf-8"?>
+<p:sld xmlns:a="http://schemas.openxmlformats.org/drawingml/2006/main" xmlns:r="http://schemas.openxmlformats.org/officeDocument/2006/relationships" xmlns:p="http://schemas.openxmlformats.org/presentationml/2006/main">
+  <p:cSld>
+    <p:spTree>
+      <p:nvGrpSpPr>
+        <p:cNvPr id="1" name=""/>
+        <p:cNvGrpSpPr/>
+        <p:nvPr/>
+      </p:nvGrpSpPr>
+      <p:grpSpPr>
+        <a:xfrm>
+          <a:off x="0" y="0"/>
+          <a:ext cx="0" cy="0"/>
+          <a:chOff x="0" y="0"/>
+          <a:chExt cx="0" cy="0"/>
+        </a:xfrm>
+      </p:grpSpPr>
+      <p:sp>
+        <p:nvSpPr>
+          <p:cNvPr id="2" name="Title 1"/>
+          <p:cNvSpPr>
+            <a:spLocks noGrp="1"/>
+          </p:cNvSpPr>
+          <p:nvPr>
+            <p:ph type="title"/>
+          </p:nvPr>
+        </p:nvSpPr>
+        <p:spPr/>
+        <p:txBody>
+          <a:bodyPr/>
+          <a:lstStyle/>
+          <a:p>
+            <a:r>
+              <a:rPr lang="en-US" dirty="0"/>
+              <a:t>Defining Your Launch Strategy</a:t>
+            </a:r>
+          </a:p>
+        </p:txBody>
+      </p:sp>
+      <p:sp>
+        <p:nvSpPr>
+          <p:cNvPr id="3" name="Content Placeholder 2"/>
+          <p:cNvSpPr>
+            <a:spLocks noGrp="1"/>
+          </p:cNvSpPr>
+          <p:nvPr>
+            <p:ph idx="1"/>
+          </p:nvPr>
+        </p:nvSpPr>
+        <p:spPr/>
+        <p:txBody>
+          <a:bodyPr/>
+          <a:lstStyle/>
+          <a:p>
+            <a:r>
+              <a:rPr lang="en-US" dirty="0" smtClean="0"/>
+              <a:t>Factors </a:t>
+            </a:r>
+            <a:r>
+              <a:rPr lang="en-US" dirty="0"/>
+              <a:t>to consider when choosing a launch </a:t>
+            </a:r>
+            <a:r>
+              <a:rPr lang="en-US" dirty="0" smtClean="0"/>
+              <a:t>strategy</a:t>
+            </a:r>
+          </a:p>
+          <a:p>
+            <a:pPr lvl="1"/>
+            <a:r>
+              <a:rPr lang="en-US" dirty="0" smtClean="0"/>
+              <a:t>Market conditions</a:t>
+            </a:r>
+          </a:p>
+          <a:p>
+            <a:pPr lvl="1"/>
+            <a:r>
+              <a:rPr lang="en-US" dirty="0" smtClean="0"/>
+              <a:t>Product complexity and maturity</a:t>
+            </a:r>
+          </a:p>
+          <a:p>
+            <a:pPr lvl="1"/>
+            <a:r>
+              <a:rPr lang="en-US" dirty="0" smtClean="0"/>
+              <a:t>Competition</a:t>
+            </a:r>
+          </a:p>
+          <a:p>
+            <a:pPr lvl="1"/>
+            <a:r>
+              <a:rPr lang="en-US" dirty="0" smtClean="0"/>
+              <a:t>Budget and risk</a:t>
+            </a:r>
+            <a:endParaRPr lang="en-US" dirty="0"/>
+          </a:p>
+          <a:p>
+            <a:r>
+              <a:rPr lang="en-US" dirty="0"/>
+              <a:t>Aligning your launch strategy with your business goals</a:t>
+            </a:r>
+          </a:p>
+        </p:txBody>
+      </p:sp>
+      <p:sp>
+        <p:nvSpPr>
+          <p:cNvPr id="4" name="Slide Number Placeholder 3"/>
+          <p:cNvSpPr>
+            <a:spLocks noGrp="1"/>
+          </p:cNvSpPr>
+          <p:nvPr>
+            <p:ph type="sldNum" sz="quarter" idx="12"/>
+          </p:nvPr>
+        </p:nvSpPr>
+        <p:spPr/>
+        <p:txBody>
+          <a:bodyPr/>
+          <a:lstStyle/>
+          <a:p>
+            <a:fld id="{B8DACC02-A2BD-4578-8E03-6D891060A695}" type="slidenum">
+              <a:rPr lang="en-US" smtClean="0"/>
+              <a:pPr/>
+              <a:t>6</a:t>
+            </a:fld>
+            <a:endParaRPr lang="en-US" dirty="0"/>
+          </a:p>
+        </p:txBody>
+      </p:sp>
+      <p:pic>
+        <p:nvPicPr>
+          <p:cNvPr id="3074" name="Picture 2" descr="Aligning Marketing Strategies with Business Goals - Riley &amp; You"/>
+          <p:cNvPicPr>
+            <a:picLocks noChangeAspect="1" noChangeArrowheads="1"/>
+          </p:cNvPicPr>
+          <p:nvPr/>
+        </p:nvPicPr>
+        <p:blipFill rotWithShape="1">
+          <a:blip r:embed="rId2">
+            <a:duotone>
+              <a:schemeClr val="accent5">
+                <a:shade val="45000"/>
+                <a:satMod val="135000"/>
+              </a:schemeClr>
+              <a:prstClr val="white"/>
+            </a:duotone>
+            <a:extLst>
+              <a:ext uri="{28A0092B-C50C-407E-A947-70E740481C1C}">
+                <a14:useLocalDpi xmlns:a14="http://schemas.microsoft.com/office/drawing/2010/main" val="0"/>
+              </a:ext>
+            </a:extLst>
+          </a:blip>
+          <a:srcRect t="14685" b="15550"/>
+          <a:stretch/>
+        </p:blipFill>
+        <p:spPr bwMode="auto">
+          <a:xfrm>
+            <a:off x="5205896" y="4220654"/>
+            <a:ext cx="6271104" cy="1932317"/>
+          </a:xfrm>
+          <a:prstGeom prst="rect">
+            <a:avLst/>
+          </a:prstGeom>
+          <a:noFill/>
+          <a:extLst>
+            <a:ext uri="{909E8E84-426E-40DD-AFC4-6F175D3DCCD1}">
+              <a14:hiddenFill xmlns:a14="http://schemas.microsoft.com/office/drawing/2010/main">
+                <a:solidFill>
+                  <a:srgbClr val="FFFFFF"/>
+                </a:solidFill>
+              </a14:hiddenFill>
+            </a:ext>
+          </a:extLst>
+        </p:spPr>
+      </p:pic>
+    </p:spTree>
+    <p:extLst>
+      <p:ext uri="{BB962C8B-B14F-4D97-AF65-F5344CB8AC3E}">
+        <p14:creationId xmlns:p14="http://schemas.microsoft.com/office/powerpoint/2010/main" val="2421254853"/>
+      </p:ext>
+    </p:extLst>
+  </p:cSld>
+  <p:clrMapOvr>
+    <a:masterClrMapping/>
+  </p:clrMapOvr>
+</p:sld>
+</file>
+
+<file path=ppt/slides/slide7.xml><?xml version="1.0" encoding="utf-8"?>
+<p:sld xmlns:a="http://schemas.openxmlformats.org/drawingml/2006/main" xmlns:r="http://schemas.openxmlformats.org/officeDocument/2006/relationships" xmlns:p="http://schemas.openxmlformats.org/presentationml/2006/main">
+  <p:cSld>
+    <p:spTree>
+      <p:nvGrpSpPr>
+        <p:cNvPr id="1" name=""/>
+        <p:cNvGrpSpPr/>
+        <p:nvPr/>
+      </p:nvGrpSpPr>
+      <p:grpSpPr>
+        <a:xfrm>
+          <a:off x="0" y="0"/>
+          <a:ext cx="0" cy="0"/>
+          <a:chOff x="0" y="0"/>
+          <a:chExt cx="0" cy="0"/>
+        </a:xfrm>
+      </p:grpSpPr>
+      <p:sp>
+        <p:nvSpPr>
+          <p:cNvPr id="2" name="Title 1"/>
+          <p:cNvSpPr>
+            <a:spLocks noGrp="1"/>
+          </p:cNvSpPr>
+          <p:nvPr>
+            <p:ph type="title"/>
+          </p:nvPr>
+        </p:nvSpPr>
+        <p:spPr/>
+        <p:txBody>
+          <a:bodyPr/>
+          <a:lstStyle/>
+          <a:p>
+            <a:r>
+              <a:rPr lang="en-US" dirty="0"/>
+              <a:t>Planning Your Launch Timeline</a:t>
+            </a:r>
+          </a:p>
+        </p:txBody>
+      </p:sp>
+      <p:sp>
+        <p:nvSpPr>
+          <p:cNvPr id="3" name="Content Placeholder 2"/>
+          <p:cNvSpPr>
+            <a:spLocks noGrp="1"/>
+          </p:cNvSpPr>
+          <p:nvPr>
+            <p:ph idx="1"/>
+          </p:nvPr>
+        </p:nvSpPr>
+        <p:spPr/>
+        <p:txBody>
+          <a:bodyPr/>
+          <a:lstStyle/>
+          <a:p>
+            <a:r>
+              <a:rPr lang="en-US" dirty="0" smtClean="0"/>
+              <a:t>Creating </a:t>
+            </a:r>
+            <a:r>
+              <a:rPr lang="en-US" dirty="0"/>
+              <a:t>a timeline for your launch plan</a:t>
+            </a:r>
+          </a:p>
+          <a:p>
+            <a:r>
+              <a:rPr lang="en-US" dirty="0"/>
+              <a:t>Milestones to include in your timeline (e.g. product development, marketing campaigns, launch date)</a:t>
+            </a:r>
+          </a:p>
+          <a:p>
+            <a:r>
+              <a:rPr lang="en-US" dirty="0"/>
+              <a:t>Allocating resources and assigning responsibilities</a:t>
+            </a:r>
+          </a:p>
+        </p:txBody>
+      </p:sp>
+      <p:sp>
+        <p:nvSpPr>
+          <p:cNvPr id="4" name="Slide Number Placeholder 3"/>
+          <p:cNvSpPr>
+            <a:spLocks noGrp="1"/>
+          </p:cNvSpPr>
+          <p:nvPr>
+            <p:ph type="sldNum" sz="quarter" idx="12"/>
+          </p:nvPr>
+        </p:nvSpPr>
+        <p:spPr/>
+        <p:txBody>
+          <a:bodyPr/>
+          <a:lstStyle/>
+          <a:p>
+            <a:fld id="{B8DACC02-A2BD-4578-8E03-6D891060A695}" type="slidenum">
+              <a:rPr lang="en-US" smtClean="0"/>
+              <a:pPr/>
+              <a:t>7</a:t>
+            </a:fld>
+            <a:endParaRPr lang="en-US" dirty="0"/>
+          </a:p>
+        </p:txBody>
+      </p:sp>
+      <p:pic>
+        <p:nvPicPr>
+          <p:cNvPr id="4098" name="Picture 2" descr="How to Create a Product Launch Plan Roadmap"/>
+          <p:cNvPicPr>
+            <a:picLocks noChangeAspect="1" noChangeArrowheads="1"/>
+          </p:cNvPicPr>
+          <p:nvPr/>
+        </p:nvPicPr>
+        <p:blipFill rotWithShape="1">
+          <a:blip r:embed="rId2">
+            <a:duotone>
+              <a:schemeClr val="accent1">
+                <a:shade val="45000"/>
+                <a:satMod val="135000"/>
+              </a:schemeClr>
+              <a:prstClr val="white"/>
+            </a:duotone>
+            <a:extLst>
+              <a:ext uri="{28A0092B-C50C-407E-A947-70E740481C1C}">
+                <a14:useLocalDpi xmlns:a14="http://schemas.microsoft.com/office/drawing/2010/main" val="0"/>
+              </a:ext>
+            </a:extLst>
+          </a:blip>
+          <a:srcRect l="1943" t="22233" r="2006" b="13729"/>
+          <a:stretch/>
+        </p:blipFill>
+        <p:spPr bwMode="auto">
+          <a:xfrm>
+            <a:off x="4695297" y="3899140"/>
+            <a:ext cx="7217782" cy="2518913"/>
+          </a:xfrm>
+          <a:prstGeom prst="rect">
+            <a:avLst/>
+          </a:prstGeom>
+          <a:noFill/>
+          <a:extLst>
+            <a:ext uri="{909E8E84-426E-40DD-AFC4-6F175D3DCCD1}">
+              <a14:hiddenFill xmlns:a14="http://schemas.microsoft.com/office/drawing/2010/main">
+                <a:solidFill>
+                  <a:srgbClr val="FFFFFF"/>
+                </a:solidFill>
+              </a14:hiddenFill>
+            </a:ext>
+          </a:extLst>
+        </p:spPr>
+      </p:pic>
+    </p:spTree>
+    <p:extLst>
+      <p:ext uri="{BB962C8B-B14F-4D97-AF65-F5344CB8AC3E}">
+        <p14:creationId xmlns:p14="http://schemas.microsoft.com/office/powerpoint/2010/main" val="2878878868"/>
+      </p:ext>
+    </p:extLst>
+  </p:cSld>
+  <p:clrMapOvr>
+    <a:masterClrMapping/>
+  </p:clrMapOvr>
+</p:sld>
+</file>
+
+<file path=ppt/slides/slide8.xml><?xml version="1.0" encoding="utf-8"?>
+<p:sld xmlns:a="http://schemas.openxmlformats.org/drawingml/2006/main" xmlns:r="http://schemas.openxmlformats.org/officeDocument/2006/relationships" xmlns:p="http://schemas.openxmlformats.org/presentationml/2006/main">
+  <p:cSld>
+    <p:spTree>
+      <p:nvGrpSpPr>
+        <p:cNvPr id="1" name=""/>
+        <p:cNvGrpSpPr/>
+        <p:nvPr/>
+      </p:nvGrpSpPr>
+      <p:grpSpPr>
+        <a:xfrm>
+          <a:off x="0" y="0"/>
+          <a:ext cx="0" cy="0"/>
+          <a:chOff x="0" y="0"/>
+          <a:chExt cx="0" cy="0"/>
+        </a:xfrm>
+      </p:grpSpPr>
+      <p:sp>
+        <p:nvSpPr>
+          <p:cNvPr id="2" name="Title 1"/>
+          <p:cNvSpPr>
+            <a:spLocks noGrp="1"/>
+          </p:cNvSpPr>
+          <p:nvPr>
+            <p:ph type="title"/>
+          </p:nvPr>
+        </p:nvSpPr>
+        <p:spPr/>
+        <p:txBody>
+          <a:bodyPr/>
+          <a:lstStyle/>
+          <a:p>
+            <a:r>
+              <a:rPr lang="en-US" dirty="0"/>
+              <a:t>Pricing Your Product/Service</a:t>
+            </a:r>
+          </a:p>
+        </p:txBody>
+      </p:sp>
+      <p:sp>
+        <p:nvSpPr>
+          <p:cNvPr id="3" name="Content Placeholder 2"/>
+          <p:cNvSpPr>
+            <a:spLocks noGrp="1"/>
+          </p:cNvSpPr>
+          <p:nvPr>
+            <p:ph idx="1"/>
+          </p:nvPr>
+        </p:nvSpPr>
+        <p:spPr/>
+        <p:txBody>
+          <a:bodyPr/>
+          <a:lstStyle/>
+          <a:p>
+            <a:r>
+              <a:rPr lang="en-US" dirty="0"/>
+              <a:t>Understanding your pricing options (e.g. freemium, subscription, perpetual license)</a:t>
+            </a:r>
+          </a:p>
+          <a:p>
+            <a:r>
+              <a:rPr lang="en-US" dirty="0"/>
+              <a:t>Factors to consider when setting your price (e.g. costs, competition, customer perceived value)</a:t>
+            </a:r>
+          </a:p>
+          <a:p>
+            <a:r>
+              <a:rPr lang="en-US" dirty="0"/>
+              <a:t>Strategies for optimizing your </a:t>
+            </a:r>
+            <a:r>
+              <a:rPr lang="en-US" dirty="0" smtClean="0"/>
+              <a:t>pricing</a:t>
+            </a:r>
+          </a:p>
+          <a:p>
+            <a:pPr lvl="1"/>
+            <a:r>
+              <a:rPr lang="en-US" dirty="0" smtClean="0"/>
+              <a:t>Price anchoring</a:t>
+            </a:r>
+          </a:p>
+          <a:p>
+            <a:pPr lvl="1"/>
+            <a:r>
+              <a:rPr lang="en-US" dirty="0" smtClean="0"/>
+              <a:t>Tiered pricing</a:t>
+            </a:r>
+            <a:endParaRPr lang="en-US" dirty="0"/>
+          </a:p>
+        </p:txBody>
+      </p:sp>
+      <p:sp>
+        <p:nvSpPr>
+          <p:cNvPr id="4" name="Slide Number Placeholder 3"/>
+          <p:cNvSpPr>
+            <a:spLocks noGrp="1"/>
+          </p:cNvSpPr>
+          <p:nvPr>
+            <p:ph type="sldNum" sz="quarter" idx="12"/>
+          </p:nvPr>
+        </p:nvSpPr>
+        <p:spPr/>
+        <p:txBody>
+          <a:bodyPr/>
+          <a:lstStyle/>
+          <a:p>
+            <a:fld id="{B8DACC02-A2BD-4578-8E03-6D891060A695}" type="slidenum">
+              <a:rPr lang="en-US" smtClean="0"/>
+              <a:pPr/>
+              <a:t>8</a:t>
+            </a:fld>
+            <a:endParaRPr lang="en-US" dirty="0"/>
+          </a:p>
+        </p:txBody>
+      </p:sp>
+      <p:pic>
+        <p:nvPicPr>
+          <p:cNvPr id="5122" name="Picture 2" descr="Market Based Pricing - Definition, Importance &amp; Example | Marketing  Overview | MBA Skool"/>
+          <p:cNvPicPr>
+            <a:picLocks noChangeAspect="1" noChangeArrowheads="1"/>
+          </p:cNvPicPr>
+          <p:nvPr/>
+        </p:nvPicPr>
+        <p:blipFill>
+          <a:blip r:embed="rId2">
+            <a:extLst>
+              <a:ext uri="{28A0092B-C50C-407E-A947-70E740481C1C}">
+                <a14:useLocalDpi xmlns:a14="http://schemas.microsoft.com/office/drawing/2010/main" val="0"/>
+              </a:ext>
+            </a:extLst>
+          </a:blip>
+          <a:srcRect/>
+          <a:stretch>
+            <a:fillRect/>
+          </a:stretch>
+        </p:blipFill>
+        <p:spPr bwMode="auto">
+          <a:xfrm>
+            <a:off x="7584745" y="2917764"/>
+            <a:ext cx="4152900" cy="3514726"/>
+          </a:xfrm>
+          <a:prstGeom prst="rect">
+            <a:avLst/>
+          </a:prstGeom>
+          <a:noFill/>
+          <a:extLst>
+            <a:ext uri="{909E8E84-426E-40DD-AFC4-6F175D3DCCD1}">
+              <a14:hiddenFill xmlns:a14="http://schemas.microsoft.com/office/drawing/2010/main">
+                <a:solidFill>
+                  <a:srgbClr val="FFFFFF"/>
+                </a:solidFill>
+              </a14:hiddenFill>
+            </a:ext>
+          </a:extLst>
+        </p:spPr>
+      </p:pic>
+    </p:spTree>
+    <p:extLst>
+      <p:ext uri="{BB962C8B-B14F-4D97-AF65-F5344CB8AC3E}">
+        <p14:creationId xmlns:p14="http://schemas.microsoft.com/office/powerpoint/2010/main" val="808850954"/>
+      </p:ext>
+    </p:extLst>
+  </p:cSld>
+  <p:clrMapOvr>
+    <a:masterClrMapping/>
+  </p:clrMapOvr>
+</p:sld>
+</file>
+
+<file path=ppt/slides/slide9.xml><?xml version="1.0" encoding="utf-8"?>
+<p:sld xmlns:a="http://schemas.openxmlformats.org/drawingml/2006/main" xmlns:r="http://schemas.openxmlformats.org/officeDocument/2006/relationships" xmlns:p="http://schemas.openxmlformats.org/presentationml/2006/main">
+  <p:cSld>
+    <p:spTree>
+      <p:nvGrpSpPr>
+        <p:cNvPr id="1" name=""/>
+        <p:cNvGrpSpPr/>
+        <p:nvPr/>
+      </p:nvGrpSpPr>
+      <p:grpSpPr>
+        <a:xfrm>
+          <a:off x="0" y="0"/>
+          <a:ext cx="0" cy="0"/>
+          <a:chOff x="0" y="0"/>
+          <a:chExt cx="0" cy="0"/>
+        </a:xfrm>
+      </p:grpSpPr>
+      <p:sp>
+        <p:nvSpPr>
+          <p:cNvPr id="2" name="Title 1"/>
+          <p:cNvSpPr>
+            <a:spLocks noGrp="1"/>
+          </p:cNvSpPr>
+          <p:nvPr>
+            <p:ph type="title"/>
+          </p:nvPr>
+        </p:nvSpPr>
+        <p:spPr/>
+        <p:txBody>
+          <a:bodyPr/>
+          <a:lstStyle/>
+          <a:p>
+            <a:r>
+              <a:rPr lang="en-US" dirty="0"/>
+              <a:t>Setting Up Billing/Payment Systems</a:t>
+            </a:r>
+          </a:p>
+        </p:txBody>
+      </p:sp>
+      <p:sp>
+        <p:nvSpPr>
+          <p:cNvPr id="3" name="Content Placeholder 2"/>
+          <p:cNvSpPr>
+            <a:spLocks noGrp="1"/>
+          </p:cNvSpPr>
+          <p:nvPr>
+            <p:ph idx="1"/>
+          </p:nvPr>
+        </p:nvSpPr>
+        <p:spPr/>
+        <p:txBody>
+          <a:bodyPr/>
+          <a:lstStyle/>
+          <a:p>
+            <a:r>
+              <a:rPr lang="en-US" dirty="0"/>
+              <a:t>D</a:t>
+            </a:r>
+            <a:r>
+              <a:rPr lang="en-US" dirty="0" smtClean="0"/>
+              <a:t>ifferent </a:t>
+            </a:r>
+            <a:r>
+              <a:rPr lang="en-US" dirty="0"/>
+              <a:t>billing and payment systems (e.g. Stripe, PayPal, invoicing)</a:t>
+            </a:r>
+          </a:p>
+          <a:p>
+            <a:r>
+              <a:rPr lang="en-US" dirty="0"/>
+              <a:t>Factors to consider when choosing a billing/payment system (e.g. security, ease of use, integrations)</a:t>
+            </a:r>
+          </a:p>
+          <a:p>
+            <a:r>
+              <a:rPr lang="en-US" dirty="0"/>
+              <a:t>Setting up and testing your billing/payment system</a:t>
+            </a:r>
+          </a:p>
+        </p:txBody>
+      </p:sp>
+      <p:sp>
+        <p:nvSpPr>
+          <p:cNvPr id="4" name="Slide Number Placeholder 3"/>
+          <p:cNvSpPr>
+            <a:spLocks noGrp="1"/>
+          </p:cNvSpPr>
+          <p:nvPr>
+            <p:ph type="sldNum" sz="quarter" idx="12"/>
+          </p:nvPr>
+        </p:nvSpPr>
+        <p:spPr/>
+        <p:txBody>
+          <a:bodyPr/>
+          <a:lstStyle/>
+          <a:p>
+            <a:fld id="{B8DACC02-A2BD-4578-8E03-6D891060A695}" type="slidenum">
+              <a:rPr lang="en-US" smtClean="0"/>
+              <a:pPr/>
+              <a:t>9</a:t>
+            </a:fld>
+            <a:endParaRPr lang="en-US" dirty="0"/>
+          </a:p>
+        </p:txBody>
+      </p:sp>
+      <p:pic>
+        <p:nvPicPr>
+          <p:cNvPr id="6146" name="Picture 2" descr="How to Get Started With Subscription Billing Software - Chargebee"/>
+          <p:cNvPicPr>
+            <a:picLocks noChangeAspect="1" noChangeArrowheads="1"/>
+          </p:cNvPicPr>
+          <p:nvPr/>
+        </p:nvPicPr>
+        <p:blipFill>
+          <a:blip r:embed="rId2">
+            <a:extLst>
+              <a:ext uri="{28A0092B-C50C-407E-A947-70E740481C1C}">
+                <a14:useLocalDpi xmlns:a14="http://schemas.microsoft.com/office/drawing/2010/main" val="0"/>
+              </a:ext>
+            </a:extLst>
+          </a:blip>
+          <a:srcRect/>
+          <a:stretch>
+            <a:fillRect/>
+          </a:stretch>
+        </p:blipFill>
+        <p:spPr bwMode="auto">
+          <a:xfrm>
+            <a:off x="4908430" y="4292157"/>
+            <a:ext cx="6482691" cy="2078421"/>
+          </a:xfrm>
+          <a:prstGeom prst="rect">
+            <a:avLst/>
+          </a:prstGeom>
+          <a:noFill/>
+          <a:extLst>
+            <a:ext uri="{909E8E84-426E-40DD-AFC4-6F175D3DCCD1}">
+              <a14:hiddenFill xmlns:a14="http://schemas.microsoft.com/office/drawing/2010/main">
+                <a:solidFill>
+                  <a:srgbClr val="FFFFFF"/>
+                </a:solidFill>
+              </a14:hiddenFill>
+            </a:ext>
+          </a:extLst>
+        </p:spPr>
+      </p:pic>
+    </p:spTree>
+    <p:extLst>
+      <p:ext uri="{BB962C8B-B14F-4D97-AF65-F5344CB8AC3E}">
+        <p14:creationId xmlns:p14="http://schemas.microsoft.com/office/powerpoint/2010/main" val="3949252720"/>
+      </p:ext>
+    </p:extLst>
+  </p:cSld>
+  <p:clrMapOvr>
+    <a:masterClrMapping/>
+  </p:clrMapOvr>
 </p:sld>
 </file>
 

--- a/SE495/Lectures/6-Launching and Marketing/Launching and Marketing.pptx
+++ b/SE495/Lectures/6-Launching and Marketing/Launching and Marketing.pptx
@@ -5,7 +5,7 @@
     <p:sldMasterId id="2147483648" r:id="rId1"/>
   </p:sldMasterIdLst>
   <p:notesMasterIdLst>
-    <p:notesMasterId r:id="rId44"/>
+    <p:notesMasterId r:id="rId66"/>
   </p:notesMasterIdLst>
   <p:sldIdLst>
     <p:sldId id="256" r:id="rId2"/>
@@ -37,19 +37,41 @@
     <p:sldId id="772" r:id="rId28"/>
     <p:sldId id="773" r:id="rId29"/>
     <p:sldId id="775" r:id="rId30"/>
-    <p:sldId id="774" r:id="rId31"/>
-    <p:sldId id="778" r:id="rId32"/>
-    <p:sldId id="779" r:id="rId33"/>
-    <p:sldId id="780" r:id="rId34"/>
-    <p:sldId id="777" r:id="rId35"/>
-    <p:sldId id="781" r:id="rId36"/>
-    <p:sldId id="782" r:id="rId37"/>
-    <p:sldId id="783" r:id="rId38"/>
-    <p:sldId id="784" r:id="rId39"/>
-    <p:sldId id="785" r:id="rId40"/>
-    <p:sldId id="786" r:id="rId41"/>
-    <p:sldId id="787" r:id="rId42"/>
-    <p:sldId id="788" r:id="rId43"/>
+    <p:sldId id="789" r:id="rId31"/>
+    <p:sldId id="790" r:id="rId32"/>
+    <p:sldId id="798" r:id="rId33"/>
+    <p:sldId id="791" r:id="rId34"/>
+    <p:sldId id="792" r:id="rId35"/>
+    <p:sldId id="793" r:id="rId36"/>
+    <p:sldId id="794" r:id="rId37"/>
+    <p:sldId id="795" r:id="rId38"/>
+    <p:sldId id="796" r:id="rId39"/>
+    <p:sldId id="797" r:id="rId40"/>
+    <p:sldId id="799" r:id="rId41"/>
+    <p:sldId id="800" r:id="rId42"/>
+    <p:sldId id="802" r:id="rId43"/>
+    <p:sldId id="804" r:id="rId44"/>
+    <p:sldId id="801" r:id="rId45"/>
+    <p:sldId id="803" r:id="rId46"/>
+    <p:sldId id="805" r:id="rId47"/>
+    <p:sldId id="806" r:id="rId48"/>
+    <p:sldId id="774" r:id="rId49"/>
+    <p:sldId id="807" r:id="rId50"/>
+    <p:sldId id="808" r:id="rId51"/>
+    <p:sldId id="809" r:id="rId52"/>
+    <p:sldId id="810" r:id="rId53"/>
+    <p:sldId id="811" r:id="rId54"/>
+    <p:sldId id="779" r:id="rId55"/>
+    <p:sldId id="780" r:id="rId56"/>
+    <p:sldId id="777" r:id="rId57"/>
+    <p:sldId id="781" r:id="rId58"/>
+    <p:sldId id="782" r:id="rId59"/>
+    <p:sldId id="783" r:id="rId60"/>
+    <p:sldId id="784" r:id="rId61"/>
+    <p:sldId id="785" r:id="rId62"/>
+    <p:sldId id="786" r:id="rId63"/>
+    <p:sldId id="787" r:id="rId64"/>
+    <p:sldId id="788" r:id="rId65"/>
   </p:sldIdLst>
   <p:sldSz cx="12192000" cy="6858000"/>
   <p:notesSz cx="6858000" cy="9144000"/>
@@ -1014,14 +1036,11 @@
         <a:lstStyle/>
         <a:p>
           <a:r>
-            <a:rPr lang="en-US" dirty="0" smtClean="0">
+            <a:rPr lang="en-US" dirty="0">
               <a:latin typeface="Candara" panose="020E0502030303020204" pitchFamily="34" charset="0"/>
             </a:rPr>
             <a:t>Soft launch</a:t>
           </a:r>
-          <a:endParaRPr lang="en-US" dirty="0">
-            <a:latin typeface="Candara" panose="020E0502030303020204" pitchFamily="34" charset="0"/>
-          </a:endParaRPr>
         </a:p>
       </dgm:t>
     </dgm:pt>
@@ -1059,14 +1078,11 @@
         <a:lstStyle/>
         <a:p>
           <a:r>
-            <a:rPr lang="en-US" dirty="0" smtClean="0">
+            <a:rPr lang="en-US" dirty="0">
               <a:latin typeface="Candara" panose="020E0502030303020204" pitchFamily="34" charset="0"/>
             </a:rPr>
             <a:t>Launching a product or service to a limited audience in order to get feedback and make improvements before launching to the general public.</a:t>
           </a:r>
-          <a:endParaRPr lang="en-US" dirty="0">
-            <a:latin typeface="Candara" panose="020E0502030303020204" pitchFamily="34" charset="0"/>
-          </a:endParaRPr>
         </a:p>
       </dgm:t>
     </dgm:pt>
@@ -1104,14 +1120,11 @@
         <a:lstStyle/>
         <a:p>
           <a:r>
-            <a:rPr lang="en-US" dirty="0" smtClean="0">
+            <a:rPr lang="en-US" dirty="0">
               <a:latin typeface="Candara" panose="020E0502030303020204" pitchFamily="34" charset="0"/>
             </a:rPr>
             <a:t>Hard launch</a:t>
           </a:r>
-          <a:endParaRPr lang="en-US" dirty="0">
-            <a:latin typeface="Candara" panose="020E0502030303020204" pitchFamily="34" charset="0"/>
-          </a:endParaRPr>
         </a:p>
       </dgm:t>
     </dgm:pt>
@@ -1149,14 +1162,11 @@
         <a:lstStyle/>
         <a:p>
           <a:r>
-            <a:rPr lang="en-US" dirty="0" smtClean="0">
+            <a:rPr lang="en-US" dirty="0">
               <a:latin typeface="Candara" panose="020E0502030303020204" pitchFamily="34" charset="0"/>
             </a:rPr>
             <a:t>Launching a product or service to the general public all at once.</a:t>
           </a:r>
-          <a:endParaRPr lang="en-US" dirty="0">
-            <a:latin typeface="Candara" panose="020E0502030303020204" pitchFamily="34" charset="0"/>
-          </a:endParaRPr>
         </a:p>
       </dgm:t>
     </dgm:pt>
@@ -1194,14 +1204,11 @@
         <a:lstStyle/>
         <a:p>
           <a:r>
-            <a:rPr lang="en-US" dirty="0" smtClean="0">
+            <a:rPr lang="en-US" dirty="0">
               <a:latin typeface="Candara" panose="020E0502030303020204" pitchFamily="34" charset="0"/>
             </a:rPr>
             <a:t>Phased launch</a:t>
           </a:r>
-          <a:endParaRPr lang="en-US" dirty="0">
-            <a:latin typeface="Candara" panose="020E0502030303020204" pitchFamily="34" charset="0"/>
-          </a:endParaRPr>
         </a:p>
       </dgm:t>
     </dgm:pt>
@@ -1239,14 +1246,11 @@
         <a:lstStyle/>
         <a:p>
           <a:r>
-            <a:rPr lang="en-US" smtClean="0">
+            <a:rPr lang="en-US">
               <a:latin typeface="Candara" panose="020E0502030303020204" pitchFamily="34" charset="0"/>
             </a:rPr>
             <a:t>Launching a product or service to different market segments or geographic regions over time.</a:t>
           </a:r>
-          <a:endParaRPr lang="en-US">
-            <a:latin typeface="Candara" panose="020E0502030303020204" pitchFamily="34" charset="0"/>
-          </a:endParaRPr>
         </a:p>
       </dgm:t>
     </dgm:pt>
@@ -1298,13 +1302,6 @@
         </dgm:presLayoutVars>
       </dgm:prSet>
       <dgm:spPr/>
-      <dgm:t>
-        <a:bodyPr/>
-        <a:lstStyle/>
-        <a:p>
-          <a:endParaRPr lang="en-US"/>
-        </a:p>
-      </dgm:t>
     </dgm:pt>
     <dgm:pt modelId="{05038D2E-9FBD-4632-B985-BA0540964C69}" type="pres">
       <dgm:prSet presAssocID="{6AEA6409-ADA9-4247-9245-B517EC31D22A}" presName="descendantText" presStyleLbl="alignAccFollowNode1" presStyleIdx="0" presStyleCnt="3">
@@ -1313,13 +1310,6 @@
         </dgm:presLayoutVars>
       </dgm:prSet>
       <dgm:spPr/>
-      <dgm:t>
-        <a:bodyPr/>
-        <a:lstStyle/>
-        <a:p>
-          <a:endParaRPr lang="en-US"/>
-        </a:p>
-      </dgm:t>
     </dgm:pt>
     <dgm:pt modelId="{43594708-51BD-4451-9807-E9C4126CD555}" type="pres">
       <dgm:prSet presAssocID="{CB7FA1F9-4E4D-4B07-B88D-1CFB547D4217}" presName="sp" presStyleCnt="0"/>
@@ -1337,13 +1327,6 @@
         </dgm:presLayoutVars>
       </dgm:prSet>
       <dgm:spPr/>
-      <dgm:t>
-        <a:bodyPr/>
-        <a:lstStyle/>
-        <a:p>
-          <a:endParaRPr lang="en-US"/>
-        </a:p>
-      </dgm:t>
     </dgm:pt>
     <dgm:pt modelId="{DE65FB4D-CC8D-44D4-90EC-300D5105D2BD}" type="pres">
       <dgm:prSet presAssocID="{641424A0-9DC4-4A88-BBAA-26A712CF0934}" presName="descendantText" presStyleLbl="alignAccFollowNode1" presStyleIdx="1" presStyleCnt="3">
@@ -1352,13 +1335,6 @@
         </dgm:presLayoutVars>
       </dgm:prSet>
       <dgm:spPr/>
-      <dgm:t>
-        <a:bodyPr/>
-        <a:lstStyle/>
-        <a:p>
-          <a:endParaRPr lang="en-US"/>
-        </a:p>
-      </dgm:t>
     </dgm:pt>
     <dgm:pt modelId="{6D81E8E3-25BE-4FE7-87F2-FCCAC7B6E713}" type="pres">
       <dgm:prSet presAssocID="{736B245E-E9D4-4E21-9B74-7F49861DE90A}" presName="sp" presStyleCnt="0"/>
@@ -1376,13 +1352,6 @@
         </dgm:presLayoutVars>
       </dgm:prSet>
       <dgm:spPr/>
-      <dgm:t>
-        <a:bodyPr/>
-        <a:lstStyle/>
-        <a:p>
-          <a:endParaRPr lang="en-US"/>
-        </a:p>
-      </dgm:t>
     </dgm:pt>
     <dgm:pt modelId="{668B52BB-D385-4FAF-8096-33D634D9E38A}" type="pres">
       <dgm:prSet presAssocID="{F9FB6F29-3345-4669-97FB-268752D0DF14}" presName="descendantText" presStyleLbl="alignAccFollowNode1" presStyleIdx="2" presStyleCnt="3">
@@ -1391,29 +1360,22 @@
         </dgm:presLayoutVars>
       </dgm:prSet>
       <dgm:spPr/>
-      <dgm:t>
-        <a:bodyPr/>
-        <a:lstStyle/>
-        <a:p>
-          <a:endParaRPr lang="en-US"/>
-        </a:p>
-      </dgm:t>
     </dgm:pt>
   </dgm:ptLst>
   <dgm:cxnLst>
+    <dgm:cxn modelId="{35739D07-46D5-49CE-B076-6F3711F2FCFE}" type="presOf" srcId="{12B70C77-AFB3-4ECA-8EBB-063C4B18BADE}" destId="{9C5B82B0-7EE0-49CC-A4B0-BF0BB22DBABB}" srcOrd="0" destOrd="0" presId="urn:microsoft.com/office/officeart/2005/8/layout/vList5"/>
+    <dgm:cxn modelId="{4DD11428-020E-4607-9F8D-762E27D4DA74}" type="presOf" srcId="{06ED9058-C441-4C0D-8DCD-74F067E4FF2B}" destId="{668B52BB-D385-4FAF-8096-33D634D9E38A}" srcOrd="0" destOrd="0" presId="urn:microsoft.com/office/officeart/2005/8/layout/vList5"/>
+    <dgm:cxn modelId="{77829D5B-21AF-4F16-88BE-0FCD943BCA9A}" srcId="{12B70C77-AFB3-4ECA-8EBB-063C4B18BADE}" destId="{641424A0-9DC4-4A88-BBAA-26A712CF0934}" srcOrd="1" destOrd="0" parTransId="{E3D67A63-E99B-4CFB-8C95-F51A4F094CF4}" sibTransId="{736B245E-E9D4-4E21-9B74-7F49861DE90A}"/>
+    <dgm:cxn modelId="{70B04349-B1F8-4B89-8127-CA80FE3FFEFC}" type="presOf" srcId="{641424A0-9DC4-4A88-BBAA-26A712CF0934}" destId="{BE49D0E7-413F-4240-806D-34283FF5EC67}" srcOrd="0" destOrd="0" presId="urn:microsoft.com/office/officeart/2005/8/layout/vList5"/>
+    <dgm:cxn modelId="{147BFE4F-9FDD-4398-9E37-1942E5FC5333}" srcId="{12B70C77-AFB3-4ECA-8EBB-063C4B18BADE}" destId="{F9FB6F29-3345-4669-97FB-268752D0DF14}" srcOrd="2" destOrd="0" parTransId="{41BDDE0C-277B-4726-BB4B-41ACABD19009}" sibTransId="{B6F083B3-B776-40CB-8F32-234B58412C19}"/>
+    <dgm:cxn modelId="{A2A01876-D67A-4F90-9F00-F80B7F256C02}" type="presOf" srcId="{4EB99F25-FBBA-4362-8298-2284754D2F4F}" destId="{05038D2E-9FBD-4632-B985-BA0540964C69}" srcOrd="0" destOrd="0" presId="urn:microsoft.com/office/officeart/2005/8/layout/vList5"/>
+    <dgm:cxn modelId="{0A94BA9D-5E4D-4618-B52B-FAC45AD2C297}" srcId="{F9FB6F29-3345-4669-97FB-268752D0DF14}" destId="{06ED9058-C441-4C0D-8DCD-74F067E4FF2B}" srcOrd="0" destOrd="0" parTransId="{FC1711AF-A172-4815-B6CC-2EE7C2576039}" sibTransId="{9D00372C-0A2C-4672-95DD-921A8A32335F}"/>
     <dgm:cxn modelId="{913568A5-16B0-47E6-B6D3-EFE3D45F2948}" srcId="{12B70C77-AFB3-4ECA-8EBB-063C4B18BADE}" destId="{6AEA6409-ADA9-4247-9245-B517EC31D22A}" srcOrd="0" destOrd="0" parTransId="{8696FDEA-5E99-464D-97A4-AB5A50EA42C8}" sibTransId="{CB7FA1F9-4E4D-4B07-B88D-1CFB547D4217}"/>
-    <dgm:cxn modelId="{0A94BA9D-5E4D-4618-B52B-FAC45AD2C297}" srcId="{F9FB6F29-3345-4669-97FB-268752D0DF14}" destId="{06ED9058-C441-4C0D-8DCD-74F067E4FF2B}" srcOrd="0" destOrd="0" parTransId="{FC1711AF-A172-4815-B6CC-2EE7C2576039}" sibTransId="{9D00372C-0A2C-4672-95DD-921A8A32335F}"/>
+    <dgm:cxn modelId="{29DCF8C6-2F8C-4302-9F86-32235E6E441F}" type="presOf" srcId="{B791DE02-33AF-4373-9EE5-8551292988C7}" destId="{DE65FB4D-CC8D-44D4-90EC-300D5105D2BD}" srcOrd="0" destOrd="0" presId="urn:microsoft.com/office/officeart/2005/8/layout/vList5"/>
+    <dgm:cxn modelId="{C64653D0-BD3B-4B75-8BEB-7178257A483D}" srcId="{641424A0-9DC4-4A88-BBAA-26A712CF0934}" destId="{B791DE02-33AF-4373-9EE5-8551292988C7}" srcOrd="0" destOrd="0" parTransId="{7DB64F2E-176C-4263-8C08-BEE513653055}" sibTransId="{B4AFA84F-EC13-4E87-BCE7-F64FA23A03F1}"/>
     <dgm:cxn modelId="{13809AD8-7041-4294-A42A-F9D787214015}" type="presOf" srcId="{6AEA6409-ADA9-4247-9245-B517EC31D22A}" destId="{F817C4AC-D362-4474-8F6D-4B7D41E0A0A7}" srcOrd="0" destOrd="0" presId="urn:microsoft.com/office/officeart/2005/8/layout/vList5"/>
-    <dgm:cxn modelId="{35739D07-46D5-49CE-B076-6F3711F2FCFE}" type="presOf" srcId="{12B70C77-AFB3-4ECA-8EBB-063C4B18BADE}" destId="{9C5B82B0-7EE0-49CC-A4B0-BF0BB22DBABB}" srcOrd="0" destOrd="0" presId="urn:microsoft.com/office/officeart/2005/8/layout/vList5"/>
+    <dgm:cxn modelId="{68C13FD9-B26C-4B78-A02B-CF00D5E02DD7}" type="presOf" srcId="{F9FB6F29-3345-4669-97FB-268752D0DF14}" destId="{A0BD178B-A294-43E0-9BAF-37E2280C15BA}" srcOrd="0" destOrd="0" presId="urn:microsoft.com/office/officeart/2005/8/layout/vList5"/>
     <dgm:cxn modelId="{4AC0E5F1-C978-479F-AF75-68D223ADE512}" srcId="{6AEA6409-ADA9-4247-9245-B517EC31D22A}" destId="{4EB99F25-FBBA-4362-8298-2284754D2F4F}" srcOrd="0" destOrd="0" parTransId="{0A7F1E29-D037-40BF-8BA5-6BCF82B54727}" sibTransId="{BFE4A113-F5BE-402F-B721-CC978549FAD0}"/>
-    <dgm:cxn modelId="{147BFE4F-9FDD-4398-9E37-1942E5FC5333}" srcId="{12B70C77-AFB3-4ECA-8EBB-063C4B18BADE}" destId="{F9FB6F29-3345-4669-97FB-268752D0DF14}" srcOrd="2" destOrd="0" parTransId="{41BDDE0C-277B-4726-BB4B-41ACABD19009}" sibTransId="{B6F083B3-B776-40CB-8F32-234B58412C19}"/>
-    <dgm:cxn modelId="{C64653D0-BD3B-4B75-8BEB-7178257A483D}" srcId="{641424A0-9DC4-4A88-BBAA-26A712CF0934}" destId="{B791DE02-33AF-4373-9EE5-8551292988C7}" srcOrd="0" destOrd="0" parTransId="{7DB64F2E-176C-4263-8C08-BEE513653055}" sibTransId="{B4AFA84F-EC13-4E87-BCE7-F64FA23A03F1}"/>
-    <dgm:cxn modelId="{A2A01876-D67A-4F90-9F00-F80B7F256C02}" type="presOf" srcId="{4EB99F25-FBBA-4362-8298-2284754D2F4F}" destId="{05038D2E-9FBD-4632-B985-BA0540964C69}" srcOrd="0" destOrd="0" presId="urn:microsoft.com/office/officeart/2005/8/layout/vList5"/>
-    <dgm:cxn modelId="{70B04349-B1F8-4B89-8127-CA80FE3FFEFC}" type="presOf" srcId="{641424A0-9DC4-4A88-BBAA-26A712CF0934}" destId="{BE49D0E7-413F-4240-806D-34283FF5EC67}" srcOrd="0" destOrd="0" presId="urn:microsoft.com/office/officeart/2005/8/layout/vList5"/>
-    <dgm:cxn modelId="{4DD11428-020E-4607-9F8D-762E27D4DA74}" type="presOf" srcId="{06ED9058-C441-4C0D-8DCD-74F067E4FF2B}" destId="{668B52BB-D385-4FAF-8096-33D634D9E38A}" srcOrd="0" destOrd="0" presId="urn:microsoft.com/office/officeart/2005/8/layout/vList5"/>
-    <dgm:cxn modelId="{68C13FD9-B26C-4B78-A02B-CF00D5E02DD7}" type="presOf" srcId="{F9FB6F29-3345-4669-97FB-268752D0DF14}" destId="{A0BD178B-A294-43E0-9BAF-37E2280C15BA}" srcOrd="0" destOrd="0" presId="urn:microsoft.com/office/officeart/2005/8/layout/vList5"/>
-    <dgm:cxn modelId="{29DCF8C6-2F8C-4302-9F86-32235E6E441F}" type="presOf" srcId="{B791DE02-33AF-4373-9EE5-8551292988C7}" destId="{DE65FB4D-CC8D-44D4-90EC-300D5105D2BD}" srcOrd="0" destOrd="0" presId="urn:microsoft.com/office/officeart/2005/8/layout/vList5"/>
-    <dgm:cxn modelId="{77829D5B-21AF-4F16-88BE-0FCD943BCA9A}" srcId="{12B70C77-AFB3-4ECA-8EBB-063C4B18BADE}" destId="{641424A0-9DC4-4A88-BBAA-26A712CF0934}" srcOrd="1" destOrd="0" parTransId="{E3D67A63-E99B-4CFB-8C95-F51A4F094CF4}" sibTransId="{736B245E-E9D4-4E21-9B74-7F49861DE90A}"/>
     <dgm:cxn modelId="{7180CBCC-515F-406B-8A8A-1BAD832B83E9}" type="presParOf" srcId="{9C5B82B0-7EE0-49CC-A4B0-BF0BB22DBABB}" destId="{5B63A959-4BDC-41A7-BBB9-374DAFA1E4BF}" srcOrd="0" destOrd="0" presId="urn:microsoft.com/office/officeart/2005/8/layout/vList5"/>
     <dgm:cxn modelId="{38091236-6B94-4B52-B68E-D7E5596C99E4}" type="presParOf" srcId="{5B63A959-4BDC-41A7-BBB9-374DAFA1E4BF}" destId="{F817C4AC-D362-4474-8F6D-4B7D41E0A0A7}" srcOrd="0" destOrd="0" presId="urn:microsoft.com/office/officeart/2005/8/layout/vList5"/>
     <dgm:cxn modelId="{E25975DC-F1EA-4241-BC23-6E9106C5D219}" type="presParOf" srcId="{5B63A959-4BDC-41A7-BBB9-374DAFA1E4BF}" destId="{05038D2E-9FBD-4632-B985-BA0540964C69}" srcOrd="1" destOrd="0" presId="urn:microsoft.com/office/officeart/2005/8/layout/vList5"/>
@@ -1523,17 +1485,14 @@
             <a:spcAft>
               <a:spcPct val="15000"/>
             </a:spcAft>
-            <a:buChar char="••"/>
+            <a:buChar char="•"/>
           </a:pPr>
           <a:r>
-            <a:rPr lang="en-US" sz="1800" kern="1200" dirty="0" smtClean="0">
+            <a:rPr lang="en-US" sz="1800" kern="1200" dirty="0">
               <a:latin typeface="Candara" panose="020E0502030303020204" pitchFamily="34" charset="0"/>
             </a:rPr>
             <a:t>Launching a product or service to a limited audience in order to get feedback and make improvements before launching to the general public.</a:t>
           </a:r>
-          <a:endParaRPr lang="en-US" sz="1800" kern="1200" dirty="0">
-            <a:latin typeface="Candara" panose="020E0502030303020204" pitchFamily="34" charset="0"/>
-          </a:endParaRPr>
         </a:p>
       </dsp:txBody>
       <dsp:txXfrm rot="-5400000">
@@ -1626,7 +1585,7 @@
         </a:bodyPr>
         <a:lstStyle/>
         <a:p>
-          <a:pPr lvl="0" algn="ctr" defTabSz="1778000">
+          <a:pPr marL="0" lvl="0" indent="0" algn="ctr" defTabSz="1778000">
             <a:lnSpc>
               <a:spcPct val="90000"/>
             </a:lnSpc>
@@ -1636,16 +1595,14 @@
             <a:spcAft>
               <a:spcPct val="35000"/>
             </a:spcAft>
+            <a:buNone/>
           </a:pPr>
           <a:r>
-            <a:rPr lang="en-US" sz="4000" kern="1200" dirty="0" smtClean="0">
+            <a:rPr lang="en-US" sz="4000" kern="1200" dirty="0">
               <a:latin typeface="Candara" panose="020E0502030303020204" pitchFamily="34" charset="0"/>
             </a:rPr>
             <a:t>Soft launch</a:t>
           </a:r>
-          <a:endParaRPr lang="en-US" sz="4000" kern="1200" dirty="0">
-            <a:latin typeface="Candara" panose="020E0502030303020204" pitchFamily="34" charset="0"/>
-          </a:endParaRPr>
         </a:p>
       </dsp:txBody>
       <dsp:txXfrm>
@@ -1732,17 +1689,14 @@
             <a:spcAft>
               <a:spcPct val="15000"/>
             </a:spcAft>
-            <a:buChar char="••"/>
+            <a:buChar char="•"/>
           </a:pPr>
           <a:r>
-            <a:rPr lang="en-US" sz="1800" kern="1200" dirty="0" smtClean="0">
+            <a:rPr lang="en-US" sz="1800" kern="1200" dirty="0">
               <a:latin typeface="Candara" panose="020E0502030303020204" pitchFamily="34" charset="0"/>
             </a:rPr>
             <a:t>Launching a product or service to the general public all at once.</a:t>
           </a:r>
-          <a:endParaRPr lang="en-US" sz="1800" kern="1200" dirty="0">
-            <a:latin typeface="Candara" panose="020E0502030303020204" pitchFamily="34" charset="0"/>
-          </a:endParaRPr>
         </a:p>
       </dsp:txBody>
       <dsp:txXfrm rot="-5400000">
@@ -1835,7 +1789,7 @@
         </a:bodyPr>
         <a:lstStyle/>
         <a:p>
-          <a:pPr lvl="0" algn="ctr" defTabSz="1778000">
+          <a:pPr marL="0" lvl="0" indent="0" algn="ctr" defTabSz="1778000">
             <a:lnSpc>
               <a:spcPct val="90000"/>
             </a:lnSpc>
@@ -1845,16 +1799,14 @@
             <a:spcAft>
               <a:spcPct val="35000"/>
             </a:spcAft>
+            <a:buNone/>
           </a:pPr>
           <a:r>
-            <a:rPr lang="en-US" sz="4000" kern="1200" dirty="0" smtClean="0">
+            <a:rPr lang="en-US" sz="4000" kern="1200" dirty="0">
               <a:latin typeface="Candara" panose="020E0502030303020204" pitchFamily="34" charset="0"/>
             </a:rPr>
             <a:t>Hard launch</a:t>
           </a:r>
-          <a:endParaRPr lang="en-US" sz="4000" kern="1200" dirty="0">
-            <a:latin typeface="Candara" panose="020E0502030303020204" pitchFamily="34" charset="0"/>
-          </a:endParaRPr>
         </a:p>
       </dsp:txBody>
       <dsp:txXfrm>
@@ -1941,17 +1893,14 @@
             <a:spcAft>
               <a:spcPct val="15000"/>
             </a:spcAft>
-            <a:buChar char="••"/>
+            <a:buChar char="•"/>
           </a:pPr>
           <a:r>
-            <a:rPr lang="en-US" sz="1800" kern="1200" smtClean="0">
+            <a:rPr lang="en-US" sz="1800" kern="1200">
               <a:latin typeface="Candara" panose="020E0502030303020204" pitchFamily="34" charset="0"/>
             </a:rPr>
             <a:t>Launching a product or service to different market segments or geographic regions over time.</a:t>
           </a:r>
-          <a:endParaRPr lang="en-US" sz="1800" kern="1200">
-            <a:latin typeface="Candara" panose="020E0502030303020204" pitchFamily="34" charset="0"/>
-          </a:endParaRPr>
         </a:p>
       </dsp:txBody>
       <dsp:txXfrm rot="-5400000">
@@ -2044,7 +1993,7 @@
         </a:bodyPr>
         <a:lstStyle/>
         <a:p>
-          <a:pPr lvl="0" algn="ctr" defTabSz="1778000">
+          <a:pPr marL="0" lvl="0" indent="0" algn="ctr" defTabSz="1778000">
             <a:lnSpc>
               <a:spcPct val="90000"/>
             </a:lnSpc>
@@ -2054,16 +2003,14 @@
             <a:spcAft>
               <a:spcPct val="35000"/>
             </a:spcAft>
+            <a:buNone/>
           </a:pPr>
           <a:r>
-            <a:rPr lang="en-US" sz="4000" kern="1200" dirty="0" smtClean="0">
+            <a:rPr lang="en-US" sz="4000" kern="1200" dirty="0">
               <a:latin typeface="Candara" panose="020E0502030303020204" pitchFamily="34" charset="0"/>
             </a:rPr>
             <a:t>Phased launch</a:t>
           </a:r>
-          <a:endParaRPr lang="en-US" sz="4000" kern="1200" dirty="0">
-            <a:latin typeface="Candara" panose="020E0502030303020204" pitchFamily="34" charset="0"/>
-          </a:endParaRPr>
         </a:p>
       </dsp:txBody>
       <dsp:txXfrm>
@@ -3652,7 +3599,7 @@
           <a:p>
             <a:fld id="{41DA9887-9249-49FD-809A-BACB264048C3}" type="datetimeFigureOut">
               <a:rPr lang="en-US" smtClean="0"/>
-              <a:t>11/14/2023</a:t>
+              <a:t>2/11/2024</a:t>
             </a:fld>
             <a:endParaRPr lang="en-US"/>
           </a:p>
@@ -4054,7 +4001,7 @@
           <a:p>
             <a:fld id="{EF213E56-3C1A-435A-851B-5B1F221C2038}" type="datetime1">
               <a:rPr lang="en-US" smtClean="0"/>
-              <a:t>11/14/2023</a:t>
+              <a:t>2/11/2024</a:t>
             </a:fld>
             <a:endParaRPr lang="en-US"/>
           </a:p>
@@ -4355,7 +4302,7 @@
           <a:p>
             <a:fld id="{B4696837-4851-4AA6-8AED-554226C981D1}" type="datetime1">
               <a:rPr lang="en-US" smtClean="0"/>
-              <a:t>11/14/2023</a:t>
+              <a:t>2/11/2024</a:t>
             </a:fld>
             <a:endParaRPr lang="en-US"/>
           </a:p>
@@ -4533,7 +4480,7 @@
           <a:p>
             <a:fld id="{BADD32E1-BB70-4827-BA33-FF5AFC435BE9}" type="datetime1">
               <a:rPr lang="en-US" smtClean="0"/>
-              <a:t>11/14/2023</a:t>
+              <a:t>2/11/2024</a:t>
             </a:fld>
             <a:endParaRPr lang="en-US"/>
           </a:p>
@@ -4776,7 +4723,7 @@
             </a:pPr>
             <a:fld id="{40B9EAF6-54F2-4DF5-9C6B-3F6F95B86356}" type="datetime1">
               <a:rPr lang="en-US" smtClean="0"/>
-              <a:t>11/14/2023</a:t>
+              <a:t>2/11/2024</a:t>
             </a:fld>
             <a:endParaRPr lang="en-US"/>
           </a:p>
@@ -4956,7 +4903,7 @@
             </a:pPr>
             <a:fld id="{D3D64A56-6FF4-479A-8655-719A18A98C4B}" type="datetime1">
               <a:rPr lang="en-US" smtClean="0"/>
-              <a:t>11/14/2023</a:t>
+              <a:t>2/11/2024</a:t>
             </a:fld>
             <a:endParaRPr lang="en-US"/>
           </a:p>
@@ -5237,7 +5184,7 @@
           <a:p>
             <a:fld id="{BB961044-FC46-4CBC-9061-59528F4899F3}" type="datetime1">
               <a:rPr lang="en-US" smtClean="0"/>
-              <a:t>11/14/2023</a:t>
+              <a:t>2/11/2024</a:t>
             </a:fld>
             <a:endParaRPr lang="en-US"/>
           </a:p>
@@ -5587,7 +5534,7 @@
           <a:p>
             <a:fld id="{4466A08C-77F3-471E-A5C4-1D2068144BAC}" type="datetime1">
               <a:rPr lang="en-US" smtClean="0"/>
-              <a:t>11/14/2023</a:t>
+              <a:t>2/11/2024</a:t>
             </a:fld>
             <a:endParaRPr lang="en-US"/>
           </a:p>
@@ -5816,7 +5763,7 @@
           <a:p>
             <a:fld id="{B90A7AD1-16F4-44C3-AE32-24C59A599E9D}" type="datetime1">
               <a:rPr lang="en-US" smtClean="0"/>
-              <a:t>11/14/2023</a:t>
+              <a:t>2/11/2024</a:t>
             </a:fld>
             <a:endParaRPr lang="en-US"/>
           </a:p>
@@ -6180,7 +6127,7 @@
           <a:p>
             <a:fld id="{B583DB4F-4316-4DF5-A229-BC1D787C82A0}" type="datetime1">
               <a:rPr lang="en-US" smtClean="0"/>
-              <a:t>11/14/2023</a:t>
+              <a:t>2/11/2024</a:t>
             </a:fld>
             <a:endParaRPr lang="en-US"/>
           </a:p>
@@ -6275,7 +6222,7 @@
           <a:p>
             <a:fld id="{AE6064B7-7A9F-432D-B7B9-6824267AA574}" type="datetime1">
               <a:rPr lang="en-US" smtClean="0"/>
-              <a:t>11/14/2023</a:t>
+              <a:t>2/11/2024</a:t>
             </a:fld>
             <a:endParaRPr lang="en-US"/>
           </a:p>
@@ -6500,7 +6447,7 @@
             <a:fld id="{B2F5E2FA-C428-4CE7-95B0-168D3259A5BB}" type="datetimeFigureOut">
               <a:rPr lang="en-US" smtClean="0"/>
               <a:pPr/>
-              <a:t>11/14/2023</a:t>
+              <a:t>2/11/2024</a:t>
             </a:fld>
             <a:endParaRPr lang="en-US"/>
           </a:p>
@@ -6677,7 +6624,7 @@
           <a:p>
             <a:fld id="{4E1C93A2-B712-486A-8AB5-D41B95D547BE}" type="datetime1">
               <a:rPr lang="en-US" smtClean="0"/>
-              <a:t>11/14/2023</a:t>
+              <a:t>2/11/2024</a:t>
             </a:fld>
             <a:endParaRPr lang="en-US"/>
           </a:p>
@@ -6952,7 +6899,7 @@
           <a:p>
             <a:fld id="{CAB2F318-F19F-4608-B7EF-F7FB8A482213}" type="datetime1">
               <a:rPr lang="en-US" smtClean="0"/>
-              <a:t>11/14/2023</a:t>
+              <a:t>2/11/2024</a:t>
             </a:fld>
             <a:endParaRPr lang="en-US"/>
           </a:p>
@@ -7204,7 +7151,7 @@
           <a:p>
             <a:fld id="{BB9CEF8C-69D6-4C3E-B892-F682F307A7B6}" type="datetime1">
               <a:rPr lang="en-US" smtClean="0"/>
-              <a:t>11/14/2023</a:t>
+              <a:t>2/11/2024</a:t>
             </a:fld>
             <a:endParaRPr lang="en-US"/>
           </a:p>
@@ -7415,7 +7362,7 @@
           <a:p>
             <a:fld id="{FB737C73-4A31-4C17-AFB7-7B8470027787}" type="datetime1">
               <a:rPr lang="en-US" smtClean="0"/>
-              <a:t>11/14/2023</a:t>
+              <a:t>2/11/2024</a:t>
             </a:fld>
             <a:endParaRPr lang="en-US"/>
           </a:p>
@@ -7970,12 +7917,8 @@
           <a:lstStyle/>
           <a:p>
             <a:r>
-              <a:rPr lang="en-US" dirty="0" smtClean="0"/>
-              <a:t>Different </a:t>
-            </a:r>
-            <a:r>
-              <a:rPr lang="en-US" dirty="0"/>
-              <a:t>promotional materials (e.g. videos, demos, tutorials)</a:t>
+              <a:rPr lang="en-US" dirty="0"/>
+              <a:t>Different promotional materials (e.g. videos, demos, tutorials)</a:t>
             </a:r>
           </a:p>
           <a:p>
@@ -8133,49 +8076,27 @@
           <a:p>
             <a:r>
               <a:rPr lang="en-US" dirty="0"/>
-              <a:t>Defining success metrics for your </a:t>
-            </a:r>
-            <a:r>
-              <a:rPr lang="en-US" dirty="0" smtClean="0"/>
-              <a:t>launch</a:t>
+              <a:t>Defining success metrics for your launch</a:t>
             </a:r>
           </a:p>
           <a:p>
             <a:pPr lvl="1"/>
             <a:r>
-              <a:rPr lang="en-US" dirty="0" smtClean="0"/>
-              <a:t>revenue</a:t>
-            </a:r>
-            <a:r>
-              <a:rPr lang="en-US" dirty="0"/>
-              <a:t>, user acquisition, customer </a:t>
-            </a:r>
-            <a:r>
-              <a:rPr lang="en-US" dirty="0" smtClean="0"/>
-              <a:t>satisfaction</a:t>
-            </a:r>
-            <a:endParaRPr lang="en-US" dirty="0"/>
-          </a:p>
-          <a:p>
-            <a:r>
-              <a:rPr lang="en-US" dirty="0" smtClean="0"/>
-              <a:t>Analytics </a:t>
-            </a:r>
-            <a:r>
-              <a:rPr lang="en-US" dirty="0"/>
-              <a:t>and tracking systems to measure success</a:t>
-            </a:r>
-          </a:p>
-          <a:p>
-            <a:r>
-              <a:rPr lang="en-US" dirty="0"/>
-              <a:t>Strategies for iterating and </a:t>
-            </a:r>
-            <a:r>
-              <a:rPr lang="en-US" dirty="0" smtClean="0"/>
-              <a:t>improving</a:t>
-            </a:r>
-            <a:endParaRPr lang="en-US" dirty="0"/>
+              <a:rPr lang="en-US" dirty="0"/>
+              <a:t>revenue, user acquisition, customer satisfaction</a:t>
+            </a:r>
+          </a:p>
+          <a:p>
+            <a:r>
+              <a:rPr lang="en-US" dirty="0"/>
+              <a:t>Analytics and tracking systems to measure success</a:t>
+            </a:r>
+          </a:p>
+          <a:p>
+            <a:r>
+              <a:rPr lang="en-US" dirty="0"/>
+              <a:t>Strategies for iterating and improving</a:t>
+            </a:r>
           </a:p>
         </p:txBody>
       </p:sp>
@@ -8310,22 +8231,21 @@
           <a:lstStyle/>
           <a:p>
             <a:r>
-              <a:rPr lang="en-US" dirty="0" smtClean="0"/>
+              <a:rPr lang="en-US" dirty="0"/>
               <a:t>Customer onboarding</a:t>
             </a:r>
           </a:p>
           <a:p>
             <a:r>
-              <a:rPr lang="en-US" dirty="0" smtClean="0"/>
+              <a:rPr lang="en-US" dirty="0"/>
               <a:t>Feedback collection</a:t>
             </a:r>
           </a:p>
           <a:p>
             <a:r>
-              <a:rPr lang="en-US" dirty="0" smtClean="0"/>
+              <a:rPr lang="en-US" dirty="0"/>
               <a:t>Upselling/cross-selling</a:t>
             </a:r>
-            <a:endParaRPr lang="en-US" dirty="0"/>
           </a:p>
           <a:p>
             <a:r>
@@ -8545,12 +8465,8 @@
           <a:lstStyle/>
           <a:p>
             <a:r>
-              <a:rPr lang="en-US" dirty="0" smtClean="0"/>
-              <a:t>Digital </a:t>
-            </a:r>
-            <a:r>
-              <a:rPr lang="en-US" dirty="0"/>
-              <a:t>Marketing Tactics</a:t>
+              <a:rPr lang="en-US" dirty="0"/>
+              <a:t>Digital Marketing Tactics</a:t>
             </a:r>
           </a:p>
         </p:txBody>
@@ -8717,22 +8633,14 @@
           <a:lstStyle/>
           <a:p>
             <a:r>
-              <a:rPr lang="en-US" dirty="0" smtClean="0"/>
-              <a:t>Attracting </a:t>
-            </a:r>
-            <a:r>
-              <a:rPr lang="en-US" dirty="0"/>
-              <a:t>and engaging potential customers</a:t>
-            </a:r>
-          </a:p>
-          <a:p>
-            <a:r>
-              <a:rPr lang="en-US" dirty="0" smtClean="0"/>
-              <a:t>Create </a:t>
-            </a:r>
-            <a:r>
-              <a:rPr lang="en-US" dirty="0"/>
-              <a:t>a content marketing strategy that aligns with your business goals</a:t>
+              <a:rPr lang="en-US" dirty="0"/>
+              <a:t>Attracting and engaging potential customers</a:t>
+            </a:r>
+          </a:p>
+          <a:p>
+            <a:r>
+              <a:rPr lang="en-US" dirty="0"/>
+              <a:t>Create a content marketing strategy that aligns with your business goals</a:t>
             </a:r>
           </a:p>
           <a:p>
@@ -8874,12 +8782,8 @@
           <a:lstStyle/>
           <a:p>
             <a:r>
-              <a:rPr lang="en-US" dirty="0" smtClean="0"/>
-              <a:t>Building </a:t>
-            </a:r>
-            <a:r>
-              <a:rPr lang="en-US" dirty="0"/>
-              <a:t>an email list and how to do it effectively</a:t>
+              <a:rPr lang="en-US" dirty="0"/>
+              <a:t>Building an email list and how to do it effectively</a:t>
             </a:r>
           </a:p>
           <a:p>
@@ -9029,12 +8933,8 @@
           <a:lstStyle/>
           <a:p>
             <a:r>
-              <a:rPr lang="en-US" dirty="0" smtClean="0"/>
-              <a:t>Public </a:t>
-            </a:r>
-            <a:r>
-              <a:rPr lang="en-US" dirty="0"/>
-              <a:t>relations (PR) and its role in growing your customer base</a:t>
+              <a:rPr lang="en-US" dirty="0"/>
+              <a:t>Public relations (PR) and its role in growing your customer base</a:t>
             </a:r>
           </a:p>
           <a:p>
@@ -9325,12 +9225,8 @@
           <a:lstStyle/>
           <a:p>
             <a:r>
-              <a:rPr lang="en-US" dirty="0" smtClean="0"/>
-              <a:t>Partnerships </a:t>
-            </a:r>
-            <a:r>
-              <a:rPr lang="en-US" dirty="0"/>
-              <a:t>and affiliate programs as a means of expanding your customer base</a:t>
+              <a:rPr lang="en-US" dirty="0"/>
+              <a:t>Partnerships and affiliate programs as a means of expanding your customer base</a:t>
             </a:r>
           </a:p>
           <a:p>
@@ -9452,10 +9348,9 @@
           <a:lstStyle/>
           <a:p>
             <a:r>
-              <a:rPr lang="en-US" dirty="0" smtClean="0"/>
+              <a:rPr lang="en-US" dirty="0"/>
               <a:t>Outline</a:t>
             </a:r>
-            <a:endParaRPr lang="en-US" dirty="0"/>
           </a:p>
         </p:txBody>
       </p:sp>
@@ -9476,41 +9371,25 @@
           <a:p>
             <a:r>
               <a:rPr lang="en-US" dirty="0"/>
-              <a:t>Launching your software </a:t>
-            </a:r>
-            <a:r>
-              <a:rPr lang="en-US" dirty="0" smtClean="0"/>
-              <a:t>product</a:t>
-            </a:r>
-          </a:p>
-          <a:p>
-            <a:r>
-              <a:rPr lang="en-US" dirty="0"/>
-              <a:t>Growing your first customer </a:t>
-            </a:r>
-            <a:r>
-              <a:rPr lang="en-US" dirty="0" smtClean="0"/>
-              <a:t>base</a:t>
-            </a:r>
-          </a:p>
-          <a:p>
-            <a:r>
-              <a:rPr lang="en-US" dirty="0"/>
-              <a:t>Onboarding and retaining </a:t>
-            </a:r>
-            <a:r>
-              <a:rPr lang="en-US" dirty="0" smtClean="0"/>
-              <a:t>customers</a:t>
-            </a:r>
-          </a:p>
-          <a:p>
-            <a:r>
-              <a:rPr lang="en-US" dirty="0"/>
-              <a:t>Scaling your </a:t>
-            </a:r>
-            <a:r>
-              <a:rPr lang="en-US" dirty="0" smtClean="0"/>
-              <a:t>business</a:t>
+              <a:t>Launching your software product</a:t>
+            </a:r>
+          </a:p>
+          <a:p>
+            <a:r>
+              <a:rPr lang="en-US" dirty="0"/>
+              <a:t>Growing your first customer base</a:t>
+            </a:r>
+          </a:p>
+          <a:p>
+            <a:r>
+              <a:rPr lang="en-US" dirty="0"/>
+              <a:t>Onboarding and retaining customers</a:t>
+            </a:r>
+          </a:p>
+          <a:p>
+            <a:r>
+              <a:rPr lang="en-US" dirty="0"/>
+              <a:t>Scaling your business</a:t>
             </a:r>
           </a:p>
           <a:p>
@@ -9518,7 +9397,6 @@
               <a:rPr lang="en-US" dirty="0"/>
               <a:t>Common challenges and lessons learned</a:t>
             </a:r>
-            <a:endParaRPr lang="en-US" dirty="0"/>
           </a:p>
         </p:txBody>
       </p:sp>
@@ -9712,54 +9590,36 @@
           <a:p>
             <a:r>
               <a:rPr lang="en-US" dirty="0"/>
-              <a:t>Customer support is crucial for retaining customers as it directly impacts their </a:t>
-            </a:r>
-            <a:r>
-              <a:rPr lang="en-US" dirty="0" smtClean="0"/>
-              <a:t>satisfaction </a:t>
-            </a:r>
-            <a:r>
-              <a:rPr lang="en-US" dirty="0"/>
-              <a:t>and loyalty towards a company. </a:t>
-            </a:r>
-            <a:endParaRPr lang="en-US" dirty="0" smtClean="0"/>
+              <a:t>Customer support is crucial for retaining customers as it directly impacts their satisfaction and loyalty towards a company. </a:t>
+            </a:r>
           </a:p>
           <a:p>
             <a:pPr lvl="1"/>
             <a:r>
-              <a:rPr lang="en-US" dirty="0" smtClean="0"/>
+              <a:rPr lang="en-US" dirty="0"/>
               <a:t>Email Support</a:t>
             </a:r>
           </a:p>
           <a:p>
             <a:pPr lvl="1"/>
             <a:r>
-              <a:rPr lang="en-US" dirty="0" smtClean="0"/>
+              <a:rPr lang="en-US" dirty="0"/>
               <a:t>Phone Support</a:t>
             </a:r>
           </a:p>
           <a:p>
             <a:pPr lvl="1"/>
             <a:r>
-              <a:rPr lang="en-US" dirty="0" smtClean="0"/>
+              <a:rPr lang="en-US" dirty="0"/>
               <a:t>Chat Support</a:t>
             </a:r>
           </a:p>
           <a:p>
             <a:pPr lvl="1"/>
             <a:r>
-              <a:rPr lang="en-US" dirty="0" smtClean="0"/>
-              <a:t>FAQs </a:t>
-            </a:r>
-            <a:r>
-              <a:rPr lang="en-US" dirty="0"/>
-              <a:t>and Knowledge </a:t>
-            </a:r>
-            <a:r>
-              <a:rPr lang="en-US" dirty="0" smtClean="0"/>
-              <a:t>Base</a:t>
-            </a:r>
-            <a:endParaRPr lang="en-US" dirty="0"/>
+              <a:rPr lang="en-US" dirty="0"/>
+              <a:t>FAQs and Knowledge Base</a:t>
+            </a:r>
           </a:p>
         </p:txBody>
       </p:sp>
@@ -9903,70 +9763,37 @@
           <a:p>
             <a:pPr lvl="1"/>
             <a:r>
-              <a:rPr lang="en-US" dirty="0" smtClean="0"/>
-              <a:t>Prompt </a:t>
-            </a:r>
-            <a:r>
-              <a:rPr lang="en-US" dirty="0"/>
-              <a:t>Response </a:t>
-            </a:r>
-            <a:r>
-              <a:rPr lang="en-US" dirty="0" smtClean="0"/>
-              <a:t>Times</a:t>
+              <a:rPr lang="en-US" dirty="0"/>
+              <a:t>Prompt Response Times</a:t>
             </a:r>
           </a:p>
           <a:p>
             <a:pPr lvl="1"/>
             <a:r>
-              <a:rPr lang="en-US" dirty="0" smtClean="0"/>
+              <a:rPr lang="en-US" dirty="0"/>
               <a:t>Personalized Support</a:t>
             </a:r>
           </a:p>
           <a:p>
             <a:pPr lvl="1"/>
             <a:r>
-              <a:rPr lang="en-US" dirty="0" smtClean="0"/>
-              <a:t>Empowering </a:t>
-            </a:r>
-            <a:r>
-              <a:rPr lang="en-US" dirty="0"/>
-              <a:t>Customers with Self-Service </a:t>
-            </a:r>
-            <a:r>
-              <a:rPr lang="en-US" dirty="0" smtClean="0"/>
-              <a:t>Tools</a:t>
+              <a:rPr lang="en-US" dirty="0"/>
+              <a:t>Empowering Customers with Self-Service Tools</a:t>
             </a:r>
           </a:p>
           <a:p>
             <a:pPr lvl="1"/>
             <a:r>
-              <a:rPr lang="en-US" dirty="0" smtClean="0"/>
-              <a:t>Continuous </a:t>
-            </a:r>
-            <a:r>
-              <a:rPr lang="en-US" dirty="0"/>
-              <a:t>Training for Support </a:t>
-            </a:r>
-            <a:r>
-              <a:rPr lang="en-US" dirty="0" smtClean="0"/>
-              <a:t>Agents</a:t>
+              <a:rPr lang="en-US" dirty="0"/>
+              <a:t>Continuous Training for Support Agents</a:t>
             </a:r>
           </a:p>
           <a:p>
             <a:pPr lvl="1"/>
             <a:r>
-              <a:rPr lang="en-US" dirty="0" smtClean="0"/>
-              <a:t>Gathering </a:t>
-            </a:r>
-            <a:r>
-              <a:rPr lang="en-US" dirty="0"/>
-              <a:t>and Utilizing Customer </a:t>
-            </a:r>
-            <a:r>
-              <a:rPr lang="en-US" dirty="0" smtClean="0"/>
-              <a:t>Feedback</a:t>
-            </a:r>
-            <a:endParaRPr lang="en-US" dirty="0"/>
+              <a:rPr lang="en-US" dirty="0"/>
+              <a:t>Gathering and Utilizing Customer Feedback</a:t>
+            </a:r>
           </a:p>
         </p:txBody>
       </p:sp>
@@ -10110,40 +9937,23 @@
           <a:p>
             <a:pPr lvl="1"/>
             <a:r>
-              <a:rPr lang="en-US" dirty="0" smtClean="0"/>
-              <a:t>Maximizing </a:t>
-            </a:r>
-            <a:r>
-              <a:rPr lang="en-US" dirty="0"/>
-              <a:t>Product/Service </a:t>
-            </a:r>
-            <a:r>
-              <a:rPr lang="en-US" dirty="0" smtClean="0"/>
-              <a:t>Value</a:t>
+              <a:rPr lang="en-US" dirty="0"/>
+              <a:t>Maximizing Product/Service Value</a:t>
             </a:r>
           </a:p>
           <a:p>
             <a:pPr lvl="1"/>
             <a:r>
-              <a:rPr lang="en-US" dirty="0" smtClean="0"/>
+              <a:rPr lang="en-US" dirty="0"/>
               <a:t>Minimizing Churn</a:t>
             </a:r>
           </a:p>
           <a:p>
             <a:pPr lvl="1"/>
             <a:r>
-              <a:rPr lang="en-US" dirty="0" smtClean="0"/>
-              <a:t>Building </a:t>
-            </a:r>
-            <a:r>
-              <a:rPr lang="en-US" dirty="0"/>
-              <a:t>Customer </a:t>
-            </a:r>
-            <a:r>
-              <a:rPr lang="en-US" dirty="0" smtClean="0"/>
-              <a:t>Loyalty</a:t>
-            </a:r>
-            <a:endParaRPr lang="en-US" dirty="0"/>
+              <a:rPr lang="en-US" dirty="0"/>
+              <a:t>Building Customer Loyalty</a:t>
+            </a:r>
           </a:p>
         </p:txBody>
       </p:sp>
@@ -10297,46 +10107,37 @@
           <a:p>
             <a:pPr lvl="1"/>
             <a:r>
-              <a:rPr lang="en-US" dirty="0" smtClean="0"/>
+              <a:rPr lang="en-US" dirty="0"/>
               <a:t>Clear Communication</a:t>
             </a:r>
           </a:p>
           <a:p>
             <a:pPr lvl="1"/>
             <a:r>
-              <a:rPr lang="en-US" dirty="0" smtClean="0"/>
+              <a:rPr lang="en-US" dirty="0"/>
               <a:t>Timely Follow-ups</a:t>
             </a:r>
           </a:p>
           <a:p>
             <a:pPr lvl="1"/>
             <a:r>
-              <a:rPr lang="en-US" dirty="0" smtClean="0"/>
+              <a:rPr lang="en-US" dirty="0"/>
               <a:t>Personalized Assistance</a:t>
             </a:r>
           </a:p>
           <a:p>
             <a:pPr lvl="1"/>
             <a:r>
-              <a:rPr lang="en-US" dirty="0" smtClean="0"/>
+              <a:rPr lang="en-US" dirty="0"/>
               <a:t>Continuous Education</a:t>
             </a:r>
           </a:p>
           <a:p>
             <a:pPr lvl="1"/>
             <a:r>
-              <a:rPr lang="en-US" dirty="0" smtClean="0"/>
-              <a:t>Monitor </a:t>
-            </a:r>
-            <a:r>
-              <a:rPr lang="en-US" dirty="0"/>
-              <a:t>Customer Progress and </a:t>
-            </a:r>
-            <a:r>
-              <a:rPr lang="en-US" dirty="0" smtClean="0"/>
-              <a:t>Satisfaction</a:t>
-            </a:r>
-            <a:endParaRPr lang="en-US" dirty="0"/>
+              <a:rPr lang="en-US" dirty="0"/>
+              <a:t>Monitor Customer Progress and Satisfaction</a:t>
+            </a:r>
           </a:p>
         </p:txBody>
       </p:sp>
@@ -10482,32 +10283,23 @@
           <a:p>
             <a:pPr lvl="1"/>
             <a:r>
-              <a:rPr lang="en-US" dirty="0" smtClean="0"/>
+              <a:rPr lang="en-US" dirty="0"/>
               <a:t>Competitive Advantage</a:t>
             </a:r>
           </a:p>
           <a:p>
             <a:pPr lvl="1"/>
             <a:r>
-              <a:rPr lang="en-US" dirty="0" smtClean="0"/>
+              <a:rPr lang="en-US" dirty="0"/>
               <a:t>Customer Satisfaction</a:t>
             </a:r>
           </a:p>
           <a:p>
             <a:pPr lvl="1"/>
             <a:r>
-              <a:rPr lang="en-US" dirty="0" smtClean="0"/>
-              <a:t>Security </a:t>
-            </a:r>
-            <a:r>
-              <a:rPr lang="en-US" dirty="0"/>
-              <a:t>and </a:t>
-            </a:r>
-            <a:r>
-              <a:rPr lang="en-US" dirty="0" smtClean="0"/>
-              <a:t>Stability</a:t>
-            </a:r>
-            <a:endParaRPr lang="en-US" dirty="0"/>
+              <a:rPr lang="en-US" dirty="0"/>
+              <a:t>Security and Stability</a:t>
+            </a:r>
           </a:p>
         </p:txBody>
       </p:sp>
@@ -10660,38 +10452,37 @@
           <a:p>
             <a:pPr lvl="1"/>
             <a:r>
-              <a:rPr lang="en-US" dirty="0" smtClean="0"/>
+              <a:rPr lang="en-US" dirty="0"/>
               <a:t>Clear Messaging</a:t>
             </a:r>
           </a:p>
           <a:p>
             <a:pPr lvl="1"/>
             <a:r>
-              <a:rPr lang="en-US" dirty="0" smtClean="0"/>
+              <a:rPr lang="en-US" dirty="0"/>
               <a:t>Advance Notice</a:t>
             </a:r>
           </a:p>
           <a:p>
             <a:pPr lvl="1"/>
             <a:r>
-              <a:rPr lang="en-US" dirty="0" smtClean="0"/>
+              <a:rPr lang="en-US" dirty="0"/>
               <a:t>Training Resources</a:t>
             </a:r>
           </a:p>
           <a:p>
             <a:pPr lvl="1"/>
             <a:r>
-              <a:rPr lang="en-US" dirty="0" smtClean="0"/>
+              <a:rPr lang="en-US" dirty="0"/>
               <a:t>Release Notes</a:t>
             </a:r>
           </a:p>
           <a:p>
             <a:pPr lvl="1"/>
             <a:r>
-              <a:rPr lang="en-US" dirty="0" smtClean="0"/>
+              <a:rPr lang="en-US" dirty="0"/>
               <a:t>Two-Way Communication</a:t>
             </a:r>
-            <a:endParaRPr lang="en-US" dirty="0"/>
           </a:p>
         </p:txBody>
       </p:sp>
@@ -10950,7 +10741,7 @@
           <a:p>
             <a:pPr lvl="1"/>
             <a:r>
-              <a:rPr lang="en-US" dirty="0" smtClean="0"/>
+              <a:rPr lang="en-US" dirty="0"/>
               <a:t>Business Sustainability</a:t>
             </a:r>
           </a:p>
@@ -10958,11 +10749,7 @@
             <a:pPr lvl="1"/>
             <a:r>
               <a:rPr lang="en-US" dirty="0"/>
-              <a:t>Customer Satisfaction and </a:t>
-            </a:r>
-            <a:r>
-              <a:rPr lang="en-US" dirty="0" smtClean="0"/>
-              <a:t>Loyalty</a:t>
+              <a:t>Customer Satisfaction and Loyalty</a:t>
             </a:r>
           </a:p>
           <a:p>
@@ -11181,7 +10968,6 @@
               <a:rPr lang="en-US" dirty="0"/>
               <a:t>Launching your software product</a:t>
             </a:r>
-            <a:endParaRPr lang="en-US" dirty="0"/>
           </a:p>
         </p:txBody>
       </p:sp>
@@ -11238,13 +11024,6 @@
   <p:clrMapOvr>
     <a:masterClrMapping/>
   </p:clrMapOvr>
-  <p:timing>
-    <p:tnLst>
-      <p:par>
-        <p:cTn id="1" dur="indefinite" restart="never" nodeType="tmRoot"/>
-      </p:par>
-    </p:tnLst>
-  </p:timing>
 </p:sld>
 </file>
 
@@ -11267,7 +11046,13 @@
       </p:grpSpPr>
       <p:sp>
         <p:nvSpPr>
-          <p:cNvPr id="2" name="Title 1"/>
+          <p:cNvPr id="5" name="Title 4">
+            <a:extLst>
+              <a:ext uri="{FF2B5EF4-FFF2-40B4-BE49-F238E27FC236}">
+                <a16:creationId xmlns:a16="http://schemas.microsoft.com/office/drawing/2014/main" id="{0A681AE1-0751-49D0-B583-5A50379FFC10}"/>
+              </a:ext>
+            </a:extLst>
+          </p:cNvPr>
           <p:cNvSpPr>
             <a:spLocks noGrp="1"/>
           </p:cNvSpPr>
@@ -11277,21 +11062,25 @@
         </p:nvSpPr>
         <p:spPr/>
         <p:txBody>
-          <a:bodyPr>
-            <a:normAutofit fontScale="90000"/>
-          </a:bodyPr>
-          <a:lstStyle/>
-          <a:p>
-            <a:r>
-              <a:rPr lang="en-US" dirty="0"/>
-              <a:t>Analyzing Metrics and Key Performance Indicators</a:t>
-            </a:r>
-          </a:p>
-        </p:txBody>
-      </p:sp>
-      <p:sp>
-        <p:nvSpPr>
-          <p:cNvPr id="3" name="Content Placeholder 2"/>
+          <a:bodyPr/>
+          <a:lstStyle/>
+          <a:p>
+            <a:r>
+              <a:rPr lang="en-US" dirty="0"/>
+              <a:t>Growth and Scaling</a:t>
+            </a:r>
+          </a:p>
+        </p:txBody>
+      </p:sp>
+      <p:sp>
+        <p:nvSpPr>
+          <p:cNvPr id="6" name="Content Placeholder 5">
+            <a:extLst>
+              <a:ext uri="{FF2B5EF4-FFF2-40B4-BE49-F238E27FC236}">
+                <a16:creationId xmlns:a16="http://schemas.microsoft.com/office/drawing/2014/main" id="{60EC18CD-6923-416B-8795-DAFE639FF27D}"/>
+              </a:ext>
+            </a:extLst>
+          </p:cNvPr>
           <p:cNvSpPr>
             <a:spLocks noGrp="1"/>
           </p:cNvSpPr>
@@ -11301,51 +11090,34 @@
         </p:nvSpPr>
         <p:spPr/>
         <p:txBody>
-          <a:bodyPr>
-            <a:normAutofit/>
-          </a:bodyPr>
-          <a:lstStyle/>
-          <a:p>
-            <a:r>
-              <a:rPr lang="en-US" dirty="0"/>
-              <a:t>Importance of tracking and analyzing metrics for business growth:</a:t>
-            </a:r>
-          </a:p>
-          <a:p>
-            <a:pPr lvl="1"/>
-            <a:r>
-              <a:rPr lang="en-US" dirty="0" smtClean="0"/>
-              <a:t>Data-Driven </a:t>
-            </a:r>
-            <a:r>
-              <a:rPr lang="en-US" dirty="0"/>
-              <a:t>Decision </a:t>
-            </a:r>
-            <a:r>
-              <a:rPr lang="en-US" dirty="0" smtClean="0"/>
-              <a:t>Making</a:t>
-            </a:r>
-          </a:p>
-          <a:p>
-            <a:pPr lvl="1"/>
-            <a:r>
-              <a:rPr lang="en-US" dirty="0" smtClean="0"/>
-              <a:t>Performance Evaluation</a:t>
-            </a:r>
-          </a:p>
-          <a:p>
-            <a:pPr lvl="1"/>
-            <a:r>
-              <a:rPr lang="en-US" dirty="0" smtClean="0"/>
-              <a:t>Optimization Opportunities</a:t>
-            </a:r>
+          <a:bodyPr/>
+          <a:lstStyle/>
+          <a:p>
+            <a:r>
+              <a:rPr lang="en-US" dirty="0"/>
+              <a:t>Growth refers to the increase in size, revenue, or market presence of a company over time.</a:t>
+            </a:r>
+          </a:p>
+          <a:p>
+            <a:r>
+              <a:rPr lang="en-US" dirty="0"/>
+              <a:t>Scaling refers to the ability of a company to handle increased workload, expand its operations, and maintain efficiency as it grows.</a:t>
+            </a:r>
+          </a:p>
+          <a:p>
             <a:endParaRPr lang="en-US" dirty="0"/>
           </a:p>
         </p:txBody>
       </p:sp>
       <p:sp>
         <p:nvSpPr>
-          <p:cNvPr id="4" name="Slide Number Placeholder 3"/>
+          <p:cNvPr id="4" name="Slide Number Placeholder 3">
+            <a:extLst>
+              <a:ext uri="{FF2B5EF4-FFF2-40B4-BE49-F238E27FC236}">
+                <a16:creationId xmlns:a16="http://schemas.microsoft.com/office/drawing/2014/main" id="{8667B953-127D-4345-9E22-0759DCB19A8C}"/>
+              </a:ext>
+            </a:extLst>
+          </p:cNvPr>
           <p:cNvSpPr>
             <a:spLocks noGrp="1"/>
           </p:cNvSpPr>
@@ -11360,22 +11132,27 @@
           <a:p>
             <a:fld id="{B8DACC02-A2BD-4578-8E03-6D891060A695}" type="slidenum">
               <a:rPr lang="en-US" smtClean="0"/>
-              <a:pPr/>
               <a:t>30</a:t>
             </a:fld>
-            <a:endParaRPr lang="en-US" dirty="0"/>
+            <a:endParaRPr lang="en-US"/>
           </a:p>
         </p:txBody>
       </p:sp>
       <p:pic>
         <p:nvPicPr>
-          <p:cNvPr id="23554" name="Picture 2" descr="HOW TO DEVELOP KPIS / PERFORMANCE MEASURES - KPI.org"/>
+          <p:cNvPr id="1030" name="Picture 6" descr="7 Thing You Need To Know To Scale Your Business — People First Content">
+            <a:extLst>
+              <a:ext uri="{FF2B5EF4-FFF2-40B4-BE49-F238E27FC236}">
+                <a16:creationId xmlns:a16="http://schemas.microsoft.com/office/drawing/2014/main" id="{00FC0844-751B-4B4C-A5DD-7E63A8C168A9}"/>
+              </a:ext>
+            </a:extLst>
+          </p:cNvPr>
           <p:cNvPicPr>
             <a:picLocks noChangeAspect="1" noChangeArrowheads="1"/>
           </p:cNvPicPr>
           <p:nvPr/>
         </p:nvPicPr>
-        <p:blipFill>
+        <p:blipFill rotWithShape="1">
           <a:blip r:embed="rId2" cstate="print">
             <a:extLst>
               <a:ext uri="{28A0092B-C50C-407E-A947-70E740481C1C}">
@@ -11383,15 +11160,13 @@
               </a:ext>
             </a:extLst>
           </a:blip>
-          <a:srcRect/>
-          <a:stretch>
-            <a:fillRect/>
-          </a:stretch>
+          <a:srcRect l="2970" t="20515" r="3949" b="5324"/>
+          <a:stretch/>
         </p:blipFill>
         <p:spPr bwMode="auto">
           <a:xfrm>
-            <a:off x="4889338" y="3133544"/>
-            <a:ext cx="7302662" cy="3462847"/>
+            <a:off x="6651452" y="3366314"/>
+            <a:ext cx="4614647" cy="3063875"/>
           </a:xfrm>
           <a:prstGeom prst="rect">
             <a:avLst/>
@@ -11411,7 +11186,7 @@
     </p:spTree>
     <p:extLst>
       <p:ext uri="{BB962C8B-B14F-4D97-AF65-F5344CB8AC3E}">
-        <p14:creationId xmlns:p14="http://schemas.microsoft.com/office/powerpoint/2010/main" val="2045533587"/>
+        <p14:creationId xmlns:p14="http://schemas.microsoft.com/office/powerpoint/2010/main" val="4107290345"/>
       </p:ext>
     </p:extLst>
   </p:cSld>
@@ -11440,7 +11215,13 @@
       </p:grpSpPr>
       <p:sp>
         <p:nvSpPr>
-          <p:cNvPr id="2" name="Title 1"/>
+          <p:cNvPr id="2" name="Title 1">
+            <a:extLst>
+              <a:ext uri="{FF2B5EF4-FFF2-40B4-BE49-F238E27FC236}">
+                <a16:creationId xmlns:a16="http://schemas.microsoft.com/office/drawing/2014/main" id="{674D66B3-313A-4FAC-8FC5-EC198A0CC180}"/>
+              </a:ext>
+            </a:extLst>
+          </p:cNvPr>
           <p:cNvSpPr>
             <a:spLocks noGrp="1"/>
           </p:cNvSpPr>
@@ -11455,14 +11236,20 @@
           <a:p>
             <a:r>
               <a:rPr lang="en-US" dirty="0"/>
-              <a:t>Expanding Product Offerings</a:t>
-            </a:r>
-          </a:p>
-        </p:txBody>
-      </p:sp>
-      <p:sp>
-        <p:nvSpPr>
-          <p:cNvPr id="3" name="Content Placeholder 2"/>
+              <a:t>Importance of Scaling for Software Startups</a:t>
+            </a:r>
+          </a:p>
+        </p:txBody>
+      </p:sp>
+      <p:sp>
+        <p:nvSpPr>
+          <p:cNvPr id="3" name="Content Placeholder 2">
+            <a:extLst>
+              <a:ext uri="{FF2B5EF4-FFF2-40B4-BE49-F238E27FC236}">
+                <a16:creationId xmlns:a16="http://schemas.microsoft.com/office/drawing/2014/main" id="{8C86A11F-3D70-4AB8-8310-08AC521ACD0B}"/>
+              </a:ext>
+            </a:extLst>
+          </p:cNvPr>
           <p:cNvSpPr>
             <a:spLocks noGrp="1"/>
           </p:cNvSpPr>
@@ -11477,48 +11264,49 @@
           </a:bodyPr>
           <a:lstStyle/>
           <a:p>
-            <a:r>
-              <a:rPr lang="en-US" dirty="0"/>
-              <a:t>Importance of expanding product offerings to grow the business:</a:t>
-            </a:r>
-          </a:p>
-          <a:p>
-            <a:pPr lvl="1"/>
-            <a:r>
-              <a:rPr lang="en-US" dirty="0" smtClean="0"/>
-              <a:t>Market Expansion</a:t>
-            </a:r>
-          </a:p>
-          <a:p>
-            <a:pPr lvl="1"/>
-            <a:r>
-              <a:rPr lang="en-US" dirty="0" smtClean="0"/>
-              <a:t>Competitive Advantage</a:t>
-            </a:r>
-          </a:p>
-          <a:p>
-            <a:pPr lvl="1"/>
-            <a:r>
-              <a:rPr lang="en-US" dirty="0" smtClean="0"/>
-              <a:t>Customer </a:t>
-            </a:r>
-            <a:r>
-              <a:rPr lang="en-US" dirty="0"/>
-              <a:t>Retention and </a:t>
-            </a:r>
-            <a:r>
-              <a:rPr lang="en-US" dirty="0" smtClean="0"/>
-              <a:t>Upselling</a:t>
-            </a:r>
-          </a:p>
-          <a:p>
-            <a:endParaRPr lang="en-US" dirty="0"/>
-          </a:p>
-        </p:txBody>
-      </p:sp>
-      <p:sp>
-        <p:nvSpPr>
-          <p:cNvPr id="4" name="Slide Number Placeholder 3"/>
+            <a:pPr>
+              <a:lnSpc>
+                <a:spcPct val="150000"/>
+              </a:lnSpc>
+            </a:pPr>
+            <a:r>
+              <a:rPr lang="en-US" dirty="0"/>
+              <a:t>Meeting customer demand</a:t>
+            </a:r>
+          </a:p>
+          <a:p>
+            <a:pPr>
+              <a:lnSpc>
+                <a:spcPct val="150000"/>
+              </a:lnSpc>
+            </a:pPr>
+            <a:r>
+              <a:rPr lang="en-US" dirty="0"/>
+              <a:t>Improving profitability</a:t>
+            </a:r>
+          </a:p>
+          <a:p>
+            <a:pPr>
+              <a:lnSpc>
+                <a:spcPct val="150000"/>
+              </a:lnSpc>
+            </a:pPr>
+            <a:r>
+              <a:rPr lang="en-US" dirty="0"/>
+              <a:t>Competitive advantage</a:t>
+            </a:r>
+          </a:p>
+        </p:txBody>
+      </p:sp>
+      <p:sp>
+        <p:nvSpPr>
+          <p:cNvPr id="4" name="Slide Number Placeholder 3">
+            <a:extLst>
+              <a:ext uri="{FF2B5EF4-FFF2-40B4-BE49-F238E27FC236}">
+                <a16:creationId xmlns:a16="http://schemas.microsoft.com/office/drawing/2014/main" id="{31541F00-79CB-4754-97B3-24DF63DC3B1D}"/>
+              </a:ext>
+            </a:extLst>
+          </p:cNvPr>
           <p:cNvSpPr>
             <a:spLocks noGrp="1"/>
           </p:cNvSpPr>
@@ -11542,13 +11330,19 @@
       </p:sp>
       <p:pic>
         <p:nvPicPr>
-          <p:cNvPr id="24578" name="Picture 2" descr="Advantages of Expanding Your Product Range | Pimberly"/>
+          <p:cNvPr id="2050" name="Picture 2" descr="How to Scale a Startup: 7 Strategies to Scale Up">
+            <a:extLst>
+              <a:ext uri="{FF2B5EF4-FFF2-40B4-BE49-F238E27FC236}">
+                <a16:creationId xmlns:a16="http://schemas.microsoft.com/office/drawing/2014/main" id="{E7E4FB99-864E-43A2-97D3-4353A5E068A8}"/>
+              </a:ext>
+            </a:extLst>
+          </p:cNvPr>
           <p:cNvPicPr>
             <a:picLocks noChangeAspect="1" noChangeArrowheads="1"/>
           </p:cNvPicPr>
           <p:nvPr/>
         </p:nvPicPr>
-        <p:blipFill>
+        <p:blipFill rotWithShape="1">
           <a:blip r:embed="rId2">
             <a:extLst>
               <a:ext uri="{28A0092B-C50C-407E-A947-70E740481C1C}">
@@ -11556,15 +11350,13 @@
               </a:ext>
             </a:extLst>
           </a:blip>
-          <a:srcRect/>
-          <a:stretch>
-            <a:fillRect/>
-          </a:stretch>
+          <a:srcRect l="8750" t="3538" r="8555" b="4239"/>
+          <a:stretch/>
         </p:blipFill>
         <p:spPr bwMode="auto">
           <a:xfrm>
-            <a:off x="6029864" y="4787610"/>
-            <a:ext cx="5968427" cy="1705265"/>
+            <a:off x="5806895" y="1604513"/>
+            <a:ext cx="5645380" cy="3846607"/>
           </a:xfrm>
           <a:prstGeom prst="rect">
             <a:avLst/>
@@ -11584,7 +11376,7 @@
     </p:spTree>
     <p:extLst>
       <p:ext uri="{BB962C8B-B14F-4D97-AF65-F5344CB8AC3E}">
-        <p14:creationId xmlns:p14="http://schemas.microsoft.com/office/powerpoint/2010/main" val="126399886"/>
+        <p14:creationId xmlns:p14="http://schemas.microsoft.com/office/powerpoint/2010/main" val="721247797"/>
       </p:ext>
     </p:extLst>
   </p:cSld>
@@ -11613,7 +11405,13 @@
       </p:grpSpPr>
       <p:sp>
         <p:nvSpPr>
-          <p:cNvPr id="2" name="Title 1"/>
+          <p:cNvPr id="2" name="Title 1">
+            <a:extLst>
+              <a:ext uri="{FF2B5EF4-FFF2-40B4-BE49-F238E27FC236}">
+                <a16:creationId xmlns:a16="http://schemas.microsoft.com/office/drawing/2014/main" id="{F30CB893-AE95-41A9-94BA-92E7546CE3FF}"/>
+              </a:ext>
+            </a:extLst>
+          </p:cNvPr>
           <p:cNvSpPr>
             <a:spLocks noGrp="1"/>
           </p:cNvSpPr>
@@ -11628,14 +11426,20 @@
           <a:p>
             <a:r>
               <a:rPr lang="en-US" dirty="0"/>
-              <a:t>Expanding Product Offerings</a:t>
-            </a:r>
-          </a:p>
-        </p:txBody>
-      </p:sp>
-      <p:sp>
-        <p:nvSpPr>
-          <p:cNvPr id="3" name="Content Placeholder 2"/>
+              <a:t>Scaling</a:t>
+            </a:r>
+          </a:p>
+        </p:txBody>
+      </p:sp>
+      <p:sp>
+        <p:nvSpPr>
+          <p:cNvPr id="3" name="Content Placeholder 2">
+            <a:extLst>
+              <a:ext uri="{FF2B5EF4-FFF2-40B4-BE49-F238E27FC236}">
+                <a16:creationId xmlns:a16="http://schemas.microsoft.com/office/drawing/2014/main" id="{8F2E824E-31E0-41C1-B318-C1B38F611988}"/>
+              </a:ext>
+            </a:extLst>
+          </p:cNvPr>
           <p:cNvSpPr>
             <a:spLocks noGrp="1"/>
           </p:cNvSpPr>
@@ -11643,53 +11447,59 @@
             <p:ph idx="1"/>
           </p:nvPr>
         </p:nvSpPr>
-        <p:spPr/>
-        <p:txBody>
-          <a:bodyPr>
-            <a:normAutofit/>
-          </a:bodyPr>
-          <a:lstStyle/>
-          <a:p>
-            <a:r>
-              <a:rPr lang="en-US" dirty="0"/>
-              <a:t>Strategies for identifying new product opportunities:</a:t>
-            </a:r>
-          </a:p>
-          <a:p>
-            <a:pPr lvl="1"/>
-            <a:r>
-              <a:rPr lang="en-US" dirty="0" smtClean="0"/>
-              <a:t>Customer Feedback</a:t>
-            </a:r>
-          </a:p>
-          <a:p>
-            <a:pPr lvl="1"/>
-            <a:r>
-              <a:rPr lang="en-US" dirty="0" smtClean="0"/>
-              <a:t>Market Research</a:t>
-            </a:r>
-          </a:p>
-          <a:p>
-            <a:pPr lvl="1"/>
-            <a:r>
-              <a:rPr lang="en-US" dirty="0" smtClean="0"/>
-              <a:t>Industry </a:t>
-            </a:r>
-            <a:r>
-              <a:rPr lang="en-US" dirty="0"/>
-              <a:t>Experts and </a:t>
-            </a:r>
-            <a:r>
-              <a:rPr lang="en-US" dirty="0" smtClean="0"/>
-              <a:t>Partnerships</a:t>
-            </a:r>
-            <a:endParaRPr lang="en-US" dirty="0"/>
-          </a:p>
-        </p:txBody>
-      </p:sp>
-      <p:sp>
-        <p:nvSpPr>
-          <p:cNvPr id="4" name="Slide Number Placeholder 3"/>
+        <p:spPr>
+          <a:xfrm>
+            <a:off x="347526" y="1328468"/>
+            <a:ext cx="11650767" cy="4824503"/>
+          </a:xfrm>
+        </p:spPr>
+        <p:txBody>
+          <a:bodyPr/>
+          <a:lstStyle/>
+          <a:p>
+            <a:pPr>
+              <a:lnSpc>
+                <a:spcPct val="150000"/>
+              </a:lnSpc>
+            </a:pPr>
+            <a:r>
+              <a:rPr lang="en-US" dirty="0"/>
+              <a:t>Horizontal</a:t>
+            </a:r>
+          </a:p>
+          <a:p>
+            <a:pPr>
+              <a:lnSpc>
+                <a:spcPct val="150000"/>
+              </a:lnSpc>
+            </a:pPr>
+            <a:r>
+              <a:rPr lang="en-US" dirty="0"/>
+              <a:t>Vertical</a:t>
+            </a:r>
+          </a:p>
+          <a:p>
+            <a:pPr>
+              <a:lnSpc>
+                <a:spcPct val="150000"/>
+              </a:lnSpc>
+            </a:pPr>
+            <a:r>
+              <a:rPr lang="en-US" dirty="0"/>
+              <a:t>Hybrid</a:t>
+            </a:r>
+          </a:p>
+        </p:txBody>
+      </p:sp>
+      <p:sp>
+        <p:nvSpPr>
+          <p:cNvPr id="4" name="Slide Number Placeholder 3">
+            <a:extLst>
+              <a:ext uri="{FF2B5EF4-FFF2-40B4-BE49-F238E27FC236}">
+                <a16:creationId xmlns:a16="http://schemas.microsoft.com/office/drawing/2014/main" id="{76BA04A8-92C9-48BE-8AFB-2D747F41AA8C}"/>
+              </a:ext>
+            </a:extLst>
+          </p:cNvPr>
           <p:cNvSpPr>
             <a:spLocks noGrp="1"/>
           </p:cNvSpPr>
@@ -11711,51 +11521,10 @@
           </a:p>
         </p:txBody>
       </p:sp>
-      <p:pic>
-        <p:nvPicPr>
-          <p:cNvPr id="24578" name="Picture 2" descr="Advantages of Expanding Your Product Range | Pimberly"/>
-          <p:cNvPicPr>
-            <a:picLocks noChangeAspect="1" noChangeArrowheads="1"/>
-          </p:cNvPicPr>
-          <p:nvPr/>
-        </p:nvPicPr>
-        <p:blipFill>
-          <a:blip r:embed="rId2">
-            <a:extLst>
-              <a:ext uri="{28A0092B-C50C-407E-A947-70E740481C1C}">
-                <a14:useLocalDpi xmlns:a14="http://schemas.microsoft.com/office/drawing/2010/main" val="0"/>
-              </a:ext>
-            </a:extLst>
-          </a:blip>
-          <a:srcRect/>
-          <a:stretch>
-            <a:fillRect/>
-          </a:stretch>
-        </p:blipFill>
-        <p:spPr bwMode="auto">
-          <a:xfrm>
-            <a:off x="6029864" y="4787610"/>
-            <a:ext cx="5968427" cy="1705265"/>
-          </a:xfrm>
-          <a:prstGeom prst="rect">
-            <a:avLst/>
-          </a:prstGeom>
-          <a:noFill/>
-          <a:extLst>
-            <a:ext uri="{909E8E84-426E-40DD-AFC4-6F175D3DCCD1}">
-              <a14:hiddenFill xmlns:a14="http://schemas.microsoft.com/office/drawing/2010/main">
-                <a:solidFill>
-                  <a:srgbClr val="FFFFFF"/>
-                </a:solidFill>
-              </a14:hiddenFill>
-            </a:ext>
-          </a:extLst>
-        </p:spPr>
-      </p:pic>
     </p:spTree>
     <p:extLst>
       <p:ext uri="{BB962C8B-B14F-4D97-AF65-F5344CB8AC3E}">
-        <p14:creationId xmlns:p14="http://schemas.microsoft.com/office/powerpoint/2010/main" val="2999568151"/>
+        <p14:creationId xmlns:p14="http://schemas.microsoft.com/office/powerpoint/2010/main" val="2674827058"/>
       </p:ext>
     </p:extLst>
   </p:cSld>
@@ -11784,7 +11553,13 @@
       </p:grpSpPr>
       <p:sp>
         <p:nvSpPr>
-          <p:cNvPr id="2" name="Title 1"/>
+          <p:cNvPr id="2" name="Title 1">
+            <a:extLst>
+              <a:ext uri="{FF2B5EF4-FFF2-40B4-BE49-F238E27FC236}">
+                <a16:creationId xmlns:a16="http://schemas.microsoft.com/office/drawing/2014/main" id="{63E70ECB-A263-44B1-9920-A74BD6AC12C5}"/>
+              </a:ext>
+            </a:extLst>
+          </p:cNvPr>
           <p:cNvSpPr>
             <a:spLocks noGrp="1"/>
           </p:cNvSpPr>
@@ -11799,14 +11574,20 @@
           <a:p>
             <a:r>
               <a:rPr lang="en-US" dirty="0"/>
-              <a:t>Growth Hacking Techniques</a:t>
-            </a:r>
-          </a:p>
-        </p:txBody>
-      </p:sp>
-      <p:sp>
-        <p:nvSpPr>
-          <p:cNvPr id="3" name="Content Placeholder 2"/>
+              <a:t>Horizontal Scaling</a:t>
+            </a:r>
+          </a:p>
+        </p:txBody>
+      </p:sp>
+      <p:sp>
+        <p:nvSpPr>
+          <p:cNvPr id="3" name="Content Placeholder 2">
+            <a:extLst>
+              <a:ext uri="{FF2B5EF4-FFF2-40B4-BE49-F238E27FC236}">
+                <a16:creationId xmlns:a16="http://schemas.microsoft.com/office/drawing/2014/main" id="{49FCD4FC-DF49-4319-BBEB-C82415CC21B1}"/>
+              </a:ext>
+            </a:extLst>
+          </p:cNvPr>
           <p:cNvSpPr>
             <a:spLocks noGrp="1"/>
           </p:cNvSpPr>
@@ -11814,36 +11595,51 @@
             <p:ph idx="1"/>
           </p:nvPr>
         </p:nvSpPr>
-        <p:spPr/>
-        <p:txBody>
-          <a:bodyPr/>
-          <a:lstStyle/>
-          <a:p>
-            <a:r>
-              <a:rPr lang="en-US" dirty="0" smtClean="0"/>
-              <a:t>Growth </a:t>
-            </a:r>
-            <a:r>
-              <a:rPr lang="en-US" dirty="0"/>
-              <a:t>hacking is particularly important in software entrepreneurship due to the digital nature of the business and the need for rapid user adoption. </a:t>
-            </a:r>
-            <a:endParaRPr lang="en-US" dirty="0" smtClean="0"/>
-          </a:p>
-          <a:p>
-            <a:r>
-              <a:rPr lang="en-US" dirty="0" smtClean="0"/>
-              <a:t>Startups </a:t>
-            </a:r>
-            <a:r>
-              <a:rPr lang="en-US" dirty="0"/>
-              <a:t>can leverage growth hacking techniques to gain initial traction, build a user base, and achieve exponential growth, even with limited resources.</a:t>
-            </a:r>
-          </a:p>
-        </p:txBody>
-      </p:sp>
-      <p:sp>
-        <p:nvSpPr>
-          <p:cNvPr id="4" name="Slide Number Placeholder 3"/>
+        <p:spPr>
+          <a:xfrm>
+            <a:off x="347527" y="1406880"/>
+            <a:ext cx="5748474" cy="4746091"/>
+          </a:xfrm>
+        </p:spPr>
+        <p:txBody>
+          <a:bodyPr>
+            <a:normAutofit/>
+          </a:bodyPr>
+          <a:lstStyle/>
+          <a:p>
+            <a:r>
+              <a:rPr lang="en-US" dirty="0"/>
+              <a:t>Horizontal scaling, also known as scaling out</a:t>
+            </a:r>
+          </a:p>
+          <a:p>
+            <a:pPr lvl="1"/>
+            <a:r>
+              <a:rPr lang="en-US" dirty="0"/>
+              <a:t>refers to the process of adding more resources (servers, machines, etc.) to a system in order to handle increased workload or traffic.</a:t>
+            </a:r>
+          </a:p>
+          <a:p>
+            <a:pPr lvl="1"/>
+            <a:r>
+              <a:rPr lang="en-US" dirty="0"/>
+              <a:t>It involves distributing the workload across multiple machines, allowing for improved performance, increased capacity, and better fault tolerance.</a:t>
+            </a:r>
+          </a:p>
+          <a:p>
+            <a:endParaRPr lang="en-US" dirty="0"/>
+          </a:p>
+        </p:txBody>
+      </p:sp>
+      <p:sp>
+        <p:nvSpPr>
+          <p:cNvPr id="4" name="Slide Number Placeholder 3">
+            <a:extLst>
+              <a:ext uri="{FF2B5EF4-FFF2-40B4-BE49-F238E27FC236}">
+                <a16:creationId xmlns:a16="http://schemas.microsoft.com/office/drawing/2014/main" id="{515758B7-4ED8-4FDF-97D1-FAF3257F98D2}"/>
+              </a:ext>
+            </a:extLst>
+          </p:cNvPr>
           <p:cNvSpPr>
             <a:spLocks noGrp="1"/>
           </p:cNvSpPr>
@@ -11867,27 +11663,40 @@
       </p:sp>
       <p:pic>
         <p:nvPicPr>
-          <p:cNvPr id="25604" name="Picture 4" descr="Growth Hacking: What is it and how you can do it"/>
+          <p:cNvPr id="3074" name="Picture 2" descr="7 Things to Consider To Build Scalable Web Applications">
+            <a:extLst>
+              <a:ext uri="{FF2B5EF4-FFF2-40B4-BE49-F238E27FC236}">
+                <a16:creationId xmlns:a16="http://schemas.microsoft.com/office/drawing/2014/main" id="{21C042DF-42FC-4133-AF83-A0262E6C0FE1}"/>
+              </a:ext>
+            </a:extLst>
+          </p:cNvPr>
           <p:cNvPicPr>
             <a:picLocks noChangeAspect="1" noChangeArrowheads="1"/>
           </p:cNvPicPr>
           <p:nvPr/>
         </p:nvPicPr>
         <p:blipFill rotWithShape="1">
-          <a:blip r:embed="rId2" cstate="print">
+          <a:blip r:embed="rId2">
+            <a:duotone>
+              <a:schemeClr val="accent5">
+                <a:shade val="45000"/>
+                <a:satMod val="135000"/>
+              </a:schemeClr>
+              <a:prstClr val="white"/>
+            </a:duotone>
             <a:extLst>
               <a:ext uri="{28A0092B-C50C-407E-A947-70E740481C1C}">
                 <a14:useLocalDpi xmlns:a14="http://schemas.microsoft.com/office/drawing/2010/main" val="0"/>
               </a:ext>
             </a:extLst>
           </a:blip>
-          <a:srcRect l="5817" t="9669" r="6820" b="9406"/>
+          <a:srcRect l="3240" t="20515" r="3273" b="9308"/>
           <a:stretch/>
         </p:blipFill>
         <p:spPr bwMode="auto">
           <a:xfrm>
-            <a:off x="5564037" y="3278697"/>
-            <a:ext cx="5753819" cy="3323097"/>
+            <a:off x="5937089" y="2191109"/>
+            <a:ext cx="6254911" cy="3716378"/>
           </a:xfrm>
           <a:prstGeom prst="rect">
             <a:avLst/>
@@ -11907,20 +11716,13 @@
     </p:spTree>
     <p:extLst>
       <p:ext uri="{BB962C8B-B14F-4D97-AF65-F5344CB8AC3E}">
-        <p14:creationId xmlns:p14="http://schemas.microsoft.com/office/powerpoint/2010/main" val="4262561961"/>
+        <p14:creationId xmlns:p14="http://schemas.microsoft.com/office/powerpoint/2010/main" val="2980545765"/>
       </p:ext>
     </p:extLst>
   </p:cSld>
   <p:clrMapOvr>
     <a:masterClrMapping/>
   </p:clrMapOvr>
-  <p:timing>
-    <p:tnLst>
-      <p:par>
-        <p:cTn id="1" dur="indefinite" restart="never" nodeType="tmRoot"/>
-      </p:par>
-    </p:tnLst>
-  </p:timing>
 </p:sld>
 </file>
 
@@ -11943,7 +11745,13 @@
       </p:grpSpPr>
       <p:sp>
         <p:nvSpPr>
-          <p:cNvPr id="5" name="Title 4"/>
+          <p:cNvPr id="2" name="Title 1">
+            <a:extLst>
+              <a:ext uri="{FF2B5EF4-FFF2-40B4-BE49-F238E27FC236}">
+                <a16:creationId xmlns:a16="http://schemas.microsoft.com/office/drawing/2014/main" id="{36BB1609-82CA-4A31-9F94-022765057F9A}"/>
+              </a:ext>
+            </a:extLst>
+          </p:cNvPr>
           <p:cNvSpPr>
             <a:spLocks noGrp="1"/>
           </p:cNvSpPr>
@@ -11958,33 +11766,77 @@
           <a:p>
             <a:r>
               <a:rPr lang="en-US" dirty="0"/>
-              <a:t>Common challenges and lessons learned</a:t>
-            </a:r>
-          </a:p>
-        </p:txBody>
-      </p:sp>
-      <p:sp>
-        <p:nvSpPr>
-          <p:cNvPr id="6" name="Text Placeholder 5"/>
-          <p:cNvSpPr>
-            <a:spLocks noGrp="1"/>
-          </p:cNvSpPr>
-          <p:nvPr>
-            <p:ph type="body" idx="1"/>
-          </p:nvPr>
-        </p:nvSpPr>
-        <p:spPr/>
-        <p:txBody>
-          <a:bodyPr/>
-          <a:lstStyle/>
-          <a:p>
-            <a:endParaRPr lang="en-US"/>
-          </a:p>
-        </p:txBody>
-      </p:sp>
-      <p:sp>
-        <p:nvSpPr>
-          <p:cNvPr id="4" name="Slide Number Placeholder 3"/>
+              <a:t>Examples of Horizontal Scaling</a:t>
+            </a:r>
+          </a:p>
+        </p:txBody>
+      </p:sp>
+      <p:sp>
+        <p:nvSpPr>
+          <p:cNvPr id="3" name="Content Placeholder 2">
+            <a:extLst>
+              <a:ext uri="{FF2B5EF4-FFF2-40B4-BE49-F238E27FC236}">
+                <a16:creationId xmlns:a16="http://schemas.microsoft.com/office/drawing/2014/main" id="{958CC75D-7F27-4705-9D34-4DF25D68B618}"/>
+              </a:ext>
+            </a:extLst>
+          </p:cNvPr>
+          <p:cNvSpPr>
+            <a:spLocks noGrp="1"/>
+          </p:cNvSpPr>
+          <p:nvPr>
+            <p:ph idx="1"/>
+          </p:nvPr>
+        </p:nvSpPr>
+        <p:spPr/>
+        <p:txBody>
+          <a:bodyPr>
+            <a:normAutofit/>
+          </a:bodyPr>
+          <a:lstStyle/>
+          <a:p>
+            <a:pPr>
+              <a:lnSpc>
+                <a:spcPct val="150000"/>
+              </a:lnSpc>
+            </a:pPr>
+            <a:r>
+              <a:rPr lang="en-US" dirty="0"/>
+              <a:t>Adding more servers</a:t>
+            </a:r>
+          </a:p>
+          <a:p>
+            <a:pPr>
+              <a:lnSpc>
+                <a:spcPct val="150000"/>
+              </a:lnSpc>
+            </a:pPr>
+            <a:r>
+              <a:rPr lang="en-US" dirty="0"/>
+              <a:t>Increasing bandwidth</a:t>
+            </a:r>
+          </a:p>
+          <a:p>
+            <a:pPr>
+              <a:lnSpc>
+                <a:spcPct val="150000"/>
+              </a:lnSpc>
+            </a:pPr>
+            <a:r>
+              <a:rPr lang="en-US" dirty="0"/>
+              <a:t>Load balancing</a:t>
+            </a:r>
+          </a:p>
+        </p:txBody>
+      </p:sp>
+      <p:sp>
+        <p:nvSpPr>
+          <p:cNvPr id="4" name="Slide Number Placeholder 3">
+            <a:extLst>
+              <a:ext uri="{FF2B5EF4-FFF2-40B4-BE49-F238E27FC236}">
+                <a16:creationId xmlns:a16="http://schemas.microsoft.com/office/drawing/2014/main" id="{6F4A9730-A343-409E-94DA-BECE363273CB}"/>
+              </a:ext>
+            </a:extLst>
+          </p:cNvPr>
           <p:cNvSpPr>
             <a:spLocks noGrp="1"/>
           </p:cNvSpPr>
@@ -12006,23 +11858,63 @@
           </a:p>
         </p:txBody>
       </p:sp>
+      <p:pic>
+        <p:nvPicPr>
+          <p:cNvPr id="4098" name="Picture 2" descr="Scalability in Cloud Computing: Horizontal vs. Vertical Scaling">
+            <a:extLst>
+              <a:ext uri="{FF2B5EF4-FFF2-40B4-BE49-F238E27FC236}">
+                <a16:creationId xmlns:a16="http://schemas.microsoft.com/office/drawing/2014/main" id="{C2A4D38B-45F1-432E-8EA6-E58AAE34ACD1}"/>
+              </a:ext>
+            </a:extLst>
+          </p:cNvPr>
+          <p:cNvPicPr>
+            <a:picLocks noChangeAspect="1" noChangeArrowheads="1"/>
+          </p:cNvPicPr>
+          <p:nvPr/>
+        </p:nvPicPr>
+        <p:blipFill>
+          <a:blip r:embed="rId2">
+            <a:extLst>
+              <a:ext uri="{28A0092B-C50C-407E-A947-70E740481C1C}">
+                <a14:useLocalDpi xmlns:a14="http://schemas.microsoft.com/office/drawing/2010/main" val="0"/>
+              </a:ext>
+            </a:extLst>
+          </a:blip>
+          <a:srcRect/>
+          <a:stretch>
+            <a:fillRect/>
+          </a:stretch>
+        </p:blipFill>
+        <p:spPr bwMode="auto">
+          <a:xfrm>
+            <a:off x="4548167" y="2001340"/>
+            <a:ext cx="7643833" cy="3557169"/>
+          </a:xfrm>
+          <a:prstGeom prst="rect">
+            <a:avLst/>
+          </a:prstGeom>
+          <a:noFill/>
+          <a:extLst>
+            <a:ext uri="{909E8E84-426E-40DD-AFC4-6F175D3DCCD1}">
+              <a14:hiddenFill xmlns:a14="http://schemas.microsoft.com/office/drawing/2010/main">
+                <a:solidFill>
+                  <a:srgbClr val="FFFFFF"/>
+                </a:solidFill>
+              </a14:hiddenFill>
+            </a:ext>
+          </a:extLst>
+        </p:spPr>
+      </p:pic>
     </p:spTree>
     <p:extLst>
       <p:ext uri="{BB962C8B-B14F-4D97-AF65-F5344CB8AC3E}">
-        <p14:creationId xmlns:p14="http://schemas.microsoft.com/office/powerpoint/2010/main" val="3702127407"/>
+        <p14:creationId xmlns:p14="http://schemas.microsoft.com/office/powerpoint/2010/main" val="2258307933"/>
       </p:ext>
     </p:extLst>
   </p:cSld>
   <p:clrMapOvr>
     <a:masterClrMapping/>
   </p:clrMapOvr>
-  <p:timing>
-    <p:tnLst>
-      <p:par>
-        <p:cTn id="1" dur="indefinite" restart="never" nodeType="tmRoot"/>
-      </p:par>
-    </p:tnLst>
-  </p:timing>
 </p:sld>
 </file>
 
@@ -12045,7 +11937,13 @@
       </p:grpSpPr>
       <p:sp>
         <p:nvSpPr>
-          <p:cNvPr id="2" name="Title 1"/>
+          <p:cNvPr id="2" name="Title 1">
+            <a:extLst>
+              <a:ext uri="{FF2B5EF4-FFF2-40B4-BE49-F238E27FC236}">
+                <a16:creationId xmlns:a16="http://schemas.microsoft.com/office/drawing/2014/main" id="{45B24875-E971-48F5-ADFA-E2876C243D7A}"/>
+              </a:ext>
+            </a:extLst>
+          </p:cNvPr>
           <p:cNvSpPr>
             <a:spLocks noGrp="1"/>
           </p:cNvSpPr>
@@ -12060,14 +11958,20 @@
           <a:p>
             <a:r>
               <a:rPr lang="en-US" dirty="0"/>
-              <a:t>Handling Failures and Pivoting When Needed</a:t>
-            </a:r>
-          </a:p>
-        </p:txBody>
-      </p:sp>
-      <p:sp>
-        <p:nvSpPr>
-          <p:cNvPr id="3" name="Content Placeholder 2"/>
+              <a:t>Pros and Cons of Horizontal Scaling</a:t>
+            </a:r>
+          </a:p>
+        </p:txBody>
+      </p:sp>
+      <p:sp>
+        <p:nvSpPr>
+          <p:cNvPr id="3" name="Content Placeholder 2">
+            <a:extLst>
+              <a:ext uri="{FF2B5EF4-FFF2-40B4-BE49-F238E27FC236}">
+                <a16:creationId xmlns:a16="http://schemas.microsoft.com/office/drawing/2014/main" id="{9A90E363-4E5B-4FBB-8E79-2880604766BC}"/>
+              </a:ext>
+            </a:extLst>
+          </p:cNvPr>
           <p:cNvSpPr>
             <a:spLocks noGrp="1"/>
           </p:cNvSpPr>
@@ -12084,52 +11988,54 @@
           <a:p>
             <a:r>
               <a:rPr lang="en-US" dirty="0"/>
-              <a:t>Importance of embracing failure as a learning opportunity:</a:t>
+              <a:t>Pros of Horizontal Scaling:</a:t>
             </a:r>
           </a:p>
           <a:p>
             <a:pPr lvl="1"/>
             <a:r>
-              <a:rPr lang="en-US" dirty="0" smtClean="0"/>
-              <a:t>Growth </a:t>
-            </a:r>
-            <a:r>
-              <a:rPr lang="en-US" dirty="0"/>
-              <a:t>and </a:t>
-            </a:r>
-            <a:r>
-              <a:rPr lang="en-US" dirty="0" smtClean="0"/>
-              <a:t>Innovation</a:t>
+              <a:rPr lang="en-US" dirty="0"/>
+              <a:t>Improved performance and scalability</a:t>
             </a:r>
           </a:p>
           <a:p>
             <a:pPr lvl="1"/>
             <a:r>
-              <a:rPr lang="en-US" dirty="0" smtClean="0"/>
-              <a:t>Resilience </a:t>
-            </a:r>
-            <a:r>
-              <a:rPr lang="en-US" dirty="0"/>
-              <a:t>and </a:t>
-            </a:r>
-            <a:r>
-              <a:rPr lang="en-US" dirty="0" smtClean="0"/>
-              <a:t>Adaptability</a:t>
+              <a:rPr lang="en-US" dirty="0"/>
+              <a:t>High availability and fault tolerance</a:t>
+            </a:r>
+          </a:p>
+          <a:p>
+            <a:r>
+              <a:rPr lang="en-US" dirty="0"/>
+              <a:t>Cons of Horizontal Scaling:</a:t>
             </a:r>
           </a:p>
           <a:p>
             <a:pPr lvl="1"/>
             <a:r>
-              <a:rPr lang="en-US" dirty="0" smtClean="0"/>
-              <a:t>Continuous Improvement</a:t>
-            </a:r>
-            <a:endParaRPr lang="en-US" dirty="0"/>
-          </a:p>
-        </p:txBody>
-      </p:sp>
-      <p:sp>
-        <p:nvSpPr>
-          <p:cNvPr id="4" name="Slide Number Placeholder 3"/>
+              <a:rPr lang="en-US" dirty="0"/>
+              <a:t>Increased complexity:</a:t>
+            </a:r>
+          </a:p>
+          <a:p>
+            <a:pPr lvl="1"/>
+            <a:r>
+              <a:rPr lang="en-US" dirty="0"/>
+              <a:t>Cost implications:</a:t>
+            </a:r>
+          </a:p>
+        </p:txBody>
+      </p:sp>
+      <p:sp>
+        <p:nvSpPr>
+          <p:cNvPr id="4" name="Slide Number Placeholder 3">
+            <a:extLst>
+              <a:ext uri="{FF2B5EF4-FFF2-40B4-BE49-F238E27FC236}">
+                <a16:creationId xmlns:a16="http://schemas.microsoft.com/office/drawing/2014/main" id="{55153249-9893-457D-B058-CAD35A9A9658}"/>
+              </a:ext>
+            </a:extLst>
+          </p:cNvPr>
           <p:cNvSpPr>
             <a:spLocks noGrp="1"/>
           </p:cNvSpPr>
@@ -12151,62 +12057,16 @@
           </a:p>
         </p:txBody>
       </p:sp>
-      <p:pic>
-        <p:nvPicPr>
-          <p:cNvPr id="27650" name="Picture 2" descr="How to manage failure in times of uncertainty"/>
-          <p:cNvPicPr>
-            <a:picLocks noChangeAspect="1" noChangeArrowheads="1"/>
-          </p:cNvPicPr>
-          <p:nvPr/>
-        </p:nvPicPr>
-        <p:blipFill rotWithShape="1">
-          <a:blip r:embed="rId2">
-            <a:extLst>
-              <a:ext uri="{28A0092B-C50C-407E-A947-70E740481C1C}">
-                <a14:useLocalDpi xmlns:a14="http://schemas.microsoft.com/office/drawing/2010/main" val="0"/>
-              </a:ext>
-            </a:extLst>
-          </a:blip>
-          <a:srcRect l="19734" t="10427" r="20865" b="3201"/>
-          <a:stretch/>
-        </p:blipFill>
-        <p:spPr bwMode="auto">
-          <a:xfrm>
-            <a:off x="7447757" y="3019244"/>
-            <a:ext cx="4151167" cy="3398809"/>
-          </a:xfrm>
-          <a:prstGeom prst="rect">
-            <a:avLst/>
-          </a:prstGeom>
-          <a:noFill/>
-          <a:extLst>
-            <a:ext uri="{909E8E84-426E-40DD-AFC4-6F175D3DCCD1}">
-              <a14:hiddenFill xmlns:a14="http://schemas.microsoft.com/office/drawing/2010/main">
-                <a:solidFill>
-                  <a:srgbClr val="FFFFFF"/>
-                </a:solidFill>
-              </a14:hiddenFill>
-            </a:ext>
-          </a:extLst>
-        </p:spPr>
-      </p:pic>
     </p:spTree>
     <p:extLst>
       <p:ext uri="{BB962C8B-B14F-4D97-AF65-F5344CB8AC3E}">
-        <p14:creationId xmlns:p14="http://schemas.microsoft.com/office/powerpoint/2010/main" val="1700686582"/>
+        <p14:creationId xmlns:p14="http://schemas.microsoft.com/office/powerpoint/2010/main" val="181971432"/>
       </p:ext>
     </p:extLst>
   </p:cSld>
   <p:clrMapOvr>
     <a:masterClrMapping/>
   </p:clrMapOvr>
-  <p:timing>
-    <p:tnLst>
-      <p:par>
-        <p:cTn id="1" dur="indefinite" restart="never" nodeType="tmRoot"/>
-      </p:par>
-    </p:tnLst>
-  </p:timing>
 </p:sld>
 </file>
 
@@ -12229,7 +12089,13 @@
       </p:grpSpPr>
       <p:sp>
         <p:nvSpPr>
-          <p:cNvPr id="2" name="Title 1"/>
+          <p:cNvPr id="2" name="Title 1">
+            <a:extLst>
+              <a:ext uri="{FF2B5EF4-FFF2-40B4-BE49-F238E27FC236}">
+                <a16:creationId xmlns:a16="http://schemas.microsoft.com/office/drawing/2014/main" id="{ED0CADF3-3514-48B8-AAB5-7BBBC318803C}"/>
+              </a:ext>
+            </a:extLst>
+          </p:cNvPr>
           <p:cNvSpPr>
             <a:spLocks noGrp="1"/>
           </p:cNvSpPr>
@@ -12244,14 +12110,20 @@
           <a:p>
             <a:r>
               <a:rPr lang="en-US" dirty="0"/>
-              <a:t>Handling Failures and Pivoting When Needed</a:t>
-            </a:r>
-          </a:p>
-        </p:txBody>
-      </p:sp>
-      <p:sp>
-        <p:nvSpPr>
-          <p:cNvPr id="3" name="Content Placeholder 2"/>
+              <a:t>Vertical Scaling</a:t>
+            </a:r>
+          </a:p>
+        </p:txBody>
+      </p:sp>
+      <p:sp>
+        <p:nvSpPr>
+          <p:cNvPr id="3" name="Content Placeholder 2">
+            <a:extLst>
+              <a:ext uri="{FF2B5EF4-FFF2-40B4-BE49-F238E27FC236}">
+                <a16:creationId xmlns:a16="http://schemas.microsoft.com/office/drawing/2014/main" id="{FC543125-F59B-4117-A43B-036D315954B5}"/>
+              </a:ext>
+            </a:extLst>
+          </p:cNvPr>
           <p:cNvSpPr>
             <a:spLocks noGrp="1"/>
           </p:cNvSpPr>
@@ -12261,58 +12133,42 @@
         </p:nvSpPr>
         <p:spPr/>
         <p:txBody>
-          <a:bodyPr>
-            <a:normAutofit/>
-          </a:bodyPr>
-          <a:lstStyle/>
-          <a:p>
-            <a:r>
-              <a:rPr lang="en-US" dirty="0"/>
-              <a:t>Strategies for handling failures and learning from them:</a:t>
+          <a:bodyPr/>
+          <a:lstStyle/>
+          <a:p>
+            <a:r>
+              <a:rPr lang="en-US" dirty="0"/>
+              <a:t>Vertical scaling, also known as scaling up</a:t>
             </a:r>
           </a:p>
           <a:p>
             <a:pPr lvl="1"/>
             <a:r>
-              <a:rPr lang="en-US" dirty="0" smtClean="0"/>
-              <a:t>Post-Mortem Analysis</a:t>
+              <a:rPr lang="en-US" dirty="0"/>
+              <a:t>refers to the process of increasing the capacity or power of individual servers or machines in a system.</a:t>
             </a:r>
           </a:p>
           <a:p>
             <a:pPr lvl="1"/>
             <a:r>
-              <a:rPr lang="en-US" dirty="0" smtClean="0"/>
-              <a:t>Iterative Design</a:t>
-            </a:r>
-          </a:p>
-          <a:p>
-            <a:pPr lvl="1"/>
-            <a:r>
-              <a:rPr lang="en-US" dirty="0" smtClean="0"/>
-              <a:t>Feedback </a:t>
-            </a:r>
-            <a:r>
-              <a:rPr lang="en-US" dirty="0"/>
-              <a:t>and </a:t>
-            </a:r>
-            <a:r>
-              <a:rPr lang="en-US" dirty="0" smtClean="0"/>
-              <a:t>Reflection</a:t>
-            </a:r>
-          </a:p>
-          <a:p>
-            <a:pPr lvl="1"/>
-            <a:r>
-              <a:rPr lang="en-US" dirty="0" smtClean="0"/>
-              <a:t>Growth Mindset</a:t>
-            </a:r>
+              <a:rPr lang="en-US" dirty="0"/>
+              <a:t>It involves upgrading the hardware components, such as CPU, RAM, or storage, to handle increased workload or resource requirements.</a:t>
+            </a:r>
+          </a:p>
+          <a:p>
             <a:endParaRPr lang="en-US" dirty="0"/>
           </a:p>
         </p:txBody>
       </p:sp>
       <p:sp>
         <p:nvSpPr>
-          <p:cNvPr id="4" name="Slide Number Placeholder 3"/>
+          <p:cNvPr id="4" name="Slide Number Placeholder 3">
+            <a:extLst>
+              <a:ext uri="{FF2B5EF4-FFF2-40B4-BE49-F238E27FC236}">
+                <a16:creationId xmlns:a16="http://schemas.microsoft.com/office/drawing/2014/main" id="{5C558157-06F9-4A38-98DC-3D33281F6DC6}"/>
+              </a:ext>
+            </a:extLst>
+          </p:cNvPr>
           <p:cNvSpPr>
             <a:spLocks noGrp="1"/>
           </p:cNvSpPr>
@@ -12336,36 +12192,33 @@
       </p:sp>
       <p:pic>
         <p:nvPicPr>
-          <p:cNvPr id="28676" name="Picture 4" descr="Lessons Learned in Project Management - Ongoing Process Improvement"/>
+          <p:cNvPr id="6146" name="Picture 2" descr="Scalability in Cloud Computing: Horizontal vs. Vertical Scaling">
+            <a:extLst>
+              <a:ext uri="{FF2B5EF4-FFF2-40B4-BE49-F238E27FC236}">
+                <a16:creationId xmlns:a16="http://schemas.microsoft.com/office/drawing/2014/main" id="{A6994428-DADE-412D-9619-D3D4927CCF05}"/>
+              </a:ext>
+            </a:extLst>
+          </p:cNvPr>
           <p:cNvPicPr>
             <a:picLocks noChangeAspect="1" noChangeArrowheads="1"/>
           </p:cNvPicPr>
           <p:nvPr/>
         </p:nvPicPr>
-        <p:blipFill>
-          <a:blip r:embed="rId2">
-            <a:duotone>
-              <a:schemeClr val="accent5">
-                <a:shade val="45000"/>
-                <a:satMod val="135000"/>
-              </a:schemeClr>
-              <a:prstClr val="white"/>
-            </a:duotone>
+        <p:blipFill rotWithShape="1">
+          <a:blip r:embed="rId2" cstate="print">
             <a:extLst>
               <a:ext uri="{28A0092B-C50C-407E-A947-70E740481C1C}">
                 <a14:useLocalDpi xmlns:a14="http://schemas.microsoft.com/office/drawing/2010/main" val="0"/>
               </a:ext>
             </a:extLst>
           </a:blip>
-          <a:srcRect/>
-          <a:stretch>
-            <a:fillRect/>
-          </a:stretch>
+          <a:srcRect l="3244" t="2516" r="55038" b="2516"/>
+          <a:stretch/>
         </p:blipFill>
         <p:spPr bwMode="auto">
           <a:xfrm>
-            <a:off x="4527493" y="4097636"/>
-            <a:ext cx="6949507" cy="1845964"/>
+            <a:off x="8586654" y="3068188"/>
+            <a:ext cx="2653565" cy="3424687"/>
           </a:xfrm>
           <a:prstGeom prst="rect">
             <a:avLst/>
@@ -12385,7 +12238,7 @@
     </p:spTree>
     <p:extLst>
       <p:ext uri="{BB962C8B-B14F-4D97-AF65-F5344CB8AC3E}">
-        <p14:creationId xmlns:p14="http://schemas.microsoft.com/office/powerpoint/2010/main" val="2752265544"/>
+        <p14:creationId xmlns:p14="http://schemas.microsoft.com/office/powerpoint/2010/main" val="2159481275"/>
       </p:ext>
     </p:extLst>
   </p:cSld>
@@ -12414,7 +12267,13 @@
       </p:grpSpPr>
       <p:sp>
         <p:nvSpPr>
-          <p:cNvPr id="2" name="Title 1"/>
+          <p:cNvPr id="2" name="Title 1">
+            <a:extLst>
+              <a:ext uri="{FF2B5EF4-FFF2-40B4-BE49-F238E27FC236}">
+                <a16:creationId xmlns:a16="http://schemas.microsoft.com/office/drawing/2014/main" id="{EE364ABF-7C32-4070-A770-ABBEE800980D}"/>
+              </a:ext>
+            </a:extLst>
+          </p:cNvPr>
           <p:cNvSpPr>
             <a:spLocks noGrp="1"/>
           </p:cNvSpPr>
@@ -12428,19 +12287,21 @@
           <a:lstStyle/>
           <a:p>
             <a:r>
-              <a:rPr lang="en-US" dirty="0" smtClean="0"/>
-              <a:t>Successful </a:t>
-            </a:r>
-            <a:r>
-              <a:rPr lang="en-US" dirty="0"/>
-              <a:t>pivots in software entrepreneurship</a:t>
-            </a:r>
-          </a:p>
-        </p:txBody>
-      </p:sp>
-      <p:sp>
-        <p:nvSpPr>
-          <p:cNvPr id="3" name="Content Placeholder 2"/>
+              <a:rPr lang="en-US" dirty="0"/>
+              <a:t>Examples of Vertical Scaling</a:t>
+            </a:r>
+          </a:p>
+        </p:txBody>
+      </p:sp>
+      <p:sp>
+        <p:nvSpPr>
+          <p:cNvPr id="3" name="Content Placeholder 2">
+            <a:extLst>
+              <a:ext uri="{FF2B5EF4-FFF2-40B4-BE49-F238E27FC236}">
+                <a16:creationId xmlns:a16="http://schemas.microsoft.com/office/drawing/2014/main" id="{74FE7D3C-460C-4FB5-833D-0ACD10AA51E6}"/>
+              </a:ext>
+            </a:extLst>
+          </p:cNvPr>
           <p:cNvSpPr>
             <a:spLocks noGrp="1"/>
           </p:cNvSpPr>
@@ -12455,84 +12316,49 @@
           </a:bodyPr>
           <a:lstStyle/>
           <a:p>
-            <a:r>
-              <a:rPr lang="en-US" dirty="0" smtClean="0"/>
-              <a:t>Twitter</a:t>
-            </a:r>
-          </a:p>
-          <a:p>
-            <a:pPr lvl="1"/>
-            <a:r>
-              <a:rPr lang="en-US" dirty="0" smtClean="0"/>
-              <a:t>Twitter </a:t>
-            </a:r>
-            <a:r>
-              <a:rPr lang="en-US" dirty="0"/>
-              <a:t>initially started as a podcast platform called </a:t>
-            </a:r>
-            <a:r>
-              <a:rPr lang="en-US" dirty="0" err="1"/>
-              <a:t>Odeo</a:t>
-            </a:r>
-            <a:r>
-              <a:rPr lang="en-US" dirty="0"/>
-              <a:t>. </a:t>
-            </a:r>
-            <a:endParaRPr lang="en-US" dirty="0" smtClean="0"/>
-          </a:p>
-          <a:p>
-            <a:pPr lvl="1"/>
-            <a:r>
-              <a:rPr lang="en-US" dirty="0" smtClean="0"/>
-              <a:t>However</a:t>
-            </a:r>
-            <a:r>
-              <a:rPr lang="en-US" dirty="0"/>
-              <a:t>, when Apple announced iTunes, which dominated the podcasting market, </a:t>
-            </a:r>
-            <a:r>
-              <a:rPr lang="en-US" dirty="0" err="1"/>
-              <a:t>Odeo</a:t>
-            </a:r>
-            <a:r>
-              <a:rPr lang="en-US" dirty="0"/>
-              <a:t> faced a significant challenge. </a:t>
-            </a:r>
-            <a:endParaRPr lang="en-US" dirty="0" smtClean="0"/>
-          </a:p>
-          <a:p>
-            <a:pPr lvl="1"/>
-            <a:r>
-              <a:rPr lang="en-US" dirty="0" smtClean="0"/>
-              <a:t>The </a:t>
-            </a:r>
-            <a:r>
-              <a:rPr lang="en-US" dirty="0"/>
-              <a:t>team decided to pivot and focus on a new idea within the company, which eventually became Twitter. </a:t>
-            </a:r>
-            <a:endParaRPr lang="en-US" dirty="0" smtClean="0"/>
-          </a:p>
-          <a:p>
-            <a:pPr lvl="1"/>
-            <a:r>
-              <a:rPr lang="en-US" dirty="0" smtClean="0"/>
-              <a:t>This </a:t>
-            </a:r>
-            <a:r>
-              <a:rPr lang="en-US" dirty="0"/>
-              <a:t>pivot led to tremendous success, transforming Twitter into one of the most popular social media platforms</a:t>
-            </a:r>
-            <a:r>
-              <a:rPr lang="en-US" dirty="0" smtClean="0"/>
-              <a:t>.</a:t>
-            </a:r>
-            <a:endParaRPr lang="en-US" dirty="0"/>
-          </a:p>
-        </p:txBody>
-      </p:sp>
-      <p:sp>
-        <p:nvSpPr>
-          <p:cNvPr id="4" name="Slide Number Placeholder 3"/>
+            <a:pPr>
+              <a:lnSpc>
+                <a:spcPct val="150000"/>
+              </a:lnSpc>
+            </a:pPr>
+            <a:r>
+              <a:rPr lang="en-US" dirty="0"/>
+              <a:t>Increasing server resources</a:t>
+            </a:r>
+          </a:p>
+          <a:p>
+            <a:pPr>
+              <a:lnSpc>
+                <a:spcPct val="150000"/>
+              </a:lnSpc>
+            </a:pPr>
+            <a:r>
+              <a:rPr lang="en-US" dirty="0"/>
+              <a:t>Upgrading hardware</a:t>
+            </a:r>
+          </a:p>
+          <a:p>
+            <a:pPr>
+              <a:lnSpc>
+                <a:spcPct val="150000"/>
+              </a:lnSpc>
+            </a:pPr>
+            <a:r>
+              <a:rPr lang="en-US" dirty="0"/>
+              <a:t>Optimizing software configuration</a:t>
+            </a:r>
+          </a:p>
+        </p:txBody>
+      </p:sp>
+      <p:sp>
+        <p:nvSpPr>
+          <p:cNvPr id="4" name="Slide Number Placeholder 3">
+            <a:extLst>
+              <a:ext uri="{FF2B5EF4-FFF2-40B4-BE49-F238E27FC236}">
+                <a16:creationId xmlns:a16="http://schemas.microsoft.com/office/drawing/2014/main" id="{E53FB1DB-CC20-423F-A1EE-E5F452B6AA7E}"/>
+              </a:ext>
+            </a:extLst>
+          </p:cNvPr>
           <p:cNvSpPr>
             <a:spLocks noGrp="1"/>
           </p:cNvSpPr>
@@ -12554,10 +12380,55 @@
           </a:p>
         </p:txBody>
       </p:sp>
+      <p:pic>
+        <p:nvPicPr>
+          <p:cNvPr id="7170" name="Picture 2" descr="Vertical vs. horizontal scaling: what's the difference and which is better?">
+            <a:extLst>
+              <a:ext uri="{FF2B5EF4-FFF2-40B4-BE49-F238E27FC236}">
+                <a16:creationId xmlns:a16="http://schemas.microsoft.com/office/drawing/2014/main" id="{69C01FCF-982E-4164-A2B1-C908E20A9933}"/>
+              </a:ext>
+            </a:extLst>
+          </p:cNvPr>
+          <p:cNvPicPr>
+            <a:picLocks noChangeAspect="1" noChangeArrowheads="1"/>
+          </p:cNvPicPr>
+          <p:nvPr/>
+        </p:nvPicPr>
+        <p:blipFill rotWithShape="1">
+          <a:blip r:embed="rId2">
+            <a:extLst>
+              <a:ext uri="{28A0092B-C50C-407E-A947-70E740481C1C}">
+                <a14:useLocalDpi xmlns:a14="http://schemas.microsoft.com/office/drawing/2010/main" val="0"/>
+              </a:ext>
+            </a:extLst>
+          </a:blip>
+          <a:srcRect b="50000"/>
+          <a:stretch/>
+        </p:blipFill>
+        <p:spPr bwMode="auto">
+          <a:xfrm>
+            <a:off x="4132022" y="4213470"/>
+            <a:ext cx="7605623" cy="2139081"/>
+          </a:xfrm>
+          <a:prstGeom prst="rect">
+            <a:avLst/>
+          </a:prstGeom>
+          <a:noFill/>
+          <a:extLst>
+            <a:ext uri="{909E8E84-426E-40DD-AFC4-6F175D3DCCD1}">
+              <a14:hiddenFill xmlns:a14="http://schemas.microsoft.com/office/drawing/2010/main">
+                <a:solidFill>
+                  <a:srgbClr val="FFFFFF"/>
+                </a:solidFill>
+              </a14:hiddenFill>
+            </a:ext>
+          </a:extLst>
+        </p:spPr>
+      </p:pic>
     </p:spTree>
     <p:extLst>
       <p:ext uri="{BB962C8B-B14F-4D97-AF65-F5344CB8AC3E}">
-        <p14:creationId xmlns:p14="http://schemas.microsoft.com/office/powerpoint/2010/main" val="2020931100"/>
+        <p14:creationId xmlns:p14="http://schemas.microsoft.com/office/powerpoint/2010/main" val="4206835291"/>
       </p:ext>
     </p:extLst>
   </p:cSld>
@@ -12586,7 +12457,13 @@
       </p:grpSpPr>
       <p:sp>
         <p:nvSpPr>
-          <p:cNvPr id="2" name="Title 1"/>
+          <p:cNvPr id="2" name="Title 1">
+            <a:extLst>
+              <a:ext uri="{FF2B5EF4-FFF2-40B4-BE49-F238E27FC236}">
+                <a16:creationId xmlns:a16="http://schemas.microsoft.com/office/drawing/2014/main" id="{01AD07C8-0285-4AA5-8E5F-5113BAD284CC}"/>
+              </a:ext>
+            </a:extLst>
+          </p:cNvPr>
           <p:cNvSpPr>
             <a:spLocks noGrp="1"/>
           </p:cNvSpPr>
@@ -12600,19 +12477,21 @@
           <a:lstStyle/>
           <a:p>
             <a:r>
-              <a:rPr lang="en-US" dirty="0" smtClean="0"/>
-              <a:t>Successful </a:t>
-            </a:r>
-            <a:r>
-              <a:rPr lang="en-US" dirty="0"/>
-              <a:t>pivots in software entrepreneurship</a:t>
-            </a:r>
-          </a:p>
-        </p:txBody>
-      </p:sp>
-      <p:sp>
-        <p:nvSpPr>
-          <p:cNvPr id="3" name="Content Placeholder 2"/>
+              <a:rPr lang="en-US" dirty="0"/>
+              <a:t>Pros and Cons of Vertical Scaling</a:t>
+            </a:r>
+          </a:p>
+        </p:txBody>
+      </p:sp>
+      <p:sp>
+        <p:nvSpPr>
+          <p:cNvPr id="3" name="Content Placeholder 2">
+            <a:extLst>
+              <a:ext uri="{FF2B5EF4-FFF2-40B4-BE49-F238E27FC236}">
+                <a16:creationId xmlns:a16="http://schemas.microsoft.com/office/drawing/2014/main" id="{435762DB-50F5-4CF2-8B8A-00A0DDC45651}"/>
+              </a:ext>
+            </a:extLst>
+          </p:cNvPr>
           <p:cNvSpPr>
             <a:spLocks noGrp="1"/>
           </p:cNvSpPr>
@@ -12620,91 +12499,94 @@
             <p:ph idx="1"/>
           </p:nvPr>
         </p:nvSpPr>
-        <p:spPr/>
+        <p:spPr>
+          <a:xfrm>
+            <a:off x="347526" y="1268084"/>
+            <a:ext cx="11650767" cy="4884888"/>
+          </a:xfrm>
+        </p:spPr>
         <p:txBody>
           <a:bodyPr>
             <a:normAutofit/>
           </a:bodyPr>
           <a:lstStyle/>
           <a:p>
-            <a:r>
-              <a:rPr lang="en-US" dirty="0" smtClean="0"/>
-              <a:t>Instagram</a:t>
-            </a:r>
-          </a:p>
-          <a:p>
-            <a:pPr lvl="1"/>
-            <a:r>
-              <a:rPr lang="en-US" dirty="0" smtClean="0"/>
-              <a:t>Instagram </a:t>
-            </a:r>
-            <a:r>
-              <a:rPr lang="en-US" dirty="0"/>
-              <a:t>began as a location-based social network called </a:t>
-            </a:r>
-            <a:r>
-              <a:rPr lang="en-US" dirty="0" err="1"/>
-              <a:t>Burbn</a:t>
-            </a:r>
-            <a:r>
-              <a:rPr lang="en-US" dirty="0"/>
-              <a:t>. </a:t>
-            </a:r>
-            <a:endParaRPr lang="en-US" dirty="0" smtClean="0"/>
-          </a:p>
-          <a:p>
-            <a:pPr lvl="1"/>
-            <a:r>
-              <a:rPr lang="en-US" dirty="0" smtClean="0"/>
-              <a:t>However</a:t>
-            </a:r>
-            <a:r>
-              <a:rPr lang="en-US" dirty="0"/>
-              <a:t>, the founders noticed that the photo-sharing feature of </a:t>
-            </a:r>
-            <a:r>
-              <a:rPr lang="en-US" dirty="0" err="1"/>
-              <a:t>Burbn</a:t>
-            </a:r>
-            <a:r>
-              <a:rPr lang="en-US" dirty="0"/>
-              <a:t> was gaining more traction and engagement from users. </a:t>
-            </a:r>
-            <a:endParaRPr lang="en-US" dirty="0" smtClean="0"/>
-          </a:p>
-          <a:p>
-            <a:pPr lvl="1"/>
-            <a:r>
-              <a:rPr lang="en-US" dirty="0" smtClean="0"/>
-              <a:t>They </a:t>
-            </a:r>
-            <a:r>
-              <a:rPr lang="en-US" dirty="0"/>
-              <a:t>decided to pivot and focus solely on photo-sharing, rebranding the platform as Instagram. </a:t>
-            </a:r>
-            <a:endParaRPr lang="en-US" dirty="0" smtClean="0"/>
-          </a:p>
-          <a:p>
-            <a:pPr lvl="1"/>
-            <a:r>
-              <a:rPr lang="en-US" dirty="0" smtClean="0"/>
-              <a:t>This </a:t>
-            </a:r>
-            <a:r>
-              <a:rPr lang="en-US" dirty="0"/>
-              <a:t>pivot proved to be a game-changer, and Instagram became a leading photo and video-sharing app</a:t>
-            </a:r>
-            <a:r>
-              <a:rPr lang="en-US" dirty="0" smtClean="0"/>
-              <a:t>.</a:t>
-            </a:r>
-            <a:endParaRPr lang="en-US" dirty="0"/>
-          </a:p>
-        </p:txBody>
-      </p:sp>
-      <p:sp>
-        <p:nvSpPr>
-          <p:cNvPr id="4" name="Slide Number Placeholder 3"/>
+            <a:pPr>
+              <a:lnSpc>
+                <a:spcPct val="150000"/>
+              </a:lnSpc>
+            </a:pPr>
+            <a:r>
+              <a:rPr lang="en-US" dirty="0"/>
+              <a:t>Pros of Vertical Scaling</a:t>
+            </a:r>
+          </a:p>
+          <a:p>
+            <a:pPr lvl="1">
+              <a:lnSpc>
+                <a:spcPct val="150000"/>
+              </a:lnSpc>
+            </a:pPr>
+            <a:r>
+              <a:rPr lang="en-US" dirty="0"/>
+              <a:t>Simplicity and ease of implementation</a:t>
+            </a:r>
+          </a:p>
+          <a:p>
+            <a:pPr lvl="1">
+              <a:lnSpc>
+                <a:spcPct val="150000"/>
+              </a:lnSpc>
+            </a:pPr>
+            <a:r>
+              <a:rPr lang="en-US" dirty="0"/>
+              <a:t>Cost-effective for specific workloads</a:t>
+            </a:r>
+          </a:p>
+          <a:p>
+            <a:pPr>
+              <a:lnSpc>
+                <a:spcPct val="150000"/>
+              </a:lnSpc>
+            </a:pPr>
+            <a:r>
+              <a:rPr lang="en-US" dirty="0"/>
+              <a:t>Cons of Vertical Scaling</a:t>
+            </a:r>
+          </a:p>
+          <a:p>
+            <a:pPr lvl="1">
+              <a:lnSpc>
+                <a:spcPct val="150000"/>
+              </a:lnSpc>
+            </a:pPr>
+            <a:r>
+              <a:rPr lang="en-US" dirty="0"/>
+              <a:t>Limited scalability</a:t>
+            </a:r>
+          </a:p>
+          <a:p>
+            <a:pPr lvl="1">
+              <a:lnSpc>
+                <a:spcPct val="150000"/>
+              </a:lnSpc>
+            </a:pPr>
+            <a:r>
+              <a:rPr lang="en-US" dirty="0"/>
+              <a:t>Single point of failure</a:t>
+            </a:r>
+          </a:p>
+        </p:txBody>
+      </p:sp>
+      <p:sp>
+        <p:nvSpPr>
+          <p:cNvPr id="4" name="Slide Number Placeholder 3">
+            <a:extLst>
+              <a:ext uri="{FF2B5EF4-FFF2-40B4-BE49-F238E27FC236}">
+                <a16:creationId xmlns:a16="http://schemas.microsoft.com/office/drawing/2014/main" id="{D1E59E5D-6580-4632-866E-B4A66DFD90A5}"/>
+              </a:ext>
+            </a:extLst>
+          </p:cNvPr>
           <p:cNvSpPr>
             <a:spLocks noGrp="1"/>
           </p:cNvSpPr>
@@ -12729,7 +12611,7 @@
     </p:spTree>
     <p:extLst>
       <p:ext uri="{BB962C8B-B14F-4D97-AF65-F5344CB8AC3E}">
-        <p14:creationId xmlns:p14="http://schemas.microsoft.com/office/powerpoint/2010/main" val="505764957"/>
+        <p14:creationId xmlns:p14="http://schemas.microsoft.com/office/powerpoint/2010/main" val="1773156352"/>
       </p:ext>
     </p:extLst>
   </p:cSld>
@@ -12758,7 +12640,13 @@
       </p:grpSpPr>
       <p:sp>
         <p:nvSpPr>
-          <p:cNvPr id="2" name="Title 1"/>
+          <p:cNvPr id="2" name="Title 1">
+            <a:extLst>
+              <a:ext uri="{FF2B5EF4-FFF2-40B4-BE49-F238E27FC236}">
+                <a16:creationId xmlns:a16="http://schemas.microsoft.com/office/drawing/2014/main" id="{19B1EDAE-3673-4E0E-A3C2-E338F4D7CA04}"/>
+              </a:ext>
+            </a:extLst>
+          </p:cNvPr>
           <p:cNvSpPr>
             <a:spLocks noGrp="1"/>
           </p:cNvSpPr>
@@ -12772,19 +12660,21 @@
           <a:lstStyle/>
           <a:p>
             <a:r>
-              <a:rPr lang="en-US" dirty="0" smtClean="0"/>
-              <a:t>Successful </a:t>
-            </a:r>
-            <a:r>
-              <a:rPr lang="en-US" dirty="0"/>
-              <a:t>pivots in software entrepreneurship</a:t>
-            </a:r>
-          </a:p>
-        </p:txBody>
-      </p:sp>
-      <p:sp>
-        <p:nvSpPr>
-          <p:cNvPr id="3" name="Content Placeholder 2"/>
+              <a:rPr lang="en-US" dirty="0"/>
+              <a:t>Hybrid Scaling</a:t>
+            </a:r>
+          </a:p>
+        </p:txBody>
+      </p:sp>
+      <p:sp>
+        <p:nvSpPr>
+          <p:cNvPr id="3" name="Content Placeholder 2">
+            <a:extLst>
+              <a:ext uri="{FF2B5EF4-FFF2-40B4-BE49-F238E27FC236}">
+                <a16:creationId xmlns:a16="http://schemas.microsoft.com/office/drawing/2014/main" id="{0AC2F2D1-2442-4DDF-93DF-AAF3BF473EA0}"/>
+              </a:ext>
+            </a:extLst>
+          </p:cNvPr>
           <p:cNvSpPr>
             <a:spLocks noGrp="1"/>
           </p:cNvSpPr>
@@ -12794,61 +12684,18 @@
         </p:nvSpPr>
         <p:spPr/>
         <p:txBody>
-          <a:bodyPr>
-            <a:normAutofit/>
-          </a:bodyPr>
-          <a:lstStyle/>
-          <a:p>
-            <a:r>
-              <a:rPr lang="en-US" dirty="0" smtClean="0"/>
-              <a:t>Slack</a:t>
-            </a:r>
-          </a:p>
-          <a:p>
-            <a:pPr lvl="1"/>
-            <a:r>
-              <a:rPr lang="en-US" dirty="0" smtClean="0"/>
-              <a:t>Slack </a:t>
-            </a:r>
-            <a:r>
-              <a:rPr lang="en-US" dirty="0"/>
-              <a:t>initially started as a gaming company called Tiny Speck. </a:t>
-            </a:r>
-            <a:endParaRPr lang="en-US" dirty="0" smtClean="0"/>
-          </a:p>
-          <a:p>
-            <a:pPr lvl="1"/>
-            <a:r>
-              <a:rPr lang="en-US" dirty="0" smtClean="0"/>
-              <a:t>However</a:t>
-            </a:r>
-            <a:r>
-              <a:rPr lang="en-US" dirty="0"/>
-              <a:t>, the company's game did not perform as expected. </a:t>
-            </a:r>
-            <a:endParaRPr lang="en-US" dirty="0" smtClean="0"/>
-          </a:p>
-          <a:p>
-            <a:pPr lvl="1"/>
-            <a:r>
-              <a:rPr lang="en-US" dirty="0" smtClean="0"/>
-              <a:t>The </a:t>
-            </a:r>
-            <a:r>
-              <a:rPr lang="en-US" dirty="0"/>
-              <a:t>team shifted their focus and built a communication tool for internal use. </a:t>
-            </a:r>
-            <a:endParaRPr lang="en-US" dirty="0" smtClean="0"/>
-          </a:p>
-          <a:p>
-            <a:pPr lvl="1"/>
-            <a:r>
-              <a:rPr lang="en-US" dirty="0" smtClean="0"/>
-              <a:t>Recognizing </a:t>
-            </a:r>
-            <a:r>
-              <a:rPr lang="en-US" dirty="0"/>
-              <a:t>its potential, they pivoted and rebranded as Slack, which eventually became a widely adopted team collaboration platform.</a:t>
+          <a:bodyPr/>
+          <a:lstStyle/>
+          <a:p>
+            <a:r>
+              <a:rPr lang="en-US" dirty="0"/>
+              <a:t>Hybrid scaling refers to a combination of horizontal scaling and vertical scaling techniques to achieve optimal performance and scalability in a system.</a:t>
+            </a:r>
+          </a:p>
+          <a:p>
+            <a:r>
+              <a:rPr lang="en-US" dirty="0"/>
+              <a:t>It leverages the benefits of both approaches to address specific workload requirements and optimize resource utilization.</a:t>
             </a:r>
           </a:p>
           <a:p>
@@ -12858,7 +12705,13 @@
       </p:sp>
       <p:sp>
         <p:nvSpPr>
-          <p:cNvPr id="4" name="Slide Number Placeholder 3"/>
+          <p:cNvPr id="4" name="Slide Number Placeholder 3">
+            <a:extLst>
+              <a:ext uri="{FF2B5EF4-FFF2-40B4-BE49-F238E27FC236}">
+                <a16:creationId xmlns:a16="http://schemas.microsoft.com/office/drawing/2014/main" id="{ECDD4BBA-6E77-455D-A6CD-351B7DCB9F18}"/>
+              </a:ext>
+            </a:extLst>
+          </p:cNvPr>
           <p:cNvSpPr>
             <a:spLocks noGrp="1"/>
           </p:cNvSpPr>
@@ -12883,7 +12736,7 @@
     </p:spTree>
     <p:extLst>
       <p:ext uri="{BB962C8B-B14F-4D97-AF65-F5344CB8AC3E}">
-        <p14:creationId xmlns:p14="http://schemas.microsoft.com/office/powerpoint/2010/main" val="1467913106"/>
+        <p14:creationId xmlns:p14="http://schemas.microsoft.com/office/powerpoint/2010/main" val="1451071987"/>
       </p:ext>
     </p:extLst>
   </p:cSld>
@@ -12929,7 +12782,6 @@
               <a:rPr lang="en-US" dirty="0"/>
               <a:t>Understanding Your Target Market</a:t>
             </a:r>
-            <a:endParaRPr lang="en-US" dirty="0"/>
           </a:p>
         </p:txBody>
       </p:sp>
@@ -12964,7 +12816,6 @@
               <a:rPr lang="en-US" dirty="0"/>
               <a:t>Validating your product-market fit</a:t>
             </a:r>
-            <a:endParaRPr lang="en-US" dirty="0"/>
           </a:p>
         </p:txBody>
       </p:sp>
@@ -13084,13 +12935,6 @@
   <p:clrMapOvr>
     <a:masterClrMapping/>
   </p:clrMapOvr>
-  <p:timing>
-    <p:tnLst>
-      <p:par>
-        <p:cTn id="1" dur="indefinite" restart="never" nodeType="tmRoot"/>
-      </p:par>
-    </p:tnLst>
-  </p:timing>
 </p:sld>
 </file>
 
@@ -13113,7 +12957,13 @@
       </p:grpSpPr>
       <p:sp>
         <p:nvSpPr>
-          <p:cNvPr id="2" name="Title 1"/>
+          <p:cNvPr id="2" name="Title 1">
+            <a:extLst>
+              <a:ext uri="{FF2B5EF4-FFF2-40B4-BE49-F238E27FC236}">
+                <a16:creationId xmlns:a16="http://schemas.microsoft.com/office/drawing/2014/main" id="{83931C52-4877-4A6D-86D7-BE1672CF002C}"/>
+              </a:ext>
+            </a:extLst>
+          </p:cNvPr>
           <p:cNvSpPr>
             <a:spLocks noGrp="1"/>
           </p:cNvSpPr>
@@ -13128,14 +12978,20 @@
           <a:p>
             <a:r>
               <a:rPr lang="en-US" dirty="0"/>
-              <a:t>Legal and Compliance Considerations</a:t>
-            </a:r>
-          </a:p>
-        </p:txBody>
-      </p:sp>
-      <p:sp>
-        <p:nvSpPr>
-          <p:cNvPr id="3" name="Content Placeholder 2"/>
+              <a:t>Examples of Hybrid Scaling</a:t>
+            </a:r>
+          </a:p>
+        </p:txBody>
+      </p:sp>
+      <p:sp>
+        <p:nvSpPr>
+          <p:cNvPr id="3" name="Content Placeholder 2">
+            <a:extLst>
+              <a:ext uri="{FF2B5EF4-FFF2-40B4-BE49-F238E27FC236}">
+                <a16:creationId xmlns:a16="http://schemas.microsoft.com/office/drawing/2014/main" id="{501F7DD5-192D-432E-8AE2-EBAC8945115B}"/>
+              </a:ext>
+            </a:extLst>
+          </p:cNvPr>
           <p:cNvSpPr>
             <a:spLocks noGrp="1"/>
           </p:cNvSpPr>
@@ -13143,33 +12999,61 @@
             <p:ph idx="1"/>
           </p:nvPr>
         </p:nvSpPr>
-        <p:spPr/>
-        <p:txBody>
-          <a:bodyPr/>
-          <a:lstStyle/>
-          <a:p>
-            <a:r>
-              <a:rPr lang="en-US" dirty="0"/>
-              <a:t>Importance of understanding legal and compliance requirements for software startups</a:t>
-            </a:r>
-          </a:p>
-          <a:p>
-            <a:r>
-              <a:rPr lang="en-US" dirty="0"/>
-              <a:t>Common legal and compliance challenges faced by software entrepreneurs (e.g. intellectual property protection, data privacy)</a:t>
-            </a:r>
-          </a:p>
-          <a:p>
-            <a:r>
-              <a:rPr lang="en-US" dirty="0"/>
-              <a:t>Strategies for addressing these challenges (e.g. seeking legal advice, implementing compliance measures)</a:t>
-            </a:r>
-          </a:p>
-        </p:txBody>
-      </p:sp>
-      <p:sp>
-        <p:nvSpPr>
-          <p:cNvPr id="4" name="Slide Number Placeholder 3"/>
+        <p:spPr>
+          <a:xfrm>
+            <a:off x="347526" y="1293962"/>
+            <a:ext cx="11650767" cy="4859009"/>
+          </a:xfrm>
+        </p:spPr>
+        <p:txBody>
+          <a:bodyPr>
+            <a:normAutofit/>
+          </a:bodyPr>
+          <a:lstStyle/>
+          <a:p>
+            <a:pPr>
+              <a:lnSpc>
+                <a:spcPct val="150000"/>
+              </a:lnSpc>
+            </a:pPr>
+            <a:r>
+              <a:rPr lang="en-US" dirty="0"/>
+              <a:t>Horizontal scaling with vertical upgrades</a:t>
+            </a:r>
+          </a:p>
+          <a:p>
+            <a:pPr>
+              <a:lnSpc>
+                <a:spcPct val="150000"/>
+              </a:lnSpc>
+            </a:pPr>
+            <a:r>
+              <a:rPr lang="en-US" dirty="0"/>
+              <a:t>Vertical scaling with horizontal redundancy</a:t>
+            </a:r>
+          </a:p>
+          <a:p>
+            <a:pPr>
+              <a:lnSpc>
+                <a:spcPct val="150000"/>
+              </a:lnSpc>
+            </a:pPr>
+            <a:r>
+              <a:rPr lang="en-US" dirty="0"/>
+              <a:t>Dynamic scaling based on workload</a:t>
+            </a:r>
+          </a:p>
+        </p:txBody>
+      </p:sp>
+      <p:sp>
+        <p:nvSpPr>
+          <p:cNvPr id="4" name="Slide Number Placeholder 3">
+            <a:extLst>
+              <a:ext uri="{FF2B5EF4-FFF2-40B4-BE49-F238E27FC236}">
+                <a16:creationId xmlns:a16="http://schemas.microsoft.com/office/drawing/2014/main" id="{57D69B8E-2C6B-443A-8852-94A80918D5D8}"/>
+              </a:ext>
+            </a:extLst>
+          </p:cNvPr>
           <p:cNvSpPr>
             <a:spLocks noGrp="1"/>
           </p:cNvSpPr>
@@ -13194,7 +13078,7 @@
     </p:spTree>
     <p:extLst>
       <p:ext uri="{BB962C8B-B14F-4D97-AF65-F5344CB8AC3E}">
-        <p14:creationId xmlns:p14="http://schemas.microsoft.com/office/powerpoint/2010/main" val="2407787849"/>
+        <p14:creationId xmlns:p14="http://schemas.microsoft.com/office/powerpoint/2010/main" val="3186376798"/>
       </p:ext>
     </p:extLst>
   </p:cSld>
@@ -13223,7 +13107,13 @@
       </p:grpSpPr>
       <p:sp>
         <p:nvSpPr>
-          <p:cNvPr id="2" name="Title 1"/>
+          <p:cNvPr id="2" name="Title 1">
+            <a:extLst>
+              <a:ext uri="{FF2B5EF4-FFF2-40B4-BE49-F238E27FC236}">
+                <a16:creationId xmlns:a16="http://schemas.microsoft.com/office/drawing/2014/main" id="{91C075A1-FE19-4423-A35C-3586A4EDBCDF}"/>
+              </a:ext>
+            </a:extLst>
+          </p:cNvPr>
           <p:cNvSpPr>
             <a:spLocks noGrp="1"/>
           </p:cNvSpPr>
@@ -13238,14 +13128,20 @@
           <a:p>
             <a:r>
               <a:rPr lang="en-US" dirty="0"/>
-              <a:t>Competitive Analysis and Threats</a:t>
-            </a:r>
-          </a:p>
-        </p:txBody>
-      </p:sp>
-      <p:sp>
-        <p:nvSpPr>
-          <p:cNvPr id="3" name="Content Placeholder 2"/>
+              <a:t>Pros and Cons of Hybrid Scaling</a:t>
+            </a:r>
+          </a:p>
+        </p:txBody>
+      </p:sp>
+      <p:sp>
+        <p:nvSpPr>
+          <p:cNvPr id="3" name="Content Placeholder 2">
+            <a:extLst>
+              <a:ext uri="{FF2B5EF4-FFF2-40B4-BE49-F238E27FC236}">
+                <a16:creationId xmlns:a16="http://schemas.microsoft.com/office/drawing/2014/main" id="{3BDE0D5D-C520-4E30-A7F0-175E11668203}"/>
+              </a:ext>
+            </a:extLst>
+          </p:cNvPr>
           <p:cNvSpPr>
             <a:spLocks noGrp="1"/>
           </p:cNvSpPr>
@@ -13253,33 +13149,94 @@
             <p:ph idx="1"/>
           </p:nvPr>
         </p:nvSpPr>
-        <p:spPr/>
-        <p:txBody>
-          <a:bodyPr/>
-          <a:lstStyle/>
-          <a:p>
-            <a:r>
-              <a:rPr lang="en-US" dirty="0"/>
-              <a:t>Importance of conducting competitive analysis in software entrepreneurship</a:t>
-            </a:r>
-          </a:p>
-          <a:p>
-            <a:r>
-              <a:rPr lang="en-US" dirty="0"/>
-              <a:t>Strategies for identifying and analyzing competitors (e.g. market research, customer feedback)</a:t>
-            </a:r>
-          </a:p>
-          <a:p>
-            <a:r>
-              <a:rPr lang="en-US" dirty="0"/>
-              <a:t>How to respond to competitive threats (e.g. differentiating your product, improving customer service)</a:t>
-            </a:r>
-          </a:p>
-        </p:txBody>
-      </p:sp>
-      <p:sp>
-        <p:nvSpPr>
-          <p:cNvPr id="4" name="Slide Number Placeholder 3"/>
+        <p:spPr>
+          <a:xfrm>
+            <a:off x="347526" y="1293962"/>
+            <a:ext cx="11650767" cy="4859009"/>
+          </a:xfrm>
+        </p:spPr>
+        <p:txBody>
+          <a:bodyPr>
+            <a:normAutofit/>
+          </a:bodyPr>
+          <a:lstStyle/>
+          <a:p>
+            <a:pPr>
+              <a:lnSpc>
+                <a:spcPct val="150000"/>
+              </a:lnSpc>
+            </a:pPr>
+            <a:r>
+              <a:rPr lang="en-US" dirty="0"/>
+              <a:t>Pros of Hybrid Scaling</a:t>
+            </a:r>
+          </a:p>
+          <a:p>
+            <a:pPr lvl="1">
+              <a:lnSpc>
+                <a:spcPct val="150000"/>
+              </a:lnSpc>
+            </a:pPr>
+            <a:r>
+              <a:rPr lang="en-US" dirty="0"/>
+              <a:t>Optimal performance and scalability</a:t>
+            </a:r>
+          </a:p>
+          <a:p>
+            <a:pPr lvl="1">
+              <a:lnSpc>
+                <a:spcPct val="150000"/>
+              </a:lnSpc>
+            </a:pPr>
+            <a:r>
+              <a:rPr lang="en-US" dirty="0"/>
+              <a:t>Flexibility and cost-effectiveness</a:t>
+            </a:r>
+          </a:p>
+          <a:p>
+            <a:pPr>
+              <a:lnSpc>
+                <a:spcPct val="150000"/>
+              </a:lnSpc>
+            </a:pPr>
+            <a:r>
+              <a:rPr lang="en-US" dirty="0"/>
+              <a:t>Cons of Hybrid Scaling</a:t>
+            </a:r>
+          </a:p>
+          <a:p>
+            <a:pPr lvl="1">
+              <a:lnSpc>
+                <a:spcPct val="150000"/>
+              </a:lnSpc>
+            </a:pPr>
+            <a:r>
+              <a:rPr lang="en-US" dirty="0"/>
+              <a:t>Increased complexity</a:t>
+            </a:r>
+          </a:p>
+          <a:p>
+            <a:pPr lvl="1">
+              <a:lnSpc>
+                <a:spcPct val="150000"/>
+              </a:lnSpc>
+            </a:pPr>
+            <a:r>
+              <a:rPr lang="en-US" dirty="0"/>
+              <a:t>Potential for misconfiguration</a:t>
+            </a:r>
+          </a:p>
+        </p:txBody>
+      </p:sp>
+      <p:sp>
+        <p:nvSpPr>
+          <p:cNvPr id="4" name="Slide Number Placeholder 3">
+            <a:extLst>
+              <a:ext uri="{FF2B5EF4-FFF2-40B4-BE49-F238E27FC236}">
+                <a16:creationId xmlns:a16="http://schemas.microsoft.com/office/drawing/2014/main" id="{60D34D2C-FFFA-4AA7-AF0E-18B57A72420C}"/>
+              </a:ext>
+            </a:extLst>
+          </p:cNvPr>
           <p:cNvSpPr>
             <a:spLocks noGrp="1"/>
           </p:cNvSpPr>
@@ -13304,7 +13261,7 @@
     </p:spTree>
     <p:extLst>
       <p:ext uri="{BB962C8B-B14F-4D97-AF65-F5344CB8AC3E}">
-        <p14:creationId xmlns:p14="http://schemas.microsoft.com/office/powerpoint/2010/main" val="2193631162"/>
+        <p14:creationId xmlns:p14="http://schemas.microsoft.com/office/powerpoint/2010/main" val="2054573972"/>
       </p:ext>
     </p:extLst>
   </p:cSld>
@@ -13333,7 +13290,13 @@
       </p:grpSpPr>
       <p:sp>
         <p:nvSpPr>
-          <p:cNvPr id="2" name="Title 1"/>
+          <p:cNvPr id="2" name="Title 1">
+            <a:extLst>
+              <a:ext uri="{FF2B5EF4-FFF2-40B4-BE49-F238E27FC236}">
+                <a16:creationId xmlns:a16="http://schemas.microsoft.com/office/drawing/2014/main" id="{F9266EFD-FF7B-4DE6-9E4B-D7AA96E11332}"/>
+              </a:ext>
+            </a:extLst>
+          </p:cNvPr>
           <p:cNvSpPr>
             <a:spLocks noGrp="1"/>
           </p:cNvSpPr>
@@ -13348,14 +13311,20 @@
           <a:p>
             <a:r>
               <a:rPr lang="en-US" dirty="0"/>
-              <a:t>Potential Growth Barriers and Solutions</a:t>
-            </a:r>
-          </a:p>
-        </p:txBody>
-      </p:sp>
-      <p:sp>
-        <p:nvSpPr>
-          <p:cNvPr id="3" name="Content Placeholder 2"/>
+              <a:t>Managing Rapid Growth</a:t>
+            </a:r>
+          </a:p>
+        </p:txBody>
+      </p:sp>
+      <p:sp>
+        <p:nvSpPr>
+          <p:cNvPr id="3" name="Content Placeholder 2">
+            <a:extLst>
+              <a:ext uri="{FF2B5EF4-FFF2-40B4-BE49-F238E27FC236}">
+                <a16:creationId xmlns:a16="http://schemas.microsoft.com/office/drawing/2014/main" id="{F2873826-1A5F-49DE-A910-6A1A3EAF3499}"/>
+              </a:ext>
+            </a:extLst>
+          </p:cNvPr>
           <p:cNvSpPr>
             <a:spLocks noGrp="1"/>
           </p:cNvSpPr>
@@ -13365,25 +13334,33 @@
         </p:nvSpPr>
         <p:spPr/>
         <p:txBody>
-          <a:bodyPr/>
-          <a:lstStyle/>
-          <a:p>
-            <a:r>
-              <a:rPr lang="en-US" dirty="0"/>
-              <a:t>Common growth barriers faced by software startups (e.g. scalability, funding, talent acquisition)</a:t>
-            </a:r>
-          </a:p>
-          <a:p>
-            <a:r>
-              <a:rPr lang="en-US" dirty="0"/>
-              <a:t>Strategies for overcoming these barriers (e.g. leveraging cloud computing, seeking funding from venture capitalists, building a strong team culture)</a:t>
-            </a:r>
-          </a:p>
-        </p:txBody>
-      </p:sp>
-      <p:sp>
-        <p:nvSpPr>
-          <p:cNvPr id="4" name="Slide Number Placeholder 3"/>
+          <a:bodyPr>
+            <a:normAutofit/>
+          </a:bodyPr>
+          <a:lstStyle/>
+          <a:p>
+            <a:r>
+              <a:rPr lang="en-US" dirty="0"/>
+              <a:t>The process of effectively scaling a company's operations, resources, and infrastructure to accommodate rapid increases in user adoption, customer demand, and revenue growth. </a:t>
+            </a:r>
+          </a:p>
+          <a:p>
+            <a:r>
+              <a:rPr lang="en-US" dirty="0"/>
+              <a:t>This involves a range of strategies, tactics, and best practices that help startup leaders navigate the challenges and opportunities associated with rapid growth, while ensuring the company's long-term success and sustainability.</a:t>
+            </a:r>
+          </a:p>
+        </p:txBody>
+      </p:sp>
+      <p:sp>
+        <p:nvSpPr>
+          <p:cNvPr id="4" name="Slide Number Placeholder 3">
+            <a:extLst>
+              <a:ext uri="{FF2B5EF4-FFF2-40B4-BE49-F238E27FC236}">
+                <a16:creationId xmlns:a16="http://schemas.microsoft.com/office/drawing/2014/main" id="{EF84B2B9-E2CC-49C2-A406-563C4F5D3B55}"/>
+              </a:ext>
+            </a:extLst>
+          </p:cNvPr>
           <p:cNvSpPr>
             <a:spLocks noGrp="1"/>
           </p:cNvSpPr>
@@ -13405,10 +13382,1152 @@
           </a:p>
         </p:txBody>
       </p:sp>
+      <p:pic>
+        <p:nvPicPr>
+          <p:cNvPr id="5" name="Picture 2" descr="https://miro.medium.com/v2/resize:fit:700/1*Qc1P7jFjWwGlFIYIE3wNpg.jpeg">
+            <a:extLst>
+              <a:ext uri="{FF2B5EF4-FFF2-40B4-BE49-F238E27FC236}">
+                <a16:creationId xmlns:a16="http://schemas.microsoft.com/office/drawing/2014/main" id="{C07579FD-3063-40DE-A3C4-722E1995BB80}"/>
+              </a:ext>
+            </a:extLst>
+          </p:cNvPr>
+          <p:cNvPicPr>
+            <a:picLocks noChangeAspect="1" noChangeArrowheads="1"/>
+          </p:cNvPicPr>
+          <p:nvPr/>
+        </p:nvPicPr>
+        <p:blipFill rotWithShape="1">
+          <a:blip r:embed="rId2">
+            <a:extLst>
+              <a:ext uri="{28A0092B-C50C-407E-A947-70E740481C1C}">
+                <a14:useLocalDpi xmlns:a14="http://schemas.microsoft.com/office/drawing/2010/main" val="0"/>
+              </a:ext>
+            </a:extLst>
+          </a:blip>
+          <a:srcRect l="3514" t="8209" r="6496" b="8163"/>
+          <a:stretch/>
+        </p:blipFill>
+        <p:spPr bwMode="auto">
+          <a:xfrm>
+            <a:off x="7378054" y="4224128"/>
+            <a:ext cx="4813946" cy="2268747"/>
+          </a:xfrm>
+          <a:prstGeom prst="rect">
+            <a:avLst/>
+          </a:prstGeom>
+          <a:noFill/>
+          <a:extLst>
+            <a:ext uri="{909E8E84-426E-40DD-AFC4-6F175D3DCCD1}">
+              <a14:hiddenFill xmlns:a14="http://schemas.microsoft.com/office/drawing/2010/main">
+                <a:solidFill>
+                  <a:srgbClr val="FFFFFF"/>
+                </a:solidFill>
+              </a14:hiddenFill>
+            </a:ext>
+          </a:extLst>
+        </p:spPr>
+      </p:pic>
     </p:spTree>
     <p:extLst>
       <p:ext uri="{BB962C8B-B14F-4D97-AF65-F5344CB8AC3E}">
-        <p14:creationId xmlns:p14="http://schemas.microsoft.com/office/powerpoint/2010/main" val="2938457771"/>
+        <p14:creationId xmlns:p14="http://schemas.microsoft.com/office/powerpoint/2010/main" val="2932997485"/>
+      </p:ext>
+    </p:extLst>
+  </p:cSld>
+  <p:clrMapOvr>
+    <a:masterClrMapping/>
+  </p:clrMapOvr>
+</p:sld>
+</file>
+
+<file path=ppt/slides/slide43.xml><?xml version="1.0" encoding="utf-8"?>
+<p:sld xmlns:a="http://schemas.openxmlformats.org/drawingml/2006/main" xmlns:r="http://schemas.openxmlformats.org/officeDocument/2006/relationships" xmlns:p="http://schemas.openxmlformats.org/presentationml/2006/main">
+  <p:cSld>
+    <p:spTree>
+      <p:nvGrpSpPr>
+        <p:cNvPr id="1" name=""/>
+        <p:cNvGrpSpPr/>
+        <p:nvPr/>
+      </p:nvGrpSpPr>
+      <p:grpSpPr>
+        <a:xfrm>
+          <a:off x="0" y="0"/>
+          <a:ext cx="0" cy="0"/>
+          <a:chOff x="0" y="0"/>
+          <a:chExt cx="0" cy="0"/>
+        </a:xfrm>
+      </p:grpSpPr>
+      <p:sp>
+        <p:nvSpPr>
+          <p:cNvPr id="2" name="Title 1">
+            <a:extLst>
+              <a:ext uri="{FF2B5EF4-FFF2-40B4-BE49-F238E27FC236}">
+                <a16:creationId xmlns:a16="http://schemas.microsoft.com/office/drawing/2014/main" id="{F9266EFD-FF7B-4DE6-9E4B-D7AA96E11332}"/>
+              </a:ext>
+            </a:extLst>
+          </p:cNvPr>
+          <p:cNvSpPr>
+            <a:spLocks noGrp="1"/>
+          </p:cNvSpPr>
+          <p:nvPr>
+            <p:ph type="title"/>
+          </p:nvPr>
+        </p:nvSpPr>
+        <p:spPr/>
+        <p:txBody>
+          <a:bodyPr/>
+          <a:lstStyle/>
+          <a:p>
+            <a:r>
+              <a:rPr lang="en-US" dirty="0"/>
+              <a:t>Managing Rapid Growth</a:t>
+            </a:r>
+          </a:p>
+        </p:txBody>
+      </p:sp>
+      <p:sp>
+        <p:nvSpPr>
+          <p:cNvPr id="3" name="Content Placeholder 2">
+            <a:extLst>
+              <a:ext uri="{FF2B5EF4-FFF2-40B4-BE49-F238E27FC236}">
+                <a16:creationId xmlns:a16="http://schemas.microsoft.com/office/drawing/2014/main" id="{F2873826-1A5F-49DE-A910-6A1A3EAF3499}"/>
+              </a:ext>
+            </a:extLst>
+          </p:cNvPr>
+          <p:cNvSpPr>
+            <a:spLocks noGrp="1"/>
+          </p:cNvSpPr>
+          <p:nvPr>
+            <p:ph idx="1"/>
+          </p:nvPr>
+        </p:nvSpPr>
+        <p:spPr/>
+        <p:txBody>
+          <a:bodyPr numCol="2">
+            <a:normAutofit/>
+          </a:bodyPr>
+          <a:lstStyle/>
+          <a:p>
+            <a:pPr>
+              <a:lnSpc>
+                <a:spcPct val="150000"/>
+              </a:lnSpc>
+            </a:pPr>
+            <a:r>
+              <a:rPr lang="en-US" dirty="0"/>
+              <a:t>Scaling Operations</a:t>
+            </a:r>
+          </a:p>
+          <a:p>
+            <a:pPr>
+              <a:lnSpc>
+                <a:spcPct val="150000"/>
+              </a:lnSpc>
+            </a:pPr>
+            <a:r>
+              <a:rPr lang="en-US" dirty="0"/>
+              <a:t>Managing Finances</a:t>
+            </a:r>
+          </a:p>
+          <a:p>
+            <a:pPr>
+              <a:lnSpc>
+                <a:spcPct val="150000"/>
+              </a:lnSpc>
+            </a:pPr>
+            <a:r>
+              <a:rPr lang="en-US" dirty="0"/>
+              <a:t>Maintaining Culture</a:t>
+            </a:r>
+          </a:p>
+          <a:p>
+            <a:pPr>
+              <a:lnSpc>
+                <a:spcPct val="150000"/>
+              </a:lnSpc>
+            </a:pPr>
+            <a:r>
+              <a:rPr lang="en-US" dirty="0"/>
+              <a:t>Balancing Short-term and Long-term Goals</a:t>
+            </a:r>
+          </a:p>
+          <a:p>
+            <a:pPr>
+              <a:lnSpc>
+                <a:spcPct val="150000"/>
+              </a:lnSpc>
+            </a:pPr>
+            <a:r>
+              <a:rPr lang="en-US" dirty="0"/>
+              <a:t>Managing Talent</a:t>
+            </a:r>
+          </a:p>
+          <a:p>
+            <a:pPr>
+              <a:lnSpc>
+                <a:spcPct val="150000"/>
+              </a:lnSpc>
+            </a:pPr>
+            <a:r>
+              <a:rPr lang="en-US" dirty="0"/>
+              <a:t>Optimizing Product Development</a:t>
+            </a:r>
+          </a:p>
+          <a:p>
+            <a:pPr>
+              <a:lnSpc>
+                <a:spcPct val="150000"/>
+              </a:lnSpc>
+            </a:pPr>
+            <a:r>
+              <a:rPr lang="en-US" dirty="0"/>
+              <a:t>Ensuring Customer Satisfaction</a:t>
+            </a:r>
+          </a:p>
+          <a:p>
+            <a:pPr>
+              <a:lnSpc>
+                <a:spcPct val="150000"/>
+              </a:lnSpc>
+            </a:pPr>
+            <a:r>
+              <a:rPr lang="en-US" dirty="0"/>
+              <a:t>Managing Risk</a:t>
+            </a:r>
+          </a:p>
+          <a:p>
+            <a:pPr>
+              <a:lnSpc>
+                <a:spcPct val="150000"/>
+              </a:lnSpc>
+            </a:pPr>
+            <a:r>
+              <a:rPr lang="en-US" dirty="0"/>
+              <a:t>Building Strategic Partnerships</a:t>
+            </a:r>
+          </a:p>
+          <a:p>
+            <a:pPr>
+              <a:lnSpc>
+                <a:spcPct val="150000"/>
+              </a:lnSpc>
+            </a:pPr>
+            <a:r>
+              <a:rPr lang="en-US" dirty="0"/>
+              <a:t>Staying Agile and Adaptable</a:t>
+            </a:r>
+          </a:p>
+        </p:txBody>
+      </p:sp>
+      <p:sp>
+        <p:nvSpPr>
+          <p:cNvPr id="4" name="Slide Number Placeholder 3">
+            <a:extLst>
+              <a:ext uri="{FF2B5EF4-FFF2-40B4-BE49-F238E27FC236}">
+                <a16:creationId xmlns:a16="http://schemas.microsoft.com/office/drawing/2014/main" id="{EF84B2B9-E2CC-49C2-A406-563C4F5D3B55}"/>
+              </a:ext>
+            </a:extLst>
+          </p:cNvPr>
+          <p:cNvSpPr>
+            <a:spLocks noGrp="1"/>
+          </p:cNvSpPr>
+          <p:nvPr>
+            <p:ph type="sldNum" sz="quarter" idx="12"/>
+          </p:nvPr>
+        </p:nvSpPr>
+        <p:spPr/>
+        <p:txBody>
+          <a:bodyPr/>
+          <a:lstStyle/>
+          <a:p>
+            <a:fld id="{B8DACC02-A2BD-4578-8E03-6D891060A695}" type="slidenum">
+              <a:rPr lang="en-US" smtClean="0"/>
+              <a:pPr/>
+              <a:t>43</a:t>
+            </a:fld>
+            <a:endParaRPr lang="en-US" dirty="0"/>
+          </a:p>
+        </p:txBody>
+      </p:sp>
+    </p:spTree>
+    <p:extLst>
+      <p:ext uri="{BB962C8B-B14F-4D97-AF65-F5344CB8AC3E}">
+        <p14:creationId xmlns:p14="http://schemas.microsoft.com/office/powerpoint/2010/main" val="3168153716"/>
+      </p:ext>
+    </p:extLst>
+  </p:cSld>
+  <p:clrMapOvr>
+    <a:masterClrMapping/>
+  </p:clrMapOvr>
+</p:sld>
+</file>
+
+<file path=ppt/slides/slide44.xml><?xml version="1.0" encoding="utf-8"?>
+<p:sld xmlns:a="http://schemas.openxmlformats.org/drawingml/2006/main" xmlns:r="http://schemas.openxmlformats.org/officeDocument/2006/relationships" xmlns:p="http://schemas.openxmlformats.org/presentationml/2006/main">
+  <p:cSld>
+    <p:spTree>
+      <p:nvGrpSpPr>
+        <p:cNvPr id="1" name=""/>
+        <p:cNvGrpSpPr/>
+        <p:nvPr/>
+      </p:nvGrpSpPr>
+      <p:grpSpPr>
+        <a:xfrm>
+          <a:off x="0" y="0"/>
+          <a:ext cx="0" cy="0"/>
+          <a:chOff x="0" y="0"/>
+          <a:chExt cx="0" cy="0"/>
+        </a:xfrm>
+      </p:grpSpPr>
+      <p:sp>
+        <p:nvSpPr>
+          <p:cNvPr id="2" name="Title 1">
+            <a:extLst>
+              <a:ext uri="{FF2B5EF4-FFF2-40B4-BE49-F238E27FC236}">
+                <a16:creationId xmlns:a16="http://schemas.microsoft.com/office/drawing/2014/main" id="{25FF2F48-0932-4DB4-8513-A299EFAB1211}"/>
+              </a:ext>
+            </a:extLst>
+          </p:cNvPr>
+          <p:cNvSpPr>
+            <a:spLocks noGrp="1"/>
+          </p:cNvSpPr>
+          <p:nvPr>
+            <p:ph type="title"/>
+          </p:nvPr>
+        </p:nvSpPr>
+        <p:spPr/>
+        <p:txBody>
+          <a:bodyPr/>
+          <a:lstStyle/>
+          <a:p>
+            <a:r>
+              <a:rPr lang="en-US" dirty="0"/>
+              <a:t>Strategies for Managing Rapid Growth</a:t>
+            </a:r>
+          </a:p>
+        </p:txBody>
+      </p:sp>
+      <p:sp>
+        <p:nvSpPr>
+          <p:cNvPr id="3" name="Content Placeholder 2">
+            <a:extLst>
+              <a:ext uri="{FF2B5EF4-FFF2-40B4-BE49-F238E27FC236}">
+                <a16:creationId xmlns:a16="http://schemas.microsoft.com/office/drawing/2014/main" id="{94202DF7-406F-4260-BB58-5EDDE2B221F4}"/>
+              </a:ext>
+            </a:extLst>
+          </p:cNvPr>
+          <p:cNvSpPr>
+            <a:spLocks noGrp="1"/>
+          </p:cNvSpPr>
+          <p:nvPr>
+            <p:ph idx="1"/>
+          </p:nvPr>
+        </p:nvSpPr>
+        <p:spPr>
+          <a:xfrm>
+            <a:off x="347526" y="1347624"/>
+            <a:ext cx="11650767" cy="4805347"/>
+          </a:xfrm>
+        </p:spPr>
+        <p:txBody>
+          <a:bodyPr>
+            <a:normAutofit/>
+          </a:bodyPr>
+          <a:lstStyle/>
+          <a:p>
+            <a:pPr>
+              <a:lnSpc>
+                <a:spcPct val="150000"/>
+              </a:lnSpc>
+            </a:pPr>
+            <a:r>
+              <a:rPr lang="en-US" dirty="0"/>
+              <a:t>Hiring and Onboarding</a:t>
+            </a:r>
+          </a:p>
+          <a:p>
+            <a:pPr>
+              <a:lnSpc>
+                <a:spcPct val="150000"/>
+              </a:lnSpc>
+            </a:pPr>
+            <a:r>
+              <a:rPr lang="en-US" dirty="0"/>
+              <a:t>Training and Mentoring:</a:t>
+            </a:r>
+          </a:p>
+          <a:p>
+            <a:pPr>
+              <a:lnSpc>
+                <a:spcPct val="150000"/>
+              </a:lnSpc>
+            </a:pPr>
+            <a:r>
+              <a:rPr lang="en-US" dirty="0"/>
+              <a:t>Improving Processes and Systems</a:t>
+            </a:r>
+          </a:p>
+        </p:txBody>
+      </p:sp>
+      <p:sp>
+        <p:nvSpPr>
+          <p:cNvPr id="4" name="Slide Number Placeholder 3">
+            <a:extLst>
+              <a:ext uri="{FF2B5EF4-FFF2-40B4-BE49-F238E27FC236}">
+                <a16:creationId xmlns:a16="http://schemas.microsoft.com/office/drawing/2014/main" id="{A53F3E31-008B-449A-80B1-E7CAE42EBAC3}"/>
+              </a:ext>
+            </a:extLst>
+          </p:cNvPr>
+          <p:cNvSpPr>
+            <a:spLocks noGrp="1"/>
+          </p:cNvSpPr>
+          <p:nvPr>
+            <p:ph type="sldNum" sz="quarter" idx="12"/>
+          </p:nvPr>
+        </p:nvSpPr>
+        <p:spPr/>
+        <p:txBody>
+          <a:bodyPr/>
+          <a:lstStyle/>
+          <a:p>
+            <a:fld id="{B8DACC02-A2BD-4578-8E03-6D891060A695}" type="slidenum">
+              <a:rPr lang="en-US" smtClean="0"/>
+              <a:pPr/>
+              <a:t>44</a:t>
+            </a:fld>
+            <a:endParaRPr lang="en-US" dirty="0"/>
+          </a:p>
+        </p:txBody>
+      </p:sp>
+    </p:spTree>
+    <p:extLst>
+      <p:ext uri="{BB962C8B-B14F-4D97-AF65-F5344CB8AC3E}">
+        <p14:creationId xmlns:p14="http://schemas.microsoft.com/office/powerpoint/2010/main" val="795813307"/>
+      </p:ext>
+    </p:extLst>
+  </p:cSld>
+  <p:clrMapOvr>
+    <a:masterClrMapping/>
+  </p:clrMapOvr>
+</p:sld>
+</file>
+
+<file path=ppt/slides/slide45.xml><?xml version="1.0" encoding="utf-8"?>
+<p:sld xmlns:a="http://schemas.openxmlformats.org/drawingml/2006/main" xmlns:r="http://schemas.openxmlformats.org/officeDocument/2006/relationships" xmlns:p="http://schemas.openxmlformats.org/presentationml/2006/main">
+  <p:cSld>
+    <p:spTree>
+      <p:nvGrpSpPr>
+        <p:cNvPr id="1" name=""/>
+        <p:cNvGrpSpPr/>
+        <p:nvPr/>
+      </p:nvGrpSpPr>
+      <p:grpSpPr>
+        <a:xfrm>
+          <a:off x="0" y="0"/>
+          <a:ext cx="0" cy="0"/>
+          <a:chOff x="0" y="0"/>
+          <a:chExt cx="0" cy="0"/>
+        </a:xfrm>
+      </p:grpSpPr>
+      <p:sp>
+        <p:nvSpPr>
+          <p:cNvPr id="2" name="Title 1">
+            <a:extLst>
+              <a:ext uri="{FF2B5EF4-FFF2-40B4-BE49-F238E27FC236}">
+                <a16:creationId xmlns:a16="http://schemas.microsoft.com/office/drawing/2014/main" id="{A5EF5573-1E84-477B-AAB5-C356F12D688E}"/>
+              </a:ext>
+            </a:extLst>
+          </p:cNvPr>
+          <p:cNvSpPr>
+            <a:spLocks noGrp="1"/>
+          </p:cNvSpPr>
+          <p:nvPr>
+            <p:ph type="title"/>
+          </p:nvPr>
+        </p:nvSpPr>
+        <p:spPr/>
+        <p:txBody>
+          <a:bodyPr/>
+          <a:lstStyle/>
+          <a:p>
+            <a:r>
+              <a:rPr lang="en-US" dirty="0"/>
+              <a:t>Importance of Adapting to Change</a:t>
+            </a:r>
+          </a:p>
+        </p:txBody>
+      </p:sp>
+      <p:sp>
+        <p:nvSpPr>
+          <p:cNvPr id="3" name="Content Placeholder 2">
+            <a:extLst>
+              <a:ext uri="{FF2B5EF4-FFF2-40B4-BE49-F238E27FC236}">
+                <a16:creationId xmlns:a16="http://schemas.microsoft.com/office/drawing/2014/main" id="{9E8C4837-CD5C-4686-B2BB-22260E59D2B4}"/>
+              </a:ext>
+            </a:extLst>
+          </p:cNvPr>
+          <p:cNvSpPr>
+            <a:spLocks noGrp="1"/>
+          </p:cNvSpPr>
+          <p:nvPr>
+            <p:ph idx="1"/>
+          </p:nvPr>
+        </p:nvSpPr>
+        <p:spPr>
+          <a:xfrm>
+            <a:off x="347526" y="1311216"/>
+            <a:ext cx="11650767" cy="4841756"/>
+          </a:xfrm>
+        </p:spPr>
+        <p:txBody>
+          <a:bodyPr>
+            <a:normAutofit/>
+          </a:bodyPr>
+          <a:lstStyle/>
+          <a:p>
+            <a:pPr>
+              <a:lnSpc>
+                <a:spcPct val="150000"/>
+              </a:lnSpc>
+            </a:pPr>
+            <a:r>
+              <a:rPr lang="en-US" dirty="0"/>
+              <a:t>Embracing Agility</a:t>
+            </a:r>
+          </a:p>
+          <a:p>
+            <a:pPr>
+              <a:lnSpc>
+                <a:spcPct val="150000"/>
+              </a:lnSpc>
+            </a:pPr>
+            <a:r>
+              <a:rPr lang="en-US" dirty="0"/>
+              <a:t>Flexibility and Innovation</a:t>
+            </a:r>
+          </a:p>
+          <a:p>
+            <a:pPr>
+              <a:lnSpc>
+                <a:spcPct val="150000"/>
+              </a:lnSpc>
+            </a:pPr>
+            <a:r>
+              <a:rPr lang="en-US" dirty="0"/>
+              <a:t>Scalability and Sustainability</a:t>
+            </a:r>
+          </a:p>
+        </p:txBody>
+      </p:sp>
+      <p:sp>
+        <p:nvSpPr>
+          <p:cNvPr id="4" name="Slide Number Placeholder 3">
+            <a:extLst>
+              <a:ext uri="{FF2B5EF4-FFF2-40B4-BE49-F238E27FC236}">
+                <a16:creationId xmlns:a16="http://schemas.microsoft.com/office/drawing/2014/main" id="{ECF59103-16D2-4132-98EB-B870E657878E}"/>
+              </a:ext>
+            </a:extLst>
+          </p:cNvPr>
+          <p:cNvSpPr>
+            <a:spLocks noGrp="1"/>
+          </p:cNvSpPr>
+          <p:nvPr>
+            <p:ph type="sldNum" sz="quarter" idx="12"/>
+          </p:nvPr>
+        </p:nvSpPr>
+        <p:spPr/>
+        <p:txBody>
+          <a:bodyPr/>
+          <a:lstStyle/>
+          <a:p>
+            <a:fld id="{B8DACC02-A2BD-4578-8E03-6D891060A695}" type="slidenum">
+              <a:rPr lang="en-US" smtClean="0"/>
+              <a:pPr/>
+              <a:t>45</a:t>
+            </a:fld>
+            <a:endParaRPr lang="en-US" dirty="0"/>
+          </a:p>
+        </p:txBody>
+      </p:sp>
+    </p:spTree>
+    <p:extLst>
+      <p:ext uri="{BB962C8B-B14F-4D97-AF65-F5344CB8AC3E}">
+        <p14:creationId xmlns:p14="http://schemas.microsoft.com/office/powerpoint/2010/main" val="622129872"/>
+      </p:ext>
+    </p:extLst>
+  </p:cSld>
+  <p:clrMapOvr>
+    <a:masterClrMapping/>
+  </p:clrMapOvr>
+</p:sld>
+</file>
+
+<file path=ppt/slides/slide46.xml><?xml version="1.0" encoding="utf-8"?>
+<p:sld xmlns:a="http://schemas.openxmlformats.org/drawingml/2006/main" xmlns:r="http://schemas.openxmlformats.org/officeDocument/2006/relationships" xmlns:p="http://schemas.openxmlformats.org/presentationml/2006/main">
+  <p:cSld>
+    <p:spTree>
+      <p:nvGrpSpPr>
+        <p:cNvPr id="1" name=""/>
+        <p:cNvGrpSpPr/>
+        <p:nvPr/>
+      </p:nvGrpSpPr>
+      <p:grpSpPr>
+        <a:xfrm>
+          <a:off x="0" y="0"/>
+          <a:ext cx="0" cy="0"/>
+          <a:chOff x="0" y="0"/>
+          <a:chExt cx="0" cy="0"/>
+        </a:xfrm>
+      </p:grpSpPr>
+      <p:sp>
+        <p:nvSpPr>
+          <p:cNvPr id="2" name="Title 1">
+            <a:extLst>
+              <a:ext uri="{FF2B5EF4-FFF2-40B4-BE49-F238E27FC236}">
+                <a16:creationId xmlns:a16="http://schemas.microsoft.com/office/drawing/2014/main" id="{A5F881F9-ADEA-4896-94A2-EDE624C74E6E}"/>
+              </a:ext>
+            </a:extLst>
+          </p:cNvPr>
+          <p:cNvSpPr>
+            <a:spLocks noGrp="1"/>
+          </p:cNvSpPr>
+          <p:nvPr>
+            <p:ph type="title"/>
+          </p:nvPr>
+        </p:nvSpPr>
+        <p:spPr/>
+        <p:txBody>
+          <a:bodyPr>
+            <a:normAutofit fontScale="90000"/>
+          </a:bodyPr>
+          <a:lstStyle/>
+          <a:p>
+            <a:r>
+              <a:rPr lang="en-US" dirty="0"/>
+              <a:t>Importance of Maintaining Quality and Consistency</a:t>
+            </a:r>
+          </a:p>
+        </p:txBody>
+      </p:sp>
+      <p:sp>
+        <p:nvSpPr>
+          <p:cNvPr id="3" name="Content Placeholder 2">
+            <a:extLst>
+              <a:ext uri="{FF2B5EF4-FFF2-40B4-BE49-F238E27FC236}">
+                <a16:creationId xmlns:a16="http://schemas.microsoft.com/office/drawing/2014/main" id="{99FC9874-0F84-4CD3-9CE5-4606C55FC54E}"/>
+              </a:ext>
+            </a:extLst>
+          </p:cNvPr>
+          <p:cNvSpPr>
+            <a:spLocks noGrp="1"/>
+          </p:cNvSpPr>
+          <p:nvPr>
+            <p:ph idx="1"/>
+          </p:nvPr>
+        </p:nvSpPr>
+        <p:spPr/>
+        <p:txBody>
+          <a:bodyPr>
+            <a:normAutofit/>
+          </a:bodyPr>
+          <a:lstStyle/>
+          <a:p>
+            <a:r>
+              <a:rPr lang="en-US" dirty="0"/>
+              <a:t>Customer Satisfaction</a:t>
+            </a:r>
+          </a:p>
+          <a:p>
+            <a:r>
+              <a:rPr lang="en-US" dirty="0"/>
+              <a:t>Reputation and Brand Image</a:t>
+            </a:r>
+          </a:p>
+          <a:p>
+            <a:r>
+              <a:rPr lang="en-US" dirty="0"/>
+              <a:t>Long-Term Success</a:t>
+            </a:r>
+          </a:p>
+        </p:txBody>
+      </p:sp>
+      <p:sp>
+        <p:nvSpPr>
+          <p:cNvPr id="4" name="Slide Number Placeholder 3">
+            <a:extLst>
+              <a:ext uri="{FF2B5EF4-FFF2-40B4-BE49-F238E27FC236}">
+                <a16:creationId xmlns:a16="http://schemas.microsoft.com/office/drawing/2014/main" id="{C7E31577-1EDD-4930-9C50-0C561609CBC0}"/>
+              </a:ext>
+            </a:extLst>
+          </p:cNvPr>
+          <p:cNvSpPr>
+            <a:spLocks noGrp="1"/>
+          </p:cNvSpPr>
+          <p:nvPr>
+            <p:ph type="sldNum" sz="quarter" idx="12"/>
+          </p:nvPr>
+        </p:nvSpPr>
+        <p:spPr/>
+        <p:txBody>
+          <a:bodyPr/>
+          <a:lstStyle/>
+          <a:p>
+            <a:fld id="{B8DACC02-A2BD-4578-8E03-6D891060A695}" type="slidenum">
+              <a:rPr lang="en-US" smtClean="0"/>
+              <a:pPr/>
+              <a:t>46</a:t>
+            </a:fld>
+            <a:endParaRPr lang="en-US" dirty="0"/>
+          </a:p>
+        </p:txBody>
+      </p:sp>
+    </p:spTree>
+    <p:extLst>
+      <p:ext uri="{BB962C8B-B14F-4D97-AF65-F5344CB8AC3E}">
+        <p14:creationId xmlns:p14="http://schemas.microsoft.com/office/powerpoint/2010/main" val="4030017697"/>
+      </p:ext>
+    </p:extLst>
+  </p:cSld>
+  <p:clrMapOvr>
+    <a:masterClrMapping/>
+  </p:clrMapOvr>
+</p:sld>
+</file>
+
+<file path=ppt/slides/slide47.xml><?xml version="1.0" encoding="utf-8"?>
+<p:sld xmlns:a="http://schemas.openxmlformats.org/drawingml/2006/main" xmlns:r="http://schemas.openxmlformats.org/officeDocument/2006/relationships" xmlns:p="http://schemas.openxmlformats.org/presentationml/2006/main">
+  <p:cSld>
+    <p:spTree>
+      <p:nvGrpSpPr>
+        <p:cNvPr id="1" name=""/>
+        <p:cNvGrpSpPr/>
+        <p:nvPr/>
+      </p:nvGrpSpPr>
+      <p:grpSpPr>
+        <a:xfrm>
+          <a:off x="0" y="0"/>
+          <a:ext cx="0" cy="0"/>
+          <a:chOff x="0" y="0"/>
+          <a:chExt cx="0" cy="0"/>
+        </a:xfrm>
+      </p:grpSpPr>
+      <p:sp>
+        <p:nvSpPr>
+          <p:cNvPr id="2" name="Title 1">
+            <a:extLst>
+              <a:ext uri="{FF2B5EF4-FFF2-40B4-BE49-F238E27FC236}">
+                <a16:creationId xmlns:a16="http://schemas.microsoft.com/office/drawing/2014/main" id="{434C4A45-0247-4D53-81E0-3EB9C5273E81}"/>
+              </a:ext>
+            </a:extLst>
+          </p:cNvPr>
+          <p:cNvSpPr>
+            <a:spLocks noGrp="1"/>
+          </p:cNvSpPr>
+          <p:nvPr>
+            <p:ph type="title"/>
+          </p:nvPr>
+        </p:nvSpPr>
+        <p:spPr/>
+        <p:txBody>
+          <a:bodyPr/>
+          <a:lstStyle/>
+          <a:p>
+            <a:r>
+              <a:rPr lang="en-US" dirty="0"/>
+              <a:t>Strategies for Ensuring Quality and Consistency</a:t>
+            </a:r>
+          </a:p>
+        </p:txBody>
+      </p:sp>
+      <p:sp>
+        <p:nvSpPr>
+          <p:cNvPr id="3" name="Content Placeholder 2">
+            <a:extLst>
+              <a:ext uri="{FF2B5EF4-FFF2-40B4-BE49-F238E27FC236}">
+                <a16:creationId xmlns:a16="http://schemas.microsoft.com/office/drawing/2014/main" id="{3B1D9652-6B48-4107-88FA-5E4BBE208E0E}"/>
+              </a:ext>
+            </a:extLst>
+          </p:cNvPr>
+          <p:cNvSpPr>
+            <a:spLocks noGrp="1"/>
+          </p:cNvSpPr>
+          <p:nvPr>
+            <p:ph idx="1"/>
+          </p:nvPr>
+        </p:nvSpPr>
+        <p:spPr/>
+        <p:txBody>
+          <a:bodyPr>
+            <a:normAutofit/>
+          </a:bodyPr>
+          <a:lstStyle/>
+          <a:p>
+            <a:pPr>
+              <a:lnSpc>
+                <a:spcPct val="150000"/>
+              </a:lnSpc>
+            </a:pPr>
+            <a:r>
+              <a:rPr lang="en-US" dirty="0"/>
+              <a:t>Quality Assurance Processes</a:t>
+            </a:r>
+          </a:p>
+          <a:p>
+            <a:pPr>
+              <a:lnSpc>
+                <a:spcPct val="150000"/>
+              </a:lnSpc>
+            </a:pPr>
+            <a:r>
+              <a:rPr lang="en-US" dirty="0"/>
+              <a:t>Performance Metrics and Monitoring</a:t>
+            </a:r>
+          </a:p>
+          <a:p>
+            <a:pPr>
+              <a:lnSpc>
+                <a:spcPct val="150000"/>
+              </a:lnSpc>
+            </a:pPr>
+            <a:r>
+              <a:rPr lang="en-US" dirty="0"/>
+              <a:t>Standardization and Documentation</a:t>
+            </a:r>
+          </a:p>
+        </p:txBody>
+      </p:sp>
+      <p:sp>
+        <p:nvSpPr>
+          <p:cNvPr id="4" name="Slide Number Placeholder 3">
+            <a:extLst>
+              <a:ext uri="{FF2B5EF4-FFF2-40B4-BE49-F238E27FC236}">
+                <a16:creationId xmlns:a16="http://schemas.microsoft.com/office/drawing/2014/main" id="{54077E0B-3C3F-4E8B-BB2B-612228C9FCD7}"/>
+              </a:ext>
+            </a:extLst>
+          </p:cNvPr>
+          <p:cNvSpPr>
+            <a:spLocks noGrp="1"/>
+          </p:cNvSpPr>
+          <p:nvPr>
+            <p:ph type="sldNum" sz="quarter" idx="12"/>
+          </p:nvPr>
+        </p:nvSpPr>
+        <p:spPr/>
+        <p:txBody>
+          <a:bodyPr/>
+          <a:lstStyle/>
+          <a:p>
+            <a:fld id="{B8DACC02-A2BD-4578-8E03-6D891060A695}" type="slidenum">
+              <a:rPr lang="en-US" smtClean="0"/>
+              <a:pPr/>
+              <a:t>47</a:t>
+            </a:fld>
+            <a:endParaRPr lang="en-US" dirty="0"/>
+          </a:p>
+        </p:txBody>
+      </p:sp>
+    </p:spTree>
+    <p:extLst>
+      <p:ext uri="{BB962C8B-B14F-4D97-AF65-F5344CB8AC3E}">
+        <p14:creationId xmlns:p14="http://schemas.microsoft.com/office/powerpoint/2010/main" val="2039406415"/>
+      </p:ext>
+    </p:extLst>
+  </p:cSld>
+  <p:clrMapOvr>
+    <a:masterClrMapping/>
+  </p:clrMapOvr>
+</p:sld>
+</file>
+
+<file path=ppt/slides/slide48.xml><?xml version="1.0" encoding="utf-8"?>
+<p:sld xmlns:a="http://schemas.openxmlformats.org/drawingml/2006/main" xmlns:r="http://schemas.openxmlformats.org/officeDocument/2006/relationships" xmlns:p="http://schemas.openxmlformats.org/presentationml/2006/main">
+  <p:cSld>
+    <p:spTree>
+      <p:nvGrpSpPr>
+        <p:cNvPr id="1" name=""/>
+        <p:cNvGrpSpPr/>
+        <p:nvPr/>
+      </p:nvGrpSpPr>
+      <p:grpSpPr>
+        <a:xfrm>
+          <a:off x="0" y="0"/>
+          <a:ext cx="0" cy="0"/>
+          <a:chOff x="0" y="0"/>
+          <a:chExt cx="0" cy="0"/>
+        </a:xfrm>
+      </p:grpSpPr>
+      <p:sp>
+        <p:nvSpPr>
+          <p:cNvPr id="2" name="Title 1"/>
+          <p:cNvSpPr>
+            <a:spLocks noGrp="1"/>
+          </p:cNvSpPr>
+          <p:nvPr>
+            <p:ph type="title"/>
+          </p:nvPr>
+        </p:nvSpPr>
+        <p:spPr/>
+        <p:txBody>
+          <a:bodyPr>
+            <a:normAutofit fontScale="90000"/>
+          </a:bodyPr>
+          <a:lstStyle/>
+          <a:p>
+            <a:r>
+              <a:rPr lang="en-US" dirty="0"/>
+              <a:t>Analyzing Metrics and Key Performance Indicators</a:t>
+            </a:r>
+          </a:p>
+        </p:txBody>
+      </p:sp>
+      <p:sp>
+        <p:nvSpPr>
+          <p:cNvPr id="3" name="Content Placeholder 2"/>
+          <p:cNvSpPr>
+            <a:spLocks noGrp="1"/>
+          </p:cNvSpPr>
+          <p:nvPr>
+            <p:ph idx="1"/>
+          </p:nvPr>
+        </p:nvSpPr>
+        <p:spPr/>
+        <p:txBody>
+          <a:bodyPr>
+            <a:normAutofit/>
+          </a:bodyPr>
+          <a:lstStyle/>
+          <a:p>
+            <a:r>
+              <a:rPr lang="en-US" dirty="0"/>
+              <a:t>Importance of tracking and analyzing metrics for business growth:</a:t>
+            </a:r>
+          </a:p>
+          <a:p>
+            <a:pPr lvl="1"/>
+            <a:r>
+              <a:rPr lang="en-US" dirty="0"/>
+              <a:t>Data-Driven Decision Making</a:t>
+            </a:r>
+          </a:p>
+          <a:p>
+            <a:pPr lvl="1"/>
+            <a:r>
+              <a:rPr lang="en-US" dirty="0"/>
+              <a:t>Performance Evaluation</a:t>
+            </a:r>
+          </a:p>
+          <a:p>
+            <a:pPr lvl="1"/>
+            <a:r>
+              <a:rPr lang="en-US" dirty="0"/>
+              <a:t>Optimization Opportunities</a:t>
+            </a:r>
+          </a:p>
+        </p:txBody>
+      </p:sp>
+      <p:sp>
+        <p:nvSpPr>
+          <p:cNvPr id="4" name="Slide Number Placeholder 3"/>
+          <p:cNvSpPr>
+            <a:spLocks noGrp="1"/>
+          </p:cNvSpPr>
+          <p:nvPr>
+            <p:ph type="sldNum" sz="quarter" idx="12"/>
+          </p:nvPr>
+        </p:nvSpPr>
+        <p:spPr/>
+        <p:txBody>
+          <a:bodyPr/>
+          <a:lstStyle/>
+          <a:p>
+            <a:fld id="{B8DACC02-A2BD-4578-8E03-6D891060A695}" type="slidenum">
+              <a:rPr lang="en-US" smtClean="0"/>
+              <a:pPr/>
+              <a:t>48</a:t>
+            </a:fld>
+            <a:endParaRPr lang="en-US" dirty="0"/>
+          </a:p>
+        </p:txBody>
+      </p:sp>
+      <p:pic>
+        <p:nvPicPr>
+          <p:cNvPr id="23554" name="Picture 2" descr="HOW TO DEVELOP KPIS / PERFORMANCE MEASURES - KPI.org"/>
+          <p:cNvPicPr>
+            <a:picLocks noChangeAspect="1" noChangeArrowheads="1"/>
+          </p:cNvPicPr>
+          <p:nvPr/>
+        </p:nvPicPr>
+        <p:blipFill>
+          <a:blip r:embed="rId2" cstate="print">
+            <a:extLst>
+              <a:ext uri="{28A0092B-C50C-407E-A947-70E740481C1C}">
+                <a14:useLocalDpi xmlns:a14="http://schemas.microsoft.com/office/drawing/2010/main" val="0"/>
+              </a:ext>
+            </a:extLst>
+          </a:blip>
+          <a:srcRect/>
+          <a:stretch>
+            <a:fillRect/>
+          </a:stretch>
+        </p:blipFill>
+        <p:spPr bwMode="auto">
+          <a:xfrm>
+            <a:off x="4889338" y="3133544"/>
+            <a:ext cx="7302662" cy="3462847"/>
+          </a:xfrm>
+          <a:prstGeom prst="rect">
+            <a:avLst/>
+          </a:prstGeom>
+          <a:noFill/>
+          <a:extLst>
+            <a:ext uri="{909E8E84-426E-40DD-AFC4-6F175D3DCCD1}">
+              <a14:hiddenFill xmlns:a14="http://schemas.microsoft.com/office/drawing/2010/main">
+                <a:solidFill>
+                  <a:srgbClr val="FFFFFF"/>
+                </a:solidFill>
+              </a14:hiddenFill>
+            </a:ext>
+          </a:extLst>
+        </p:spPr>
+      </p:pic>
+    </p:spTree>
+    <p:extLst>
+      <p:ext uri="{BB962C8B-B14F-4D97-AF65-F5344CB8AC3E}">
+        <p14:creationId xmlns:p14="http://schemas.microsoft.com/office/powerpoint/2010/main" val="2045533587"/>
+      </p:ext>
+    </p:extLst>
+  </p:cSld>
+  <p:clrMapOvr>
+    <a:masterClrMapping/>
+  </p:clrMapOvr>
+</p:sld>
+</file>
+
+<file path=ppt/slides/slide49.xml><?xml version="1.0" encoding="utf-8"?>
+<p:sld xmlns:a="http://schemas.openxmlformats.org/drawingml/2006/main" xmlns:r="http://schemas.openxmlformats.org/officeDocument/2006/relationships" xmlns:p="http://schemas.openxmlformats.org/presentationml/2006/main">
+  <p:cSld>
+    <p:spTree>
+      <p:nvGrpSpPr>
+        <p:cNvPr id="1" name=""/>
+        <p:cNvGrpSpPr/>
+        <p:nvPr/>
+      </p:nvGrpSpPr>
+      <p:grpSpPr>
+        <a:xfrm>
+          <a:off x="0" y="0"/>
+          <a:ext cx="0" cy="0"/>
+          <a:chOff x="0" y="0"/>
+          <a:chExt cx="0" cy="0"/>
+        </a:xfrm>
+      </p:grpSpPr>
+      <p:sp>
+        <p:nvSpPr>
+          <p:cNvPr id="2" name="Title 1">
+            <a:extLst>
+              <a:ext uri="{FF2B5EF4-FFF2-40B4-BE49-F238E27FC236}">
+                <a16:creationId xmlns:a16="http://schemas.microsoft.com/office/drawing/2014/main" id="{4BA81591-5D9D-4AFF-A8A2-22C88FDDE2E0}"/>
+              </a:ext>
+            </a:extLst>
+          </p:cNvPr>
+          <p:cNvSpPr>
+            <a:spLocks noGrp="1"/>
+          </p:cNvSpPr>
+          <p:nvPr>
+            <p:ph type="title"/>
+          </p:nvPr>
+        </p:nvSpPr>
+        <p:spPr/>
+        <p:txBody>
+          <a:bodyPr/>
+          <a:lstStyle/>
+          <a:p>
+            <a:r>
+              <a:rPr lang="en-US" dirty="0"/>
+              <a:t>Developing Strategic Partnerships</a:t>
+            </a:r>
+          </a:p>
+        </p:txBody>
+      </p:sp>
+      <p:sp>
+        <p:nvSpPr>
+          <p:cNvPr id="3" name="Content Placeholder 2">
+            <a:extLst>
+              <a:ext uri="{FF2B5EF4-FFF2-40B4-BE49-F238E27FC236}">
+                <a16:creationId xmlns:a16="http://schemas.microsoft.com/office/drawing/2014/main" id="{D24D1DF9-51C6-4687-A4AB-FBD3ACC6C47E}"/>
+              </a:ext>
+            </a:extLst>
+          </p:cNvPr>
+          <p:cNvSpPr>
+            <a:spLocks noGrp="1"/>
+          </p:cNvSpPr>
+          <p:nvPr>
+            <p:ph idx="1"/>
+          </p:nvPr>
+        </p:nvSpPr>
+        <p:spPr/>
+        <p:txBody>
+          <a:bodyPr/>
+          <a:lstStyle/>
+          <a:p>
+            <a:r>
+              <a:rPr lang="en-US" dirty="0"/>
+              <a:t>Provides access to new markets, customers, and resources</a:t>
+            </a:r>
+          </a:p>
+          <a:p>
+            <a:r>
+              <a:rPr lang="en-US" dirty="0"/>
+              <a:t>Enhances credibility and reputation</a:t>
+            </a:r>
+          </a:p>
+          <a:p>
+            <a:r>
+              <a:rPr lang="en-US" dirty="0"/>
+              <a:t>Accelerates growth and scalability</a:t>
+            </a:r>
+          </a:p>
+          <a:p>
+            <a:r>
+              <a:rPr lang="en-US" dirty="0"/>
+              <a:t>Increases competitiveness and market share</a:t>
+            </a:r>
+          </a:p>
+        </p:txBody>
+      </p:sp>
+      <p:sp>
+        <p:nvSpPr>
+          <p:cNvPr id="4" name="Slide Number Placeholder 3">
+            <a:extLst>
+              <a:ext uri="{FF2B5EF4-FFF2-40B4-BE49-F238E27FC236}">
+                <a16:creationId xmlns:a16="http://schemas.microsoft.com/office/drawing/2014/main" id="{765754DB-4CA4-4284-A4C2-784C6EC23889}"/>
+              </a:ext>
+            </a:extLst>
+          </p:cNvPr>
+          <p:cNvSpPr>
+            <a:spLocks noGrp="1"/>
+          </p:cNvSpPr>
+          <p:nvPr>
+            <p:ph type="sldNum" sz="quarter" idx="12"/>
+          </p:nvPr>
+        </p:nvSpPr>
+        <p:spPr/>
+        <p:txBody>
+          <a:bodyPr/>
+          <a:lstStyle/>
+          <a:p>
+            <a:fld id="{B8DACC02-A2BD-4578-8E03-6D891060A695}" type="slidenum">
+              <a:rPr lang="en-US" smtClean="0"/>
+              <a:pPr/>
+              <a:t>49</a:t>
+            </a:fld>
+            <a:endParaRPr lang="en-US" dirty="0"/>
+          </a:p>
+        </p:txBody>
+      </p:sp>
+    </p:spTree>
+    <p:extLst>
+      <p:ext uri="{BB962C8B-B14F-4D97-AF65-F5344CB8AC3E}">
+        <p14:creationId xmlns:p14="http://schemas.microsoft.com/office/powerpoint/2010/main" val="288053261"/>
       </p:ext>
     </p:extLst>
   </p:cSld>
@@ -13473,16 +14592,8 @@
           <a:lstStyle/>
           <a:p>
             <a:r>
-              <a:rPr lang="en-US" dirty="0" smtClean="0"/>
-              <a:t>Different </a:t>
-            </a:r>
-            <a:r>
-              <a:rPr lang="en-US" dirty="0"/>
-              <a:t>launch </a:t>
-            </a:r>
-            <a:r>
-              <a:rPr lang="en-US" dirty="0" smtClean="0"/>
-              <a:t>strategies</a:t>
+              <a:rPr lang="en-US" dirty="0"/>
+              <a:t>Different launch strategies</a:t>
             </a:r>
           </a:p>
         </p:txBody>
@@ -13537,6 +14648,1428 @@
     <p:extLst>
       <p:ext uri="{BB962C8B-B14F-4D97-AF65-F5344CB8AC3E}">
         <p14:creationId xmlns:p14="http://schemas.microsoft.com/office/powerpoint/2010/main" val="3856247084"/>
+      </p:ext>
+    </p:extLst>
+  </p:cSld>
+  <p:clrMapOvr>
+    <a:masterClrMapping/>
+  </p:clrMapOvr>
+</p:sld>
+</file>
+
+<file path=ppt/slides/slide50.xml><?xml version="1.0" encoding="utf-8"?>
+<p:sld xmlns:a="http://schemas.openxmlformats.org/drawingml/2006/main" xmlns:r="http://schemas.openxmlformats.org/officeDocument/2006/relationships" xmlns:p="http://schemas.openxmlformats.org/presentationml/2006/main">
+  <p:cSld>
+    <p:spTree>
+      <p:nvGrpSpPr>
+        <p:cNvPr id="1" name=""/>
+        <p:cNvGrpSpPr/>
+        <p:nvPr/>
+      </p:nvGrpSpPr>
+      <p:grpSpPr>
+        <a:xfrm>
+          <a:off x="0" y="0"/>
+          <a:ext cx="0" cy="0"/>
+          <a:chOff x="0" y="0"/>
+          <a:chExt cx="0" cy="0"/>
+        </a:xfrm>
+      </p:grpSpPr>
+      <p:sp>
+        <p:nvSpPr>
+          <p:cNvPr id="2" name="Title 1">
+            <a:extLst>
+              <a:ext uri="{FF2B5EF4-FFF2-40B4-BE49-F238E27FC236}">
+                <a16:creationId xmlns:a16="http://schemas.microsoft.com/office/drawing/2014/main" id="{E0ABE4A4-5781-4127-B88E-31C7AB3AA819}"/>
+              </a:ext>
+            </a:extLst>
+          </p:cNvPr>
+          <p:cNvSpPr>
+            <a:spLocks noGrp="1"/>
+          </p:cNvSpPr>
+          <p:nvPr>
+            <p:ph type="title"/>
+          </p:nvPr>
+        </p:nvSpPr>
+        <p:spPr/>
+        <p:txBody>
+          <a:bodyPr/>
+          <a:lstStyle/>
+          <a:p>
+            <a:r>
+              <a:rPr lang="en-US" dirty="0"/>
+              <a:t>Examples of Strategic Partnerships</a:t>
+            </a:r>
+          </a:p>
+        </p:txBody>
+      </p:sp>
+      <p:sp>
+        <p:nvSpPr>
+          <p:cNvPr id="3" name="Content Placeholder 2">
+            <a:extLst>
+              <a:ext uri="{FF2B5EF4-FFF2-40B4-BE49-F238E27FC236}">
+                <a16:creationId xmlns:a16="http://schemas.microsoft.com/office/drawing/2014/main" id="{495F8359-A95B-4896-A766-079CE74B702A}"/>
+              </a:ext>
+            </a:extLst>
+          </p:cNvPr>
+          <p:cNvSpPr>
+            <a:spLocks noGrp="1"/>
+          </p:cNvSpPr>
+          <p:nvPr>
+            <p:ph idx="1"/>
+          </p:nvPr>
+        </p:nvSpPr>
+        <p:spPr/>
+        <p:txBody>
+          <a:bodyPr/>
+          <a:lstStyle/>
+          <a:p>
+            <a:r>
+              <a:rPr lang="en-US" dirty="0"/>
+              <a:t>Collaborations with complementary companies</a:t>
+            </a:r>
+          </a:p>
+          <a:p>
+            <a:r>
+              <a:rPr lang="en-US" dirty="0"/>
+              <a:t>Integrations with popular products or services</a:t>
+            </a:r>
+          </a:p>
+          <a:p>
+            <a:r>
+              <a:rPr lang="en-US" dirty="0"/>
+              <a:t>Joint marketing and sales initiatives</a:t>
+            </a:r>
+          </a:p>
+          <a:p>
+            <a:r>
+              <a:rPr lang="en-US" dirty="0"/>
+              <a:t>Co-creation of new products or features</a:t>
+            </a:r>
+          </a:p>
+        </p:txBody>
+      </p:sp>
+      <p:sp>
+        <p:nvSpPr>
+          <p:cNvPr id="4" name="Slide Number Placeholder 3">
+            <a:extLst>
+              <a:ext uri="{FF2B5EF4-FFF2-40B4-BE49-F238E27FC236}">
+                <a16:creationId xmlns:a16="http://schemas.microsoft.com/office/drawing/2014/main" id="{B1EBC21E-E2E5-49C3-8E41-20F50E46B4DC}"/>
+              </a:ext>
+            </a:extLst>
+          </p:cNvPr>
+          <p:cNvSpPr>
+            <a:spLocks noGrp="1"/>
+          </p:cNvSpPr>
+          <p:nvPr>
+            <p:ph type="sldNum" sz="quarter" idx="12"/>
+          </p:nvPr>
+        </p:nvSpPr>
+        <p:spPr/>
+        <p:txBody>
+          <a:bodyPr/>
+          <a:lstStyle/>
+          <a:p>
+            <a:fld id="{B8DACC02-A2BD-4578-8E03-6D891060A695}" type="slidenum">
+              <a:rPr lang="en-US" smtClean="0"/>
+              <a:pPr/>
+              <a:t>50</a:t>
+            </a:fld>
+            <a:endParaRPr lang="en-US" dirty="0"/>
+          </a:p>
+        </p:txBody>
+      </p:sp>
+    </p:spTree>
+    <p:extLst>
+      <p:ext uri="{BB962C8B-B14F-4D97-AF65-F5344CB8AC3E}">
+        <p14:creationId xmlns:p14="http://schemas.microsoft.com/office/powerpoint/2010/main" val="3099784545"/>
+      </p:ext>
+    </p:extLst>
+  </p:cSld>
+  <p:clrMapOvr>
+    <a:masterClrMapping/>
+  </p:clrMapOvr>
+</p:sld>
+</file>
+
+<file path=ppt/slides/slide51.xml><?xml version="1.0" encoding="utf-8"?>
+<p:sld xmlns:a="http://schemas.openxmlformats.org/drawingml/2006/main" xmlns:r="http://schemas.openxmlformats.org/officeDocument/2006/relationships" xmlns:p="http://schemas.openxmlformats.org/presentationml/2006/main">
+  <p:cSld>
+    <p:spTree>
+      <p:nvGrpSpPr>
+        <p:cNvPr id="1" name=""/>
+        <p:cNvGrpSpPr/>
+        <p:nvPr/>
+      </p:nvGrpSpPr>
+      <p:grpSpPr>
+        <a:xfrm>
+          <a:off x="0" y="0"/>
+          <a:ext cx="0" cy="0"/>
+          <a:chOff x="0" y="0"/>
+          <a:chExt cx="0" cy="0"/>
+        </a:xfrm>
+      </p:grpSpPr>
+      <p:sp>
+        <p:nvSpPr>
+          <p:cNvPr id="2" name="Title 1">
+            <a:extLst>
+              <a:ext uri="{FF2B5EF4-FFF2-40B4-BE49-F238E27FC236}">
+                <a16:creationId xmlns:a16="http://schemas.microsoft.com/office/drawing/2014/main" id="{14E152B8-C087-44CD-9D78-4228711B7202}"/>
+              </a:ext>
+            </a:extLst>
+          </p:cNvPr>
+          <p:cNvSpPr>
+            <a:spLocks noGrp="1"/>
+          </p:cNvSpPr>
+          <p:nvPr>
+            <p:ph type="title"/>
+          </p:nvPr>
+        </p:nvSpPr>
+        <p:spPr/>
+        <p:txBody>
+          <a:bodyPr/>
+          <a:lstStyle/>
+          <a:p>
+            <a:r>
+              <a:rPr lang="en-US" dirty="0"/>
+              <a:t>Building and Nurturing Strategic Partnerships</a:t>
+            </a:r>
+          </a:p>
+        </p:txBody>
+      </p:sp>
+      <p:sp>
+        <p:nvSpPr>
+          <p:cNvPr id="3" name="Content Placeholder 2">
+            <a:extLst>
+              <a:ext uri="{FF2B5EF4-FFF2-40B4-BE49-F238E27FC236}">
+                <a16:creationId xmlns:a16="http://schemas.microsoft.com/office/drawing/2014/main" id="{5C27440F-87E7-497D-88D3-56535B0C5512}"/>
+              </a:ext>
+            </a:extLst>
+          </p:cNvPr>
+          <p:cNvSpPr>
+            <a:spLocks noGrp="1"/>
+          </p:cNvSpPr>
+          <p:nvPr>
+            <p:ph idx="1"/>
+          </p:nvPr>
+        </p:nvSpPr>
+        <p:spPr/>
+        <p:txBody>
+          <a:bodyPr/>
+          <a:lstStyle/>
+          <a:p>
+            <a:r>
+              <a:rPr lang="en-US" dirty="0"/>
+              <a:t>Identify potential partners and evaluate their fit</a:t>
+            </a:r>
+          </a:p>
+          <a:p>
+            <a:r>
+              <a:rPr lang="en-US" dirty="0"/>
+              <a:t>Develop a clear partnership strategy and plan</a:t>
+            </a:r>
+          </a:p>
+          <a:p>
+            <a:r>
+              <a:rPr lang="en-US" dirty="0"/>
+              <a:t>Build relationships with key decision-makers</a:t>
+            </a:r>
+          </a:p>
+          <a:p>
+            <a:r>
+              <a:rPr lang="en-US" dirty="0"/>
+              <a:t>Communicate regularly and transparently</a:t>
+            </a:r>
+          </a:p>
+          <a:p>
+            <a:r>
+              <a:rPr lang="en-US" dirty="0"/>
+              <a:t>Foster a culture of collaboration and trust</a:t>
+            </a:r>
+          </a:p>
+        </p:txBody>
+      </p:sp>
+      <p:sp>
+        <p:nvSpPr>
+          <p:cNvPr id="4" name="Slide Number Placeholder 3">
+            <a:extLst>
+              <a:ext uri="{FF2B5EF4-FFF2-40B4-BE49-F238E27FC236}">
+                <a16:creationId xmlns:a16="http://schemas.microsoft.com/office/drawing/2014/main" id="{AE5A7743-EC4D-474B-83FA-A540C2FC1449}"/>
+              </a:ext>
+            </a:extLst>
+          </p:cNvPr>
+          <p:cNvSpPr>
+            <a:spLocks noGrp="1"/>
+          </p:cNvSpPr>
+          <p:nvPr>
+            <p:ph type="sldNum" sz="quarter" idx="12"/>
+          </p:nvPr>
+        </p:nvSpPr>
+        <p:spPr/>
+        <p:txBody>
+          <a:bodyPr/>
+          <a:lstStyle/>
+          <a:p>
+            <a:fld id="{B8DACC02-A2BD-4578-8E03-6D891060A695}" type="slidenum">
+              <a:rPr lang="en-US" smtClean="0"/>
+              <a:pPr/>
+              <a:t>51</a:t>
+            </a:fld>
+            <a:endParaRPr lang="en-US" dirty="0"/>
+          </a:p>
+        </p:txBody>
+      </p:sp>
+    </p:spTree>
+    <p:extLst>
+      <p:ext uri="{BB962C8B-B14F-4D97-AF65-F5344CB8AC3E}">
+        <p14:creationId xmlns:p14="http://schemas.microsoft.com/office/powerpoint/2010/main" val="1066588377"/>
+      </p:ext>
+    </p:extLst>
+  </p:cSld>
+  <p:clrMapOvr>
+    <a:masterClrMapping/>
+  </p:clrMapOvr>
+</p:sld>
+</file>
+
+<file path=ppt/slides/slide52.xml><?xml version="1.0" encoding="utf-8"?>
+<p:sld xmlns:a="http://schemas.openxmlformats.org/drawingml/2006/main" xmlns:r="http://schemas.openxmlformats.org/officeDocument/2006/relationships" xmlns:p="http://schemas.openxmlformats.org/presentationml/2006/main">
+  <p:cSld>
+    <p:spTree>
+      <p:nvGrpSpPr>
+        <p:cNvPr id="1" name=""/>
+        <p:cNvGrpSpPr/>
+        <p:nvPr/>
+      </p:nvGrpSpPr>
+      <p:grpSpPr>
+        <a:xfrm>
+          <a:off x="0" y="0"/>
+          <a:ext cx="0" cy="0"/>
+          <a:chOff x="0" y="0"/>
+          <a:chExt cx="0" cy="0"/>
+        </a:xfrm>
+      </p:grpSpPr>
+      <p:sp>
+        <p:nvSpPr>
+          <p:cNvPr id="2" name="Title 1">
+            <a:extLst>
+              <a:ext uri="{FF2B5EF4-FFF2-40B4-BE49-F238E27FC236}">
+                <a16:creationId xmlns:a16="http://schemas.microsoft.com/office/drawing/2014/main" id="{0C59299C-9518-414F-8D52-E194E90A4E5D}"/>
+              </a:ext>
+            </a:extLst>
+          </p:cNvPr>
+          <p:cNvSpPr>
+            <a:spLocks noGrp="1"/>
+          </p:cNvSpPr>
+          <p:nvPr>
+            <p:ph type="title"/>
+          </p:nvPr>
+        </p:nvSpPr>
+        <p:spPr/>
+        <p:txBody>
+          <a:bodyPr/>
+          <a:lstStyle/>
+          <a:p>
+            <a:r>
+              <a:rPr lang="en-US" dirty="0"/>
+              <a:t>Managing Finances for Software Startups</a:t>
+            </a:r>
+          </a:p>
+        </p:txBody>
+      </p:sp>
+      <p:sp>
+        <p:nvSpPr>
+          <p:cNvPr id="3" name="Content Placeholder 2">
+            <a:extLst>
+              <a:ext uri="{FF2B5EF4-FFF2-40B4-BE49-F238E27FC236}">
+                <a16:creationId xmlns:a16="http://schemas.microsoft.com/office/drawing/2014/main" id="{D8BF7CF6-6E74-4F67-8FB5-B4AFEB9B97F3}"/>
+              </a:ext>
+            </a:extLst>
+          </p:cNvPr>
+          <p:cNvSpPr>
+            <a:spLocks noGrp="1"/>
+          </p:cNvSpPr>
+          <p:nvPr>
+            <p:ph idx="1"/>
+          </p:nvPr>
+        </p:nvSpPr>
+        <p:spPr/>
+        <p:txBody>
+          <a:bodyPr/>
+          <a:lstStyle/>
+          <a:p>
+            <a:r>
+              <a:rPr lang="en-US" dirty="0"/>
+              <a:t>Budgeting and forecasting</a:t>
+            </a:r>
+          </a:p>
+          <a:p>
+            <a:r>
+              <a:rPr lang="en-US" dirty="0"/>
+              <a:t>Fundraising and investment</a:t>
+            </a:r>
+          </a:p>
+          <a:p>
+            <a:r>
+              <a:rPr lang="en-US" dirty="0"/>
+              <a:t>Cash flow management</a:t>
+            </a:r>
+          </a:p>
+          <a:p>
+            <a:r>
+              <a:rPr lang="en-US" dirty="0"/>
+              <a:t>Financial planning and analysis</a:t>
+            </a:r>
+          </a:p>
+        </p:txBody>
+      </p:sp>
+      <p:sp>
+        <p:nvSpPr>
+          <p:cNvPr id="4" name="Slide Number Placeholder 3">
+            <a:extLst>
+              <a:ext uri="{FF2B5EF4-FFF2-40B4-BE49-F238E27FC236}">
+                <a16:creationId xmlns:a16="http://schemas.microsoft.com/office/drawing/2014/main" id="{C132132A-805F-4C6B-AEFA-36B7CB08120D}"/>
+              </a:ext>
+            </a:extLst>
+          </p:cNvPr>
+          <p:cNvSpPr>
+            <a:spLocks noGrp="1"/>
+          </p:cNvSpPr>
+          <p:nvPr>
+            <p:ph type="sldNum" sz="quarter" idx="12"/>
+          </p:nvPr>
+        </p:nvSpPr>
+        <p:spPr/>
+        <p:txBody>
+          <a:bodyPr/>
+          <a:lstStyle/>
+          <a:p>
+            <a:fld id="{B8DACC02-A2BD-4578-8E03-6D891060A695}" type="slidenum">
+              <a:rPr lang="en-US" smtClean="0"/>
+              <a:pPr/>
+              <a:t>52</a:t>
+            </a:fld>
+            <a:endParaRPr lang="en-US" dirty="0"/>
+          </a:p>
+        </p:txBody>
+      </p:sp>
+    </p:spTree>
+    <p:extLst>
+      <p:ext uri="{BB962C8B-B14F-4D97-AF65-F5344CB8AC3E}">
+        <p14:creationId xmlns:p14="http://schemas.microsoft.com/office/powerpoint/2010/main" val="1047186649"/>
+      </p:ext>
+    </p:extLst>
+  </p:cSld>
+  <p:clrMapOvr>
+    <a:masterClrMapping/>
+  </p:clrMapOvr>
+</p:sld>
+</file>
+
+<file path=ppt/slides/slide53.xml><?xml version="1.0" encoding="utf-8"?>
+<p:sld xmlns:a="http://schemas.openxmlformats.org/drawingml/2006/main" xmlns:r="http://schemas.openxmlformats.org/officeDocument/2006/relationships" xmlns:p="http://schemas.openxmlformats.org/presentationml/2006/main">
+  <p:cSld>
+    <p:spTree>
+      <p:nvGrpSpPr>
+        <p:cNvPr id="1" name=""/>
+        <p:cNvGrpSpPr/>
+        <p:nvPr/>
+      </p:nvGrpSpPr>
+      <p:grpSpPr>
+        <a:xfrm>
+          <a:off x="0" y="0"/>
+          <a:ext cx="0" cy="0"/>
+          <a:chOff x="0" y="0"/>
+          <a:chExt cx="0" cy="0"/>
+        </a:xfrm>
+      </p:grpSpPr>
+      <p:sp>
+        <p:nvSpPr>
+          <p:cNvPr id="2" name="Title 1">
+            <a:extLst>
+              <a:ext uri="{FF2B5EF4-FFF2-40B4-BE49-F238E27FC236}">
+                <a16:creationId xmlns:a16="http://schemas.microsoft.com/office/drawing/2014/main" id="{686091FB-2D10-4BFA-8B7F-EC6E54B3CC49}"/>
+              </a:ext>
+            </a:extLst>
+          </p:cNvPr>
+          <p:cNvSpPr>
+            <a:spLocks noGrp="1"/>
+          </p:cNvSpPr>
+          <p:nvPr>
+            <p:ph type="title"/>
+          </p:nvPr>
+        </p:nvSpPr>
+        <p:spPr/>
+        <p:txBody>
+          <a:bodyPr/>
+          <a:lstStyle/>
+          <a:p>
+            <a:r>
+              <a:rPr lang="en-US" dirty="0"/>
+              <a:t>Ensuring Financial Sustainability</a:t>
+            </a:r>
+          </a:p>
+        </p:txBody>
+      </p:sp>
+      <p:sp>
+        <p:nvSpPr>
+          <p:cNvPr id="3" name="Content Placeholder 2">
+            <a:extLst>
+              <a:ext uri="{FF2B5EF4-FFF2-40B4-BE49-F238E27FC236}">
+                <a16:creationId xmlns:a16="http://schemas.microsoft.com/office/drawing/2014/main" id="{5922376E-FC23-489C-B963-F128220EDC68}"/>
+              </a:ext>
+            </a:extLst>
+          </p:cNvPr>
+          <p:cNvSpPr>
+            <a:spLocks noGrp="1"/>
+          </p:cNvSpPr>
+          <p:nvPr>
+            <p:ph idx="1"/>
+          </p:nvPr>
+        </p:nvSpPr>
+        <p:spPr/>
+        <p:txBody>
+          <a:bodyPr/>
+          <a:lstStyle/>
+          <a:p>
+            <a:r>
+              <a:rPr lang="en-US" dirty="0"/>
+              <a:t>Diversifying revenue streams</a:t>
+            </a:r>
+          </a:p>
+          <a:p>
+            <a:r>
+              <a:rPr lang="en-US" dirty="0"/>
+              <a:t>Building a strong financial foundation</a:t>
+            </a:r>
+          </a:p>
+          <a:p>
+            <a:r>
+              <a:rPr lang="en-US" dirty="0"/>
+              <a:t>Continuously monitoring and adjusting financial strategies</a:t>
+            </a:r>
+          </a:p>
+          <a:p>
+            <a:r>
+              <a:rPr lang="en-US" dirty="0"/>
+              <a:t>Seeking professional advice and guidance</a:t>
+            </a:r>
+          </a:p>
+        </p:txBody>
+      </p:sp>
+      <p:sp>
+        <p:nvSpPr>
+          <p:cNvPr id="4" name="Slide Number Placeholder 3">
+            <a:extLst>
+              <a:ext uri="{FF2B5EF4-FFF2-40B4-BE49-F238E27FC236}">
+                <a16:creationId xmlns:a16="http://schemas.microsoft.com/office/drawing/2014/main" id="{531462F4-FB02-4D6C-A04B-21717F270B29}"/>
+              </a:ext>
+            </a:extLst>
+          </p:cNvPr>
+          <p:cNvSpPr>
+            <a:spLocks noGrp="1"/>
+          </p:cNvSpPr>
+          <p:nvPr>
+            <p:ph type="sldNum" sz="quarter" idx="12"/>
+          </p:nvPr>
+        </p:nvSpPr>
+        <p:spPr/>
+        <p:txBody>
+          <a:bodyPr/>
+          <a:lstStyle/>
+          <a:p>
+            <a:fld id="{B8DACC02-A2BD-4578-8E03-6D891060A695}" type="slidenum">
+              <a:rPr lang="en-US" smtClean="0"/>
+              <a:pPr/>
+              <a:t>53</a:t>
+            </a:fld>
+            <a:endParaRPr lang="en-US" dirty="0"/>
+          </a:p>
+        </p:txBody>
+      </p:sp>
+    </p:spTree>
+    <p:extLst>
+      <p:ext uri="{BB962C8B-B14F-4D97-AF65-F5344CB8AC3E}">
+        <p14:creationId xmlns:p14="http://schemas.microsoft.com/office/powerpoint/2010/main" val="1800807246"/>
+      </p:ext>
+    </p:extLst>
+  </p:cSld>
+  <p:clrMapOvr>
+    <a:masterClrMapping/>
+  </p:clrMapOvr>
+</p:sld>
+</file>
+
+<file path=ppt/slides/slide54.xml><?xml version="1.0" encoding="utf-8"?>
+<p:sld xmlns:a="http://schemas.openxmlformats.org/drawingml/2006/main" xmlns:r="http://schemas.openxmlformats.org/officeDocument/2006/relationships" xmlns:p="http://schemas.openxmlformats.org/presentationml/2006/main">
+  <p:cSld>
+    <p:spTree>
+      <p:nvGrpSpPr>
+        <p:cNvPr id="1" name=""/>
+        <p:cNvGrpSpPr/>
+        <p:nvPr/>
+      </p:nvGrpSpPr>
+      <p:grpSpPr>
+        <a:xfrm>
+          <a:off x="0" y="0"/>
+          <a:ext cx="0" cy="0"/>
+          <a:chOff x="0" y="0"/>
+          <a:chExt cx="0" cy="0"/>
+        </a:xfrm>
+      </p:grpSpPr>
+      <p:sp>
+        <p:nvSpPr>
+          <p:cNvPr id="2" name="Title 1"/>
+          <p:cNvSpPr>
+            <a:spLocks noGrp="1"/>
+          </p:cNvSpPr>
+          <p:nvPr>
+            <p:ph type="title"/>
+          </p:nvPr>
+        </p:nvSpPr>
+        <p:spPr/>
+        <p:txBody>
+          <a:bodyPr/>
+          <a:lstStyle/>
+          <a:p>
+            <a:r>
+              <a:rPr lang="en-US" dirty="0"/>
+              <a:t>Expanding Product Offerings</a:t>
+            </a:r>
+          </a:p>
+        </p:txBody>
+      </p:sp>
+      <p:sp>
+        <p:nvSpPr>
+          <p:cNvPr id="3" name="Content Placeholder 2"/>
+          <p:cNvSpPr>
+            <a:spLocks noGrp="1"/>
+          </p:cNvSpPr>
+          <p:nvPr>
+            <p:ph idx="1"/>
+          </p:nvPr>
+        </p:nvSpPr>
+        <p:spPr/>
+        <p:txBody>
+          <a:bodyPr>
+            <a:normAutofit/>
+          </a:bodyPr>
+          <a:lstStyle/>
+          <a:p>
+            <a:r>
+              <a:rPr lang="en-US" dirty="0"/>
+              <a:t>Strategies for identifying new product opportunities:</a:t>
+            </a:r>
+          </a:p>
+          <a:p>
+            <a:pPr lvl="1"/>
+            <a:r>
+              <a:rPr lang="en-US" dirty="0"/>
+              <a:t>Customer Feedback</a:t>
+            </a:r>
+          </a:p>
+          <a:p>
+            <a:pPr lvl="1"/>
+            <a:r>
+              <a:rPr lang="en-US" dirty="0"/>
+              <a:t>Market Research</a:t>
+            </a:r>
+          </a:p>
+          <a:p>
+            <a:pPr lvl="1"/>
+            <a:r>
+              <a:rPr lang="en-US" dirty="0"/>
+              <a:t>Industry Experts and Partnerships</a:t>
+            </a:r>
+          </a:p>
+        </p:txBody>
+      </p:sp>
+      <p:sp>
+        <p:nvSpPr>
+          <p:cNvPr id="4" name="Slide Number Placeholder 3"/>
+          <p:cNvSpPr>
+            <a:spLocks noGrp="1"/>
+          </p:cNvSpPr>
+          <p:nvPr>
+            <p:ph type="sldNum" sz="quarter" idx="12"/>
+          </p:nvPr>
+        </p:nvSpPr>
+        <p:spPr/>
+        <p:txBody>
+          <a:bodyPr/>
+          <a:lstStyle/>
+          <a:p>
+            <a:fld id="{B8DACC02-A2BD-4578-8E03-6D891060A695}" type="slidenum">
+              <a:rPr lang="en-US" smtClean="0"/>
+              <a:pPr/>
+              <a:t>54</a:t>
+            </a:fld>
+            <a:endParaRPr lang="en-US" dirty="0"/>
+          </a:p>
+        </p:txBody>
+      </p:sp>
+      <p:pic>
+        <p:nvPicPr>
+          <p:cNvPr id="24578" name="Picture 2" descr="Advantages of Expanding Your Product Range | Pimberly"/>
+          <p:cNvPicPr>
+            <a:picLocks noChangeAspect="1" noChangeArrowheads="1"/>
+          </p:cNvPicPr>
+          <p:nvPr/>
+        </p:nvPicPr>
+        <p:blipFill>
+          <a:blip r:embed="rId2">
+            <a:extLst>
+              <a:ext uri="{28A0092B-C50C-407E-A947-70E740481C1C}">
+                <a14:useLocalDpi xmlns:a14="http://schemas.microsoft.com/office/drawing/2010/main" val="0"/>
+              </a:ext>
+            </a:extLst>
+          </a:blip>
+          <a:srcRect/>
+          <a:stretch>
+            <a:fillRect/>
+          </a:stretch>
+        </p:blipFill>
+        <p:spPr bwMode="auto">
+          <a:xfrm>
+            <a:off x="6029864" y="4787610"/>
+            <a:ext cx="5968427" cy="1705265"/>
+          </a:xfrm>
+          <a:prstGeom prst="rect">
+            <a:avLst/>
+          </a:prstGeom>
+          <a:noFill/>
+          <a:extLst>
+            <a:ext uri="{909E8E84-426E-40DD-AFC4-6F175D3DCCD1}">
+              <a14:hiddenFill xmlns:a14="http://schemas.microsoft.com/office/drawing/2010/main">
+                <a:solidFill>
+                  <a:srgbClr val="FFFFFF"/>
+                </a:solidFill>
+              </a14:hiddenFill>
+            </a:ext>
+          </a:extLst>
+        </p:spPr>
+      </p:pic>
+    </p:spTree>
+    <p:extLst>
+      <p:ext uri="{BB962C8B-B14F-4D97-AF65-F5344CB8AC3E}">
+        <p14:creationId xmlns:p14="http://schemas.microsoft.com/office/powerpoint/2010/main" val="2999568151"/>
+      </p:ext>
+    </p:extLst>
+  </p:cSld>
+  <p:clrMapOvr>
+    <a:masterClrMapping/>
+  </p:clrMapOvr>
+</p:sld>
+</file>
+
+<file path=ppt/slides/slide55.xml><?xml version="1.0" encoding="utf-8"?>
+<p:sld xmlns:a="http://schemas.openxmlformats.org/drawingml/2006/main" xmlns:r="http://schemas.openxmlformats.org/officeDocument/2006/relationships" xmlns:p="http://schemas.openxmlformats.org/presentationml/2006/main">
+  <p:cSld>
+    <p:spTree>
+      <p:nvGrpSpPr>
+        <p:cNvPr id="1" name=""/>
+        <p:cNvGrpSpPr/>
+        <p:nvPr/>
+      </p:nvGrpSpPr>
+      <p:grpSpPr>
+        <a:xfrm>
+          <a:off x="0" y="0"/>
+          <a:ext cx="0" cy="0"/>
+          <a:chOff x="0" y="0"/>
+          <a:chExt cx="0" cy="0"/>
+        </a:xfrm>
+      </p:grpSpPr>
+      <p:sp>
+        <p:nvSpPr>
+          <p:cNvPr id="2" name="Title 1"/>
+          <p:cNvSpPr>
+            <a:spLocks noGrp="1"/>
+          </p:cNvSpPr>
+          <p:nvPr>
+            <p:ph type="title"/>
+          </p:nvPr>
+        </p:nvSpPr>
+        <p:spPr/>
+        <p:txBody>
+          <a:bodyPr/>
+          <a:lstStyle/>
+          <a:p>
+            <a:r>
+              <a:rPr lang="en-US" dirty="0"/>
+              <a:t>Growth Hacking Techniques</a:t>
+            </a:r>
+          </a:p>
+        </p:txBody>
+      </p:sp>
+      <p:sp>
+        <p:nvSpPr>
+          <p:cNvPr id="3" name="Content Placeholder 2"/>
+          <p:cNvSpPr>
+            <a:spLocks noGrp="1"/>
+          </p:cNvSpPr>
+          <p:nvPr>
+            <p:ph idx="1"/>
+          </p:nvPr>
+        </p:nvSpPr>
+        <p:spPr/>
+        <p:txBody>
+          <a:bodyPr/>
+          <a:lstStyle/>
+          <a:p>
+            <a:r>
+              <a:rPr lang="en-US" dirty="0"/>
+              <a:t>Growth hacking is particularly important in software entrepreneurship due to the digital nature of the business and the need for rapid user adoption. </a:t>
+            </a:r>
+          </a:p>
+          <a:p>
+            <a:r>
+              <a:rPr lang="en-US" dirty="0"/>
+              <a:t>Startups can leverage growth hacking techniques to gain initial traction, build a user base, and achieve exponential growth, even with limited resources.</a:t>
+            </a:r>
+          </a:p>
+        </p:txBody>
+      </p:sp>
+      <p:sp>
+        <p:nvSpPr>
+          <p:cNvPr id="4" name="Slide Number Placeholder 3"/>
+          <p:cNvSpPr>
+            <a:spLocks noGrp="1"/>
+          </p:cNvSpPr>
+          <p:nvPr>
+            <p:ph type="sldNum" sz="quarter" idx="12"/>
+          </p:nvPr>
+        </p:nvSpPr>
+        <p:spPr/>
+        <p:txBody>
+          <a:bodyPr/>
+          <a:lstStyle/>
+          <a:p>
+            <a:fld id="{B8DACC02-A2BD-4578-8E03-6D891060A695}" type="slidenum">
+              <a:rPr lang="en-US" smtClean="0"/>
+              <a:pPr/>
+              <a:t>55</a:t>
+            </a:fld>
+            <a:endParaRPr lang="en-US" dirty="0"/>
+          </a:p>
+        </p:txBody>
+      </p:sp>
+      <p:pic>
+        <p:nvPicPr>
+          <p:cNvPr id="25604" name="Picture 4" descr="Growth Hacking: What is it and how you can do it"/>
+          <p:cNvPicPr>
+            <a:picLocks noChangeAspect="1" noChangeArrowheads="1"/>
+          </p:cNvPicPr>
+          <p:nvPr/>
+        </p:nvPicPr>
+        <p:blipFill rotWithShape="1">
+          <a:blip r:embed="rId2" cstate="print">
+            <a:extLst>
+              <a:ext uri="{28A0092B-C50C-407E-A947-70E740481C1C}">
+                <a14:useLocalDpi xmlns:a14="http://schemas.microsoft.com/office/drawing/2010/main" val="0"/>
+              </a:ext>
+            </a:extLst>
+          </a:blip>
+          <a:srcRect l="5817" t="9669" r="6820" b="9406"/>
+          <a:stretch/>
+        </p:blipFill>
+        <p:spPr bwMode="auto">
+          <a:xfrm>
+            <a:off x="5564037" y="3278697"/>
+            <a:ext cx="5753819" cy="3323097"/>
+          </a:xfrm>
+          <a:prstGeom prst="rect">
+            <a:avLst/>
+          </a:prstGeom>
+          <a:noFill/>
+          <a:extLst>
+            <a:ext uri="{909E8E84-426E-40DD-AFC4-6F175D3DCCD1}">
+              <a14:hiddenFill xmlns:a14="http://schemas.microsoft.com/office/drawing/2010/main">
+                <a:solidFill>
+                  <a:srgbClr val="FFFFFF"/>
+                </a:solidFill>
+              </a14:hiddenFill>
+            </a:ext>
+          </a:extLst>
+        </p:spPr>
+      </p:pic>
+    </p:spTree>
+    <p:extLst>
+      <p:ext uri="{BB962C8B-B14F-4D97-AF65-F5344CB8AC3E}">
+        <p14:creationId xmlns:p14="http://schemas.microsoft.com/office/powerpoint/2010/main" val="4262561961"/>
+      </p:ext>
+    </p:extLst>
+  </p:cSld>
+  <p:clrMapOvr>
+    <a:masterClrMapping/>
+  </p:clrMapOvr>
+</p:sld>
+</file>
+
+<file path=ppt/slides/slide56.xml><?xml version="1.0" encoding="utf-8"?>
+<p:sld xmlns:a="http://schemas.openxmlformats.org/drawingml/2006/main" xmlns:r="http://schemas.openxmlformats.org/officeDocument/2006/relationships" xmlns:p="http://schemas.openxmlformats.org/presentationml/2006/main">
+  <p:cSld>
+    <p:spTree>
+      <p:nvGrpSpPr>
+        <p:cNvPr id="1" name=""/>
+        <p:cNvGrpSpPr/>
+        <p:nvPr/>
+      </p:nvGrpSpPr>
+      <p:grpSpPr>
+        <a:xfrm>
+          <a:off x="0" y="0"/>
+          <a:ext cx="0" cy="0"/>
+          <a:chOff x="0" y="0"/>
+          <a:chExt cx="0" cy="0"/>
+        </a:xfrm>
+      </p:grpSpPr>
+      <p:sp>
+        <p:nvSpPr>
+          <p:cNvPr id="5" name="Title 4"/>
+          <p:cNvSpPr>
+            <a:spLocks noGrp="1"/>
+          </p:cNvSpPr>
+          <p:nvPr>
+            <p:ph type="title"/>
+          </p:nvPr>
+        </p:nvSpPr>
+        <p:spPr/>
+        <p:txBody>
+          <a:bodyPr/>
+          <a:lstStyle/>
+          <a:p>
+            <a:r>
+              <a:rPr lang="en-US" dirty="0"/>
+              <a:t>Common challenges and lessons learned</a:t>
+            </a:r>
+          </a:p>
+        </p:txBody>
+      </p:sp>
+      <p:sp>
+        <p:nvSpPr>
+          <p:cNvPr id="6" name="Text Placeholder 5"/>
+          <p:cNvSpPr>
+            <a:spLocks noGrp="1"/>
+          </p:cNvSpPr>
+          <p:nvPr>
+            <p:ph type="body" idx="1"/>
+          </p:nvPr>
+        </p:nvSpPr>
+        <p:spPr/>
+        <p:txBody>
+          <a:bodyPr/>
+          <a:lstStyle/>
+          <a:p>
+            <a:endParaRPr lang="en-US"/>
+          </a:p>
+        </p:txBody>
+      </p:sp>
+      <p:sp>
+        <p:nvSpPr>
+          <p:cNvPr id="4" name="Slide Number Placeholder 3"/>
+          <p:cNvSpPr>
+            <a:spLocks noGrp="1"/>
+          </p:cNvSpPr>
+          <p:nvPr>
+            <p:ph type="sldNum" sz="quarter" idx="12"/>
+          </p:nvPr>
+        </p:nvSpPr>
+        <p:spPr/>
+        <p:txBody>
+          <a:bodyPr/>
+          <a:lstStyle/>
+          <a:p>
+            <a:fld id="{B8DACC02-A2BD-4578-8E03-6D891060A695}" type="slidenum">
+              <a:rPr lang="en-US" smtClean="0"/>
+              <a:pPr/>
+              <a:t>56</a:t>
+            </a:fld>
+            <a:endParaRPr lang="en-US" dirty="0"/>
+          </a:p>
+        </p:txBody>
+      </p:sp>
+    </p:spTree>
+    <p:extLst>
+      <p:ext uri="{BB962C8B-B14F-4D97-AF65-F5344CB8AC3E}">
+        <p14:creationId xmlns:p14="http://schemas.microsoft.com/office/powerpoint/2010/main" val="3702127407"/>
+      </p:ext>
+    </p:extLst>
+  </p:cSld>
+  <p:clrMapOvr>
+    <a:masterClrMapping/>
+  </p:clrMapOvr>
+</p:sld>
+</file>
+
+<file path=ppt/slides/slide57.xml><?xml version="1.0" encoding="utf-8"?>
+<p:sld xmlns:a="http://schemas.openxmlformats.org/drawingml/2006/main" xmlns:r="http://schemas.openxmlformats.org/officeDocument/2006/relationships" xmlns:p="http://schemas.openxmlformats.org/presentationml/2006/main">
+  <p:cSld>
+    <p:spTree>
+      <p:nvGrpSpPr>
+        <p:cNvPr id="1" name=""/>
+        <p:cNvGrpSpPr/>
+        <p:nvPr/>
+      </p:nvGrpSpPr>
+      <p:grpSpPr>
+        <a:xfrm>
+          <a:off x="0" y="0"/>
+          <a:ext cx="0" cy="0"/>
+          <a:chOff x="0" y="0"/>
+          <a:chExt cx="0" cy="0"/>
+        </a:xfrm>
+      </p:grpSpPr>
+      <p:sp>
+        <p:nvSpPr>
+          <p:cNvPr id="2" name="Title 1"/>
+          <p:cNvSpPr>
+            <a:spLocks noGrp="1"/>
+          </p:cNvSpPr>
+          <p:nvPr>
+            <p:ph type="title"/>
+          </p:nvPr>
+        </p:nvSpPr>
+        <p:spPr/>
+        <p:txBody>
+          <a:bodyPr/>
+          <a:lstStyle/>
+          <a:p>
+            <a:r>
+              <a:rPr lang="en-US" dirty="0"/>
+              <a:t>Handling Failures and Pivoting When Needed</a:t>
+            </a:r>
+          </a:p>
+        </p:txBody>
+      </p:sp>
+      <p:sp>
+        <p:nvSpPr>
+          <p:cNvPr id="3" name="Content Placeholder 2"/>
+          <p:cNvSpPr>
+            <a:spLocks noGrp="1"/>
+          </p:cNvSpPr>
+          <p:nvPr>
+            <p:ph idx="1"/>
+          </p:nvPr>
+        </p:nvSpPr>
+        <p:spPr/>
+        <p:txBody>
+          <a:bodyPr>
+            <a:normAutofit/>
+          </a:bodyPr>
+          <a:lstStyle/>
+          <a:p>
+            <a:r>
+              <a:rPr lang="en-US" dirty="0"/>
+              <a:t>Importance of embracing failure as a learning opportunity:</a:t>
+            </a:r>
+          </a:p>
+          <a:p>
+            <a:pPr lvl="1"/>
+            <a:r>
+              <a:rPr lang="en-US" dirty="0"/>
+              <a:t>Growth and Innovation</a:t>
+            </a:r>
+          </a:p>
+          <a:p>
+            <a:pPr lvl="1"/>
+            <a:r>
+              <a:rPr lang="en-US" dirty="0"/>
+              <a:t>Resilience and Adaptability</a:t>
+            </a:r>
+          </a:p>
+          <a:p>
+            <a:pPr lvl="1"/>
+            <a:r>
+              <a:rPr lang="en-US" dirty="0"/>
+              <a:t>Continuous Improvement</a:t>
+            </a:r>
+          </a:p>
+        </p:txBody>
+      </p:sp>
+      <p:sp>
+        <p:nvSpPr>
+          <p:cNvPr id="4" name="Slide Number Placeholder 3"/>
+          <p:cNvSpPr>
+            <a:spLocks noGrp="1"/>
+          </p:cNvSpPr>
+          <p:nvPr>
+            <p:ph type="sldNum" sz="quarter" idx="12"/>
+          </p:nvPr>
+        </p:nvSpPr>
+        <p:spPr/>
+        <p:txBody>
+          <a:bodyPr/>
+          <a:lstStyle/>
+          <a:p>
+            <a:fld id="{B8DACC02-A2BD-4578-8E03-6D891060A695}" type="slidenum">
+              <a:rPr lang="en-US" smtClean="0"/>
+              <a:pPr/>
+              <a:t>57</a:t>
+            </a:fld>
+            <a:endParaRPr lang="en-US" dirty="0"/>
+          </a:p>
+        </p:txBody>
+      </p:sp>
+      <p:pic>
+        <p:nvPicPr>
+          <p:cNvPr id="27650" name="Picture 2" descr="How to manage failure in times of uncertainty"/>
+          <p:cNvPicPr>
+            <a:picLocks noChangeAspect="1" noChangeArrowheads="1"/>
+          </p:cNvPicPr>
+          <p:nvPr/>
+        </p:nvPicPr>
+        <p:blipFill rotWithShape="1">
+          <a:blip r:embed="rId2">
+            <a:extLst>
+              <a:ext uri="{28A0092B-C50C-407E-A947-70E740481C1C}">
+                <a14:useLocalDpi xmlns:a14="http://schemas.microsoft.com/office/drawing/2010/main" val="0"/>
+              </a:ext>
+            </a:extLst>
+          </a:blip>
+          <a:srcRect l="19734" t="10427" r="20865" b="3201"/>
+          <a:stretch/>
+        </p:blipFill>
+        <p:spPr bwMode="auto">
+          <a:xfrm>
+            <a:off x="7240723" y="2665561"/>
+            <a:ext cx="4151167" cy="3398809"/>
+          </a:xfrm>
+          <a:prstGeom prst="rect">
+            <a:avLst/>
+          </a:prstGeom>
+          <a:noFill/>
+          <a:extLst>
+            <a:ext uri="{909E8E84-426E-40DD-AFC4-6F175D3DCCD1}">
+              <a14:hiddenFill xmlns:a14="http://schemas.microsoft.com/office/drawing/2010/main">
+                <a:solidFill>
+                  <a:srgbClr val="FFFFFF"/>
+                </a:solidFill>
+              </a14:hiddenFill>
+            </a:ext>
+          </a:extLst>
+        </p:spPr>
+      </p:pic>
+    </p:spTree>
+    <p:extLst>
+      <p:ext uri="{BB962C8B-B14F-4D97-AF65-F5344CB8AC3E}">
+        <p14:creationId xmlns:p14="http://schemas.microsoft.com/office/powerpoint/2010/main" val="1700686582"/>
+      </p:ext>
+    </p:extLst>
+  </p:cSld>
+  <p:clrMapOvr>
+    <a:masterClrMapping/>
+  </p:clrMapOvr>
+</p:sld>
+</file>
+
+<file path=ppt/slides/slide58.xml><?xml version="1.0" encoding="utf-8"?>
+<p:sld xmlns:a="http://schemas.openxmlformats.org/drawingml/2006/main" xmlns:r="http://schemas.openxmlformats.org/officeDocument/2006/relationships" xmlns:p="http://schemas.openxmlformats.org/presentationml/2006/main">
+  <p:cSld>
+    <p:spTree>
+      <p:nvGrpSpPr>
+        <p:cNvPr id="1" name=""/>
+        <p:cNvGrpSpPr/>
+        <p:nvPr/>
+      </p:nvGrpSpPr>
+      <p:grpSpPr>
+        <a:xfrm>
+          <a:off x="0" y="0"/>
+          <a:ext cx="0" cy="0"/>
+          <a:chOff x="0" y="0"/>
+          <a:chExt cx="0" cy="0"/>
+        </a:xfrm>
+      </p:grpSpPr>
+      <p:sp>
+        <p:nvSpPr>
+          <p:cNvPr id="2" name="Title 1"/>
+          <p:cNvSpPr>
+            <a:spLocks noGrp="1"/>
+          </p:cNvSpPr>
+          <p:nvPr>
+            <p:ph type="title"/>
+          </p:nvPr>
+        </p:nvSpPr>
+        <p:spPr/>
+        <p:txBody>
+          <a:bodyPr/>
+          <a:lstStyle/>
+          <a:p>
+            <a:r>
+              <a:rPr lang="en-US" dirty="0"/>
+              <a:t>Handling Failures and Pivoting When Needed</a:t>
+            </a:r>
+          </a:p>
+        </p:txBody>
+      </p:sp>
+      <p:sp>
+        <p:nvSpPr>
+          <p:cNvPr id="3" name="Content Placeholder 2"/>
+          <p:cNvSpPr>
+            <a:spLocks noGrp="1"/>
+          </p:cNvSpPr>
+          <p:nvPr>
+            <p:ph idx="1"/>
+          </p:nvPr>
+        </p:nvSpPr>
+        <p:spPr/>
+        <p:txBody>
+          <a:bodyPr>
+            <a:normAutofit/>
+          </a:bodyPr>
+          <a:lstStyle/>
+          <a:p>
+            <a:r>
+              <a:rPr lang="en-US" dirty="0"/>
+              <a:t>Strategies for handling failures and learning from them:</a:t>
+            </a:r>
+          </a:p>
+          <a:p>
+            <a:pPr lvl="1"/>
+            <a:r>
+              <a:rPr lang="en-US" dirty="0"/>
+              <a:t>Post-Mortem Analysis</a:t>
+            </a:r>
+          </a:p>
+          <a:p>
+            <a:pPr lvl="1"/>
+            <a:r>
+              <a:rPr lang="en-US" dirty="0"/>
+              <a:t>Iterative Design</a:t>
+            </a:r>
+          </a:p>
+          <a:p>
+            <a:pPr lvl="1"/>
+            <a:r>
+              <a:rPr lang="en-US" dirty="0"/>
+              <a:t>Feedback and Reflection</a:t>
+            </a:r>
+          </a:p>
+          <a:p>
+            <a:pPr lvl="1"/>
+            <a:r>
+              <a:rPr lang="en-US" dirty="0"/>
+              <a:t>Growth Mindset</a:t>
+            </a:r>
+          </a:p>
+        </p:txBody>
+      </p:sp>
+      <p:sp>
+        <p:nvSpPr>
+          <p:cNvPr id="4" name="Slide Number Placeholder 3"/>
+          <p:cNvSpPr>
+            <a:spLocks noGrp="1"/>
+          </p:cNvSpPr>
+          <p:nvPr>
+            <p:ph type="sldNum" sz="quarter" idx="12"/>
+          </p:nvPr>
+        </p:nvSpPr>
+        <p:spPr/>
+        <p:txBody>
+          <a:bodyPr/>
+          <a:lstStyle/>
+          <a:p>
+            <a:fld id="{B8DACC02-A2BD-4578-8E03-6D891060A695}" type="slidenum">
+              <a:rPr lang="en-US" smtClean="0"/>
+              <a:pPr/>
+              <a:t>58</a:t>
+            </a:fld>
+            <a:endParaRPr lang="en-US" dirty="0"/>
+          </a:p>
+        </p:txBody>
+      </p:sp>
+      <p:pic>
+        <p:nvPicPr>
+          <p:cNvPr id="28676" name="Picture 4" descr="Lessons Learned in Project Management - Ongoing Process Improvement"/>
+          <p:cNvPicPr>
+            <a:picLocks noChangeAspect="1" noChangeArrowheads="1"/>
+          </p:cNvPicPr>
+          <p:nvPr/>
+        </p:nvPicPr>
+        <p:blipFill>
+          <a:blip r:embed="rId2">
+            <a:duotone>
+              <a:schemeClr val="accent5">
+                <a:shade val="45000"/>
+                <a:satMod val="135000"/>
+              </a:schemeClr>
+              <a:prstClr val="white"/>
+            </a:duotone>
+            <a:extLst>
+              <a:ext uri="{28A0092B-C50C-407E-A947-70E740481C1C}">
+                <a14:useLocalDpi xmlns:a14="http://schemas.microsoft.com/office/drawing/2010/main" val="0"/>
+              </a:ext>
+            </a:extLst>
+          </a:blip>
+          <a:srcRect/>
+          <a:stretch>
+            <a:fillRect/>
+          </a:stretch>
+        </p:blipFill>
+        <p:spPr bwMode="auto">
+          <a:xfrm>
+            <a:off x="4527493" y="4097636"/>
+            <a:ext cx="6949507" cy="1845964"/>
+          </a:xfrm>
+          <a:prstGeom prst="rect">
+            <a:avLst/>
+          </a:prstGeom>
+          <a:noFill/>
+          <a:extLst>
+            <a:ext uri="{909E8E84-426E-40DD-AFC4-6F175D3DCCD1}">
+              <a14:hiddenFill xmlns:a14="http://schemas.microsoft.com/office/drawing/2010/main">
+                <a:solidFill>
+                  <a:srgbClr val="FFFFFF"/>
+                </a:solidFill>
+              </a14:hiddenFill>
+            </a:ext>
+          </a:extLst>
+        </p:spPr>
+      </p:pic>
+    </p:spTree>
+    <p:extLst>
+      <p:ext uri="{BB962C8B-B14F-4D97-AF65-F5344CB8AC3E}">
+        <p14:creationId xmlns:p14="http://schemas.microsoft.com/office/powerpoint/2010/main" val="2752265544"/>
+      </p:ext>
+    </p:extLst>
+  </p:cSld>
+  <p:clrMapOvr>
+    <a:masterClrMapping/>
+  </p:clrMapOvr>
+</p:sld>
+</file>
+
+<file path=ppt/slides/slide59.xml><?xml version="1.0" encoding="utf-8"?>
+<p:sld xmlns:a="http://schemas.openxmlformats.org/drawingml/2006/main" xmlns:r="http://schemas.openxmlformats.org/officeDocument/2006/relationships" xmlns:p="http://schemas.openxmlformats.org/presentationml/2006/main">
+  <p:cSld>
+    <p:spTree>
+      <p:nvGrpSpPr>
+        <p:cNvPr id="1" name=""/>
+        <p:cNvGrpSpPr/>
+        <p:nvPr/>
+      </p:nvGrpSpPr>
+      <p:grpSpPr>
+        <a:xfrm>
+          <a:off x="0" y="0"/>
+          <a:ext cx="0" cy="0"/>
+          <a:chOff x="0" y="0"/>
+          <a:chExt cx="0" cy="0"/>
+        </a:xfrm>
+      </p:grpSpPr>
+      <p:sp>
+        <p:nvSpPr>
+          <p:cNvPr id="2" name="Title 1"/>
+          <p:cNvSpPr>
+            <a:spLocks noGrp="1"/>
+          </p:cNvSpPr>
+          <p:nvPr>
+            <p:ph type="title"/>
+          </p:nvPr>
+        </p:nvSpPr>
+        <p:spPr/>
+        <p:txBody>
+          <a:bodyPr/>
+          <a:lstStyle/>
+          <a:p>
+            <a:r>
+              <a:rPr lang="en-US" dirty="0"/>
+              <a:t>Successful pivots in software entrepreneurship</a:t>
+            </a:r>
+          </a:p>
+        </p:txBody>
+      </p:sp>
+      <p:sp>
+        <p:nvSpPr>
+          <p:cNvPr id="3" name="Content Placeholder 2"/>
+          <p:cNvSpPr>
+            <a:spLocks noGrp="1"/>
+          </p:cNvSpPr>
+          <p:nvPr>
+            <p:ph idx="1"/>
+          </p:nvPr>
+        </p:nvSpPr>
+        <p:spPr/>
+        <p:txBody>
+          <a:bodyPr>
+            <a:normAutofit/>
+          </a:bodyPr>
+          <a:lstStyle/>
+          <a:p>
+            <a:r>
+              <a:rPr lang="en-US" dirty="0"/>
+              <a:t>Twitter</a:t>
+            </a:r>
+          </a:p>
+          <a:p>
+            <a:pPr lvl="1"/>
+            <a:r>
+              <a:rPr lang="en-US" dirty="0"/>
+              <a:t>Twitter initially started as a podcast platform called </a:t>
+            </a:r>
+            <a:r>
+              <a:rPr lang="en-US" dirty="0" err="1"/>
+              <a:t>Odeo</a:t>
+            </a:r>
+            <a:r>
+              <a:rPr lang="en-US" dirty="0"/>
+              <a:t>. </a:t>
+            </a:r>
+          </a:p>
+          <a:p>
+            <a:pPr lvl="1"/>
+            <a:r>
+              <a:rPr lang="en-US" dirty="0"/>
+              <a:t>However, when Apple announced iTunes, which dominated the podcasting market, </a:t>
+            </a:r>
+            <a:r>
+              <a:rPr lang="en-US" dirty="0" err="1"/>
+              <a:t>Odeo</a:t>
+            </a:r>
+            <a:r>
+              <a:rPr lang="en-US" dirty="0"/>
+              <a:t> faced a significant challenge. </a:t>
+            </a:r>
+          </a:p>
+          <a:p>
+            <a:pPr lvl="1"/>
+            <a:r>
+              <a:rPr lang="en-US" dirty="0"/>
+              <a:t>The team decided to pivot and focus on a new idea within the company, which eventually became Twitter. </a:t>
+            </a:r>
+          </a:p>
+          <a:p>
+            <a:pPr lvl="1"/>
+            <a:r>
+              <a:rPr lang="en-US" dirty="0"/>
+              <a:t>This pivot led to tremendous success, transforming Twitter into one of the most popular social media platforms.</a:t>
+            </a:r>
+          </a:p>
+        </p:txBody>
+      </p:sp>
+      <p:sp>
+        <p:nvSpPr>
+          <p:cNvPr id="4" name="Slide Number Placeholder 3"/>
+          <p:cNvSpPr>
+            <a:spLocks noGrp="1"/>
+          </p:cNvSpPr>
+          <p:nvPr>
+            <p:ph type="sldNum" sz="quarter" idx="12"/>
+          </p:nvPr>
+        </p:nvSpPr>
+        <p:spPr/>
+        <p:txBody>
+          <a:bodyPr/>
+          <a:lstStyle/>
+          <a:p>
+            <a:fld id="{B8DACC02-A2BD-4578-8E03-6D891060A695}" type="slidenum">
+              <a:rPr lang="en-US" smtClean="0"/>
+              <a:pPr/>
+              <a:t>59</a:t>
+            </a:fld>
+            <a:endParaRPr lang="en-US" dirty="0"/>
+          </a:p>
+        </p:txBody>
+      </p:sp>
+    </p:spTree>
+    <p:extLst>
+      <p:ext uri="{BB962C8B-B14F-4D97-AF65-F5344CB8AC3E}">
+        <p14:creationId xmlns:p14="http://schemas.microsoft.com/office/powerpoint/2010/main" val="2020931100"/>
       </p:ext>
     </p:extLst>
   </p:cSld>
@@ -13601,46 +16134,37 @@
           <a:lstStyle/>
           <a:p>
             <a:r>
-              <a:rPr lang="en-US" dirty="0" smtClean="0"/>
-              <a:t>Factors </a:t>
-            </a:r>
-            <a:r>
-              <a:rPr lang="en-US" dirty="0"/>
-              <a:t>to consider when choosing a launch </a:t>
-            </a:r>
-            <a:r>
-              <a:rPr lang="en-US" dirty="0" smtClean="0"/>
-              <a:t>strategy</a:t>
+              <a:rPr lang="en-US" dirty="0"/>
+              <a:t>Factors to consider when choosing a launch strategy</a:t>
             </a:r>
           </a:p>
           <a:p>
             <a:pPr lvl="1"/>
             <a:r>
-              <a:rPr lang="en-US" dirty="0" smtClean="0"/>
+              <a:rPr lang="en-US" dirty="0"/>
               <a:t>Market conditions</a:t>
             </a:r>
           </a:p>
           <a:p>
             <a:pPr lvl="1"/>
             <a:r>
-              <a:rPr lang="en-US" dirty="0" smtClean="0"/>
+              <a:rPr lang="en-US" dirty="0"/>
               <a:t>Product complexity and maturity</a:t>
             </a:r>
           </a:p>
           <a:p>
             <a:pPr lvl="1"/>
             <a:r>
-              <a:rPr lang="en-US" dirty="0" smtClean="0"/>
+              <a:rPr lang="en-US" dirty="0"/>
               <a:t>Competition</a:t>
             </a:r>
           </a:p>
           <a:p>
             <a:pPr lvl="1"/>
             <a:r>
-              <a:rPr lang="en-US" dirty="0" smtClean="0"/>
+              <a:rPr lang="en-US" dirty="0"/>
               <a:t>Budget and risk</a:t>
             </a:r>
-            <a:endParaRPr lang="en-US" dirty="0"/>
           </a:p>
           <a:p>
             <a:r>
@@ -13733,6 +16257,605 @@
 </p:sld>
 </file>
 
+<file path=ppt/slides/slide60.xml><?xml version="1.0" encoding="utf-8"?>
+<p:sld xmlns:a="http://schemas.openxmlformats.org/drawingml/2006/main" xmlns:r="http://schemas.openxmlformats.org/officeDocument/2006/relationships" xmlns:p="http://schemas.openxmlformats.org/presentationml/2006/main">
+  <p:cSld>
+    <p:spTree>
+      <p:nvGrpSpPr>
+        <p:cNvPr id="1" name=""/>
+        <p:cNvGrpSpPr/>
+        <p:nvPr/>
+      </p:nvGrpSpPr>
+      <p:grpSpPr>
+        <a:xfrm>
+          <a:off x="0" y="0"/>
+          <a:ext cx="0" cy="0"/>
+          <a:chOff x="0" y="0"/>
+          <a:chExt cx="0" cy="0"/>
+        </a:xfrm>
+      </p:grpSpPr>
+      <p:sp>
+        <p:nvSpPr>
+          <p:cNvPr id="2" name="Title 1"/>
+          <p:cNvSpPr>
+            <a:spLocks noGrp="1"/>
+          </p:cNvSpPr>
+          <p:nvPr>
+            <p:ph type="title"/>
+          </p:nvPr>
+        </p:nvSpPr>
+        <p:spPr/>
+        <p:txBody>
+          <a:bodyPr/>
+          <a:lstStyle/>
+          <a:p>
+            <a:r>
+              <a:rPr lang="en-US" dirty="0"/>
+              <a:t>Successful pivots in software entrepreneurship</a:t>
+            </a:r>
+          </a:p>
+        </p:txBody>
+      </p:sp>
+      <p:sp>
+        <p:nvSpPr>
+          <p:cNvPr id="3" name="Content Placeholder 2"/>
+          <p:cNvSpPr>
+            <a:spLocks noGrp="1"/>
+          </p:cNvSpPr>
+          <p:nvPr>
+            <p:ph idx="1"/>
+          </p:nvPr>
+        </p:nvSpPr>
+        <p:spPr/>
+        <p:txBody>
+          <a:bodyPr>
+            <a:normAutofit/>
+          </a:bodyPr>
+          <a:lstStyle/>
+          <a:p>
+            <a:r>
+              <a:rPr lang="en-US" dirty="0"/>
+              <a:t>Instagram</a:t>
+            </a:r>
+          </a:p>
+          <a:p>
+            <a:pPr lvl="1"/>
+            <a:r>
+              <a:rPr lang="en-US" dirty="0"/>
+              <a:t>Instagram began as a location-based social network called </a:t>
+            </a:r>
+            <a:r>
+              <a:rPr lang="en-US" dirty="0" err="1"/>
+              <a:t>Burbn</a:t>
+            </a:r>
+            <a:r>
+              <a:rPr lang="en-US" dirty="0"/>
+              <a:t>. </a:t>
+            </a:r>
+          </a:p>
+          <a:p>
+            <a:pPr lvl="1"/>
+            <a:r>
+              <a:rPr lang="en-US" dirty="0"/>
+              <a:t>However, the founders noticed that the photo-sharing feature of </a:t>
+            </a:r>
+            <a:r>
+              <a:rPr lang="en-US" dirty="0" err="1"/>
+              <a:t>Burbn</a:t>
+            </a:r>
+            <a:r>
+              <a:rPr lang="en-US" dirty="0"/>
+              <a:t> was gaining more traction and engagement from users. </a:t>
+            </a:r>
+          </a:p>
+          <a:p>
+            <a:pPr lvl="1"/>
+            <a:r>
+              <a:rPr lang="en-US" dirty="0"/>
+              <a:t>They decided to pivot and focus solely on photo-sharing, rebranding the platform as Instagram. </a:t>
+            </a:r>
+          </a:p>
+          <a:p>
+            <a:pPr lvl="1"/>
+            <a:r>
+              <a:rPr lang="en-US" dirty="0"/>
+              <a:t>This pivot proved to be a game-changer, and Instagram became a leading photo and video-sharing app.</a:t>
+            </a:r>
+          </a:p>
+        </p:txBody>
+      </p:sp>
+      <p:sp>
+        <p:nvSpPr>
+          <p:cNvPr id="4" name="Slide Number Placeholder 3"/>
+          <p:cNvSpPr>
+            <a:spLocks noGrp="1"/>
+          </p:cNvSpPr>
+          <p:nvPr>
+            <p:ph type="sldNum" sz="quarter" idx="12"/>
+          </p:nvPr>
+        </p:nvSpPr>
+        <p:spPr/>
+        <p:txBody>
+          <a:bodyPr/>
+          <a:lstStyle/>
+          <a:p>
+            <a:fld id="{B8DACC02-A2BD-4578-8E03-6D891060A695}" type="slidenum">
+              <a:rPr lang="en-US" smtClean="0"/>
+              <a:pPr/>
+              <a:t>60</a:t>
+            </a:fld>
+            <a:endParaRPr lang="en-US" dirty="0"/>
+          </a:p>
+        </p:txBody>
+      </p:sp>
+    </p:spTree>
+    <p:extLst>
+      <p:ext uri="{BB962C8B-B14F-4D97-AF65-F5344CB8AC3E}">
+        <p14:creationId xmlns:p14="http://schemas.microsoft.com/office/powerpoint/2010/main" val="505764957"/>
+      </p:ext>
+    </p:extLst>
+  </p:cSld>
+  <p:clrMapOvr>
+    <a:masterClrMapping/>
+  </p:clrMapOvr>
+</p:sld>
+</file>
+
+<file path=ppt/slides/slide61.xml><?xml version="1.0" encoding="utf-8"?>
+<p:sld xmlns:a="http://schemas.openxmlformats.org/drawingml/2006/main" xmlns:r="http://schemas.openxmlformats.org/officeDocument/2006/relationships" xmlns:p="http://schemas.openxmlformats.org/presentationml/2006/main">
+  <p:cSld>
+    <p:spTree>
+      <p:nvGrpSpPr>
+        <p:cNvPr id="1" name=""/>
+        <p:cNvGrpSpPr/>
+        <p:nvPr/>
+      </p:nvGrpSpPr>
+      <p:grpSpPr>
+        <a:xfrm>
+          <a:off x="0" y="0"/>
+          <a:ext cx="0" cy="0"/>
+          <a:chOff x="0" y="0"/>
+          <a:chExt cx="0" cy="0"/>
+        </a:xfrm>
+      </p:grpSpPr>
+      <p:sp>
+        <p:nvSpPr>
+          <p:cNvPr id="2" name="Title 1"/>
+          <p:cNvSpPr>
+            <a:spLocks noGrp="1"/>
+          </p:cNvSpPr>
+          <p:nvPr>
+            <p:ph type="title"/>
+          </p:nvPr>
+        </p:nvSpPr>
+        <p:spPr/>
+        <p:txBody>
+          <a:bodyPr/>
+          <a:lstStyle/>
+          <a:p>
+            <a:r>
+              <a:rPr lang="en-US" dirty="0"/>
+              <a:t>Successful pivots in software entrepreneurship</a:t>
+            </a:r>
+          </a:p>
+        </p:txBody>
+      </p:sp>
+      <p:sp>
+        <p:nvSpPr>
+          <p:cNvPr id="3" name="Content Placeholder 2"/>
+          <p:cNvSpPr>
+            <a:spLocks noGrp="1"/>
+          </p:cNvSpPr>
+          <p:nvPr>
+            <p:ph idx="1"/>
+          </p:nvPr>
+        </p:nvSpPr>
+        <p:spPr/>
+        <p:txBody>
+          <a:bodyPr>
+            <a:normAutofit/>
+          </a:bodyPr>
+          <a:lstStyle/>
+          <a:p>
+            <a:r>
+              <a:rPr lang="en-US" dirty="0"/>
+              <a:t>Slack</a:t>
+            </a:r>
+          </a:p>
+          <a:p>
+            <a:pPr lvl="1"/>
+            <a:r>
+              <a:rPr lang="en-US" dirty="0"/>
+              <a:t>Slack initially started as a gaming company called Tiny Speck. </a:t>
+            </a:r>
+          </a:p>
+          <a:p>
+            <a:pPr lvl="1"/>
+            <a:r>
+              <a:rPr lang="en-US" dirty="0"/>
+              <a:t>However, the company's game did not perform as expected. </a:t>
+            </a:r>
+          </a:p>
+          <a:p>
+            <a:pPr lvl="1"/>
+            <a:r>
+              <a:rPr lang="en-US" dirty="0"/>
+              <a:t>The team shifted their focus and built a communication tool for internal use. </a:t>
+            </a:r>
+          </a:p>
+          <a:p>
+            <a:pPr lvl="1"/>
+            <a:r>
+              <a:rPr lang="en-US" dirty="0"/>
+              <a:t>Recognizing its potential, they pivoted and rebranded as Slack, which eventually became a widely adopted team collaboration platform.</a:t>
+            </a:r>
+          </a:p>
+          <a:p>
+            <a:endParaRPr lang="en-US" dirty="0"/>
+          </a:p>
+        </p:txBody>
+      </p:sp>
+      <p:sp>
+        <p:nvSpPr>
+          <p:cNvPr id="4" name="Slide Number Placeholder 3"/>
+          <p:cNvSpPr>
+            <a:spLocks noGrp="1"/>
+          </p:cNvSpPr>
+          <p:nvPr>
+            <p:ph type="sldNum" sz="quarter" idx="12"/>
+          </p:nvPr>
+        </p:nvSpPr>
+        <p:spPr/>
+        <p:txBody>
+          <a:bodyPr/>
+          <a:lstStyle/>
+          <a:p>
+            <a:fld id="{B8DACC02-A2BD-4578-8E03-6D891060A695}" type="slidenum">
+              <a:rPr lang="en-US" smtClean="0"/>
+              <a:pPr/>
+              <a:t>61</a:t>
+            </a:fld>
+            <a:endParaRPr lang="en-US" dirty="0"/>
+          </a:p>
+        </p:txBody>
+      </p:sp>
+    </p:spTree>
+    <p:extLst>
+      <p:ext uri="{BB962C8B-B14F-4D97-AF65-F5344CB8AC3E}">
+        <p14:creationId xmlns:p14="http://schemas.microsoft.com/office/powerpoint/2010/main" val="1467913106"/>
+      </p:ext>
+    </p:extLst>
+  </p:cSld>
+  <p:clrMapOvr>
+    <a:masterClrMapping/>
+  </p:clrMapOvr>
+</p:sld>
+</file>
+
+<file path=ppt/slides/slide62.xml><?xml version="1.0" encoding="utf-8"?>
+<p:sld xmlns:a="http://schemas.openxmlformats.org/drawingml/2006/main" xmlns:r="http://schemas.openxmlformats.org/officeDocument/2006/relationships" xmlns:p="http://schemas.openxmlformats.org/presentationml/2006/main">
+  <p:cSld>
+    <p:spTree>
+      <p:nvGrpSpPr>
+        <p:cNvPr id="1" name=""/>
+        <p:cNvGrpSpPr/>
+        <p:nvPr/>
+      </p:nvGrpSpPr>
+      <p:grpSpPr>
+        <a:xfrm>
+          <a:off x="0" y="0"/>
+          <a:ext cx="0" cy="0"/>
+          <a:chOff x="0" y="0"/>
+          <a:chExt cx="0" cy="0"/>
+        </a:xfrm>
+      </p:grpSpPr>
+      <p:sp>
+        <p:nvSpPr>
+          <p:cNvPr id="2" name="Title 1"/>
+          <p:cNvSpPr>
+            <a:spLocks noGrp="1"/>
+          </p:cNvSpPr>
+          <p:nvPr>
+            <p:ph type="title"/>
+          </p:nvPr>
+        </p:nvSpPr>
+        <p:spPr/>
+        <p:txBody>
+          <a:bodyPr/>
+          <a:lstStyle/>
+          <a:p>
+            <a:r>
+              <a:rPr lang="en-US" dirty="0"/>
+              <a:t>Legal and Compliance Considerations</a:t>
+            </a:r>
+          </a:p>
+        </p:txBody>
+      </p:sp>
+      <p:sp>
+        <p:nvSpPr>
+          <p:cNvPr id="3" name="Content Placeholder 2"/>
+          <p:cNvSpPr>
+            <a:spLocks noGrp="1"/>
+          </p:cNvSpPr>
+          <p:nvPr>
+            <p:ph idx="1"/>
+          </p:nvPr>
+        </p:nvSpPr>
+        <p:spPr/>
+        <p:txBody>
+          <a:bodyPr/>
+          <a:lstStyle/>
+          <a:p>
+            <a:r>
+              <a:rPr lang="en-US" dirty="0"/>
+              <a:t>Importance of understanding legal and compliance requirements for software startups</a:t>
+            </a:r>
+          </a:p>
+          <a:p>
+            <a:r>
+              <a:rPr lang="en-US" dirty="0"/>
+              <a:t>Common legal and compliance challenges faced by software entrepreneurs (e.g. intellectual property protection, data privacy)</a:t>
+            </a:r>
+          </a:p>
+          <a:p>
+            <a:r>
+              <a:rPr lang="en-US" dirty="0"/>
+              <a:t>Strategies for addressing these challenges (e.g. seeking legal advice, implementing compliance measures)</a:t>
+            </a:r>
+          </a:p>
+        </p:txBody>
+      </p:sp>
+      <p:sp>
+        <p:nvSpPr>
+          <p:cNvPr id="4" name="Slide Number Placeholder 3"/>
+          <p:cNvSpPr>
+            <a:spLocks noGrp="1"/>
+          </p:cNvSpPr>
+          <p:nvPr>
+            <p:ph type="sldNum" sz="quarter" idx="12"/>
+          </p:nvPr>
+        </p:nvSpPr>
+        <p:spPr/>
+        <p:txBody>
+          <a:bodyPr/>
+          <a:lstStyle/>
+          <a:p>
+            <a:fld id="{B8DACC02-A2BD-4578-8E03-6D891060A695}" type="slidenum">
+              <a:rPr lang="en-US" smtClean="0"/>
+              <a:pPr/>
+              <a:t>62</a:t>
+            </a:fld>
+            <a:endParaRPr lang="en-US" dirty="0"/>
+          </a:p>
+        </p:txBody>
+      </p:sp>
+    </p:spTree>
+    <p:extLst>
+      <p:ext uri="{BB962C8B-B14F-4D97-AF65-F5344CB8AC3E}">
+        <p14:creationId xmlns:p14="http://schemas.microsoft.com/office/powerpoint/2010/main" val="2407787849"/>
+      </p:ext>
+    </p:extLst>
+  </p:cSld>
+  <p:clrMapOvr>
+    <a:masterClrMapping/>
+  </p:clrMapOvr>
+</p:sld>
+</file>
+
+<file path=ppt/slides/slide63.xml><?xml version="1.0" encoding="utf-8"?>
+<p:sld xmlns:a="http://schemas.openxmlformats.org/drawingml/2006/main" xmlns:r="http://schemas.openxmlformats.org/officeDocument/2006/relationships" xmlns:p="http://schemas.openxmlformats.org/presentationml/2006/main">
+  <p:cSld>
+    <p:spTree>
+      <p:nvGrpSpPr>
+        <p:cNvPr id="1" name=""/>
+        <p:cNvGrpSpPr/>
+        <p:nvPr/>
+      </p:nvGrpSpPr>
+      <p:grpSpPr>
+        <a:xfrm>
+          <a:off x="0" y="0"/>
+          <a:ext cx="0" cy="0"/>
+          <a:chOff x="0" y="0"/>
+          <a:chExt cx="0" cy="0"/>
+        </a:xfrm>
+      </p:grpSpPr>
+      <p:sp>
+        <p:nvSpPr>
+          <p:cNvPr id="2" name="Title 1"/>
+          <p:cNvSpPr>
+            <a:spLocks noGrp="1"/>
+          </p:cNvSpPr>
+          <p:nvPr>
+            <p:ph type="title"/>
+          </p:nvPr>
+        </p:nvSpPr>
+        <p:spPr/>
+        <p:txBody>
+          <a:bodyPr/>
+          <a:lstStyle/>
+          <a:p>
+            <a:r>
+              <a:rPr lang="en-US" dirty="0"/>
+              <a:t>Competitive Analysis and Threats</a:t>
+            </a:r>
+          </a:p>
+        </p:txBody>
+      </p:sp>
+      <p:sp>
+        <p:nvSpPr>
+          <p:cNvPr id="3" name="Content Placeholder 2"/>
+          <p:cNvSpPr>
+            <a:spLocks noGrp="1"/>
+          </p:cNvSpPr>
+          <p:nvPr>
+            <p:ph idx="1"/>
+          </p:nvPr>
+        </p:nvSpPr>
+        <p:spPr/>
+        <p:txBody>
+          <a:bodyPr/>
+          <a:lstStyle/>
+          <a:p>
+            <a:r>
+              <a:rPr lang="en-US" dirty="0"/>
+              <a:t>Importance of conducting competitive analysis in software entrepreneurship</a:t>
+            </a:r>
+          </a:p>
+          <a:p>
+            <a:r>
+              <a:rPr lang="en-US" dirty="0"/>
+              <a:t>Strategies for identifying and analyzing competitors (e.g. market research, customer feedback)</a:t>
+            </a:r>
+          </a:p>
+          <a:p>
+            <a:r>
+              <a:rPr lang="en-US" dirty="0"/>
+              <a:t>How to respond to competitive threats (e.g. differentiating your product, improving customer service)</a:t>
+            </a:r>
+          </a:p>
+        </p:txBody>
+      </p:sp>
+      <p:sp>
+        <p:nvSpPr>
+          <p:cNvPr id="4" name="Slide Number Placeholder 3"/>
+          <p:cNvSpPr>
+            <a:spLocks noGrp="1"/>
+          </p:cNvSpPr>
+          <p:nvPr>
+            <p:ph type="sldNum" sz="quarter" idx="12"/>
+          </p:nvPr>
+        </p:nvSpPr>
+        <p:spPr/>
+        <p:txBody>
+          <a:bodyPr/>
+          <a:lstStyle/>
+          <a:p>
+            <a:fld id="{B8DACC02-A2BD-4578-8E03-6D891060A695}" type="slidenum">
+              <a:rPr lang="en-US" smtClean="0"/>
+              <a:pPr/>
+              <a:t>63</a:t>
+            </a:fld>
+            <a:endParaRPr lang="en-US" dirty="0"/>
+          </a:p>
+        </p:txBody>
+      </p:sp>
+    </p:spTree>
+    <p:extLst>
+      <p:ext uri="{BB962C8B-B14F-4D97-AF65-F5344CB8AC3E}">
+        <p14:creationId xmlns:p14="http://schemas.microsoft.com/office/powerpoint/2010/main" val="2193631162"/>
+      </p:ext>
+    </p:extLst>
+  </p:cSld>
+  <p:clrMapOvr>
+    <a:masterClrMapping/>
+  </p:clrMapOvr>
+</p:sld>
+</file>
+
+<file path=ppt/slides/slide64.xml><?xml version="1.0" encoding="utf-8"?>
+<p:sld xmlns:a="http://schemas.openxmlformats.org/drawingml/2006/main" xmlns:r="http://schemas.openxmlformats.org/officeDocument/2006/relationships" xmlns:p="http://schemas.openxmlformats.org/presentationml/2006/main">
+  <p:cSld>
+    <p:spTree>
+      <p:nvGrpSpPr>
+        <p:cNvPr id="1" name=""/>
+        <p:cNvGrpSpPr/>
+        <p:nvPr/>
+      </p:nvGrpSpPr>
+      <p:grpSpPr>
+        <a:xfrm>
+          <a:off x="0" y="0"/>
+          <a:ext cx="0" cy="0"/>
+          <a:chOff x="0" y="0"/>
+          <a:chExt cx="0" cy="0"/>
+        </a:xfrm>
+      </p:grpSpPr>
+      <p:sp>
+        <p:nvSpPr>
+          <p:cNvPr id="2" name="Title 1"/>
+          <p:cNvSpPr>
+            <a:spLocks noGrp="1"/>
+          </p:cNvSpPr>
+          <p:nvPr>
+            <p:ph type="title"/>
+          </p:nvPr>
+        </p:nvSpPr>
+        <p:spPr/>
+        <p:txBody>
+          <a:bodyPr/>
+          <a:lstStyle/>
+          <a:p>
+            <a:r>
+              <a:rPr lang="en-US" dirty="0"/>
+              <a:t>Potential Growth Barriers and Solutions</a:t>
+            </a:r>
+          </a:p>
+        </p:txBody>
+      </p:sp>
+      <p:sp>
+        <p:nvSpPr>
+          <p:cNvPr id="3" name="Content Placeholder 2"/>
+          <p:cNvSpPr>
+            <a:spLocks noGrp="1"/>
+          </p:cNvSpPr>
+          <p:nvPr>
+            <p:ph idx="1"/>
+          </p:nvPr>
+        </p:nvSpPr>
+        <p:spPr/>
+        <p:txBody>
+          <a:bodyPr/>
+          <a:lstStyle/>
+          <a:p>
+            <a:r>
+              <a:rPr lang="en-US" dirty="0"/>
+              <a:t>Common growth barriers faced by software startups (e.g. scalability, funding, talent acquisition)</a:t>
+            </a:r>
+          </a:p>
+          <a:p>
+            <a:r>
+              <a:rPr lang="en-US" dirty="0"/>
+              <a:t>Strategies for overcoming these barriers (e.g. leveraging cloud computing, seeking funding from venture capitalists, building a strong team culture)</a:t>
+            </a:r>
+          </a:p>
+        </p:txBody>
+      </p:sp>
+      <p:sp>
+        <p:nvSpPr>
+          <p:cNvPr id="4" name="Slide Number Placeholder 3"/>
+          <p:cNvSpPr>
+            <a:spLocks noGrp="1"/>
+          </p:cNvSpPr>
+          <p:nvPr>
+            <p:ph type="sldNum" sz="quarter" idx="12"/>
+          </p:nvPr>
+        </p:nvSpPr>
+        <p:spPr/>
+        <p:txBody>
+          <a:bodyPr/>
+          <a:lstStyle/>
+          <a:p>
+            <a:fld id="{B8DACC02-A2BD-4578-8E03-6D891060A695}" type="slidenum">
+              <a:rPr lang="en-US" smtClean="0"/>
+              <a:pPr/>
+              <a:t>64</a:t>
+            </a:fld>
+            <a:endParaRPr lang="en-US" dirty="0"/>
+          </a:p>
+        </p:txBody>
+      </p:sp>
+    </p:spTree>
+    <p:extLst>
+      <p:ext uri="{BB962C8B-B14F-4D97-AF65-F5344CB8AC3E}">
+        <p14:creationId xmlns:p14="http://schemas.microsoft.com/office/powerpoint/2010/main" val="2938457771"/>
+      </p:ext>
+    </p:extLst>
+  </p:cSld>
+  <p:clrMapOvr>
+    <a:masterClrMapping/>
+  </p:clrMapOvr>
+</p:sld>
+</file>
+
 <file path=ppt/slides/slide7.xml><?xml version="1.0" encoding="utf-8"?>
 <p:sld xmlns:a="http://schemas.openxmlformats.org/drawingml/2006/main" xmlns:r="http://schemas.openxmlformats.org/officeDocument/2006/relationships" xmlns:p="http://schemas.openxmlformats.org/presentationml/2006/main">
   <p:cSld>
@@ -13788,12 +16911,8 @@
           <a:lstStyle/>
           <a:p>
             <a:r>
-              <a:rPr lang="en-US" dirty="0" smtClean="0"/>
-              <a:t>Creating </a:t>
-            </a:r>
-            <a:r>
-              <a:rPr lang="en-US" dirty="0"/>
-              <a:t>a timeline for your launch plan</a:t>
+              <a:rPr lang="en-US" dirty="0"/>
+              <a:t>Creating a timeline for your launch plan</a:t>
             </a:r>
           </a:p>
           <a:p>
@@ -13961,27 +17080,22 @@
           <a:p>
             <a:r>
               <a:rPr lang="en-US" dirty="0"/>
-              <a:t>Strategies for optimizing your </a:t>
-            </a:r>
-            <a:r>
-              <a:rPr lang="en-US" dirty="0" smtClean="0"/>
-              <a:t>pricing</a:t>
+              <a:t>Strategies for optimizing your pricing</a:t>
             </a:r>
           </a:p>
           <a:p>
             <a:pPr lvl="1"/>
             <a:r>
-              <a:rPr lang="en-US" dirty="0" smtClean="0"/>
+              <a:rPr lang="en-US" dirty="0"/>
               <a:t>Price anchoring</a:t>
             </a:r>
           </a:p>
           <a:p>
             <a:pPr lvl="1"/>
             <a:r>
-              <a:rPr lang="en-US" dirty="0" smtClean="0"/>
+              <a:rPr lang="en-US" dirty="0"/>
               <a:t>Tiered pricing</a:t>
             </a:r>
-            <a:endParaRPr lang="en-US" dirty="0"/>
           </a:p>
         </p:txBody>
       </p:sp>
@@ -14119,15 +17233,7 @@
           <a:p>
             <a:r>
               <a:rPr lang="en-US" dirty="0"/>
-              <a:t>D</a:t>
-            </a:r>
-            <a:r>
-              <a:rPr lang="en-US" dirty="0" smtClean="0"/>
-              <a:t>ifferent </a:t>
-            </a:r>
-            <a:r>
-              <a:rPr lang="en-US" dirty="0"/>
-              <a:t>billing and payment systems (e.g. Stripe, PayPal, invoicing)</a:t>
+              <a:t>Different billing and payment systems (e.g. Stripe, PayPal, invoicing)</a:t>
             </a:r>
           </a:p>
           <a:p>

--- a/SE495/Lectures/6-Launching and Marketing/Launching and Marketing.pptx
+++ b/SE495/Lectures/6-Launching and Marketing/Launching and Marketing.pptx
@@ -1413,8 +1413,8 @@
       </dsp:nvSpPr>
       <dsp:spPr>
         <a:xfrm rot="5400000">
-          <a:off x="5191888" y="-1995961"/>
-          <a:ext cx="1142187" cy="5423983"/>
+          <a:off x="5863941" y="-2330656"/>
+          <a:ext cx="1095111" cy="6034350"/>
         </a:xfrm>
         <a:prstGeom prst="round2SameRect">
           <a:avLst/>
@@ -1470,12 +1470,12 @@
         <a:fontRef idx="minor"/>
       </dsp:style>
       <dsp:txBody>
-        <a:bodyPr spcFirstLastPara="0" vert="horz" wrap="square" lIns="68580" tIns="34290" rIns="68580" bIns="34290" numCol="1" spcCol="1270" anchor="ctr" anchorCtr="0">
+        <a:bodyPr spcFirstLastPara="0" vert="horz" wrap="square" lIns="76200" tIns="38100" rIns="76200" bIns="38100" numCol="1" spcCol="1270" anchor="ctr" anchorCtr="0">
           <a:noAutofit/>
         </a:bodyPr>
         <a:lstStyle/>
         <a:p>
-          <a:pPr marL="171450" lvl="1" indent="-171450" algn="l" defTabSz="800100">
+          <a:pPr marL="228600" lvl="1" indent="-228600" algn="l" defTabSz="889000">
             <a:lnSpc>
               <a:spcPct val="90000"/>
             </a:lnSpc>
@@ -1488,7 +1488,7 @@
             <a:buChar char="•"/>
           </a:pPr>
           <a:r>
-            <a:rPr lang="en-US" sz="1800" kern="1200" dirty="0">
+            <a:rPr lang="en-US" sz="2000" kern="1200" dirty="0">
               <a:latin typeface="Candara" panose="020E0502030303020204" pitchFamily="34" charset="0"/>
             </a:rPr>
             <a:t>Launching a product or service to a limited audience in order to get feedback and make improvements before launching to the general public.</a:t>
@@ -1496,8 +1496,8 @@
         </a:p>
       </dsp:txBody>
       <dsp:txXfrm rot="-5400000">
-        <a:off x="3050991" y="200693"/>
-        <a:ext cx="5368226" cy="1030673"/>
+        <a:off x="3394322" y="192422"/>
+        <a:ext cx="5980891" cy="988193"/>
       </dsp:txXfrm>
     </dsp:sp>
     <dsp:sp modelId="{F817C4AC-D362-4474-8F6D-4B7D41E0A0A7}">
@@ -1507,8 +1507,8 @@
       </dsp:nvSpPr>
       <dsp:spPr>
         <a:xfrm>
-          <a:off x="0" y="2163"/>
-          <a:ext cx="3050990" cy="1427734"/>
+          <a:off x="0" y="2074"/>
+          <a:ext cx="3394322" cy="1368889"/>
         </a:xfrm>
         <a:prstGeom prst="roundRect">
           <a:avLst/>
@@ -1580,12 +1580,12 @@
         </a:fontRef>
       </dsp:style>
       <dsp:txBody>
-        <a:bodyPr spcFirstLastPara="0" vert="horz" wrap="square" lIns="152400" tIns="76200" rIns="152400" bIns="76200" numCol="1" spcCol="1270" anchor="ctr" anchorCtr="0">
+        <a:bodyPr spcFirstLastPara="0" vert="horz" wrap="square" lIns="144780" tIns="72390" rIns="144780" bIns="72390" numCol="1" spcCol="1270" anchor="ctr" anchorCtr="0">
           <a:noAutofit/>
         </a:bodyPr>
         <a:lstStyle/>
         <a:p>
-          <a:pPr marL="0" lvl="0" indent="0" algn="ctr" defTabSz="1778000">
+          <a:pPr marL="0" lvl="0" indent="0" algn="ctr" defTabSz="1689100">
             <a:lnSpc>
               <a:spcPct val="90000"/>
             </a:lnSpc>
@@ -1598,7 +1598,7 @@
             <a:buNone/>
           </a:pPr>
           <a:r>
-            <a:rPr lang="en-US" sz="4000" kern="1200" dirty="0">
+            <a:rPr lang="en-US" sz="3800" kern="1200" dirty="0">
               <a:latin typeface="Candara" panose="020E0502030303020204" pitchFamily="34" charset="0"/>
             </a:rPr>
             <a:t>Soft launch</a:t>
@@ -1606,8 +1606,8 @@
         </a:p>
       </dsp:txBody>
       <dsp:txXfrm>
-        <a:off x="69696" y="71859"/>
-        <a:ext cx="2911598" cy="1288342"/>
+        <a:off x="66824" y="68898"/>
+        <a:ext cx="3260674" cy="1235241"/>
       </dsp:txXfrm>
     </dsp:sp>
     <dsp:sp modelId="{DE65FB4D-CC8D-44D4-90EC-300D5105D2BD}">
@@ -1617,8 +1617,8 @@
       </dsp:nvSpPr>
       <dsp:spPr>
         <a:xfrm rot="5400000">
-          <a:off x="5191888" y="-496840"/>
-          <a:ext cx="1142187" cy="5423983"/>
+          <a:off x="5863941" y="-893322"/>
+          <a:ext cx="1095111" cy="6034350"/>
         </a:xfrm>
         <a:prstGeom prst="round2SameRect">
           <a:avLst/>
@@ -1674,12 +1674,12 @@
         <a:fontRef idx="minor"/>
       </dsp:style>
       <dsp:txBody>
-        <a:bodyPr spcFirstLastPara="0" vert="horz" wrap="square" lIns="68580" tIns="34290" rIns="68580" bIns="34290" numCol="1" spcCol="1270" anchor="ctr" anchorCtr="0">
+        <a:bodyPr spcFirstLastPara="0" vert="horz" wrap="square" lIns="76200" tIns="38100" rIns="76200" bIns="38100" numCol="1" spcCol="1270" anchor="ctr" anchorCtr="0">
           <a:noAutofit/>
         </a:bodyPr>
         <a:lstStyle/>
         <a:p>
-          <a:pPr marL="171450" lvl="1" indent="-171450" algn="l" defTabSz="800100">
+          <a:pPr marL="228600" lvl="1" indent="-228600" algn="l" defTabSz="889000">
             <a:lnSpc>
               <a:spcPct val="90000"/>
             </a:lnSpc>
@@ -1692,7 +1692,7 @@
             <a:buChar char="•"/>
           </a:pPr>
           <a:r>
-            <a:rPr lang="en-US" sz="1800" kern="1200" dirty="0">
+            <a:rPr lang="en-US" sz="2000" kern="1200" dirty="0">
               <a:latin typeface="Candara" panose="020E0502030303020204" pitchFamily="34" charset="0"/>
             </a:rPr>
             <a:t>Launching a product or service to the general public all at once.</a:t>
@@ -1700,8 +1700,8 @@
         </a:p>
       </dsp:txBody>
       <dsp:txXfrm rot="-5400000">
-        <a:off x="3050991" y="1699814"/>
-        <a:ext cx="5368226" cy="1030673"/>
+        <a:off x="3394322" y="1629756"/>
+        <a:ext cx="5980891" cy="988193"/>
       </dsp:txXfrm>
     </dsp:sp>
     <dsp:sp modelId="{BE49D0E7-413F-4240-806D-34283FF5EC67}">
@@ -1711,8 +1711,8 @@
       </dsp:nvSpPr>
       <dsp:spPr>
         <a:xfrm>
-          <a:off x="0" y="1501284"/>
-          <a:ext cx="3050990" cy="1427734"/>
+          <a:off x="0" y="1439408"/>
+          <a:ext cx="3394322" cy="1368889"/>
         </a:xfrm>
         <a:prstGeom prst="roundRect">
           <a:avLst/>
@@ -1784,12 +1784,12 @@
         </a:fontRef>
       </dsp:style>
       <dsp:txBody>
-        <a:bodyPr spcFirstLastPara="0" vert="horz" wrap="square" lIns="152400" tIns="76200" rIns="152400" bIns="76200" numCol="1" spcCol="1270" anchor="ctr" anchorCtr="0">
+        <a:bodyPr spcFirstLastPara="0" vert="horz" wrap="square" lIns="144780" tIns="72390" rIns="144780" bIns="72390" numCol="1" spcCol="1270" anchor="ctr" anchorCtr="0">
           <a:noAutofit/>
         </a:bodyPr>
         <a:lstStyle/>
         <a:p>
-          <a:pPr marL="0" lvl="0" indent="0" algn="ctr" defTabSz="1778000">
+          <a:pPr marL="0" lvl="0" indent="0" algn="ctr" defTabSz="1689100">
             <a:lnSpc>
               <a:spcPct val="90000"/>
             </a:lnSpc>
@@ -1802,7 +1802,7 @@
             <a:buNone/>
           </a:pPr>
           <a:r>
-            <a:rPr lang="en-US" sz="4000" kern="1200" dirty="0">
+            <a:rPr lang="en-US" sz="3800" kern="1200" dirty="0">
               <a:latin typeface="Candara" panose="020E0502030303020204" pitchFamily="34" charset="0"/>
             </a:rPr>
             <a:t>Hard launch</a:t>
@@ -1810,8 +1810,8 @@
         </a:p>
       </dsp:txBody>
       <dsp:txXfrm>
-        <a:off x="69696" y="1570980"/>
-        <a:ext cx="2911598" cy="1288342"/>
+        <a:off x="66824" y="1506232"/>
+        <a:ext cx="3260674" cy="1235241"/>
       </dsp:txXfrm>
     </dsp:sp>
     <dsp:sp modelId="{668B52BB-D385-4FAF-8096-33D634D9E38A}">
@@ -1821,8 +1821,8 @@
       </dsp:nvSpPr>
       <dsp:spPr>
         <a:xfrm rot="5400000">
-          <a:off x="5191888" y="1002280"/>
-          <a:ext cx="1142187" cy="5423983"/>
+          <a:off x="5863941" y="544011"/>
+          <a:ext cx="1095111" cy="6034350"/>
         </a:xfrm>
         <a:prstGeom prst="round2SameRect">
           <a:avLst/>
@@ -1878,12 +1878,12 @@
         <a:fontRef idx="minor"/>
       </dsp:style>
       <dsp:txBody>
-        <a:bodyPr spcFirstLastPara="0" vert="horz" wrap="square" lIns="68580" tIns="34290" rIns="68580" bIns="34290" numCol="1" spcCol="1270" anchor="ctr" anchorCtr="0">
+        <a:bodyPr spcFirstLastPara="0" vert="horz" wrap="square" lIns="76200" tIns="38100" rIns="76200" bIns="38100" numCol="1" spcCol="1270" anchor="ctr" anchorCtr="0">
           <a:noAutofit/>
         </a:bodyPr>
         <a:lstStyle/>
         <a:p>
-          <a:pPr marL="171450" lvl="1" indent="-171450" algn="l" defTabSz="800100">
+          <a:pPr marL="228600" lvl="1" indent="-228600" algn="l" defTabSz="889000">
             <a:lnSpc>
               <a:spcPct val="90000"/>
             </a:lnSpc>
@@ -1896,7 +1896,7 @@
             <a:buChar char="•"/>
           </a:pPr>
           <a:r>
-            <a:rPr lang="en-US" sz="1800" kern="1200">
+            <a:rPr lang="en-US" sz="2000" kern="1200">
               <a:latin typeface="Candara" panose="020E0502030303020204" pitchFamily="34" charset="0"/>
             </a:rPr>
             <a:t>Launching a product or service to different market segments or geographic regions over time.</a:t>
@@ -1904,8 +1904,8 @@
         </a:p>
       </dsp:txBody>
       <dsp:txXfrm rot="-5400000">
-        <a:off x="3050991" y="3198935"/>
-        <a:ext cx="5368226" cy="1030673"/>
+        <a:off x="3394322" y="3067090"/>
+        <a:ext cx="5980891" cy="988193"/>
       </dsp:txXfrm>
     </dsp:sp>
     <dsp:sp modelId="{A0BD178B-A294-43E0-9BAF-37E2280C15BA}">
@@ -1915,8 +1915,8 @@
       </dsp:nvSpPr>
       <dsp:spPr>
         <a:xfrm>
-          <a:off x="0" y="3000405"/>
-          <a:ext cx="3050990" cy="1427734"/>
+          <a:off x="0" y="2876742"/>
+          <a:ext cx="3394322" cy="1368889"/>
         </a:xfrm>
         <a:prstGeom prst="roundRect">
           <a:avLst/>
@@ -1988,12 +1988,12 @@
         </a:fontRef>
       </dsp:style>
       <dsp:txBody>
-        <a:bodyPr spcFirstLastPara="0" vert="horz" wrap="square" lIns="152400" tIns="76200" rIns="152400" bIns="76200" numCol="1" spcCol="1270" anchor="ctr" anchorCtr="0">
+        <a:bodyPr spcFirstLastPara="0" vert="horz" wrap="square" lIns="144780" tIns="72390" rIns="144780" bIns="72390" numCol="1" spcCol="1270" anchor="ctr" anchorCtr="0">
           <a:noAutofit/>
         </a:bodyPr>
         <a:lstStyle/>
         <a:p>
-          <a:pPr marL="0" lvl="0" indent="0" algn="ctr" defTabSz="1778000">
+          <a:pPr marL="0" lvl="0" indent="0" algn="ctr" defTabSz="1689100">
             <a:lnSpc>
               <a:spcPct val="90000"/>
             </a:lnSpc>
@@ -2006,7 +2006,7 @@
             <a:buNone/>
           </a:pPr>
           <a:r>
-            <a:rPr lang="en-US" sz="4000" kern="1200" dirty="0">
+            <a:rPr lang="en-US" sz="3800" kern="1200" dirty="0">
               <a:latin typeface="Candara" panose="020E0502030303020204" pitchFamily="34" charset="0"/>
             </a:rPr>
             <a:t>Phased launch</a:t>
@@ -2014,8 +2014,8 @@
         </a:p>
       </dsp:txBody>
       <dsp:txXfrm>
-        <a:off x="69696" y="3070101"/>
-        <a:ext cx="2911598" cy="1288342"/>
+        <a:off x="66824" y="2943566"/>
+        <a:ext cx="3260674" cy="1235241"/>
       </dsp:txXfrm>
     </dsp:sp>
   </dsp:spTree>
@@ -3599,7 +3599,7 @@
           <a:p>
             <a:fld id="{41DA9887-9249-49FD-809A-BACB264048C3}" type="datetimeFigureOut">
               <a:rPr lang="en-US" smtClean="0"/>
-              <a:t>2/11/2024</a:t>
+              <a:t>4/22/2024</a:t>
             </a:fld>
             <a:endParaRPr lang="en-US"/>
           </a:p>
@@ -4001,7 +4001,7 @@
           <a:p>
             <a:fld id="{EF213E56-3C1A-435A-851B-5B1F221C2038}" type="datetime1">
               <a:rPr lang="en-US" smtClean="0"/>
-              <a:t>2/11/2024</a:t>
+              <a:t>4/22/2024</a:t>
             </a:fld>
             <a:endParaRPr lang="en-US"/>
           </a:p>
@@ -4302,7 +4302,7 @@
           <a:p>
             <a:fld id="{B4696837-4851-4AA6-8AED-554226C981D1}" type="datetime1">
               <a:rPr lang="en-US" smtClean="0"/>
-              <a:t>2/11/2024</a:t>
+              <a:t>4/22/2024</a:t>
             </a:fld>
             <a:endParaRPr lang="en-US"/>
           </a:p>
@@ -4480,7 +4480,7 @@
           <a:p>
             <a:fld id="{BADD32E1-BB70-4827-BA33-FF5AFC435BE9}" type="datetime1">
               <a:rPr lang="en-US" smtClean="0"/>
-              <a:t>2/11/2024</a:t>
+              <a:t>4/22/2024</a:t>
             </a:fld>
             <a:endParaRPr lang="en-US"/>
           </a:p>
@@ -4723,7 +4723,7 @@
             </a:pPr>
             <a:fld id="{40B9EAF6-54F2-4DF5-9C6B-3F6F95B86356}" type="datetime1">
               <a:rPr lang="en-US" smtClean="0"/>
-              <a:t>2/11/2024</a:t>
+              <a:t>4/22/2024</a:t>
             </a:fld>
             <a:endParaRPr lang="en-US"/>
           </a:p>
@@ -4903,7 +4903,7 @@
             </a:pPr>
             <a:fld id="{D3D64A56-6FF4-479A-8655-719A18A98C4B}" type="datetime1">
               <a:rPr lang="en-US" smtClean="0"/>
-              <a:t>2/11/2024</a:t>
+              <a:t>4/22/2024</a:t>
             </a:fld>
             <a:endParaRPr lang="en-US"/>
           </a:p>
@@ -5184,7 +5184,7 @@
           <a:p>
             <a:fld id="{BB961044-FC46-4CBC-9061-59528F4899F3}" type="datetime1">
               <a:rPr lang="en-US" smtClean="0"/>
-              <a:t>2/11/2024</a:t>
+              <a:t>4/22/2024</a:t>
             </a:fld>
             <a:endParaRPr lang="en-US"/>
           </a:p>
@@ -5534,7 +5534,7 @@
           <a:p>
             <a:fld id="{4466A08C-77F3-471E-A5C4-1D2068144BAC}" type="datetime1">
               <a:rPr lang="en-US" smtClean="0"/>
-              <a:t>2/11/2024</a:t>
+              <a:t>4/22/2024</a:t>
             </a:fld>
             <a:endParaRPr lang="en-US"/>
           </a:p>
@@ -5763,7 +5763,7 @@
           <a:p>
             <a:fld id="{B90A7AD1-16F4-44C3-AE32-24C59A599E9D}" type="datetime1">
               <a:rPr lang="en-US" smtClean="0"/>
-              <a:t>2/11/2024</a:t>
+              <a:t>4/22/2024</a:t>
             </a:fld>
             <a:endParaRPr lang="en-US"/>
           </a:p>
@@ -6127,7 +6127,7 @@
           <a:p>
             <a:fld id="{B583DB4F-4316-4DF5-A229-BC1D787C82A0}" type="datetime1">
               <a:rPr lang="en-US" smtClean="0"/>
-              <a:t>2/11/2024</a:t>
+              <a:t>4/22/2024</a:t>
             </a:fld>
             <a:endParaRPr lang="en-US"/>
           </a:p>
@@ -6222,7 +6222,7 @@
           <a:p>
             <a:fld id="{AE6064B7-7A9F-432D-B7B9-6824267AA574}" type="datetime1">
               <a:rPr lang="en-US" smtClean="0"/>
-              <a:t>2/11/2024</a:t>
+              <a:t>4/22/2024</a:t>
             </a:fld>
             <a:endParaRPr lang="en-US"/>
           </a:p>
@@ -6447,7 +6447,7 @@
             <a:fld id="{B2F5E2FA-C428-4CE7-95B0-168D3259A5BB}" type="datetimeFigureOut">
               <a:rPr lang="en-US" smtClean="0"/>
               <a:pPr/>
-              <a:t>2/11/2024</a:t>
+              <a:t>4/22/2024</a:t>
             </a:fld>
             <a:endParaRPr lang="en-US"/>
           </a:p>
@@ -6624,7 +6624,7 @@
           <a:p>
             <a:fld id="{4E1C93A2-B712-486A-8AB5-D41B95D547BE}" type="datetime1">
               <a:rPr lang="en-US" smtClean="0"/>
-              <a:t>2/11/2024</a:t>
+              <a:t>4/22/2024</a:t>
             </a:fld>
             <a:endParaRPr lang="en-US"/>
           </a:p>
@@ -6899,7 +6899,7 @@
           <a:p>
             <a:fld id="{CAB2F318-F19F-4608-B7EF-F7FB8A482213}" type="datetime1">
               <a:rPr lang="en-US" smtClean="0"/>
-              <a:t>2/11/2024</a:t>
+              <a:t>4/22/2024</a:t>
             </a:fld>
             <a:endParaRPr lang="en-US"/>
           </a:p>
@@ -7151,7 +7151,7 @@
           <a:p>
             <a:fld id="{BB9CEF8C-69D6-4C3E-B892-F682F307A7B6}" type="datetime1">
               <a:rPr lang="en-US" smtClean="0"/>
-              <a:t>2/11/2024</a:t>
+              <a:t>4/22/2024</a:t>
             </a:fld>
             <a:endParaRPr lang="en-US"/>
           </a:p>
@@ -7362,7 +7362,7 @@
           <a:p>
             <a:fld id="{FB737C73-4A31-4C17-AFB7-7B8470027787}" type="datetime1">
               <a:rPr lang="en-US" smtClean="0"/>
-              <a:t>2/11/2024</a:t>
+              <a:t>4/22/2024</a:t>
             </a:fld>
             <a:endParaRPr lang="en-US"/>
           </a:p>
@@ -9070,25 +9070,6 @@
       </p:sp>
       <p:sp>
         <p:nvSpPr>
-          <p:cNvPr id="3" name="Content Placeholder 2"/>
-          <p:cNvSpPr>
-            <a:spLocks noGrp="1"/>
-          </p:cNvSpPr>
-          <p:nvPr>
-            <p:ph idx="1"/>
-          </p:nvPr>
-        </p:nvSpPr>
-        <p:spPr/>
-        <p:txBody>
-          <a:bodyPr/>
-          <a:lstStyle/>
-          <a:p>
-            <a:endParaRPr lang="en-US"/>
-          </a:p>
-        </p:txBody>
-      </p:sp>
-      <p:sp>
-        <p:nvSpPr>
           <p:cNvPr id="4" name="Slide Number Placeholder 3"/>
           <p:cNvSpPr>
             <a:spLocks noGrp="1"/>
@@ -14629,14 +14610,14 @@
           <p:nvPr>
             <p:extLst>
               <p:ext uri="{D42A27DB-BD31-4B8C-83A1-F6EECF244321}">
-                <p14:modId xmlns:p14="http://schemas.microsoft.com/office/powerpoint/2010/main" val="2550977452"/>
+                <p14:modId xmlns:p14="http://schemas.microsoft.com/office/powerpoint/2010/main" val="4006434416"/>
               </p:ext>
             </p:extLst>
           </p:nvPr>
         </p:nvGraphicFramePr>
         <p:xfrm>
-          <a:off x="1402272" y="1922248"/>
-          <a:ext cx="8474974" cy="4430303"/>
+          <a:off x="1381663" y="2104845"/>
+          <a:ext cx="9428673" cy="4247706"/>
         </p:xfrm>
         <a:graphic>
           <a:graphicData uri="http://schemas.openxmlformats.org/drawingml/2006/diagram">
